--- a/reports/Презентация.pptx
+++ b/reports/Презентация.pptx
@@ -11,10 +11,11 @@
     <p:sldId id="259" r:id="rId5"/>
     <p:sldId id="260" r:id="rId6"/>
     <p:sldId id="262" r:id="rId7"/>
-    <p:sldId id="261" r:id="rId8"/>
-    <p:sldId id="263" r:id="rId9"/>
-    <p:sldId id="264" r:id="rId10"/>
-    <p:sldId id="265" r:id="rId11"/>
+    <p:sldId id="266" r:id="rId8"/>
+    <p:sldId id="269" r:id="rId9"/>
+    <p:sldId id="270" r:id="rId10"/>
+    <p:sldId id="268" r:id="rId11"/>
+    <p:sldId id="265" r:id="rId12"/>
   </p:sldIdLst>
   <p:sldSz cx="12192000" cy="6858000"/>
   <p:notesSz cx="6858000" cy="9144000"/>
@@ -113,6 +114,11 @@
       </a:defRPr>
     </a:lvl9pPr>
   </p:defaultTextStyle>
+  <p:extLst>
+    <p:ext uri="{EFAFB233-063F-42B5-8137-9DF3F51BA10A}">
+      <p15:sldGuideLst xmlns:p15="http://schemas.microsoft.com/office/powerpoint/2012/main"/>
+    </p:ext>
+  </p:extLst>
 </p:presentation>
 </file>
 
@@ -247,7 +253,7 @@
           <a:p>
             <a:fld id="{0F1512B3-8B7C-4547-BFE7-AFFECA401082}" type="datetimeFigureOut">
               <a:rPr lang="ru-RU" smtClean="0"/>
-              <a:t>17.12.2017</a:t>
+              <a:t>18.12.2017</a:t>
             </a:fld>
             <a:endParaRPr lang="ru-RU"/>
           </a:p>
@@ -417,7 +423,7 @@
           <a:p>
             <a:fld id="{0F1512B3-8B7C-4547-BFE7-AFFECA401082}" type="datetimeFigureOut">
               <a:rPr lang="ru-RU" smtClean="0"/>
-              <a:t>17.12.2017</a:t>
+              <a:t>18.12.2017</a:t>
             </a:fld>
             <a:endParaRPr lang="ru-RU"/>
           </a:p>
@@ -597,7 +603,7 @@
           <a:p>
             <a:fld id="{0F1512B3-8B7C-4547-BFE7-AFFECA401082}" type="datetimeFigureOut">
               <a:rPr lang="ru-RU" smtClean="0"/>
-              <a:t>17.12.2017</a:t>
+              <a:t>18.12.2017</a:t>
             </a:fld>
             <a:endParaRPr lang="ru-RU"/>
           </a:p>
@@ -767,7 +773,7 @@
           <a:p>
             <a:fld id="{0F1512B3-8B7C-4547-BFE7-AFFECA401082}" type="datetimeFigureOut">
               <a:rPr lang="ru-RU" smtClean="0"/>
-              <a:t>17.12.2017</a:t>
+              <a:t>18.12.2017</a:t>
             </a:fld>
             <a:endParaRPr lang="ru-RU"/>
           </a:p>
@@ -1013,7 +1019,7 @@
           <a:p>
             <a:fld id="{0F1512B3-8B7C-4547-BFE7-AFFECA401082}" type="datetimeFigureOut">
               <a:rPr lang="ru-RU" smtClean="0"/>
-              <a:t>17.12.2017</a:t>
+              <a:t>18.12.2017</a:t>
             </a:fld>
             <a:endParaRPr lang="ru-RU"/>
           </a:p>
@@ -1245,7 +1251,7 @@
           <a:p>
             <a:fld id="{0F1512B3-8B7C-4547-BFE7-AFFECA401082}" type="datetimeFigureOut">
               <a:rPr lang="ru-RU" smtClean="0"/>
-              <a:t>17.12.2017</a:t>
+              <a:t>18.12.2017</a:t>
             </a:fld>
             <a:endParaRPr lang="ru-RU"/>
           </a:p>
@@ -1612,7 +1618,7 @@
           <a:p>
             <a:fld id="{0F1512B3-8B7C-4547-BFE7-AFFECA401082}" type="datetimeFigureOut">
               <a:rPr lang="ru-RU" smtClean="0"/>
-              <a:t>17.12.2017</a:t>
+              <a:t>18.12.2017</a:t>
             </a:fld>
             <a:endParaRPr lang="ru-RU"/>
           </a:p>
@@ -1730,7 +1736,7 @@
           <a:p>
             <a:fld id="{0F1512B3-8B7C-4547-BFE7-AFFECA401082}" type="datetimeFigureOut">
               <a:rPr lang="ru-RU" smtClean="0"/>
-              <a:t>17.12.2017</a:t>
+              <a:t>18.12.2017</a:t>
             </a:fld>
             <a:endParaRPr lang="ru-RU"/>
           </a:p>
@@ -1825,7 +1831,7 @@
           <a:p>
             <a:fld id="{0F1512B3-8B7C-4547-BFE7-AFFECA401082}" type="datetimeFigureOut">
               <a:rPr lang="ru-RU" smtClean="0"/>
-              <a:t>17.12.2017</a:t>
+              <a:t>18.12.2017</a:t>
             </a:fld>
             <a:endParaRPr lang="ru-RU"/>
           </a:p>
@@ -2102,7 +2108,7 @@
           <a:p>
             <a:fld id="{0F1512B3-8B7C-4547-BFE7-AFFECA401082}" type="datetimeFigureOut">
               <a:rPr lang="ru-RU" smtClean="0"/>
-              <a:t>17.12.2017</a:t>
+              <a:t>18.12.2017</a:t>
             </a:fld>
             <a:endParaRPr lang="ru-RU"/>
           </a:p>
@@ -2359,7 +2365,7 @@
           <a:p>
             <a:fld id="{0F1512B3-8B7C-4547-BFE7-AFFECA401082}" type="datetimeFigureOut">
               <a:rPr lang="ru-RU" smtClean="0"/>
-              <a:t>17.12.2017</a:t>
+              <a:t>18.12.2017</a:t>
             </a:fld>
             <a:endParaRPr lang="ru-RU"/>
           </a:p>
@@ -2594,7 +2600,7 @@
           <a:p>
             <a:fld id="{0F1512B3-8B7C-4547-BFE7-AFFECA401082}" type="datetimeFigureOut">
               <a:rPr lang="ru-RU" smtClean="0"/>
-              <a:t>17.12.2017</a:t>
+              <a:t>18.12.2017</a:t>
             </a:fld>
             <a:endParaRPr lang="ru-RU"/>
           </a:p>
@@ -3205,6 +3211,13 @@
               <a:lumMod val="85000"/>
             </a:schemeClr>
           </a:solidFill>
+          <a:ln>
+            <a:solidFill>
+              <a:schemeClr val="bg1">
+                <a:lumMod val="85000"/>
+              </a:schemeClr>
+            </a:solidFill>
+          </a:ln>
         </p:spPr>
         <p:style>
           <a:lnRef idx="2">
@@ -3284,6 +3297,74 @@
 </file>
 
 <file path=ppt/slides/slide10.xml><?xml version="1.0" encoding="utf-8"?>
+<p:sld xmlns:a="http://schemas.openxmlformats.org/drawingml/2006/main" xmlns:r="http://schemas.openxmlformats.org/officeDocument/2006/relationships" xmlns:p="http://schemas.openxmlformats.org/presentationml/2006/main">
+  <p:cSld>
+    <p:spTree>
+      <p:nvGrpSpPr>
+        <p:cNvPr id="1" name=""/>
+        <p:cNvGrpSpPr/>
+        <p:nvPr/>
+      </p:nvGrpSpPr>
+      <p:grpSpPr>
+        <a:xfrm>
+          <a:off x="0" y="0"/>
+          <a:ext cx="0" cy="0"/>
+          <a:chOff x="0" y="0"/>
+          <a:chExt cx="0" cy="0"/>
+        </a:xfrm>
+      </p:grpSpPr>
+      <p:sp>
+        <p:nvSpPr>
+          <p:cNvPr id="2" name="Заголовок 1"/>
+          <p:cNvSpPr>
+            <a:spLocks noGrp="1"/>
+          </p:cNvSpPr>
+          <p:nvPr>
+            <p:ph type="title"/>
+          </p:nvPr>
+        </p:nvSpPr>
+        <p:spPr/>
+        <p:txBody>
+          <a:bodyPr/>
+          <a:lstStyle/>
+          <a:p>
+            <a:endParaRPr lang="ru-RU"/>
+          </a:p>
+        </p:txBody>
+      </p:sp>
+      <p:sp>
+        <p:nvSpPr>
+          <p:cNvPr id="3" name="Объект 2"/>
+          <p:cNvSpPr>
+            <a:spLocks noGrp="1"/>
+          </p:cNvSpPr>
+          <p:nvPr>
+            <p:ph idx="1"/>
+          </p:nvPr>
+        </p:nvSpPr>
+        <p:spPr/>
+        <p:txBody>
+          <a:bodyPr/>
+          <a:lstStyle/>
+          <a:p>
+            <a:endParaRPr lang="ru-RU"/>
+          </a:p>
+        </p:txBody>
+      </p:sp>
+    </p:spTree>
+    <p:extLst>
+      <p:ext uri="{BB962C8B-B14F-4D97-AF65-F5344CB8AC3E}">
+        <p14:creationId xmlns:p14="http://schemas.microsoft.com/office/powerpoint/2010/main" val="3440510381"/>
+      </p:ext>
+    </p:extLst>
+  </p:cSld>
+  <p:clrMapOvr>
+    <a:masterClrMapping/>
+  </p:clrMapOvr>
+</p:sld>
+</file>
+
+<file path=ppt/slides/slide11.xml><?xml version="1.0" encoding="utf-8"?>
 <p:sld xmlns:a="http://schemas.openxmlformats.org/drawingml/2006/main" xmlns:r="http://schemas.openxmlformats.org/officeDocument/2006/relationships" xmlns:p="http://schemas.openxmlformats.org/presentationml/2006/main">
   <p:cSld>
     <p:spTree>
@@ -3535,10 +3616,6 @@
               </a:rPr>
               <a:t>Деревья квадрантов часто используются для рекурсивного разбиения двухмерного пространства по 4 квадранта (области). Области представляют собой квадраты, прямоугольники или имеют произвольную форму.</a:t>
             </a:r>
-            <a:endParaRPr lang="ru-RU" dirty="0">
-              <a:latin typeface="Roboto" pitchFamily="2" charset="0"/>
-              <a:ea typeface="Roboto" pitchFamily="2" charset="0"/>
-            </a:endParaRPr>
           </a:p>
         </p:txBody>
       </p:sp>
@@ -4584,9 +4661,16 @@
             <p:ph type="title"/>
           </p:nvPr>
         </p:nvSpPr>
-        <p:spPr/>
+        <p:spPr>
+          <a:xfrm>
+            <a:off x="837468" y="39789"/>
+            <a:ext cx="10370127" cy="986007"/>
+          </a:xfrm>
+        </p:spPr>
         <p:txBody>
-          <a:bodyPr/>
+          <a:bodyPr>
+            <a:normAutofit/>
+          </a:bodyPr>
           <a:lstStyle/>
           <a:p>
             <a:r>
@@ -4594,7 +4678,7 @@
                 <a:latin typeface="Roboto" pitchFamily="2" charset="0"/>
                 <a:ea typeface="Roboto" pitchFamily="2" charset="0"/>
               </a:rPr>
-              <a:t>Пример использования дерева квадрантов для расчета пробок</a:t>
+              <a:t>Основные шаги добавление точки</a:t>
             </a:r>
             <a:endParaRPr lang="ru-RU" dirty="0">
               <a:latin typeface="Roboto" pitchFamily="2" charset="0"/>
@@ -4605,133 +4689,14 @@
       </p:sp>
       <p:sp>
         <p:nvSpPr>
-          <p:cNvPr id="3" name="Объект 2"/>
-          <p:cNvSpPr>
-            <a:spLocks noGrp="1"/>
-          </p:cNvSpPr>
-          <p:nvPr>
-            <p:ph idx="1"/>
-          </p:nvPr>
-        </p:nvSpPr>
-        <p:spPr>
-          <a:xfrm>
-            <a:off x="838200" y="1825625"/>
-            <a:ext cx="11353800" cy="1333211"/>
-          </a:xfrm>
-        </p:spPr>
-        <p:txBody>
-          <a:bodyPr>
-            <a:normAutofit lnSpcReduction="10000"/>
-          </a:bodyPr>
-          <a:lstStyle/>
-          <a:p>
-            <a:r>
-              <a:rPr lang="ru-RU" sz="2400" dirty="0" smtClean="0">
-                <a:latin typeface="Roboto" pitchFamily="2" charset="0"/>
-                <a:ea typeface="Roboto" pitchFamily="2" charset="0"/>
-              </a:rPr>
-              <a:t>Компания 2гис использует данную структуру для «</a:t>
-            </a:r>
-            <a:r>
-              <a:rPr lang="ru-RU" sz="2400" dirty="0" err="1" smtClean="0">
-                <a:latin typeface="Roboto" pitchFamily="2" charset="0"/>
-                <a:ea typeface="Roboto" pitchFamily="2" charset="0"/>
-              </a:rPr>
-              <a:t>притяжки</a:t>
-            </a:r>
-            <a:r>
-              <a:rPr lang="ru-RU" sz="2400" dirty="0" smtClean="0">
-                <a:latin typeface="Roboto" pitchFamily="2" charset="0"/>
-                <a:ea typeface="Roboto" pitchFamily="2" charset="0"/>
-              </a:rPr>
-              <a:t> точек». </a:t>
-            </a:r>
-            <a:r>
-              <a:rPr lang="ru-RU" sz="2400" dirty="0" err="1" smtClean="0">
-                <a:latin typeface="Roboto" pitchFamily="2" charset="0"/>
-                <a:ea typeface="Roboto" pitchFamily="2" charset="0"/>
-              </a:rPr>
-              <a:t>Притяжка</a:t>
-            </a:r>
-            <a:r>
-              <a:rPr lang="ru-RU" sz="2400" dirty="0" smtClean="0">
-                <a:latin typeface="Roboto" pitchFamily="2" charset="0"/>
-                <a:ea typeface="Roboto" pitchFamily="2" charset="0"/>
-              </a:rPr>
-              <a:t> </a:t>
-            </a:r>
-            <a:r>
-              <a:rPr lang="ru-RU" sz="2400" dirty="0">
-                <a:latin typeface="Roboto" pitchFamily="2" charset="0"/>
-                <a:ea typeface="Roboto" pitchFamily="2" charset="0"/>
-              </a:rPr>
-              <a:t>точек — процесс соотнесения каждой точке участка дороги, на котором она была зарегистрирована, с учётом её скорости и направления </a:t>
-            </a:r>
-            <a:r>
-              <a:rPr lang="ru-RU" sz="2400" dirty="0" smtClean="0">
-                <a:latin typeface="Roboto" pitchFamily="2" charset="0"/>
-                <a:ea typeface="Roboto" pitchFamily="2" charset="0"/>
-              </a:rPr>
-              <a:t>движения. </a:t>
-            </a:r>
-            <a:endParaRPr lang="ru-RU" sz="2400" dirty="0">
-              <a:latin typeface="Roboto" pitchFamily="2" charset="0"/>
-              <a:ea typeface="Roboto" pitchFamily="2" charset="0"/>
-            </a:endParaRPr>
-          </a:p>
-        </p:txBody>
-      </p:sp>
-      <p:pic>
-        <p:nvPicPr>
-          <p:cNvPr id="4098" name="Picture 2" descr="https://habrastorage.org/getpro/habr/post_images/586/e3b/729/586e3b7295cbef23a7337837e0c2cbcd.png"/>
-          <p:cNvPicPr>
-            <a:picLocks noChangeAspect="1" noChangeArrowheads="1"/>
-          </p:cNvPicPr>
-          <p:nvPr/>
-        </p:nvPicPr>
-        <p:blipFill>
-          <a:blip r:embed="rId2">
-            <a:extLst>
-              <a:ext uri="{28A0092B-C50C-407E-A947-70E740481C1C}">
-                <a14:useLocalDpi xmlns:a14="http://schemas.microsoft.com/office/drawing/2010/main" val="0"/>
-              </a:ext>
-            </a:extLst>
-          </a:blip>
-          <a:srcRect/>
-          <a:stretch>
-            <a:fillRect/>
-          </a:stretch>
-        </p:blipFill>
-        <p:spPr bwMode="auto">
-          <a:xfrm>
-            <a:off x="1146463" y="3198118"/>
-            <a:ext cx="4738255" cy="3033337"/>
-          </a:xfrm>
-          <a:prstGeom prst="rect">
-            <a:avLst/>
-          </a:prstGeom>
-          <a:noFill/>
-          <a:extLst>
-            <a:ext uri="{909E8E84-426E-40DD-AFC4-6F175D3DCCD1}">
-              <a14:hiddenFill xmlns:a14="http://schemas.microsoft.com/office/drawing/2010/main">
-                <a:solidFill>
-                  <a:srgbClr val="FFFFFF"/>
-                </a:solidFill>
-              </a14:hiddenFill>
-            </a:ext>
-          </a:extLst>
-        </p:spPr>
-      </p:pic>
-      <p:sp>
-        <p:nvSpPr>
-          <p:cNvPr id="4" name="TextBox 3"/>
+          <p:cNvPr id="95" name="TextBox 94"/>
           <p:cNvSpPr txBox="1"/>
           <p:nvPr/>
         </p:nvSpPr>
         <p:spPr>
           <a:xfrm>
-            <a:off x="2964871" y="6342949"/>
-            <a:ext cx="1101438" cy="369332"/>
+            <a:off x="959095" y="1229005"/>
+            <a:ext cx="2610584" cy="369332"/>
           </a:xfrm>
           <a:prstGeom prst="rect">
             <a:avLst/>
@@ -4746,46 +4711,30 @@
           <a:p>
             <a:r>
               <a:rPr lang="ru-RU" dirty="0" smtClean="0"/>
-              <a:t>Как надо</a:t>
+              <a:t>Добавление точки (</a:t>
+            </a:r>
+            <a:r>
+              <a:rPr lang="en-US" dirty="0" smtClean="0"/>
+              <a:t>4</a:t>
+            </a:r>
+            <a:r>
+              <a:rPr lang="ru-RU" dirty="0" smtClean="0"/>
+              <a:t>, 2)</a:t>
             </a:r>
             <a:endParaRPr lang="ru-RU" dirty="0"/>
           </a:p>
         </p:txBody>
       </p:sp>
-      <p:pic>
-        <p:nvPicPr>
-          <p:cNvPr id="5" name="Рисунок 4"/>
-          <p:cNvPicPr>
-            <a:picLocks noChangeAspect="1"/>
-          </p:cNvPicPr>
-          <p:nvPr/>
-        </p:nvPicPr>
-        <p:blipFill>
-          <a:blip r:embed="rId3"/>
-          <a:stretch>
-            <a:fillRect/>
-          </a:stretch>
-        </p:blipFill>
-        <p:spPr>
-          <a:xfrm>
-            <a:off x="7271471" y="3198118"/>
-            <a:ext cx="2581275" cy="2781300"/>
-          </a:xfrm>
-          <a:prstGeom prst="rect">
-            <a:avLst/>
-          </a:prstGeom>
-        </p:spPr>
-      </p:pic>
       <p:sp>
         <p:nvSpPr>
-          <p:cNvPr id="6" name="TextBox 5"/>
+          <p:cNvPr id="122" name="TextBox 121"/>
           <p:cNvSpPr txBox="1"/>
           <p:nvPr/>
         </p:nvSpPr>
         <p:spPr>
           <a:xfrm>
-            <a:off x="7868298" y="6231455"/>
-            <a:ext cx="1387620" cy="369332"/>
+            <a:off x="427404" y="4353894"/>
+            <a:ext cx="6166827" cy="646331"/>
           </a:xfrm>
           <a:prstGeom prst="rect">
             <a:avLst/>
@@ -4798,31 +4747,825 @@
           </a:bodyPr>
           <a:lstStyle/>
           <a:p>
+            <a:pPr marL="285750" indent="-285750">
+              <a:buFont typeface="Arial" panose="020B0604020202020204" pitchFamily="34" charset="0"/>
+              <a:buChar char="•"/>
+            </a:pPr>
             <a:r>
               <a:rPr lang="ru-RU" dirty="0" smtClean="0"/>
-              <a:t>Как не надо</a:t>
+              <a:t>Изначально </a:t>
+            </a:r>
+            <a:r>
+              <a:rPr lang="en-US" dirty="0" smtClean="0"/>
+              <a:t>root</a:t>
+            </a:r>
+            <a:r>
+              <a:rPr lang="ru-RU" dirty="0" smtClean="0"/>
+              <a:t> не хранит точку. Следовательно надо вставить в этот узел добавляемую точку.</a:t>
             </a:r>
             <a:endParaRPr lang="ru-RU" dirty="0"/>
           </a:p>
         </p:txBody>
       </p:sp>
+      <p:grpSp>
+        <p:nvGrpSpPr>
+          <p:cNvPr id="125" name="Группа 124"/>
+          <p:cNvGrpSpPr/>
+          <p:nvPr/>
+        </p:nvGrpSpPr>
+        <p:grpSpPr>
+          <a:xfrm>
+            <a:off x="8501694" y="807960"/>
+            <a:ext cx="3586062" cy="3200493"/>
+            <a:chOff x="6991216" y="932996"/>
+            <a:chExt cx="4973652" cy="4392166"/>
+          </a:xfrm>
+        </p:grpSpPr>
+        <p:grpSp>
+          <p:nvGrpSpPr>
+            <p:cNvPr id="126" name="Группа 125"/>
+            <p:cNvGrpSpPr/>
+            <p:nvPr/>
+          </p:nvGrpSpPr>
+          <p:grpSpPr>
+            <a:xfrm>
+              <a:off x="7554790" y="932996"/>
+              <a:ext cx="4410078" cy="4230116"/>
+              <a:chOff x="7554790" y="932996"/>
+              <a:chExt cx="4410078" cy="4230116"/>
+            </a:xfrm>
+          </p:grpSpPr>
+          <p:sp>
+            <p:nvSpPr>
+              <p:cNvPr id="134" name="Прямоугольник 133"/>
+              <p:cNvSpPr/>
+              <p:nvPr/>
+            </p:nvSpPr>
+            <p:spPr>
+              <a:xfrm>
+                <a:off x="7851531" y="1575823"/>
+                <a:ext cx="3356796" cy="3172023"/>
+              </a:xfrm>
+              <a:prstGeom prst="rect">
+                <a:avLst/>
+              </a:prstGeom>
+            </p:spPr>
+            <p:style>
+              <a:lnRef idx="2">
+                <a:schemeClr val="accent3">
+                  <a:shade val="50000"/>
+                </a:schemeClr>
+              </a:lnRef>
+              <a:fillRef idx="1">
+                <a:schemeClr val="accent3"/>
+              </a:fillRef>
+              <a:effectRef idx="0">
+                <a:schemeClr val="accent3"/>
+              </a:effectRef>
+              <a:fontRef idx="minor">
+                <a:schemeClr val="lt1"/>
+              </a:fontRef>
+            </p:style>
+            <p:txBody>
+              <a:bodyPr rtlCol="0" anchor="ctr"/>
+              <a:lstStyle/>
+              <a:p>
+                <a:pPr algn="ctr"/>
+                <a:endParaRPr lang="ru-RU"/>
+              </a:p>
+            </p:txBody>
+          </p:sp>
+          <p:cxnSp>
+            <p:nvCxnSpPr>
+              <p:cNvPr id="135" name="Прямая со стрелкой 134"/>
+              <p:cNvCxnSpPr/>
+              <p:nvPr/>
+            </p:nvCxnSpPr>
+            <p:spPr>
+              <a:xfrm>
+                <a:off x="7561385" y="4747846"/>
+                <a:ext cx="4281853" cy="0"/>
+              </a:xfrm>
+              <a:prstGeom prst="straightConnector1">
+                <a:avLst/>
+              </a:prstGeom>
+              <a:ln>
+                <a:tailEnd type="triangle"/>
+              </a:ln>
+            </p:spPr>
+            <p:style>
+              <a:lnRef idx="3">
+                <a:schemeClr val="dk1"/>
+              </a:lnRef>
+              <a:fillRef idx="0">
+                <a:schemeClr val="dk1"/>
+              </a:fillRef>
+              <a:effectRef idx="2">
+                <a:schemeClr val="dk1"/>
+              </a:effectRef>
+              <a:fontRef idx="minor">
+                <a:schemeClr val="tx1"/>
+              </a:fontRef>
+            </p:style>
+          </p:cxnSp>
+          <p:cxnSp>
+            <p:nvCxnSpPr>
+              <p:cNvPr id="136" name="Прямая со стрелкой 135"/>
+              <p:cNvCxnSpPr/>
+              <p:nvPr/>
+            </p:nvCxnSpPr>
+            <p:spPr>
+              <a:xfrm flipV="1">
+                <a:off x="7851529" y="1071730"/>
+                <a:ext cx="2" cy="3992639"/>
+              </a:xfrm>
+              <a:prstGeom prst="straightConnector1">
+                <a:avLst/>
+              </a:prstGeom>
+              <a:ln>
+                <a:tailEnd type="triangle"/>
+              </a:ln>
+            </p:spPr>
+            <p:style>
+              <a:lnRef idx="3">
+                <a:schemeClr val="dk1"/>
+              </a:lnRef>
+              <a:fillRef idx="0">
+                <a:schemeClr val="dk1"/>
+              </a:fillRef>
+              <a:effectRef idx="2">
+                <a:schemeClr val="dk1"/>
+              </a:effectRef>
+              <a:fontRef idx="minor">
+                <a:schemeClr val="tx1"/>
+              </a:fontRef>
+            </p:style>
+          </p:cxnSp>
+          <p:sp>
+            <p:nvSpPr>
+              <p:cNvPr id="137" name="TextBox 136"/>
+              <p:cNvSpPr txBox="1"/>
+              <p:nvPr/>
+            </p:nvSpPr>
+            <p:spPr>
+              <a:xfrm>
+                <a:off x="7554790" y="932996"/>
+                <a:ext cx="211015" cy="369332"/>
+              </a:xfrm>
+              <a:prstGeom prst="rect">
+                <a:avLst/>
+              </a:prstGeom>
+              <a:noFill/>
+            </p:spPr>
+            <p:txBody>
+              <a:bodyPr wrap="square" rtlCol="0">
+                <a:spAutoFit/>
+              </a:bodyPr>
+              <a:lstStyle/>
+              <a:p>
+                <a:r>
+                  <a:rPr lang="en-US" dirty="0" smtClean="0"/>
+                  <a:t>y</a:t>
+                </a:r>
+                <a:endParaRPr lang="ru-RU" dirty="0"/>
+              </a:p>
+            </p:txBody>
+          </p:sp>
+          <p:sp>
+            <p:nvSpPr>
+              <p:cNvPr id="138" name="TextBox 137"/>
+              <p:cNvSpPr txBox="1"/>
+              <p:nvPr/>
+            </p:nvSpPr>
+            <p:spPr>
+              <a:xfrm>
+                <a:off x="11674722" y="4793780"/>
+                <a:ext cx="290146" cy="369332"/>
+              </a:xfrm>
+              <a:prstGeom prst="rect">
+                <a:avLst/>
+              </a:prstGeom>
+              <a:noFill/>
+            </p:spPr>
+            <p:txBody>
+              <a:bodyPr wrap="square" rtlCol="0">
+                <a:spAutoFit/>
+              </a:bodyPr>
+              <a:lstStyle/>
+              <a:p>
+                <a:r>
+                  <a:rPr lang="en-US" dirty="0" smtClean="0"/>
+                  <a:t>x</a:t>
+                </a:r>
+                <a:endParaRPr lang="ru-RU" dirty="0"/>
+              </a:p>
+            </p:txBody>
+          </p:sp>
+          <p:cxnSp>
+            <p:nvCxnSpPr>
+              <p:cNvPr id="139" name="Прямая соединительная линия 138"/>
+              <p:cNvCxnSpPr/>
+              <p:nvPr/>
+            </p:nvCxnSpPr>
+            <p:spPr>
+              <a:xfrm flipV="1">
+                <a:off x="7680080" y="1573904"/>
+                <a:ext cx="342899" cy="1918"/>
+              </a:xfrm>
+              <a:prstGeom prst="line">
+                <a:avLst/>
+              </a:prstGeom>
+            </p:spPr>
+            <p:style>
+              <a:lnRef idx="3">
+                <a:schemeClr val="accent2"/>
+              </a:lnRef>
+              <a:fillRef idx="0">
+                <a:schemeClr val="accent2"/>
+              </a:fillRef>
+              <a:effectRef idx="2">
+                <a:schemeClr val="accent2"/>
+              </a:effectRef>
+              <a:fontRef idx="minor">
+                <a:schemeClr val="tx1"/>
+              </a:fontRef>
+            </p:style>
+          </p:cxnSp>
+          <p:cxnSp>
+            <p:nvCxnSpPr>
+              <p:cNvPr id="140" name="Прямая соединительная линия 139"/>
+              <p:cNvCxnSpPr/>
+              <p:nvPr/>
+            </p:nvCxnSpPr>
+            <p:spPr>
+              <a:xfrm flipV="1">
+                <a:off x="11207595" y="4515823"/>
+                <a:ext cx="1466" cy="397654"/>
+              </a:xfrm>
+              <a:prstGeom prst="line">
+                <a:avLst/>
+              </a:prstGeom>
+            </p:spPr>
+            <p:style>
+              <a:lnRef idx="3">
+                <a:schemeClr val="accent2"/>
+              </a:lnRef>
+              <a:fillRef idx="0">
+                <a:schemeClr val="accent2"/>
+              </a:fillRef>
+              <a:effectRef idx="2">
+                <a:schemeClr val="accent2"/>
+              </a:effectRef>
+              <a:fontRef idx="minor">
+                <a:schemeClr val="tx1"/>
+              </a:fontRef>
+            </p:style>
+          </p:cxnSp>
+          <p:sp>
+            <p:nvSpPr>
+              <p:cNvPr id="141" name="TextBox 140"/>
+              <p:cNvSpPr txBox="1"/>
+              <p:nvPr/>
+            </p:nvSpPr>
+            <p:spPr>
+              <a:xfrm>
+                <a:off x="7577870" y="4714650"/>
+                <a:ext cx="204420" cy="369332"/>
+              </a:xfrm>
+              <a:prstGeom prst="rect">
+                <a:avLst/>
+              </a:prstGeom>
+              <a:noFill/>
+            </p:spPr>
+            <p:txBody>
+              <a:bodyPr wrap="square" rtlCol="0">
+                <a:spAutoFit/>
+              </a:bodyPr>
+              <a:lstStyle/>
+              <a:p>
+                <a:r>
+                  <a:rPr lang="ru-RU" dirty="0" smtClean="0"/>
+                  <a:t>0</a:t>
+                </a:r>
+                <a:endParaRPr lang="ru-RU" dirty="0"/>
+              </a:p>
+            </p:txBody>
+          </p:sp>
+        </p:grpSp>
+        <p:sp>
+          <p:nvSpPr>
+            <p:cNvPr id="127" name="TextBox 126"/>
+            <p:cNvSpPr txBox="1"/>
+            <p:nvPr/>
+          </p:nvSpPr>
+          <p:spPr>
+            <a:xfrm>
+              <a:off x="6991216" y="1343588"/>
+              <a:ext cx="602775" cy="506849"/>
+            </a:xfrm>
+            <a:prstGeom prst="rect">
+              <a:avLst/>
+            </a:prstGeom>
+            <a:noFill/>
+          </p:spPr>
+          <p:txBody>
+            <a:bodyPr wrap="square" rtlCol="0">
+              <a:spAutoFit/>
+            </a:bodyPr>
+            <a:lstStyle/>
+            <a:p>
+              <a:r>
+                <a:rPr lang="ru-RU" dirty="0" smtClean="0"/>
+                <a:t>10</a:t>
+              </a:r>
+              <a:endParaRPr lang="ru-RU" dirty="0"/>
+            </a:p>
+          </p:txBody>
+        </p:sp>
+        <p:sp>
+          <p:nvSpPr>
+            <p:cNvPr id="128" name="TextBox 127"/>
+            <p:cNvSpPr txBox="1"/>
+            <p:nvPr/>
+          </p:nvSpPr>
+          <p:spPr>
+            <a:xfrm>
+              <a:off x="10914577" y="4818313"/>
+              <a:ext cx="650060" cy="506849"/>
+            </a:xfrm>
+            <a:prstGeom prst="rect">
+              <a:avLst/>
+            </a:prstGeom>
+            <a:noFill/>
+          </p:spPr>
+          <p:txBody>
+            <a:bodyPr wrap="square" rtlCol="0">
+              <a:spAutoFit/>
+            </a:bodyPr>
+            <a:lstStyle/>
+            <a:p>
+              <a:r>
+                <a:rPr lang="ru-RU" dirty="0" smtClean="0"/>
+                <a:t>10</a:t>
+              </a:r>
+              <a:endParaRPr lang="ru-RU" dirty="0"/>
+            </a:p>
+          </p:txBody>
+        </p:sp>
+      </p:grpSp>
+      <p:grpSp>
+        <p:nvGrpSpPr>
+          <p:cNvPr id="158" name="Группа 157"/>
+          <p:cNvGrpSpPr/>
+          <p:nvPr/>
+        </p:nvGrpSpPr>
+        <p:grpSpPr>
+          <a:xfrm>
+            <a:off x="1324577" y="1935825"/>
+            <a:ext cx="2640754" cy="1425760"/>
+            <a:chOff x="824186" y="1606301"/>
+            <a:chExt cx="2545721" cy="1380173"/>
+          </a:xfrm>
+        </p:grpSpPr>
+        <p:cxnSp>
+          <p:nvCxnSpPr>
+            <p:cNvPr id="159" name="Прямая со стрелкой 158"/>
+            <p:cNvCxnSpPr>
+              <a:stCxn id="165" idx="2"/>
+            </p:cNvCxnSpPr>
+            <p:nvPr/>
+          </p:nvCxnSpPr>
+          <p:spPr>
+            <a:xfrm flipH="1">
+              <a:off x="934027" y="2583618"/>
+              <a:ext cx="210386" cy="390413"/>
+            </a:xfrm>
+            <a:prstGeom prst="straightConnector1">
+              <a:avLst/>
+            </a:prstGeom>
+            <a:ln>
+              <a:tailEnd type="triangle"/>
+            </a:ln>
+          </p:spPr>
+          <p:style>
+            <a:lnRef idx="1">
+              <a:schemeClr val="accent1"/>
+            </a:lnRef>
+            <a:fillRef idx="0">
+              <a:schemeClr val="accent1"/>
+            </a:fillRef>
+            <a:effectRef idx="0">
+              <a:schemeClr val="accent1"/>
+            </a:effectRef>
+            <a:fontRef idx="minor">
+              <a:schemeClr val="tx1"/>
+            </a:fontRef>
+          </p:style>
+        </p:cxnSp>
+        <p:cxnSp>
+          <p:nvCxnSpPr>
+            <p:cNvPr id="160" name="Прямая со стрелкой 159"/>
+            <p:cNvCxnSpPr/>
+            <p:nvPr/>
+          </p:nvCxnSpPr>
+          <p:spPr>
+            <a:xfrm flipH="1">
+              <a:off x="1579003" y="2536496"/>
+              <a:ext cx="190188" cy="437535"/>
+            </a:xfrm>
+            <a:prstGeom prst="straightConnector1">
+              <a:avLst/>
+            </a:prstGeom>
+            <a:ln>
+              <a:tailEnd type="triangle"/>
+            </a:ln>
+          </p:spPr>
+          <p:style>
+            <a:lnRef idx="1">
+              <a:schemeClr val="accent1"/>
+            </a:lnRef>
+            <a:fillRef idx="0">
+              <a:schemeClr val="accent1"/>
+            </a:fillRef>
+            <a:effectRef idx="0">
+              <a:schemeClr val="accent1"/>
+            </a:effectRef>
+            <a:fontRef idx="minor">
+              <a:schemeClr val="tx1"/>
+            </a:fontRef>
+          </p:style>
+        </p:cxnSp>
+        <p:cxnSp>
+          <p:nvCxnSpPr>
+            <p:cNvPr id="161" name="Прямая со стрелкой 160"/>
+            <p:cNvCxnSpPr/>
+            <p:nvPr/>
+          </p:nvCxnSpPr>
+          <p:spPr>
+            <a:xfrm>
+              <a:off x="2414167" y="2533863"/>
+              <a:ext cx="275835" cy="452611"/>
+            </a:xfrm>
+            <a:prstGeom prst="straightConnector1">
+              <a:avLst/>
+            </a:prstGeom>
+            <a:ln>
+              <a:tailEnd type="triangle"/>
+            </a:ln>
+          </p:spPr>
+          <p:style>
+            <a:lnRef idx="1">
+              <a:schemeClr val="accent1"/>
+            </a:lnRef>
+            <a:fillRef idx="0">
+              <a:schemeClr val="accent1"/>
+            </a:fillRef>
+            <a:effectRef idx="0">
+              <a:schemeClr val="accent1"/>
+            </a:effectRef>
+            <a:fontRef idx="minor">
+              <a:schemeClr val="tx1"/>
+            </a:fontRef>
+          </p:style>
+        </p:cxnSp>
+        <p:cxnSp>
+          <p:nvCxnSpPr>
+            <p:cNvPr id="162" name="Прямая со стрелкой 161"/>
+            <p:cNvCxnSpPr/>
+            <p:nvPr/>
+          </p:nvCxnSpPr>
+          <p:spPr>
+            <a:xfrm>
+              <a:off x="3025901" y="2552839"/>
+              <a:ext cx="309078" cy="421191"/>
+            </a:xfrm>
+            <a:prstGeom prst="straightConnector1">
+              <a:avLst/>
+            </a:prstGeom>
+            <a:ln>
+              <a:tailEnd type="triangle"/>
+            </a:ln>
+          </p:spPr>
+          <p:style>
+            <a:lnRef idx="1">
+              <a:schemeClr val="accent1"/>
+            </a:lnRef>
+            <a:fillRef idx="0">
+              <a:schemeClr val="accent1"/>
+            </a:fillRef>
+            <a:effectRef idx="0">
+              <a:schemeClr val="accent1"/>
+            </a:effectRef>
+            <a:fontRef idx="minor">
+              <a:schemeClr val="tx1"/>
+            </a:fontRef>
+          </p:style>
+        </p:cxnSp>
+        <p:grpSp>
+          <p:nvGrpSpPr>
+            <p:cNvPr id="163" name="Группа 162"/>
+            <p:cNvGrpSpPr/>
+            <p:nvPr/>
+          </p:nvGrpSpPr>
+          <p:grpSpPr>
+            <a:xfrm>
+              <a:off x="824186" y="1606301"/>
+              <a:ext cx="2545721" cy="979720"/>
+              <a:chOff x="908443" y="1649262"/>
+              <a:chExt cx="2545721" cy="979720"/>
+            </a:xfrm>
+          </p:grpSpPr>
+          <p:sp>
+            <p:nvSpPr>
+              <p:cNvPr id="164" name="Прямоугольник 163"/>
+              <p:cNvSpPr/>
+              <p:nvPr/>
+            </p:nvSpPr>
+            <p:spPr>
+              <a:xfrm>
+                <a:off x="908443" y="1649262"/>
+                <a:ext cx="2545720" cy="331409"/>
+              </a:xfrm>
+              <a:prstGeom prst="rect">
+                <a:avLst/>
+              </a:prstGeom>
+            </p:spPr>
+            <p:style>
+              <a:lnRef idx="2">
+                <a:schemeClr val="accent3">
+                  <a:shade val="50000"/>
+                </a:schemeClr>
+              </a:lnRef>
+              <a:fillRef idx="1">
+                <a:schemeClr val="accent3"/>
+              </a:fillRef>
+              <a:effectRef idx="0">
+                <a:schemeClr val="accent3"/>
+              </a:effectRef>
+              <a:fontRef idx="minor">
+                <a:schemeClr val="lt1"/>
+              </a:fontRef>
+            </p:style>
+            <p:txBody>
+              <a:bodyPr rtlCol="0" anchor="ctr"/>
+              <a:lstStyle/>
+              <a:p>
+                <a:pPr algn="ctr"/>
+                <a:r>
+                  <a:rPr lang="en-US" sz="1200" dirty="0"/>
+                  <a:t>r</a:t>
+                </a:r>
+                <a:r>
+                  <a:rPr lang="en-US" sz="1200" dirty="0" smtClean="0"/>
+                  <a:t>oot</a:t>
+                </a:r>
+                <a:r>
+                  <a:rPr lang="ru-RU" sz="1200" dirty="0" smtClean="0"/>
+                  <a:t> ((</a:t>
+                </a:r>
+                <a:r>
+                  <a:rPr lang="ru-RU" sz="1200" dirty="0"/>
+                  <a:t>0, 10), (10, 0</a:t>
+                </a:r>
+                <a:r>
+                  <a:rPr lang="ru-RU" sz="1200" dirty="0" smtClean="0"/>
+                  <a:t>))</a:t>
+                </a:r>
+                <a:endParaRPr lang="en-US" sz="1200" dirty="0"/>
+              </a:p>
+            </p:txBody>
+          </p:sp>
+          <p:sp>
+            <p:nvSpPr>
+              <p:cNvPr id="165" name="Прямоугольник 164"/>
+              <p:cNvSpPr/>
+              <p:nvPr/>
+            </p:nvSpPr>
+            <p:spPr>
+              <a:xfrm>
+                <a:off x="908444" y="2263044"/>
+                <a:ext cx="640451" cy="363535"/>
+              </a:xfrm>
+              <a:prstGeom prst="rect">
+                <a:avLst/>
+              </a:prstGeom>
+            </p:spPr>
+            <p:style>
+              <a:lnRef idx="2">
+                <a:schemeClr val="accent1">
+                  <a:shade val="50000"/>
+                </a:schemeClr>
+              </a:lnRef>
+              <a:fillRef idx="1">
+                <a:schemeClr val="accent1"/>
+              </a:fillRef>
+              <a:effectRef idx="0">
+                <a:schemeClr val="accent1"/>
+              </a:effectRef>
+              <a:fontRef idx="minor">
+                <a:schemeClr val="lt1"/>
+              </a:fontRef>
+            </p:style>
+            <p:txBody>
+              <a:bodyPr rtlCol="0" anchor="ctr"/>
+              <a:lstStyle/>
+              <a:p>
+                <a:pPr algn="ctr"/>
+                <a:r>
+                  <a:rPr lang="en-US" sz="1200" dirty="0" smtClean="0"/>
+                  <a:t>NW</a:t>
+                </a:r>
+                <a:endParaRPr lang="ru-RU" sz="1200" dirty="0"/>
+              </a:p>
+            </p:txBody>
+          </p:sp>
+          <p:sp>
+            <p:nvSpPr>
+              <p:cNvPr id="166" name="Прямоугольник 165"/>
+              <p:cNvSpPr/>
+              <p:nvPr/>
+            </p:nvSpPr>
+            <p:spPr>
+              <a:xfrm>
+                <a:off x="1548895" y="2268372"/>
+                <a:ext cx="640452" cy="360608"/>
+              </a:xfrm>
+              <a:prstGeom prst="rect">
+                <a:avLst/>
+              </a:prstGeom>
+            </p:spPr>
+            <p:style>
+              <a:lnRef idx="2">
+                <a:schemeClr val="accent1">
+                  <a:shade val="50000"/>
+                </a:schemeClr>
+              </a:lnRef>
+              <a:fillRef idx="1">
+                <a:schemeClr val="accent1"/>
+              </a:fillRef>
+              <a:effectRef idx="0">
+                <a:schemeClr val="accent1"/>
+              </a:effectRef>
+              <a:fontRef idx="minor">
+                <a:schemeClr val="lt1"/>
+              </a:fontRef>
+            </p:style>
+            <p:txBody>
+              <a:bodyPr rtlCol="0" anchor="ctr"/>
+              <a:lstStyle/>
+              <a:p>
+                <a:pPr algn="ctr"/>
+                <a:r>
+                  <a:rPr lang="en-US" sz="1200" dirty="0" smtClean="0"/>
+                  <a:t>NE</a:t>
+                </a:r>
+                <a:endParaRPr lang="ru-RU" sz="1200" dirty="0"/>
+              </a:p>
+            </p:txBody>
+          </p:sp>
+          <p:sp>
+            <p:nvSpPr>
+              <p:cNvPr id="167" name="Прямоугольник 166"/>
+              <p:cNvSpPr/>
+              <p:nvPr/>
+            </p:nvSpPr>
+            <p:spPr>
+              <a:xfrm>
+                <a:off x="2173261" y="2260600"/>
+                <a:ext cx="640452" cy="368382"/>
+              </a:xfrm>
+              <a:prstGeom prst="rect">
+                <a:avLst/>
+              </a:prstGeom>
+            </p:spPr>
+            <p:style>
+              <a:lnRef idx="2">
+                <a:schemeClr val="accent1">
+                  <a:shade val="50000"/>
+                </a:schemeClr>
+              </a:lnRef>
+              <a:fillRef idx="1">
+                <a:schemeClr val="accent1"/>
+              </a:fillRef>
+              <a:effectRef idx="0">
+                <a:schemeClr val="accent1"/>
+              </a:effectRef>
+              <a:fontRef idx="minor">
+                <a:schemeClr val="lt1"/>
+              </a:fontRef>
+            </p:style>
+            <p:txBody>
+              <a:bodyPr rtlCol="0" anchor="ctr"/>
+              <a:lstStyle/>
+              <a:p>
+                <a:pPr algn="ctr"/>
+                <a:r>
+                  <a:rPr lang="en-US" sz="1200" dirty="0" smtClean="0"/>
+                  <a:t>SW</a:t>
+                </a:r>
+                <a:endParaRPr lang="ru-RU" sz="1200" dirty="0"/>
+              </a:p>
+            </p:txBody>
+          </p:sp>
+          <p:sp>
+            <p:nvSpPr>
+              <p:cNvPr id="168" name="Прямоугольник 167"/>
+              <p:cNvSpPr/>
+              <p:nvPr/>
+            </p:nvSpPr>
+            <p:spPr>
+              <a:xfrm>
+                <a:off x="2813712" y="2260600"/>
+                <a:ext cx="640452" cy="368380"/>
+              </a:xfrm>
+              <a:prstGeom prst="rect">
+                <a:avLst/>
+              </a:prstGeom>
+            </p:spPr>
+            <p:style>
+              <a:lnRef idx="2">
+                <a:schemeClr val="accent1">
+                  <a:shade val="50000"/>
+                </a:schemeClr>
+              </a:lnRef>
+              <a:fillRef idx="1">
+                <a:schemeClr val="accent1"/>
+              </a:fillRef>
+              <a:effectRef idx="0">
+                <a:schemeClr val="accent1"/>
+              </a:effectRef>
+              <a:fontRef idx="minor">
+                <a:schemeClr val="lt1"/>
+              </a:fontRef>
+            </p:style>
+            <p:txBody>
+              <a:bodyPr rtlCol="0" anchor="ctr"/>
+              <a:lstStyle/>
+              <a:p>
+                <a:pPr algn="ctr"/>
+                <a:r>
+                  <a:rPr lang="en-US" sz="1200" dirty="0" smtClean="0"/>
+                  <a:t>SE</a:t>
+                </a:r>
+              </a:p>
+            </p:txBody>
+          </p:sp>
+          <p:sp>
+            <p:nvSpPr>
+              <p:cNvPr id="169" name="Прямоугольник 168"/>
+              <p:cNvSpPr/>
+              <p:nvPr/>
+            </p:nvSpPr>
+            <p:spPr>
+              <a:xfrm>
+                <a:off x="908443" y="1988444"/>
+                <a:ext cx="2545721" cy="280065"/>
+              </a:xfrm>
+              <a:prstGeom prst="rect">
+                <a:avLst/>
+              </a:prstGeom>
+            </p:spPr>
+            <p:style>
+              <a:lnRef idx="2">
+                <a:schemeClr val="accent1">
+                  <a:shade val="50000"/>
+                </a:schemeClr>
+              </a:lnRef>
+              <a:fillRef idx="1">
+                <a:schemeClr val="accent1"/>
+              </a:fillRef>
+              <a:effectRef idx="0">
+                <a:schemeClr val="accent1"/>
+              </a:effectRef>
+              <a:fontRef idx="minor">
+                <a:schemeClr val="lt1"/>
+              </a:fontRef>
+            </p:style>
+            <p:txBody>
+              <a:bodyPr rtlCol="0" anchor="ctr"/>
+              <a:lstStyle/>
+              <a:p>
+                <a:pPr algn="ctr"/>
+                <a:r>
+                  <a:rPr lang="en-US" sz="1200" dirty="0" smtClean="0"/>
+                  <a:t>NILL</a:t>
+                </a:r>
+                <a:endParaRPr lang="ru-RU" sz="1200" dirty="0"/>
+              </a:p>
+            </p:txBody>
+          </p:sp>
+        </p:grpSp>
+      </p:grpSp>
     </p:spTree>
     <p:extLst>
       <p:ext uri="{BB962C8B-B14F-4D97-AF65-F5344CB8AC3E}">
-        <p14:creationId xmlns:p14="http://schemas.microsoft.com/office/powerpoint/2010/main" val="45191824"/>
+        <p14:creationId xmlns:p14="http://schemas.microsoft.com/office/powerpoint/2010/main" val="1883156188"/>
       </p:ext>
     </p:extLst>
   </p:cSld>
   <p:clrMapOvr>
     <a:masterClrMapping/>
   </p:clrMapOvr>
-  <p:timing>
-    <p:tnLst>
-      <p:par>
-        <p:cTn id="1" dur="indefinite" restart="never" nodeType="tmRoot"/>
-      </p:par>
-    </p:tnLst>
-  </p:timing>
 </p:sld>
 </file>
 
@@ -4855,12 +5598,14 @@
         </p:nvSpPr>
         <p:spPr>
           <a:xfrm>
-            <a:off x="838200" y="365126"/>
-            <a:ext cx="8416636" cy="1034184"/>
+            <a:off x="837468" y="39789"/>
+            <a:ext cx="10370127" cy="986007"/>
           </a:xfrm>
         </p:spPr>
         <p:txBody>
-          <a:bodyPr/>
+          <a:bodyPr>
+            <a:normAutofit/>
+          </a:bodyPr>
           <a:lstStyle/>
           <a:p>
             <a:r>
@@ -4868,7 +5613,7 @@
                 <a:latin typeface="Roboto" pitchFamily="2" charset="0"/>
                 <a:ea typeface="Roboto" pitchFamily="2" charset="0"/>
               </a:rPr>
-              <a:t>Описание реализации</a:t>
+              <a:t>Основные шаги добавление точки</a:t>
             </a:r>
             <a:endParaRPr lang="ru-RU" dirty="0">
               <a:latin typeface="Roboto" pitchFamily="2" charset="0"/>
@@ -4879,234 +5624,1047 @@
       </p:sp>
       <p:sp>
         <p:nvSpPr>
-          <p:cNvPr id="3" name="Объект 2"/>
-          <p:cNvSpPr>
-            <a:spLocks noGrp="1"/>
-          </p:cNvSpPr>
-          <p:nvPr>
-            <p:ph idx="1"/>
-          </p:nvPr>
+          <p:cNvPr id="95" name="TextBox 94"/>
+          <p:cNvSpPr txBox="1"/>
+          <p:nvPr/>
         </p:nvSpPr>
         <p:spPr>
           <a:xfrm>
-            <a:off x="24534" y="1399311"/>
-            <a:ext cx="7744691" cy="5458689"/>
-          </a:xfrm>
-        </p:spPr>
-        <p:txBody>
-          <a:bodyPr>
-            <a:normAutofit fontScale="77500" lnSpcReduction="20000"/>
-          </a:bodyPr>
-          <a:lstStyle/>
-          <a:p>
-            <a:r>
-              <a:rPr lang="ru-RU" dirty="0" err="1">
-                <a:latin typeface="Roboto" pitchFamily="2" charset="0"/>
-                <a:ea typeface="Roboto" pitchFamily="2" charset="0"/>
-              </a:rPr>
-              <a:t>Квадродеревья</a:t>
-            </a:r>
-            <a:r>
-              <a:rPr lang="ru-RU" dirty="0">
-                <a:latin typeface="Roboto" pitchFamily="2" charset="0"/>
-                <a:ea typeface="Roboto" pitchFamily="2" charset="0"/>
-              </a:rPr>
-              <a:t> способны хранить информацию о разных типах данных, однако нас интересует хранение сегментов(отрезков), поскольку дорожную сеть можно просто представить именно с </a:t>
-            </a:r>
-            <a:r>
-              <a:rPr lang="ru-RU" dirty="0" smtClean="0">
-                <a:latin typeface="Roboto" pitchFamily="2" charset="0"/>
-                <a:ea typeface="Roboto" pitchFamily="2" charset="0"/>
-              </a:rPr>
-              <a:t>помощью сегментов.</a:t>
-            </a:r>
-          </a:p>
-          <a:p>
-            <a:r>
-              <a:rPr lang="en-US" dirty="0">
-                <a:latin typeface="Roboto" pitchFamily="2" charset="0"/>
-                <a:ea typeface="Roboto" pitchFamily="2" charset="0"/>
-              </a:rPr>
-              <a:t>Polygonal Map Random </a:t>
-            </a:r>
-            <a:r>
-              <a:rPr lang="en-US" dirty="0" err="1">
-                <a:latin typeface="Roboto" pitchFamily="2" charset="0"/>
-                <a:ea typeface="Roboto" pitchFamily="2" charset="0"/>
-              </a:rPr>
-              <a:t>Quadtree</a:t>
-            </a:r>
-            <a:r>
-              <a:rPr lang="ru-RU" dirty="0" smtClean="0">
-                <a:latin typeface="Roboto" pitchFamily="2" charset="0"/>
-                <a:ea typeface="Roboto" pitchFamily="2" charset="0"/>
-              </a:rPr>
-              <a:t>:</a:t>
-            </a:r>
-            <a:r>
-              <a:rPr lang="ru-RU" dirty="0">
-                <a:latin typeface="Roboto" pitchFamily="2" charset="0"/>
-                <a:ea typeface="Roboto" pitchFamily="2" charset="0"/>
-              </a:rPr>
-              <a:t/>
-            </a:r>
-            <a:br>
-              <a:rPr lang="ru-RU" dirty="0">
-                <a:latin typeface="Roboto" pitchFamily="2" charset="0"/>
-                <a:ea typeface="Roboto" pitchFamily="2" charset="0"/>
-              </a:rPr>
-            </a:br>
-            <a:r>
-              <a:rPr lang="ru-RU" dirty="0">
-                <a:latin typeface="Roboto" pitchFamily="2" charset="0"/>
-                <a:ea typeface="Roboto" pitchFamily="2" charset="0"/>
-              </a:rPr>
-              <a:t>Использует вероятностное правило разбиения;</a:t>
-            </a:r>
-          </a:p>
-          <a:p>
-            <a:r>
-              <a:rPr lang="ru-RU" dirty="0">
-                <a:latin typeface="Roboto" pitchFamily="2" charset="0"/>
-                <a:ea typeface="Roboto" pitchFamily="2" charset="0"/>
-              </a:rPr>
-              <a:t>Каждый узел содержит переменное количество сегментов;</a:t>
-            </a:r>
-          </a:p>
-          <a:p>
-            <a:r>
-              <a:rPr lang="ru-RU" dirty="0">
-                <a:latin typeface="Roboto" pitchFamily="2" charset="0"/>
-                <a:ea typeface="Roboto" pitchFamily="2" charset="0"/>
-              </a:rPr>
-              <a:t>Каждый сегмент вставляется во все узлы, которые пересекает;</a:t>
-            </a:r>
-          </a:p>
-          <a:p>
-            <a:r>
-              <a:rPr lang="ru-RU" dirty="0">
-                <a:latin typeface="Roboto" pitchFamily="2" charset="0"/>
-                <a:ea typeface="Roboto" pitchFamily="2" charset="0"/>
-              </a:rPr>
-              <a:t>Если узел содержит количество сегментов, превышающее ограничение, то происходит разбиение(только однажды) на 4 дочерних узла;</a:t>
-            </a:r>
-          </a:p>
-          <a:p>
-            <a:r>
-              <a:rPr lang="ru-RU" dirty="0">
-                <a:latin typeface="Roboto" pitchFamily="2" charset="0"/>
-                <a:ea typeface="Roboto" pitchFamily="2" charset="0"/>
-              </a:rPr>
-              <a:t>Хорошо подходит для задачи поиска ближайшего сегмента.</a:t>
-            </a:r>
-          </a:p>
-          <a:p>
-            <a:r>
-              <a:rPr lang="ru-RU" dirty="0" smtClean="0">
-                <a:latin typeface="Roboto" pitchFamily="2" charset="0"/>
-                <a:ea typeface="Roboto" pitchFamily="2" charset="0"/>
-              </a:rPr>
-              <a:t>Минусы</a:t>
-            </a:r>
-            <a:r>
-              <a:rPr lang="ru-RU" dirty="0">
-                <a:latin typeface="Roboto" pitchFamily="2" charset="0"/>
-                <a:ea typeface="Roboto" pitchFamily="2" charset="0"/>
-              </a:rPr>
-              <a:t>:</a:t>
-            </a:r>
-            <a:r>
-              <a:rPr lang="ru-RU" dirty="0">
-                <a:latin typeface="Roboto" pitchFamily="2" charset="0"/>
-                <a:ea typeface="Roboto" pitchFamily="2" charset="0"/>
-              </a:rPr>
-              <a:t/>
-            </a:r>
-            <a:br>
-              <a:rPr lang="ru-RU" dirty="0">
-                <a:latin typeface="Roboto" pitchFamily="2" charset="0"/>
-                <a:ea typeface="Roboto" pitchFamily="2" charset="0"/>
-              </a:rPr>
-            </a:br>
-            <a:r>
-              <a:rPr lang="ru-RU" dirty="0">
-                <a:latin typeface="Roboto" pitchFamily="2" charset="0"/>
-                <a:ea typeface="Roboto" pitchFamily="2" charset="0"/>
-              </a:rPr>
-              <a:t>Возможна разбалансировка дерева</a:t>
-            </a:r>
-            <a:r>
-              <a:rPr lang="ru-RU" dirty="0" smtClean="0">
-                <a:latin typeface="Roboto" pitchFamily="2" charset="0"/>
-                <a:ea typeface="Roboto" pitchFamily="2" charset="0"/>
-              </a:rPr>
-              <a:t>.</a:t>
-            </a:r>
-            <a:endParaRPr lang="ru-RU" dirty="0">
-              <a:latin typeface="Roboto" pitchFamily="2" charset="0"/>
-              <a:ea typeface="Roboto" pitchFamily="2" charset="0"/>
-            </a:endParaRPr>
-          </a:p>
-        </p:txBody>
-      </p:sp>
-      <p:pic>
-        <p:nvPicPr>
-          <p:cNvPr id="5122" name="Picture 2" descr="https://habrastorage.org/getpro/habr/post_images/9eb/6aa/428/9eb6aa42867b102b2761d2c2ae02ce09.png"/>
-          <p:cNvPicPr>
-            <a:picLocks noChangeAspect="1" noChangeArrowheads="1"/>
-          </p:cNvPicPr>
-          <p:nvPr/>
-        </p:nvPicPr>
-        <p:blipFill>
-          <a:blip r:embed="rId2">
-            <a:extLst>
-              <a:ext uri="{28A0092B-C50C-407E-A947-70E740481C1C}">
-                <a14:useLocalDpi xmlns:a14="http://schemas.microsoft.com/office/drawing/2010/main" val="0"/>
-              </a:ext>
-            </a:extLst>
-          </a:blip>
-          <a:srcRect/>
-          <a:stretch>
-            <a:fillRect/>
-          </a:stretch>
-        </p:blipFill>
-        <p:spPr bwMode="auto">
-          <a:xfrm>
-            <a:off x="8582891" y="1399310"/>
-            <a:ext cx="3257550" cy="3581400"/>
+            <a:off x="916463" y="1176170"/>
+            <a:ext cx="2807479" cy="369332"/>
           </a:xfrm>
           <a:prstGeom prst="rect">
             <a:avLst/>
           </a:prstGeom>
           <a:noFill/>
-          <a:extLst>
-            <a:ext uri="{909E8E84-426E-40DD-AFC4-6F175D3DCCD1}">
-              <a14:hiddenFill xmlns:a14="http://schemas.microsoft.com/office/drawing/2010/main">
-                <a:solidFill>
-                  <a:srgbClr val="FFFFFF"/>
-                </a:solidFill>
-              </a14:hiddenFill>
-            </a:ext>
-          </a:extLst>
         </p:spPr>
-      </p:pic>
+        <p:txBody>
+          <a:bodyPr wrap="square" rtlCol="0">
+            <a:spAutoFit/>
+          </a:bodyPr>
+          <a:lstStyle/>
+          <a:p>
+            <a:r>
+              <a:rPr lang="en-US" dirty="0" smtClean="0"/>
+              <a:t>2) </a:t>
+            </a:r>
+            <a:r>
+              <a:rPr lang="ru-RU" dirty="0" smtClean="0"/>
+              <a:t>Добавление точки (7, 5)</a:t>
+            </a:r>
+            <a:endParaRPr lang="ru-RU" dirty="0"/>
+          </a:p>
+        </p:txBody>
+      </p:sp>
+      <p:sp>
+        <p:nvSpPr>
+          <p:cNvPr id="122" name="TextBox 121"/>
+          <p:cNvSpPr txBox="1"/>
+          <p:nvPr/>
+        </p:nvSpPr>
+        <p:spPr>
+          <a:xfrm>
+            <a:off x="627561" y="3762267"/>
+            <a:ext cx="5280870" cy="1200329"/>
+          </a:xfrm>
+          <a:prstGeom prst="rect">
+            <a:avLst/>
+          </a:prstGeom>
+          <a:noFill/>
+        </p:spPr>
+        <p:txBody>
+          <a:bodyPr wrap="square" rtlCol="0">
+            <a:spAutoFit/>
+          </a:bodyPr>
+          <a:lstStyle/>
+          <a:p>
+            <a:pPr marL="285750" indent="-285750">
+              <a:buFont typeface="Arial" panose="020B0604020202020204" pitchFamily="34" charset="0"/>
+              <a:buChar char="•"/>
+            </a:pPr>
+            <a:r>
+              <a:rPr lang="ru-RU" dirty="0" smtClean="0"/>
+              <a:t>Так как </a:t>
+            </a:r>
+            <a:r>
+              <a:rPr lang="en-US" dirty="0" smtClean="0"/>
+              <a:t>root </a:t>
+            </a:r>
+            <a:r>
+              <a:rPr lang="ru-RU" dirty="0" smtClean="0"/>
+              <a:t>содержит точку и дочерние узлы равны </a:t>
+            </a:r>
+            <a:r>
+              <a:rPr lang="en-US" dirty="0" smtClean="0"/>
+              <a:t>NULL</a:t>
+            </a:r>
+            <a:r>
+              <a:rPr lang="ru-RU" dirty="0" smtClean="0"/>
+              <a:t>, требуется разбить пространство, то есть выделить память для потомков и присвоить им границы.</a:t>
+            </a:r>
+            <a:endParaRPr lang="ru-RU" dirty="0"/>
+          </a:p>
+        </p:txBody>
+      </p:sp>
+      <p:grpSp>
+        <p:nvGrpSpPr>
+          <p:cNvPr id="6" name="Группа 5"/>
+          <p:cNvGrpSpPr/>
+          <p:nvPr/>
+        </p:nvGrpSpPr>
+        <p:grpSpPr>
+          <a:xfrm>
+            <a:off x="8422766" y="848003"/>
+            <a:ext cx="3586062" cy="3216973"/>
+            <a:chOff x="6991216" y="932996"/>
+            <a:chExt cx="4973652" cy="4414782"/>
+          </a:xfrm>
+        </p:grpSpPr>
+        <p:grpSp>
+          <p:nvGrpSpPr>
+            <p:cNvPr id="102" name="Группа 101"/>
+            <p:cNvGrpSpPr/>
+            <p:nvPr/>
+          </p:nvGrpSpPr>
+          <p:grpSpPr>
+            <a:xfrm>
+              <a:off x="7554790" y="932996"/>
+              <a:ext cx="4410078" cy="4230116"/>
+              <a:chOff x="7554790" y="932996"/>
+              <a:chExt cx="4410078" cy="4230116"/>
+            </a:xfrm>
+          </p:grpSpPr>
+          <p:sp>
+            <p:nvSpPr>
+              <p:cNvPr id="75" name="Прямоугольник 74"/>
+              <p:cNvSpPr/>
+              <p:nvPr/>
+            </p:nvSpPr>
+            <p:spPr>
+              <a:xfrm>
+                <a:off x="7851531" y="1575823"/>
+                <a:ext cx="3356796" cy="3172023"/>
+              </a:xfrm>
+              <a:prstGeom prst="rect">
+                <a:avLst/>
+              </a:prstGeom>
+            </p:spPr>
+            <p:style>
+              <a:lnRef idx="2">
+                <a:schemeClr val="accent3">
+                  <a:shade val="50000"/>
+                </a:schemeClr>
+              </a:lnRef>
+              <a:fillRef idx="1">
+                <a:schemeClr val="accent3"/>
+              </a:fillRef>
+              <a:effectRef idx="0">
+                <a:schemeClr val="accent3"/>
+              </a:effectRef>
+              <a:fontRef idx="minor">
+                <a:schemeClr val="lt1"/>
+              </a:fontRef>
+            </p:style>
+            <p:txBody>
+              <a:bodyPr rtlCol="0" anchor="ctr"/>
+              <a:lstStyle/>
+              <a:p>
+                <a:pPr algn="ctr"/>
+                <a:endParaRPr lang="ru-RU"/>
+              </a:p>
+            </p:txBody>
+          </p:sp>
+          <p:cxnSp>
+            <p:nvCxnSpPr>
+              <p:cNvPr id="83" name="Прямая со стрелкой 82"/>
+              <p:cNvCxnSpPr/>
+              <p:nvPr/>
+            </p:nvCxnSpPr>
+            <p:spPr>
+              <a:xfrm>
+                <a:off x="7561385" y="4747846"/>
+                <a:ext cx="4281853" cy="0"/>
+              </a:xfrm>
+              <a:prstGeom prst="straightConnector1">
+                <a:avLst/>
+              </a:prstGeom>
+              <a:ln>
+                <a:tailEnd type="triangle"/>
+              </a:ln>
+            </p:spPr>
+            <p:style>
+              <a:lnRef idx="3">
+                <a:schemeClr val="dk1"/>
+              </a:lnRef>
+              <a:fillRef idx="0">
+                <a:schemeClr val="dk1"/>
+              </a:fillRef>
+              <a:effectRef idx="2">
+                <a:schemeClr val="dk1"/>
+              </a:effectRef>
+              <a:fontRef idx="minor">
+                <a:schemeClr val="tx1"/>
+              </a:fontRef>
+            </p:style>
+          </p:cxnSp>
+          <p:cxnSp>
+            <p:nvCxnSpPr>
+              <p:cNvPr id="85" name="Прямая со стрелкой 84"/>
+              <p:cNvCxnSpPr/>
+              <p:nvPr/>
+            </p:nvCxnSpPr>
+            <p:spPr>
+              <a:xfrm flipV="1">
+                <a:off x="7851529" y="1071730"/>
+                <a:ext cx="2" cy="3992639"/>
+              </a:xfrm>
+              <a:prstGeom prst="straightConnector1">
+                <a:avLst/>
+              </a:prstGeom>
+              <a:ln>
+                <a:tailEnd type="triangle"/>
+              </a:ln>
+            </p:spPr>
+            <p:style>
+              <a:lnRef idx="3">
+                <a:schemeClr val="dk1"/>
+              </a:lnRef>
+              <a:fillRef idx="0">
+                <a:schemeClr val="dk1"/>
+              </a:fillRef>
+              <a:effectRef idx="2">
+                <a:schemeClr val="dk1"/>
+              </a:effectRef>
+              <a:fontRef idx="minor">
+                <a:schemeClr val="tx1"/>
+              </a:fontRef>
+            </p:style>
+          </p:cxnSp>
+          <p:sp>
+            <p:nvSpPr>
+              <p:cNvPr id="88" name="TextBox 87"/>
+              <p:cNvSpPr txBox="1"/>
+              <p:nvPr/>
+            </p:nvSpPr>
+            <p:spPr>
+              <a:xfrm>
+                <a:off x="7554790" y="932996"/>
+                <a:ext cx="211015" cy="369332"/>
+              </a:xfrm>
+              <a:prstGeom prst="rect">
+                <a:avLst/>
+              </a:prstGeom>
+              <a:noFill/>
+            </p:spPr>
+            <p:txBody>
+              <a:bodyPr wrap="square" rtlCol="0">
+                <a:spAutoFit/>
+              </a:bodyPr>
+              <a:lstStyle/>
+              <a:p>
+                <a:r>
+                  <a:rPr lang="en-US" dirty="0" smtClean="0"/>
+                  <a:t>y</a:t>
+                </a:r>
+                <a:endParaRPr lang="ru-RU" dirty="0"/>
+              </a:p>
+            </p:txBody>
+          </p:sp>
+          <p:sp>
+            <p:nvSpPr>
+              <p:cNvPr id="89" name="TextBox 88"/>
+              <p:cNvSpPr txBox="1"/>
+              <p:nvPr/>
+            </p:nvSpPr>
+            <p:spPr>
+              <a:xfrm>
+                <a:off x="11674722" y="4793780"/>
+                <a:ext cx="290146" cy="369332"/>
+              </a:xfrm>
+              <a:prstGeom prst="rect">
+                <a:avLst/>
+              </a:prstGeom>
+              <a:noFill/>
+            </p:spPr>
+            <p:txBody>
+              <a:bodyPr wrap="square" rtlCol="0">
+                <a:spAutoFit/>
+              </a:bodyPr>
+              <a:lstStyle/>
+              <a:p>
+                <a:r>
+                  <a:rPr lang="en-US" dirty="0" smtClean="0"/>
+                  <a:t>x</a:t>
+                </a:r>
+                <a:endParaRPr lang="ru-RU" dirty="0"/>
+              </a:p>
+            </p:txBody>
+          </p:sp>
+          <p:cxnSp>
+            <p:nvCxnSpPr>
+              <p:cNvPr id="97" name="Прямая соединительная линия 96"/>
+              <p:cNvCxnSpPr/>
+              <p:nvPr/>
+            </p:nvCxnSpPr>
+            <p:spPr>
+              <a:xfrm flipV="1">
+                <a:off x="7680080" y="1573904"/>
+                <a:ext cx="342899" cy="1918"/>
+              </a:xfrm>
+              <a:prstGeom prst="line">
+                <a:avLst/>
+              </a:prstGeom>
+            </p:spPr>
+            <p:style>
+              <a:lnRef idx="3">
+                <a:schemeClr val="accent2"/>
+              </a:lnRef>
+              <a:fillRef idx="0">
+                <a:schemeClr val="accent2"/>
+              </a:fillRef>
+              <a:effectRef idx="2">
+                <a:schemeClr val="accent2"/>
+              </a:effectRef>
+              <a:fontRef idx="minor">
+                <a:schemeClr val="tx1"/>
+              </a:fontRef>
+            </p:style>
+          </p:cxnSp>
+          <p:cxnSp>
+            <p:nvCxnSpPr>
+              <p:cNvPr id="98" name="Прямая соединительная линия 97"/>
+              <p:cNvCxnSpPr/>
+              <p:nvPr/>
+            </p:nvCxnSpPr>
+            <p:spPr>
+              <a:xfrm flipV="1">
+                <a:off x="11207595" y="4515823"/>
+                <a:ext cx="1466" cy="397654"/>
+              </a:xfrm>
+              <a:prstGeom prst="line">
+                <a:avLst/>
+              </a:prstGeom>
+            </p:spPr>
+            <p:style>
+              <a:lnRef idx="3">
+                <a:schemeClr val="accent2"/>
+              </a:lnRef>
+              <a:fillRef idx="0">
+                <a:schemeClr val="accent2"/>
+              </a:fillRef>
+              <a:effectRef idx="2">
+                <a:schemeClr val="accent2"/>
+              </a:effectRef>
+              <a:fontRef idx="minor">
+                <a:schemeClr val="tx1"/>
+              </a:fontRef>
+            </p:style>
+          </p:cxnSp>
+          <p:sp>
+            <p:nvSpPr>
+              <p:cNvPr id="101" name="TextBox 100"/>
+              <p:cNvSpPr txBox="1"/>
+              <p:nvPr/>
+            </p:nvSpPr>
+            <p:spPr>
+              <a:xfrm>
+                <a:off x="7577870" y="4714650"/>
+                <a:ext cx="204420" cy="369332"/>
+              </a:xfrm>
+              <a:prstGeom prst="rect">
+                <a:avLst/>
+              </a:prstGeom>
+              <a:noFill/>
+            </p:spPr>
+            <p:txBody>
+              <a:bodyPr wrap="square" rtlCol="0">
+                <a:spAutoFit/>
+              </a:bodyPr>
+              <a:lstStyle/>
+              <a:p>
+                <a:r>
+                  <a:rPr lang="ru-RU" dirty="0" smtClean="0"/>
+                  <a:t>0</a:t>
+                </a:r>
+                <a:endParaRPr lang="ru-RU" dirty="0"/>
+              </a:p>
+            </p:txBody>
+          </p:sp>
+        </p:grpSp>
+        <p:sp>
+          <p:nvSpPr>
+            <p:cNvPr id="103" name="TextBox 102"/>
+            <p:cNvSpPr txBox="1"/>
+            <p:nvPr/>
+          </p:nvSpPr>
+          <p:spPr>
+            <a:xfrm>
+              <a:off x="6991216" y="1343588"/>
+              <a:ext cx="602775" cy="506849"/>
+            </a:xfrm>
+            <a:prstGeom prst="rect">
+              <a:avLst/>
+            </a:prstGeom>
+            <a:noFill/>
+          </p:spPr>
+          <p:txBody>
+            <a:bodyPr wrap="square" rtlCol="0">
+              <a:spAutoFit/>
+            </a:bodyPr>
+            <a:lstStyle/>
+            <a:p>
+              <a:r>
+                <a:rPr lang="ru-RU" dirty="0" smtClean="0"/>
+                <a:t>10</a:t>
+              </a:r>
+              <a:endParaRPr lang="ru-RU" dirty="0"/>
+            </a:p>
+          </p:txBody>
+        </p:sp>
+        <p:sp>
+          <p:nvSpPr>
+            <p:cNvPr id="104" name="TextBox 103"/>
+            <p:cNvSpPr txBox="1"/>
+            <p:nvPr/>
+          </p:nvSpPr>
+          <p:spPr>
+            <a:xfrm>
+              <a:off x="10914577" y="4818313"/>
+              <a:ext cx="650060" cy="506849"/>
+            </a:xfrm>
+            <a:prstGeom prst="rect">
+              <a:avLst/>
+            </a:prstGeom>
+            <a:noFill/>
+          </p:spPr>
+          <p:txBody>
+            <a:bodyPr wrap="square" rtlCol="0">
+              <a:spAutoFit/>
+            </a:bodyPr>
+            <a:lstStyle/>
+            <a:p>
+              <a:r>
+                <a:rPr lang="ru-RU" dirty="0" smtClean="0"/>
+                <a:t>10</a:t>
+              </a:r>
+              <a:endParaRPr lang="ru-RU" dirty="0"/>
+            </a:p>
+          </p:txBody>
+        </p:sp>
+        <p:sp>
+          <p:nvSpPr>
+            <p:cNvPr id="3" name="Блок-схема: узел 2"/>
+            <p:cNvSpPr/>
+            <p:nvPr/>
+          </p:nvSpPr>
+          <p:spPr>
+            <a:xfrm>
+              <a:off x="9047150" y="4197819"/>
+              <a:ext cx="106441" cy="100897"/>
+            </a:xfrm>
+            <a:prstGeom prst="flowChartConnector">
+              <a:avLst/>
+            </a:prstGeom>
+          </p:spPr>
+          <p:style>
+            <a:lnRef idx="2">
+              <a:schemeClr val="accent1">
+                <a:shade val="50000"/>
+              </a:schemeClr>
+            </a:lnRef>
+            <a:fillRef idx="1">
+              <a:schemeClr val="accent1"/>
+            </a:fillRef>
+            <a:effectRef idx="0">
+              <a:schemeClr val="accent1"/>
+            </a:effectRef>
+            <a:fontRef idx="minor">
+              <a:schemeClr val="lt1"/>
+            </a:fontRef>
+          </p:style>
+          <p:txBody>
+            <a:bodyPr rtlCol="0" anchor="ctr"/>
+            <a:lstStyle/>
+            <a:p>
+              <a:pPr algn="ctr"/>
+              <a:endParaRPr lang="ru-RU"/>
+            </a:p>
+          </p:txBody>
+        </p:sp>
+        <p:cxnSp>
+          <p:nvCxnSpPr>
+            <p:cNvPr id="33" name="Прямая соединительная линия 32"/>
+            <p:cNvCxnSpPr/>
+            <p:nvPr/>
+          </p:nvCxnSpPr>
+          <p:spPr>
+            <a:xfrm flipV="1">
+              <a:off x="7679347" y="4197819"/>
+              <a:ext cx="342899" cy="1918"/>
+            </a:xfrm>
+            <a:prstGeom prst="line">
+              <a:avLst/>
+            </a:prstGeom>
+          </p:spPr>
+          <p:style>
+            <a:lnRef idx="3">
+              <a:schemeClr val="accent2"/>
+            </a:lnRef>
+            <a:fillRef idx="0">
+              <a:schemeClr val="accent2"/>
+            </a:fillRef>
+            <a:effectRef idx="2">
+              <a:schemeClr val="accent2"/>
+            </a:effectRef>
+            <a:fontRef idx="minor">
+              <a:schemeClr val="tx1"/>
+            </a:fontRef>
+          </p:style>
+        </p:cxnSp>
+        <p:cxnSp>
+          <p:nvCxnSpPr>
+            <p:cNvPr id="34" name="Прямая соединительная линия 33"/>
+            <p:cNvCxnSpPr/>
+            <p:nvPr/>
+          </p:nvCxnSpPr>
+          <p:spPr>
+            <a:xfrm flipV="1">
+              <a:off x="9100372" y="4594953"/>
+              <a:ext cx="1466" cy="397654"/>
+            </a:xfrm>
+            <a:prstGeom prst="line">
+              <a:avLst/>
+            </a:prstGeom>
+          </p:spPr>
+          <p:style>
+            <a:lnRef idx="3">
+              <a:schemeClr val="accent2"/>
+            </a:lnRef>
+            <a:fillRef idx="0">
+              <a:schemeClr val="accent2"/>
+            </a:fillRef>
+            <a:effectRef idx="2">
+              <a:schemeClr val="accent2"/>
+            </a:effectRef>
+            <a:fontRef idx="minor">
+              <a:schemeClr val="tx1"/>
+            </a:fontRef>
+          </p:style>
+        </p:cxnSp>
+        <p:sp>
+          <p:nvSpPr>
+            <p:cNvPr id="35" name="TextBox 34"/>
+            <p:cNvSpPr txBox="1"/>
+            <p:nvPr/>
+          </p:nvSpPr>
+          <p:spPr>
+            <a:xfrm>
+              <a:off x="7422173" y="4013153"/>
+              <a:ext cx="214312" cy="369332"/>
+            </a:xfrm>
+            <a:prstGeom prst="rect">
+              <a:avLst/>
+            </a:prstGeom>
+            <a:noFill/>
+          </p:spPr>
+          <p:txBody>
+            <a:bodyPr wrap="square" rtlCol="0">
+              <a:spAutoFit/>
+            </a:bodyPr>
+            <a:lstStyle/>
+            <a:p>
+              <a:r>
+                <a:rPr lang="en-US" dirty="0" smtClean="0"/>
+                <a:t>2</a:t>
+              </a:r>
+              <a:endParaRPr lang="ru-RU" dirty="0"/>
+            </a:p>
+          </p:txBody>
+        </p:sp>
+        <p:sp>
+          <p:nvSpPr>
+            <p:cNvPr id="36" name="TextBox 35"/>
+            <p:cNvSpPr txBox="1"/>
+            <p:nvPr/>
+          </p:nvSpPr>
+          <p:spPr>
+            <a:xfrm>
+              <a:off x="8953817" y="4978446"/>
+              <a:ext cx="293109" cy="369332"/>
+            </a:xfrm>
+            <a:prstGeom prst="rect">
+              <a:avLst/>
+            </a:prstGeom>
+            <a:noFill/>
+          </p:spPr>
+          <p:txBody>
+            <a:bodyPr wrap="square" rtlCol="0">
+              <a:spAutoFit/>
+            </a:bodyPr>
+            <a:lstStyle/>
+            <a:p>
+              <a:r>
+                <a:rPr lang="en-US" dirty="0" smtClean="0"/>
+                <a:t>4</a:t>
+              </a:r>
+              <a:endParaRPr lang="ru-RU" dirty="0"/>
+            </a:p>
+          </p:txBody>
+        </p:sp>
+      </p:grpSp>
+      <p:grpSp>
+        <p:nvGrpSpPr>
+          <p:cNvPr id="38" name="Группа 37"/>
+          <p:cNvGrpSpPr/>
+          <p:nvPr/>
+        </p:nvGrpSpPr>
+        <p:grpSpPr>
+          <a:xfrm>
+            <a:off x="1324577" y="1935825"/>
+            <a:ext cx="2640754" cy="1425760"/>
+            <a:chOff x="824186" y="1606301"/>
+            <a:chExt cx="2545721" cy="1380173"/>
+          </a:xfrm>
+        </p:grpSpPr>
+        <p:cxnSp>
+          <p:nvCxnSpPr>
+            <p:cNvPr id="39" name="Прямая со стрелкой 38"/>
+            <p:cNvCxnSpPr>
+              <a:stCxn id="45" idx="2"/>
+            </p:cNvCxnSpPr>
+            <p:nvPr/>
+          </p:nvCxnSpPr>
+          <p:spPr>
+            <a:xfrm flipH="1">
+              <a:off x="934027" y="2583618"/>
+              <a:ext cx="210386" cy="390413"/>
+            </a:xfrm>
+            <a:prstGeom prst="straightConnector1">
+              <a:avLst/>
+            </a:prstGeom>
+            <a:ln>
+              <a:tailEnd type="triangle"/>
+            </a:ln>
+          </p:spPr>
+          <p:style>
+            <a:lnRef idx="1">
+              <a:schemeClr val="accent1"/>
+            </a:lnRef>
+            <a:fillRef idx="0">
+              <a:schemeClr val="accent1"/>
+            </a:fillRef>
+            <a:effectRef idx="0">
+              <a:schemeClr val="accent1"/>
+            </a:effectRef>
+            <a:fontRef idx="minor">
+              <a:schemeClr val="tx1"/>
+            </a:fontRef>
+          </p:style>
+        </p:cxnSp>
+        <p:cxnSp>
+          <p:nvCxnSpPr>
+            <p:cNvPr id="40" name="Прямая со стрелкой 39"/>
+            <p:cNvCxnSpPr/>
+            <p:nvPr/>
+          </p:nvCxnSpPr>
+          <p:spPr>
+            <a:xfrm flipH="1">
+              <a:off x="1579003" y="2536496"/>
+              <a:ext cx="190188" cy="437535"/>
+            </a:xfrm>
+            <a:prstGeom prst="straightConnector1">
+              <a:avLst/>
+            </a:prstGeom>
+            <a:ln>
+              <a:tailEnd type="triangle"/>
+            </a:ln>
+          </p:spPr>
+          <p:style>
+            <a:lnRef idx="1">
+              <a:schemeClr val="accent1"/>
+            </a:lnRef>
+            <a:fillRef idx="0">
+              <a:schemeClr val="accent1"/>
+            </a:fillRef>
+            <a:effectRef idx="0">
+              <a:schemeClr val="accent1"/>
+            </a:effectRef>
+            <a:fontRef idx="minor">
+              <a:schemeClr val="tx1"/>
+            </a:fontRef>
+          </p:style>
+        </p:cxnSp>
+        <p:cxnSp>
+          <p:nvCxnSpPr>
+            <p:cNvPr id="41" name="Прямая со стрелкой 40"/>
+            <p:cNvCxnSpPr/>
+            <p:nvPr/>
+          </p:nvCxnSpPr>
+          <p:spPr>
+            <a:xfrm>
+              <a:off x="2414167" y="2533863"/>
+              <a:ext cx="275835" cy="452611"/>
+            </a:xfrm>
+            <a:prstGeom prst="straightConnector1">
+              <a:avLst/>
+            </a:prstGeom>
+            <a:ln>
+              <a:tailEnd type="triangle"/>
+            </a:ln>
+          </p:spPr>
+          <p:style>
+            <a:lnRef idx="1">
+              <a:schemeClr val="accent1"/>
+            </a:lnRef>
+            <a:fillRef idx="0">
+              <a:schemeClr val="accent1"/>
+            </a:fillRef>
+            <a:effectRef idx="0">
+              <a:schemeClr val="accent1"/>
+            </a:effectRef>
+            <a:fontRef idx="minor">
+              <a:schemeClr val="tx1"/>
+            </a:fontRef>
+          </p:style>
+        </p:cxnSp>
+        <p:cxnSp>
+          <p:nvCxnSpPr>
+            <p:cNvPr id="42" name="Прямая со стрелкой 41"/>
+            <p:cNvCxnSpPr/>
+            <p:nvPr/>
+          </p:nvCxnSpPr>
+          <p:spPr>
+            <a:xfrm>
+              <a:off x="3025901" y="2552839"/>
+              <a:ext cx="309078" cy="421191"/>
+            </a:xfrm>
+            <a:prstGeom prst="straightConnector1">
+              <a:avLst/>
+            </a:prstGeom>
+            <a:ln>
+              <a:tailEnd type="triangle"/>
+            </a:ln>
+          </p:spPr>
+          <p:style>
+            <a:lnRef idx="1">
+              <a:schemeClr val="accent1"/>
+            </a:lnRef>
+            <a:fillRef idx="0">
+              <a:schemeClr val="accent1"/>
+            </a:fillRef>
+            <a:effectRef idx="0">
+              <a:schemeClr val="accent1"/>
+            </a:effectRef>
+            <a:fontRef idx="minor">
+              <a:schemeClr val="tx1"/>
+            </a:fontRef>
+          </p:style>
+        </p:cxnSp>
+        <p:grpSp>
+          <p:nvGrpSpPr>
+            <p:cNvPr id="43" name="Группа 42"/>
+            <p:cNvGrpSpPr/>
+            <p:nvPr/>
+          </p:nvGrpSpPr>
+          <p:grpSpPr>
+            <a:xfrm>
+              <a:off x="824186" y="1606301"/>
+              <a:ext cx="2545721" cy="979720"/>
+              <a:chOff x="908443" y="1649262"/>
+              <a:chExt cx="2545721" cy="979720"/>
+            </a:xfrm>
+          </p:grpSpPr>
+          <p:sp>
+            <p:nvSpPr>
+              <p:cNvPr id="44" name="Прямоугольник 43"/>
+              <p:cNvSpPr/>
+              <p:nvPr/>
+            </p:nvSpPr>
+            <p:spPr>
+              <a:xfrm>
+                <a:off x="908443" y="1649262"/>
+                <a:ext cx="2545720" cy="331409"/>
+              </a:xfrm>
+              <a:prstGeom prst="rect">
+                <a:avLst/>
+              </a:prstGeom>
+            </p:spPr>
+            <p:style>
+              <a:lnRef idx="2">
+                <a:schemeClr val="accent3">
+                  <a:shade val="50000"/>
+                </a:schemeClr>
+              </a:lnRef>
+              <a:fillRef idx="1">
+                <a:schemeClr val="accent3"/>
+              </a:fillRef>
+              <a:effectRef idx="0">
+                <a:schemeClr val="accent3"/>
+              </a:effectRef>
+              <a:fontRef idx="minor">
+                <a:schemeClr val="lt1"/>
+              </a:fontRef>
+            </p:style>
+            <p:txBody>
+              <a:bodyPr rtlCol="0" anchor="ctr"/>
+              <a:lstStyle/>
+              <a:p>
+                <a:pPr algn="ctr"/>
+                <a:r>
+                  <a:rPr lang="en-US" sz="1200" dirty="0"/>
+                  <a:t>r</a:t>
+                </a:r>
+                <a:r>
+                  <a:rPr lang="en-US" sz="1200" dirty="0" smtClean="0"/>
+                  <a:t>oot</a:t>
+                </a:r>
+                <a:r>
+                  <a:rPr lang="ru-RU" sz="1200" dirty="0" smtClean="0"/>
+                  <a:t> ((</a:t>
+                </a:r>
+                <a:r>
+                  <a:rPr lang="ru-RU" sz="1200" dirty="0"/>
+                  <a:t>0, 10), (10, 0</a:t>
+                </a:r>
+                <a:r>
+                  <a:rPr lang="ru-RU" sz="1200" dirty="0" smtClean="0"/>
+                  <a:t>))</a:t>
+                </a:r>
+                <a:endParaRPr lang="en-US" sz="1200" dirty="0"/>
+              </a:p>
+            </p:txBody>
+          </p:sp>
+          <p:sp>
+            <p:nvSpPr>
+              <p:cNvPr id="45" name="Прямоугольник 44"/>
+              <p:cNvSpPr/>
+              <p:nvPr/>
+            </p:nvSpPr>
+            <p:spPr>
+              <a:xfrm>
+                <a:off x="908444" y="2263044"/>
+                <a:ext cx="640451" cy="363535"/>
+              </a:xfrm>
+              <a:prstGeom prst="rect">
+                <a:avLst/>
+              </a:prstGeom>
+            </p:spPr>
+            <p:style>
+              <a:lnRef idx="2">
+                <a:schemeClr val="accent1">
+                  <a:shade val="50000"/>
+                </a:schemeClr>
+              </a:lnRef>
+              <a:fillRef idx="1">
+                <a:schemeClr val="accent1"/>
+              </a:fillRef>
+              <a:effectRef idx="0">
+                <a:schemeClr val="accent1"/>
+              </a:effectRef>
+              <a:fontRef idx="minor">
+                <a:schemeClr val="lt1"/>
+              </a:fontRef>
+            </p:style>
+            <p:txBody>
+              <a:bodyPr rtlCol="0" anchor="ctr"/>
+              <a:lstStyle/>
+              <a:p>
+                <a:pPr algn="ctr"/>
+                <a:r>
+                  <a:rPr lang="en-US" sz="1200" dirty="0" smtClean="0"/>
+                  <a:t>NW</a:t>
+                </a:r>
+                <a:endParaRPr lang="ru-RU" sz="1200" dirty="0"/>
+              </a:p>
+            </p:txBody>
+          </p:sp>
+          <p:sp>
+            <p:nvSpPr>
+              <p:cNvPr id="46" name="Прямоугольник 45"/>
+              <p:cNvSpPr/>
+              <p:nvPr/>
+            </p:nvSpPr>
+            <p:spPr>
+              <a:xfrm>
+                <a:off x="1548895" y="2268372"/>
+                <a:ext cx="640452" cy="360608"/>
+              </a:xfrm>
+              <a:prstGeom prst="rect">
+                <a:avLst/>
+              </a:prstGeom>
+            </p:spPr>
+            <p:style>
+              <a:lnRef idx="2">
+                <a:schemeClr val="accent1">
+                  <a:shade val="50000"/>
+                </a:schemeClr>
+              </a:lnRef>
+              <a:fillRef idx="1">
+                <a:schemeClr val="accent1"/>
+              </a:fillRef>
+              <a:effectRef idx="0">
+                <a:schemeClr val="accent1"/>
+              </a:effectRef>
+              <a:fontRef idx="minor">
+                <a:schemeClr val="lt1"/>
+              </a:fontRef>
+            </p:style>
+            <p:txBody>
+              <a:bodyPr rtlCol="0" anchor="ctr"/>
+              <a:lstStyle/>
+              <a:p>
+                <a:pPr algn="ctr"/>
+                <a:r>
+                  <a:rPr lang="en-US" sz="1200" dirty="0" smtClean="0"/>
+                  <a:t>NE</a:t>
+                </a:r>
+                <a:endParaRPr lang="ru-RU" sz="1200" dirty="0"/>
+              </a:p>
+            </p:txBody>
+          </p:sp>
+          <p:sp>
+            <p:nvSpPr>
+              <p:cNvPr id="47" name="Прямоугольник 46"/>
+              <p:cNvSpPr/>
+              <p:nvPr/>
+            </p:nvSpPr>
+            <p:spPr>
+              <a:xfrm>
+                <a:off x="2173261" y="2260600"/>
+                <a:ext cx="640452" cy="368382"/>
+              </a:xfrm>
+              <a:prstGeom prst="rect">
+                <a:avLst/>
+              </a:prstGeom>
+            </p:spPr>
+            <p:style>
+              <a:lnRef idx="2">
+                <a:schemeClr val="accent1">
+                  <a:shade val="50000"/>
+                </a:schemeClr>
+              </a:lnRef>
+              <a:fillRef idx="1">
+                <a:schemeClr val="accent1"/>
+              </a:fillRef>
+              <a:effectRef idx="0">
+                <a:schemeClr val="accent1"/>
+              </a:effectRef>
+              <a:fontRef idx="minor">
+                <a:schemeClr val="lt1"/>
+              </a:fontRef>
+            </p:style>
+            <p:txBody>
+              <a:bodyPr rtlCol="0" anchor="ctr"/>
+              <a:lstStyle/>
+              <a:p>
+                <a:pPr algn="ctr"/>
+                <a:r>
+                  <a:rPr lang="en-US" sz="1200" dirty="0" smtClean="0"/>
+                  <a:t>SW</a:t>
+                </a:r>
+                <a:endParaRPr lang="ru-RU" sz="1200" dirty="0"/>
+              </a:p>
+            </p:txBody>
+          </p:sp>
+          <p:sp>
+            <p:nvSpPr>
+              <p:cNvPr id="48" name="Прямоугольник 47"/>
+              <p:cNvSpPr/>
+              <p:nvPr/>
+            </p:nvSpPr>
+            <p:spPr>
+              <a:xfrm>
+                <a:off x="2813712" y="2260600"/>
+                <a:ext cx="640452" cy="368380"/>
+              </a:xfrm>
+              <a:prstGeom prst="rect">
+                <a:avLst/>
+              </a:prstGeom>
+            </p:spPr>
+            <p:style>
+              <a:lnRef idx="2">
+                <a:schemeClr val="accent1">
+                  <a:shade val="50000"/>
+                </a:schemeClr>
+              </a:lnRef>
+              <a:fillRef idx="1">
+                <a:schemeClr val="accent1"/>
+              </a:fillRef>
+              <a:effectRef idx="0">
+                <a:schemeClr val="accent1"/>
+              </a:effectRef>
+              <a:fontRef idx="minor">
+                <a:schemeClr val="lt1"/>
+              </a:fontRef>
+            </p:style>
+            <p:txBody>
+              <a:bodyPr rtlCol="0" anchor="ctr"/>
+              <a:lstStyle/>
+              <a:p>
+                <a:pPr algn="ctr"/>
+                <a:r>
+                  <a:rPr lang="en-US" sz="1200" dirty="0" smtClean="0"/>
+                  <a:t>SE</a:t>
+                </a:r>
+              </a:p>
+            </p:txBody>
+          </p:sp>
+          <p:sp>
+            <p:nvSpPr>
+              <p:cNvPr id="49" name="Прямоугольник 48"/>
+              <p:cNvSpPr/>
+              <p:nvPr/>
+            </p:nvSpPr>
+            <p:spPr>
+              <a:xfrm>
+                <a:off x="908443" y="1988444"/>
+                <a:ext cx="2545721" cy="280065"/>
+              </a:xfrm>
+              <a:prstGeom prst="rect">
+                <a:avLst/>
+              </a:prstGeom>
+            </p:spPr>
+            <p:style>
+              <a:lnRef idx="2">
+                <a:schemeClr val="accent1">
+                  <a:shade val="50000"/>
+                </a:schemeClr>
+              </a:lnRef>
+              <a:fillRef idx="1">
+                <a:schemeClr val="accent1"/>
+              </a:fillRef>
+              <a:effectRef idx="0">
+                <a:schemeClr val="accent1"/>
+              </a:effectRef>
+              <a:fontRef idx="minor">
+                <a:schemeClr val="lt1"/>
+              </a:fontRef>
+            </p:style>
+            <p:txBody>
+              <a:bodyPr rtlCol="0" anchor="ctr"/>
+              <a:lstStyle/>
+              <a:p>
+                <a:pPr algn="ctr"/>
+                <a:r>
+                  <a:rPr lang="en-US" sz="1200" dirty="0" smtClean="0"/>
+                  <a:t>(4, 2)</a:t>
+                </a:r>
+                <a:endParaRPr lang="ru-RU" sz="1200" dirty="0"/>
+              </a:p>
+            </p:txBody>
+          </p:sp>
+        </p:grpSp>
+      </p:grpSp>
     </p:spTree>
     <p:extLst>
       <p:ext uri="{BB962C8B-B14F-4D97-AF65-F5344CB8AC3E}">
-        <p14:creationId xmlns:p14="http://schemas.microsoft.com/office/powerpoint/2010/main" val="1429360991"/>
+        <p14:creationId xmlns:p14="http://schemas.microsoft.com/office/powerpoint/2010/main" val="1250668440"/>
       </p:ext>
     </p:extLst>
   </p:cSld>
   <p:clrMapOvr>
     <a:masterClrMapping/>
   </p:clrMapOvr>
-  <p:timing>
-    <p:tnLst>
-      <p:par>
-        <p:cTn id="1" dur="indefinite" restart="never" nodeType="tmRoot"/>
-      </p:par>
-    </p:tnLst>
-  </p:timing>
 </p:sld>
 </file>
 
@@ -5139,12 +6697,14 @@
         </p:nvSpPr>
         <p:spPr>
           <a:xfrm>
-            <a:off x="838200" y="365126"/>
-            <a:ext cx="10515600" cy="1020330"/>
+            <a:off x="837468" y="39789"/>
+            <a:ext cx="10370127" cy="986007"/>
           </a:xfrm>
         </p:spPr>
         <p:txBody>
-          <a:bodyPr/>
+          <a:bodyPr>
+            <a:normAutofit/>
+          </a:bodyPr>
           <a:lstStyle/>
           <a:p>
             <a:r>
@@ -5152,7 +6712,7 @@
                 <a:latin typeface="Roboto" pitchFamily="2" charset="0"/>
                 <a:ea typeface="Roboto" pitchFamily="2" charset="0"/>
               </a:rPr>
-              <a:t>Построение</a:t>
+              <a:t>Основные шаги добавление точки</a:t>
             </a:r>
             <a:endParaRPr lang="ru-RU" dirty="0">
               <a:latin typeface="Roboto" pitchFamily="2" charset="0"/>
@@ -5163,128 +6723,14 @@
       </p:sp>
       <p:sp>
         <p:nvSpPr>
-          <p:cNvPr id="3" name="Объект 2"/>
-          <p:cNvSpPr>
-            <a:spLocks noGrp="1"/>
-          </p:cNvSpPr>
-          <p:nvPr>
-            <p:ph idx="1"/>
-          </p:nvPr>
-        </p:nvSpPr>
-        <p:spPr>
-          <a:xfrm>
-            <a:off x="180109" y="1385456"/>
-            <a:ext cx="5181600" cy="5472544"/>
-          </a:xfrm>
-        </p:spPr>
-        <p:txBody>
-          <a:bodyPr>
-            <a:noAutofit/>
-          </a:bodyPr>
-          <a:lstStyle/>
-          <a:p>
-            <a:r>
-              <a:rPr lang="ru-RU" sz="2400" dirty="0"/>
-              <a:t>Построение структуры данных представляет собой процесс последовательной вставки сегментов в дерево. Изначально дерево пустое.</a:t>
-            </a:r>
-            <a:r>
-              <a:rPr lang="ru-RU" sz="2400" dirty="0"/>
-              <a:t/>
-            </a:r>
-            <a:br>
-              <a:rPr lang="ru-RU" sz="2400" dirty="0"/>
-            </a:br>
-            <a:r>
-              <a:rPr lang="ru-RU" sz="2400" dirty="0"/>
-              <a:t>Аналогично алгоритмам построения многих других иерархических структур данных, алгоритм построения PMR </a:t>
-            </a:r>
-            <a:r>
-              <a:rPr lang="ru-RU" sz="2400" dirty="0" err="1"/>
-              <a:t>Quadtree</a:t>
-            </a:r>
-            <a:r>
-              <a:rPr lang="ru-RU" sz="2400" dirty="0"/>
-              <a:t> основан на обходе сверху-вниз </a:t>
-            </a:r>
-            <a:r>
-              <a:rPr lang="ru-RU" sz="2400" i="1" dirty="0"/>
-              <a:t>(</a:t>
-            </a:r>
-            <a:r>
-              <a:rPr lang="ru-RU" sz="2400" i="1" dirty="0" err="1"/>
-              <a:t>top-down</a:t>
-            </a:r>
-            <a:r>
-              <a:rPr lang="ru-RU" sz="2400" i="1" dirty="0"/>
-              <a:t> </a:t>
-            </a:r>
-            <a:r>
-              <a:rPr lang="ru-RU" sz="2400" i="1" dirty="0" err="1"/>
-              <a:t>traversal</a:t>
-            </a:r>
-            <a:r>
-              <a:rPr lang="ru-RU" sz="2400" i="1" dirty="0"/>
-              <a:t>)</a:t>
-            </a:r>
-            <a:r>
-              <a:rPr lang="ru-RU" sz="2400" dirty="0"/>
-              <a:t>. Другими словами, начиная с корневого узла мы посещаем все дочерние узлы, пересекающиеся с сегментом, и добавляем этот сегмент во все встретившиеся внешние узлы.</a:t>
-            </a:r>
-            <a:endParaRPr lang="ru-RU" sz="2400" dirty="0"/>
-          </a:p>
-        </p:txBody>
-      </p:sp>
-      <p:pic>
-        <p:nvPicPr>
-          <p:cNvPr id="6146" name="Picture 2" descr="https://habrastorage.org/getpro/habr/post_images/90f/ccf/07c/90fccf07c4cf942a5dfd2d434a884078.png"/>
-          <p:cNvPicPr>
-            <a:picLocks noChangeAspect="1" noChangeArrowheads="1"/>
-          </p:cNvPicPr>
-          <p:nvPr/>
-        </p:nvPicPr>
-        <p:blipFill>
-          <a:blip r:embed="rId2">
-            <a:extLst>
-              <a:ext uri="{28A0092B-C50C-407E-A947-70E740481C1C}">
-                <a14:useLocalDpi xmlns:a14="http://schemas.microsoft.com/office/drawing/2010/main" val="0"/>
-              </a:ext>
-            </a:extLst>
-          </a:blip>
-          <a:srcRect/>
-          <a:stretch>
-            <a:fillRect/>
-          </a:stretch>
-        </p:blipFill>
-        <p:spPr bwMode="auto">
-          <a:xfrm>
-            <a:off x="5766955" y="365126"/>
-            <a:ext cx="6244936" cy="5770498"/>
-          </a:xfrm>
-          <a:prstGeom prst="rect">
-            <a:avLst/>
-          </a:prstGeom>
-          <a:noFill/>
-          <a:extLst>
-            <a:ext uri="{909E8E84-426E-40DD-AFC4-6F175D3DCCD1}">
-              <a14:hiddenFill xmlns:a14="http://schemas.microsoft.com/office/drawing/2010/main">
-                <a:solidFill>
-                  <a:srgbClr val="FFFFFF"/>
-                </a:solidFill>
-              </a14:hiddenFill>
-            </a:ext>
-          </a:extLst>
-        </p:spPr>
-      </p:pic>
-      <p:sp>
-        <p:nvSpPr>
-          <p:cNvPr id="4" name="TextBox 3"/>
+          <p:cNvPr id="95" name="TextBox 94"/>
           <p:cNvSpPr txBox="1"/>
           <p:nvPr/>
         </p:nvSpPr>
         <p:spPr>
           <a:xfrm>
-            <a:off x="8099714" y="6135624"/>
-            <a:ext cx="1579418" cy="369332"/>
+            <a:off x="916463" y="1176170"/>
+            <a:ext cx="2807479" cy="369332"/>
           </a:xfrm>
           <a:prstGeom prst="rect">
             <a:avLst/>
@@ -5298,30 +6744,3547 @@
           <a:lstStyle/>
           <a:p>
             <a:r>
+              <a:rPr lang="en-US" dirty="0" smtClean="0"/>
+              <a:t>2) </a:t>
+            </a:r>
+            <a:r>
               <a:rPr lang="ru-RU" dirty="0" smtClean="0"/>
-              <a:t>Визуализация</a:t>
+              <a:t>Добавление точки (7, 5)</a:t>
             </a:r>
             <a:endParaRPr lang="ru-RU" dirty="0"/>
           </a:p>
         </p:txBody>
       </p:sp>
+      <p:grpSp>
+        <p:nvGrpSpPr>
+          <p:cNvPr id="124" name="Группа 123"/>
+          <p:cNvGrpSpPr/>
+          <p:nvPr/>
+        </p:nvGrpSpPr>
+        <p:grpSpPr>
+          <a:xfrm>
+            <a:off x="8489905" y="789099"/>
+            <a:ext cx="3586062" cy="3216973"/>
+            <a:chOff x="6991216" y="932996"/>
+            <a:chExt cx="4973652" cy="4414782"/>
+          </a:xfrm>
+        </p:grpSpPr>
+        <p:grpSp>
+          <p:nvGrpSpPr>
+            <p:cNvPr id="125" name="Группа 124"/>
+            <p:cNvGrpSpPr/>
+            <p:nvPr/>
+          </p:nvGrpSpPr>
+          <p:grpSpPr>
+            <a:xfrm>
+              <a:off x="7554790" y="932996"/>
+              <a:ext cx="4410078" cy="4230116"/>
+              <a:chOff x="7554790" y="932996"/>
+              <a:chExt cx="4410078" cy="4230116"/>
+            </a:xfrm>
+          </p:grpSpPr>
+          <p:sp>
+            <p:nvSpPr>
+              <p:cNvPr id="133" name="Прямоугольник 132"/>
+              <p:cNvSpPr/>
+              <p:nvPr/>
+            </p:nvSpPr>
+            <p:spPr>
+              <a:xfrm>
+                <a:off x="7851531" y="1575823"/>
+                <a:ext cx="3356796" cy="3172023"/>
+              </a:xfrm>
+              <a:prstGeom prst="rect">
+                <a:avLst/>
+              </a:prstGeom>
+            </p:spPr>
+            <p:style>
+              <a:lnRef idx="2">
+                <a:schemeClr val="accent3">
+                  <a:shade val="50000"/>
+                </a:schemeClr>
+              </a:lnRef>
+              <a:fillRef idx="1">
+                <a:schemeClr val="accent3"/>
+              </a:fillRef>
+              <a:effectRef idx="0">
+                <a:schemeClr val="accent3"/>
+              </a:effectRef>
+              <a:fontRef idx="minor">
+                <a:schemeClr val="lt1"/>
+              </a:fontRef>
+            </p:style>
+            <p:txBody>
+              <a:bodyPr rtlCol="0" anchor="ctr"/>
+              <a:lstStyle/>
+              <a:p>
+                <a:pPr algn="ctr"/>
+                <a:endParaRPr lang="ru-RU"/>
+              </a:p>
+            </p:txBody>
+          </p:sp>
+          <p:cxnSp>
+            <p:nvCxnSpPr>
+              <p:cNvPr id="134" name="Прямая со стрелкой 133"/>
+              <p:cNvCxnSpPr/>
+              <p:nvPr/>
+            </p:nvCxnSpPr>
+            <p:spPr>
+              <a:xfrm>
+                <a:off x="7561385" y="4747846"/>
+                <a:ext cx="4281853" cy="0"/>
+              </a:xfrm>
+              <a:prstGeom prst="straightConnector1">
+                <a:avLst/>
+              </a:prstGeom>
+              <a:ln>
+                <a:tailEnd type="triangle"/>
+              </a:ln>
+            </p:spPr>
+            <p:style>
+              <a:lnRef idx="3">
+                <a:schemeClr val="dk1"/>
+              </a:lnRef>
+              <a:fillRef idx="0">
+                <a:schemeClr val="dk1"/>
+              </a:fillRef>
+              <a:effectRef idx="2">
+                <a:schemeClr val="dk1"/>
+              </a:effectRef>
+              <a:fontRef idx="minor">
+                <a:schemeClr val="tx1"/>
+              </a:fontRef>
+            </p:style>
+          </p:cxnSp>
+          <p:cxnSp>
+            <p:nvCxnSpPr>
+              <p:cNvPr id="135" name="Прямая со стрелкой 134"/>
+              <p:cNvCxnSpPr/>
+              <p:nvPr/>
+            </p:nvCxnSpPr>
+            <p:spPr>
+              <a:xfrm flipV="1">
+                <a:off x="7851529" y="1071730"/>
+                <a:ext cx="2" cy="3992639"/>
+              </a:xfrm>
+              <a:prstGeom prst="straightConnector1">
+                <a:avLst/>
+              </a:prstGeom>
+              <a:ln>
+                <a:tailEnd type="triangle"/>
+              </a:ln>
+            </p:spPr>
+            <p:style>
+              <a:lnRef idx="3">
+                <a:schemeClr val="dk1"/>
+              </a:lnRef>
+              <a:fillRef idx="0">
+                <a:schemeClr val="dk1"/>
+              </a:fillRef>
+              <a:effectRef idx="2">
+                <a:schemeClr val="dk1"/>
+              </a:effectRef>
+              <a:fontRef idx="minor">
+                <a:schemeClr val="tx1"/>
+              </a:fontRef>
+            </p:style>
+          </p:cxnSp>
+          <p:sp>
+            <p:nvSpPr>
+              <p:cNvPr id="136" name="TextBox 135"/>
+              <p:cNvSpPr txBox="1"/>
+              <p:nvPr/>
+            </p:nvSpPr>
+            <p:spPr>
+              <a:xfrm>
+                <a:off x="7554790" y="932996"/>
+                <a:ext cx="211015" cy="369332"/>
+              </a:xfrm>
+              <a:prstGeom prst="rect">
+                <a:avLst/>
+              </a:prstGeom>
+              <a:noFill/>
+            </p:spPr>
+            <p:txBody>
+              <a:bodyPr wrap="square" rtlCol="0">
+                <a:spAutoFit/>
+              </a:bodyPr>
+              <a:lstStyle/>
+              <a:p>
+                <a:r>
+                  <a:rPr lang="en-US" dirty="0" smtClean="0"/>
+                  <a:t>y</a:t>
+                </a:r>
+                <a:endParaRPr lang="ru-RU" dirty="0"/>
+              </a:p>
+            </p:txBody>
+          </p:sp>
+          <p:sp>
+            <p:nvSpPr>
+              <p:cNvPr id="137" name="TextBox 136"/>
+              <p:cNvSpPr txBox="1"/>
+              <p:nvPr/>
+            </p:nvSpPr>
+            <p:spPr>
+              <a:xfrm>
+                <a:off x="11674722" y="4793780"/>
+                <a:ext cx="290146" cy="369332"/>
+              </a:xfrm>
+              <a:prstGeom prst="rect">
+                <a:avLst/>
+              </a:prstGeom>
+              <a:noFill/>
+            </p:spPr>
+            <p:txBody>
+              <a:bodyPr wrap="square" rtlCol="0">
+                <a:spAutoFit/>
+              </a:bodyPr>
+              <a:lstStyle/>
+              <a:p>
+                <a:r>
+                  <a:rPr lang="en-US" dirty="0" smtClean="0"/>
+                  <a:t>x</a:t>
+                </a:r>
+                <a:endParaRPr lang="ru-RU" dirty="0"/>
+              </a:p>
+            </p:txBody>
+          </p:sp>
+          <p:cxnSp>
+            <p:nvCxnSpPr>
+              <p:cNvPr id="138" name="Прямая соединительная линия 137"/>
+              <p:cNvCxnSpPr/>
+              <p:nvPr/>
+            </p:nvCxnSpPr>
+            <p:spPr>
+              <a:xfrm flipV="1">
+                <a:off x="7680080" y="1573904"/>
+                <a:ext cx="342899" cy="1918"/>
+              </a:xfrm>
+              <a:prstGeom prst="line">
+                <a:avLst/>
+              </a:prstGeom>
+            </p:spPr>
+            <p:style>
+              <a:lnRef idx="3">
+                <a:schemeClr val="accent2"/>
+              </a:lnRef>
+              <a:fillRef idx="0">
+                <a:schemeClr val="accent2"/>
+              </a:fillRef>
+              <a:effectRef idx="2">
+                <a:schemeClr val="accent2"/>
+              </a:effectRef>
+              <a:fontRef idx="minor">
+                <a:schemeClr val="tx1"/>
+              </a:fontRef>
+            </p:style>
+          </p:cxnSp>
+          <p:cxnSp>
+            <p:nvCxnSpPr>
+              <p:cNvPr id="139" name="Прямая соединительная линия 138"/>
+              <p:cNvCxnSpPr/>
+              <p:nvPr/>
+            </p:nvCxnSpPr>
+            <p:spPr>
+              <a:xfrm flipV="1">
+                <a:off x="11207595" y="4515823"/>
+                <a:ext cx="1466" cy="397654"/>
+              </a:xfrm>
+              <a:prstGeom prst="line">
+                <a:avLst/>
+              </a:prstGeom>
+            </p:spPr>
+            <p:style>
+              <a:lnRef idx="3">
+                <a:schemeClr val="accent2"/>
+              </a:lnRef>
+              <a:fillRef idx="0">
+                <a:schemeClr val="accent2"/>
+              </a:fillRef>
+              <a:effectRef idx="2">
+                <a:schemeClr val="accent2"/>
+              </a:effectRef>
+              <a:fontRef idx="minor">
+                <a:schemeClr val="tx1"/>
+              </a:fontRef>
+            </p:style>
+          </p:cxnSp>
+          <p:sp>
+            <p:nvSpPr>
+              <p:cNvPr id="140" name="TextBox 139"/>
+              <p:cNvSpPr txBox="1"/>
+              <p:nvPr/>
+            </p:nvSpPr>
+            <p:spPr>
+              <a:xfrm>
+                <a:off x="7577870" y="4714650"/>
+                <a:ext cx="204420" cy="369332"/>
+              </a:xfrm>
+              <a:prstGeom prst="rect">
+                <a:avLst/>
+              </a:prstGeom>
+              <a:noFill/>
+            </p:spPr>
+            <p:txBody>
+              <a:bodyPr wrap="square" rtlCol="0">
+                <a:spAutoFit/>
+              </a:bodyPr>
+              <a:lstStyle/>
+              <a:p>
+                <a:r>
+                  <a:rPr lang="ru-RU" dirty="0" smtClean="0"/>
+                  <a:t>0</a:t>
+                </a:r>
+                <a:endParaRPr lang="ru-RU" dirty="0"/>
+              </a:p>
+            </p:txBody>
+          </p:sp>
+        </p:grpSp>
+        <p:sp>
+          <p:nvSpPr>
+            <p:cNvPr id="126" name="TextBox 125"/>
+            <p:cNvSpPr txBox="1"/>
+            <p:nvPr/>
+          </p:nvSpPr>
+          <p:spPr>
+            <a:xfrm>
+              <a:off x="6991216" y="1343588"/>
+              <a:ext cx="602775" cy="506849"/>
+            </a:xfrm>
+            <a:prstGeom prst="rect">
+              <a:avLst/>
+            </a:prstGeom>
+            <a:noFill/>
+          </p:spPr>
+          <p:txBody>
+            <a:bodyPr wrap="square" rtlCol="0">
+              <a:spAutoFit/>
+            </a:bodyPr>
+            <a:lstStyle/>
+            <a:p>
+              <a:r>
+                <a:rPr lang="ru-RU" dirty="0" smtClean="0"/>
+                <a:t>10</a:t>
+              </a:r>
+              <a:endParaRPr lang="ru-RU" dirty="0"/>
+            </a:p>
+          </p:txBody>
+        </p:sp>
+        <p:sp>
+          <p:nvSpPr>
+            <p:cNvPr id="127" name="TextBox 126"/>
+            <p:cNvSpPr txBox="1"/>
+            <p:nvPr/>
+          </p:nvSpPr>
+          <p:spPr>
+            <a:xfrm>
+              <a:off x="10914577" y="4818313"/>
+              <a:ext cx="650060" cy="506849"/>
+            </a:xfrm>
+            <a:prstGeom prst="rect">
+              <a:avLst/>
+            </a:prstGeom>
+            <a:noFill/>
+          </p:spPr>
+          <p:txBody>
+            <a:bodyPr wrap="square" rtlCol="0">
+              <a:spAutoFit/>
+            </a:bodyPr>
+            <a:lstStyle/>
+            <a:p>
+              <a:r>
+                <a:rPr lang="ru-RU" dirty="0" smtClean="0"/>
+                <a:t>10</a:t>
+              </a:r>
+              <a:endParaRPr lang="ru-RU" dirty="0"/>
+            </a:p>
+          </p:txBody>
+        </p:sp>
+        <p:sp>
+          <p:nvSpPr>
+            <p:cNvPr id="128" name="Блок-схема: узел 127"/>
+            <p:cNvSpPr/>
+            <p:nvPr/>
+          </p:nvSpPr>
+          <p:spPr>
+            <a:xfrm>
+              <a:off x="9047150" y="4197819"/>
+              <a:ext cx="106441" cy="100897"/>
+            </a:xfrm>
+            <a:prstGeom prst="flowChartConnector">
+              <a:avLst/>
+            </a:prstGeom>
+          </p:spPr>
+          <p:style>
+            <a:lnRef idx="2">
+              <a:schemeClr val="accent1">
+                <a:shade val="50000"/>
+              </a:schemeClr>
+            </a:lnRef>
+            <a:fillRef idx="1">
+              <a:schemeClr val="accent1"/>
+            </a:fillRef>
+            <a:effectRef idx="0">
+              <a:schemeClr val="accent1"/>
+            </a:effectRef>
+            <a:fontRef idx="minor">
+              <a:schemeClr val="lt1"/>
+            </a:fontRef>
+          </p:style>
+          <p:txBody>
+            <a:bodyPr rtlCol="0" anchor="ctr"/>
+            <a:lstStyle/>
+            <a:p>
+              <a:pPr algn="ctr"/>
+              <a:endParaRPr lang="ru-RU"/>
+            </a:p>
+          </p:txBody>
+        </p:sp>
+        <p:cxnSp>
+          <p:nvCxnSpPr>
+            <p:cNvPr id="129" name="Прямая соединительная линия 128"/>
+            <p:cNvCxnSpPr/>
+            <p:nvPr/>
+          </p:nvCxnSpPr>
+          <p:spPr>
+            <a:xfrm flipV="1">
+              <a:off x="7679347" y="4197819"/>
+              <a:ext cx="342899" cy="1918"/>
+            </a:xfrm>
+            <a:prstGeom prst="line">
+              <a:avLst/>
+            </a:prstGeom>
+          </p:spPr>
+          <p:style>
+            <a:lnRef idx="3">
+              <a:schemeClr val="accent2"/>
+            </a:lnRef>
+            <a:fillRef idx="0">
+              <a:schemeClr val="accent2"/>
+            </a:fillRef>
+            <a:effectRef idx="2">
+              <a:schemeClr val="accent2"/>
+            </a:effectRef>
+            <a:fontRef idx="minor">
+              <a:schemeClr val="tx1"/>
+            </a:fontRef>
+          </p:style>
+        </p:cxnSp>
+        <p:cxnSp>
+          <p:nvCxnSpPr>
+            <p:cNvPr id="130" name="Прямая соединительная линия 129"/>
+            <p:cNvCxnSpPr/>
+            <p:nvPr/>
+          </p:nvCxnSpPr>
+          <p:spPr>
+            <a:xfrm flipV="1">
+              <a:off x="9100372" y="4594953"/>
+              <a:ext cx="1466" cy="397654"/>
+            </a:xfrm>
+            <a:prstGeom prst="line">
+              <a:avLst/>
+            </a:prstGeom>
+          </p:spPr>
+          <p:style>
+            <a:lnRef idx="3">
+              <a:schemeClr val="accent2"/>
+            </a:lnRef>
+            <a:fillRef idx="0">
+              <a:schemeClr val="accent2"/>
+            </a:fillRef>
+            <a:effectRef idx="2">
+              <a:schemeClr val="accent2"/>
+            </a:effectRef>
+            <a:fontRef idx="minor">
+              <a:schemeClr val="tx1"/>
+            </a:fontRef>
+          </p:style>
+        </p:cxnSp>
+        <p:sp>
+          <p:nvSpPr>
+            <p:cNvPr id="131" name="TextBox 130"/>
+            <p:cNvSpPr txBox="1"/>
+            <p:nvPr/>
+          </p:nvSpPr>
+          <p:spPr>
+            <a:xfrm>
+              <a:off x="7422173" y="4013153"/>
+              <a:ext cx="214312" cy="369332"/>
+            </a:xfrm>
+            <a:prstGeom prst="rect">
+              <a:avLst/>
+            </a:prstGeom>
+            <a:noFill/>
+          </p:spPr>
+          <p:txBody>
+            <a:bodyPr wrap="square" rtlCol="0">
+              <a:spAutoFit/>
+            </a:bodyPr>
+            <a:lstStyle/>
+            <a:p>
+              <a:r>
+                <a:rPr lang="en-US" dirty="0" smtClean="0"/>
+                <a:t>2</a:t>
+              </a:r>
+              <a:endParaRPr lang="ru-RU" dirty="0"/>
+            </a:p>
+          </p:txBody>
+        </p:sp>
+        <p:sp>
+          <p:nvSpPr>
+            <p:cNvPr id="132" name="TextBox 131"/>
+            <p:cNvSpPr txBox="1"/>
+            <p:nvPr/>
+          </p:nvSpPr>
+          <p:spPr>
+            <a:xfrm>
+              <a:off x="8953817" y="4978446"/>
+              <a:ext cx="293109" cy="369332"/>
+            </a:xfrm>
+            <a:prstGeom prst="rect">
+              <a:avLst/>
+            </a:prstGeom>
+            <a:noFill/>
+          </p:spPr>
+          <p:txBody>
+            <a:bodyPr wrap="square" rtlCol="0">
+              <a:spAutoFit/>
+            </a:bodyPr>
+            <a:lstStyle/>
+            <a:p>
+              <a:r>
+                <a:rPr lang="en-US" dirty="0" smtClean="0"/>
+                <a:t>4</a:t>
+              </a:r>
+              <a:endParaRPr lang="ru-RU" dirty="0"/>
+            </a:p>
+          </p:txBody>
+        </p:sp>
+      </p:grpSp>
+      <p:grpSp>
+        <p:nvGrpSpPr>
+          <p:cNvPr id="285" name="Группа 284"/>
+          <p:cNvGrpSpPr/>
+          <p:nvPr/>
+        </p:nvGrpSpPr>
+        <p:grpSpPr>
+          <a:xfrm>
+            <a:off x="1293287" y="1545502"/>
+            <a:ext cx="6604050" cy="947917"/>
+            <a:chOff x="-2151819" y="1606301"/>
+            <a:chExt cx="8442977" cy="1397885"/>
+          </a:xfrm>
+        </p:grpSpPr>
+        <p:cxnSp>
+          <p:nvCxnSpPr>
+            <p:cNvPr id="286" name="Прямая со стрелкой 285"/>
+            <p:cNvCxnSpPr>
+              <a:stCxn id="296" idx="2"/>
+              <a:endCxn id="365" idx="0"/>
+            </p:cNvCxnSpPr>
+            <p:nvPr/>
+          </p:nvCxnSpPr>
+          <p:spPr>
+            <a:xfrm flipH="1">
+              <a:off x="-2151819" y="2588020"/>
+              <a:ext cx="3296233" cy="398454"/>
+            </a:xfrm>
+            <a:prstGeom prst="straightConnector1">
+              <a:avLst/>
+            </a:prstGeom>
+            <a:ln>
+              <a:tailEnd type="triangle"/>
+            </a:ln>
+          </p:spPr>
+          <p:style>
+            <a:lnRef idx="1">
+              <a:schemeClr val="accent1"/>
+            </a:lnRef>
+            <a:fillRef idx="0">
+              <a:schemeClr val="accent1"/>
+            </a:fillRef>
+            <a:effectRef idx="0">
+              <a:schemeClr val="accent1"/>
+            </a:effectRef>
+            <a:fontRef idx="minor">
+              <a:schemeClr val="tx1"/>
+            </a:fontRef>
+          </p:style>
+        </p:cxnSp>
+        <p:cxnSp>
+          <p:nvCxnSpPr>
+            <p:cNvPr id="287" name="Прямая со стрелкой 286"/>
+            <p:cNvCxnSpPr>
+              <a:endCxn id="348" idx="0"/>
+            </p:cNvCxnSpPr>
+            <p:nvPr/>
+          </p:nvCxnSpPr>
+          <p:spPr>
+            <a:xfrm flipH="1">
+              <a:off x="720342" y="2536497"/>
+              <a:ext cx="1048849" cy="437535"/>
+            </a:xfrm>
+            <a:prstGeom prst="straightConnector1">
+              <a:avLst/>
+            </a:prstGeom>
+            <a:ln>
+              <a:tailEnd type="triangle"/>
+            </a:ln>
+          </p:spPr>
+          <p:style>
+            <a:lnRef idx="1">
+              <a:schemeClr val="accent1"/>
+            </a:lnRef>
+            <a:fillRef idx="0">
+              <a:schemeClr val="accent1"/>
+            </a:fillRef>
+            <a:effectRef idx="0">
+              <a:schemeClr val="accent1"/>
+            </a:effectRef>
+            <a:fontRef idx="minor">
+              <a:schemeClr val="tx1"/>
+            </a:fontRef>
+          </p:style>
+        </p:cxnSp>
+        <p:cxnSp>
+          <p:nvCxnSpPr>
+            <p:cNvPr id="288" name="Прямая со стрелкой 287"/>
+            <p:cNvCxnSpPr>
+              <a:endCxn id="331" idx="0"/>
+            </p:cNvCxnSpPr>
+            <p:nvPr/>
+          </p:nvCxnSpPr>
+          <p:spPr>
+            <a:xfrm>
+              <a:off x="2414167" y="2533863"/>
+              <a:ext cx="1124413" cy="470323"/>
+            </a:xfrm>
+            <a:prstGeom prst="straightConnector1">
+              <a:avLst/>
+            </a:prstGeom>
+            <a:ln>
+              <a:tailEnd type="triangle"/>
+            </a:ln>
+          </p:spPr>
+          <p:style>
+            <a:lnRef idx="1">
+              <a:schemeClr val="accent1"/>
+            </a:lnRef>
+            <a:fillRef idx="0">
+              <a:schemeClr val="accent1"/>
+            </a:fillRef>
+            <a:effectRef idx="0">
+              <a:schemeClr val="accent1"/>
+            </a:effectRef>
+            <a:fontRef idx="minor">
+              <a:schemeClr val="tx1"/>
+            </a:fontRef>
+          </p:style>
+        </p:cxnSp>
+        <p:cxnSp>
+          <p:nvCxnSpPr>
+            <p:cNvPr id="289" name="Прямая со стрелкой 288"/>
+            <p:cNvCxnSpPr>
+              <a:endCxn id="382" idx="0"/>
+            </p:cNvCxnSpPr>
+            <p:nvPr/>
+          </p:nvCxnSpPr>
+          <p:spPr>
+            <a:xfrm>
+              <a:off x="3025901" y="2552840"/>
+              <a:ext cx="3265257" cy="433633"/>
+            </a:xfrm>
+            <a:prstGeom prst="straightConnector1">
+              <a:avLst/>
+            </a:prstGeom>
+            <a:ln>
+              <a:tailEnd type="triangle"/>
+            </a:ln>
+          </p:spPr>
+          <p:style>
+            <a:lnRef idx="1">
+              <a:schemeClr val="accent1"/>
+            </a:lnRef>
+            <a:fillRef idx="0">
+              <a:schemeClr val="accent1"/>
+            </a:fillRef>
+            <a:effectRef idx="0">
+              <a:schemeClr val="accent1"/>
+            </a:effectRef>
+            <a:fontRef idx="minor">
+              <a:schemeClr val="tx1"/>
+            </a:fontRef>
+          </p:style>
+        </p:cxnSp>
+        <p:grpSp>
+          <p:nvGrpSpPr>
+            <p:cNvPr id="291" name="Группа 290"/>
+            <p:cNvGrpSpPr/>
+            <p:nvPr/>
+          </p:nvGrpSpPr>
+          <p:grpSpPr>
+            <a:xfrm>
+              <a:off x="824186" y="1606301"/>
+              <a:ext cx="2545721" cy="981719"/>
+              <a:chOff x="908443" y="1649262"/>
+              <a:chExt cx="2545721" cy="981719"/>
+            </a:xfrm>
+          </p:grpSpPr>
+          <p:sp>
+            <p:nvSpPr>
+              <p:cNvPr id="295" name="Прямоугольник 294"/>
+              <p:cNvSpPr/>
+              <p:nvPr/>
+            </p:nvSpPr>
+            <p:spPr>
+              <a:xfrm>
+                <a:off x="908443" y="1649262"/>
+                <a:ext cx="2545720" cy="331409"/>
+              </a:xfrm>
+              <a:prstGeom prst="rect">
+                <a:avLst/>
+              </a:prstGeom>
+            </p:spPr>
+            <p:style>
+              <a:lnRef idx="2">
+                <a:schemeClr val="accent3">
+                  <a:shade val="50000"/>
+                </a:schemeClr>
+              </a:lnRef>
+              <a:fillRef idx="1">
+                <a:schemeClr val="accent3"/>
+              </a:fillRef>
+              <a:effectRef idx="0">
+                <a:schemeClr val="accent3"/>
+              </a:effectRef>
+              <a:fontRef idx="minor">
+                <a:schemeClr val="lt1"/>
+              </a:fontRef>
+            </p:style>
+            <p:txBody>
+              <a:bodyPr rtlCol="0" anchor="ctr"/>
+              <a:lstStyle/>
+              <a:p>
+                <a:pPr algn="ctr"/>
+                <a:r>
+                  <a:rPr lang="en-US" sz="1200" dirty="0"/>
+                  <a:t>r</a:t>
+                </a:r>
+                <a:r>
+                  <a:rPr lang="en-US" sz="1200" dirty="0" smtClean="0"/>
+                  <a:t>oot</a:t>
+                </a:r>
+                <a:r>
+                  <a:rPr lang="ru-RU" sz="1200" dirty="0" smtClean="0"/>
+                  <a:t> ((</a:t>
+                </a:r>
+                <a:r>
+                  <a:rPr lang="ru-RU" sz="1200" dirty="0"/>
+                  <a:t>0, 10), (10, 0</a:t>
+                </a:r>
+                <a:r>
+                  <a:rPr lang="ru-RU" sz="1200" dirty="0" smtClean="0"/>
+                  <a:t>))</a:t>
+                </a:r>
+                <a:endParaRPr lang="en-US" sz="1200" dirty="0"/>
+              </a:p>
+            </p:txBody>
+          </p:sp>
+          <p:sp>
+            <p:nvSpPr>
+              <p:cNvPr id="296" name="Прямоугольник 295"/>
+              <p:cNvSpPr/>
+              <p:nvPr/>
+            </p:nvSpPr>
+            <p:spPr>
+              <a:xfrm>
+                <a:off x="908444" y="2263044"/>
+                <a:ext cx="640451" cy="367937"/>
+              </a:xfrm>
+              <a:prstGeom prst="rect">
+                <a:avLst/>
+              </a:prstGeom>
+            </p:spPr>
+            <p:style>
+              <a:lnRef idx="2">
+                <a:schemeClr val="accent1">
+                  <a:shade val="50000"/>
+                </a:schemeClr>
+              </a:lnRef>
+              <a:fillRef idx="1">
+                <a:schemeClr val="accent1"/>
+              </a:fillRef>
+              <a:effectRef idx="0">
+                <a:schemeClr val="accent1"/>
+              </a:effectRef>
+              <a:fontRef idx="minor">
+                <a:schemeClr val="lt1"/>
+              </a:fontRef>
+            </p:style>
+            <p:txBody>
+              <a:bodyPr rtlCol="0" anchor="ctr"/>
+              <a:lstStyle/>
+              <a:p>
+                <a:pPr algn="ctr"/>
+                <a:r>
+                  <a:rPr lang="en-US" sz="1200" dirty="0" smtClean="0"/>
+                  <a:t>NW</a:t>
+                </a:r>
+                <a:endParaRPr lang="ru-RU" sz="1200" dirty="0"/>
+              </a:p>
+            </p:txBody>
+          </p:sp>
+          <p:sp>
+            <p:nvSpPr>
+              <p:cNvPr id="297" name="Прямоугольник 296"/>
+              <p:cNvSpPr/>
+              <p:nvPr/>
+            </p:nvSpPr>
+            <p:spPr>
+              <a:xfrm>
+                <a:off x="1548895" y="2268372"/>
+                <a:ext cx="640452" cy="360608"/>
+              </a:xfrm>
+              <a:prstGeom prst="rect">
+                <a:avLst/>
+              </a:prstGeom>
+            </p:spPr>
+            <p:style>
+              <a:lnRef idx="2">
+                <a:schemeClr val="accent1">
+                  <a:shade val="50000"/>
+                </a:schemeClr>
+              </a:lnRef>
+              <a:fillRef idx="1">
+                <a:schemeClr val="accent1"/>
+              </a:fillRef>
+              <a:effectRef idx="0">
+                <a:schemeClr val="accent1"/>
+              </a:effectRef>
+              <a:fontRef idx="minor">
+                <a:schemeClr val="lt1"/>
+              </a:fontRef>
+            </p:style>
+            <p:txBody>
+              <a:bodyPr rtlCol="0" anchor="ctr"/>
+              <a:lstStyle/>
+              <a:p>
+                <a:pPr algn="ctr"/>
+                <a:r>
+                  <a:rPr lang="en-US" sz="1200" dirty="0" smtClean="0"/>
+                  <a:t>NE</a:t>
+                </a:r>
+                <a:endParaRPr lang="ru-RU" sz="1200" dirty="0"/>
+              </a:p>
+            </p:txBody>
+          </p:sp>
+          <p:sp>
+            <p:nvSpPr>
+              <p:cNvPr id="298" name="Прямоугольник 297"/>
+              <p:cNvSpPr/>
+              <p:nvPr/>
+            </p:nvSpPr>
+            <p:spPr>
+              <a:xfrm>
+                <a:off x="2173261" y="2274361"/>
+                <a:ext cx="640452" cy="354620"/>
+              </a:xfrm>
+              <a:prstGeom prst="rect">
+                <a:avLst/>
+              </a:prstGeom>
+            </p:spPr>
+            <p:style>
+              <a:lnRef idx="2">
+                <a:schemeClr val="accent1">
+                  <a:shade val="50000"/>
+                </a:schemeClr>
+              </a:lnRef>
+              <a:fillRef idx="1">
+                <a:schemeClr val="accent1"/>
+              </a:fillRef>
+              <a:effectRef idx="0">
+                <a:schemeClr val="accent1"/>
+              </a:effectRef>
+              <a:fontRef idx="minor">
+                <a:schemeClr val="lt1"/>
+              </a:fontRef>
+            </p:style>
+            <p:txBody>
+              <a:bodyPr rtlCol="0" anchor="ctr"/>
+              <a:lstStyle/>
+              <a:p>
+                <a:pPr algn="ctr"/>
+                <a:r>
+                  <a:rPr lang="en-US" sz="1200" dirty="0" smtClean="0"/>
+                  <a:t>SW</a:t>
+                </a:r>
+                <a:endParaRPr lang="ru-RU" sz="1200" dirty="0"/>
+              </a:p>
+            </p:txBody>
+          </p:sp>
+          <p:sp>
+            <p:nvSpPr>
+              <p:cNvPr id="299" name="Прямоугольник 298"/>
+              <p:cNvSpPr/>
+              <p:nvPr/>
+            </p:nvSpPr>
+            <p:spPr>
+              <a:xfrm>
+                <a:off x="2813712" y="2274361"/>
+                <a:ext cx="640452" cy="354619"/>
+              </a:xfrm>
+              <a:prstGeom prst="rect">
+                <a:avLst/>
+              </a:prstGeom>
+            </p:spPr>
+            <p:style>
+              <a:lnRef idx="2">
+                <a:schemeClr val="accent1">
+                  <a:shade val="50000"/>
+                </a:schemeClr>
+              </a:lnRef>
+              <a:fillRef idx="1">
+                <a:schemeClr val="accent1"/>
+              </a:fillRef>
+              <a:effectRef idx="0">
+                <a:schemeClr val="accent1"/>
+              </a:effectRef>
+              <a:fontRef idx="minor">
+                <a:schemeClr val="lt1"/>
+              </a:fontRef>
+            </p:style>
+            <p:txBody>
+              <a:bodyPr rtlCol="0" anchor="ctr"/>
+              <a:lstStyle/>
+              <a:p>
+                <a:pPr algn="ctr"/>
+                <a:r>
+                  <a:rPr lang="en-US" sz="1200" dirty="0" smtClean="0"/>
+                  <a:t>SE</a:t>
+                </a:r>
+              </a:p>
+            </p:txBody>
+          </p:sp>
+          <p:sp>
+            <p:nvSpPr>
+              <p:cNvPr id="300" name="Прямоугольник 299"/>
+              <p:cNvSpPr/>
+              <p:nvPr/>
+            </p:nvSpPr>
+            <p:spPr>
+              <a:xfrm>
+                <a:off x="908443" y="1997814"/>
+                <a:ext cx="2545721" cy="270694"/>
+              </a:xfrm>
+              <a:prstGeom prst="rect">
+                <a:avLst/>
+              </a:prstGeom>
+            </p:spPr>
+            <p:style>
+              <a:lnRef idx="2">
+                <a:schemeClr val="accent1">
+                  <a:shade val="50000"/>
+                </a:schemeClr>
+              </a:lnRef>
+              <a:fillRef idx="1">
+                <a:schemeClr val="accent1"/>
+              </a:fillRef>
+              <a:effectRef idx="0">
+                <a:schemeClr val="accent1"/>
+              </a:effectRef>
+              <a:fontRef idx="minor">
+                <a:schemeClr val="lt1"/>
+              </a:fontRef>
+            </p:style>
+            <p:txBody>
+              <a:bodyPr rtlCol="0" anchor="ctr"/>
+              <a:lstStyle/>
+              <a:p>
+                <a:pPr algn="ctr"/>
+                <a:r>
+                  <a:rPr lang="en-US" sz="1200" dirty="0" smtClean="0"/>
+                  <a:t>(4, 2)</a:t>
+                </a:r>
+                <a:endParaRPr lang="ru-RU" sz="1200" dirty="0"/>
+              </a:p>
+            </p:txBody>
+          </p:sp>
+        </p:grpSp>
+      </p:grpSp>
+      <p:grpSp>
+        <p:nvGrpSpPr>
+          <p:cNvPr id="320" name="Группа 319"/>
+          <p:cNvGrpSpPr/>
+          <p:nvPr/>
+        </p:nvGrpSpPr>
+        <p:grpSpPr>
+          <a:xfrm>
+            <a:off x="4718930" y="2493419"/>
+            <a:ext cx="2072136" cy="1104293"/>
+            <a:chOff x="3863932" y="5277592"/>
+            <a:chExt cx="2072136" cy="1104293"/>
+          </a:xfrm>
+        </p:grpSpPr>
+        <p:grpSp>
+          <p:nvGrpSpPr>
+            <p:cNvPr id="321" name="Группа 320"/>
+            <p:cNvGrpSpPr/>
+            <p:nvPr/>
+          </p:nvGrpSpPr>
+          <p:grpSpPr>
+            <a:xfrm>
+              <a:off x="3863932" y="5277592"/>
+              <a:ext cx="2020981" cy="1096514"/>
+              <a:chOff x="786175" y="1606301"/>
+              <a:chExt cx="2583732" cy="1617020"/>
+            </a:xfrm>
+          </p:grpSpPr>
+          <p:cxnSp>
+            <p:nvCxnSpPr>
+              <p:cNvPr id="325" name="Прямая со стрелкой 324"/>
+              <p:cNvCxnSpPr>
+                <a:stCxn id="332" idx="2"/>
+                <a:endCxn id="329" idx="0"/>
+              </p:cNvCxnSpPr>
+              <p:nvPr/>
+            </p:nvCxnSpPr>
+            <p:spPr>
+              <a:xfrm flipH="1">
+                <a:off x="1099920" y="2588019"/>
+                <a:ext cx="44493" cy="366336"/>
+              </a:xfrm>
+              <a:prstGeom prst="straightConnector1">
+                <a:avLst/>
+              </a:prstGeom>
+              <a:ln>
+                <a:tailEnd type="triangle"/>
+              </a:ln>
+            </p:spPr>
+            <p:style>
+              <a:lnRef idx="1">
+                <a:schemeClr val="accent1"/>
+              </a:lnRef>
+              <a:fillRef idx="0">
+                <a:schemeClr val="accent1"/>
+              </a:fillRef>
+              <a:effectRef idx="0">
+                <a:schemeClr val="accent1"/>
+              </a:effectRef>
+              <a:fontRef idx="minor">
+                <a:schemeClr val="tx1"/>
+              </a:fontRef>
+            </p:style>
+          </p:cxnSp>
+          <p:cxnSp>
+            <p:nvCxnSpPr>
+              <p:cNvPr id="326" name="Прямая со стрелкой 325"/>
+              <p:cNvCxnSpPr>
+                <a:endCxn id="322" idx="0"/>
+              </p:cNvCxnSpPr>
+              <p:nvPr/>
+            </p:nvCxnSpPr>
+            <p:spPr>
+              <a:xfrm>
+                <a:off x="1769191" y="2536497"/>
+                <a:ext cx="8366" cy="422070"/>
+              </a:xfrm>
+              <a:prstGeom prst="straightConnector1">
+                <a:avLst/>
+              </a:prstGeom>
+              <a:ln>
+                <a:tailEnd type="triangle"/>
+              </a:ln>
+            </p:spPr>
+            <p:style>
+              <a:lnRef idx="1">
+                <a:schemeClr val="accent1"/>
+              </a:lnRef>
+              <a:fillRef idx="0">
+                <a:schemeClr val="accent1"/>
+              </a:fillRef>
+              <a:effectRef idx="0">
+                <a:schemeClr val="accent1"/>
+              </a:effectRef>
+              <a:fontRef idx="minor">
+                <a:schemeClr val="tx1"/>
+              </a:fontRef>
+            </p:style>
+          </p:cxnSp>
+          <p:cxnSp>
+            <p:nvCxnSpPr>
+              <p:cNvPr id="327" name="Прямая со стрелкой 326"/>
+              <p:cNvCxnSpPr>
+                <a:endCxn id="323" idx="0"/>
+              </p:cNvCxnSpPr>
+              <p:nvPr/>
+            </p:nvCxnSpPr>
+            <p:spPr>
+              <a:xfrm>
+                <a:off x="2414167" y="2533863"/>
+                <a:ext cx="32662" cy="431964"/>
+              </a:xfrm>
+              <a:prstGeom prst="straightConnector1">
+                <a:avLst/>
+              </a:prstGeom>
+              <a:ln>
+                <a:tailEnd type="triangle"/>
+              </a:ln>
+            </p:spPr>
+            <p:style>
+              <a:lnRef idx="1">
+                <a:schemeClr val="accent1"/>
+              </a:lnRef>
+              <a:fillRef idx="0">
+                <a:schemeClr val="accent1"/>
+              </a:fillRef>
+              <a:effectRef idx="0">
+                <a:schemeClr val="accent1"/>
+              </a:effectRef>
+              <a:fontRef idx="minor">
+                <a:schemeClr val="tx1"/>
+              </a:fontRef>
+            </p:style>
+          </p:cxnSp>
+          <p:cxnSp>
+            <p:nvCxnSpPr>
+              <p:cNvPr id="328" name="Прямая со стрелкой 327"/>
+              <p:cNvCxnSpPr>
+                <a:endCxn id="324" idx="0"/>
+              </p:cNvCxnSpPr>
+              <p:nvPr/>
+            </p:nvCxnSpPr>
+            <p:spPr>
+              <a:xfrm>
+                <a:off x="3025901" y="2552841"/>
+                <a:ext cx="95660" cy="412986"/>
+              </a:xfrm>
+              <a:prstGeom prst="straightConnector1">
+                <a:avLst/>
+              </a:prstGeom>
+              <a:ln>
+                <a:tailEnd type="triangle"/>
+              </a:ln>
+            </p:spPr>
+            <p:style>
+              <a:lnRef idx="1">
+                <a:schemeClr val="accent1"/>
+              </a:lnRef>
+              <a:fillRef idx="0">
+                <a:schemeClr val="accent1"/>
+              </a:fillRef>
+              <a:effectRef idx="0">
+                <a:schemeClr val="accent1"/>
+              </a:effectRef>
+              <a:fontRef idx="minor">
+                <a:schemeClr val="tx1"/>
+              </a:fontRef>
+            </p:style>
+          </p:cxnSp>
+          <p:sp>
+            <p:nvSpPr>
+              <p:cNvPr id="329" name="Скругленный прямоугольник 328"/>
+              <p:cNvSpPr/>
+              <p:nvPr/>
+            </p:nvSpPr>
+            <p:spPr>
+              <a:xfrm>
+                <a:off x="786175" y="2954355"/>
+                <a:ext cx="627490" cy="268966"/>
+              </a:xfrm>
+              <a:prstGeom prst="roundRect">
+                <a:avLst/>
+              </a:prstGeom>
+            </p:spPr>
+            <p:style>
+              <a:lnRef idx="2">
+                <a:schemeClr val="accent3">
+                  <a:shade val="50000"/>
+                </a:schemeClr>
+              </a:lnRef>
+              <a:fillRef idx="1">
+                <a:schemeClr val="accent3"/>
+              </a:fillRef>
+              <a:effectRef idx="0">
+                <a:schemeClr val="accent3"/>
+              </a:effectRef>
+              <a:fontRef idx="minor">
+                <a:schemeClr val="lt1"/>
+              </a:fontRef>
+            </p:style>
+            <p:txBody>
+              <a:bodyPr rtlCol="0" anchor="ctr"/>
+              <a:lstStyle/>
+              <a:p>
+                <a:pPr algn="ctr"/>
+                <a:r>
+                  <a:rPr lang="en-US" sz="1200" dirty="0" smtClean="0"/>
+                  <a:t>NILL</a:t>
+                </a:r>
+                <a:endParaRPr lang="ru-RU" sz="1200" dirty="0"/>
+              </a:p>
+            </p:txBody>
+          </p:sp>
+          <p:grpSp>
+            <p:nvGrpSpPr>
+              <p:cNvPr id="330" name="Группа 329"/>
+              <p:cNvGrpSpPr/>
+              <p:nvPr/>
+            </p:nvGrpSpPr>
+            <p:grpSpPr>
+              <a:xfrm>
+                <a:off x="824186" y="1606301"/>
+                <a:ext cx="2545721" cy="981719"/>
+                <a:chOff x="908443" y="1649262"/>
+                <a:chExt cx="2545721" cy="981719"/>
+              </a:xfrm>
+            </p:grpSpPr>
+            <p:sp>
+              <p:nvSpPr>
+                <p:cNvPr id="331" name="Прямоугольник 330"/>
+                <p:cNvSpPr/>
+                <p:nvPr/>
+              </p:nvSpPr>
+              <p:spPr>
+                <a:xfrm>
+                  <a:off x="908443" y="1649262"/>
+                  <a:ext cx="2545720" cy="331409"/>
+                </a:xfrm>
+                <a:prstGeom prst="rect">
+                  <a:avLst/>
+                </a:prstGeom>
+              </p:spPr>
+              <p:style>
+                <a:lnRef idx="2">
+                  <a:schemeClr val="accent3">
+                    <a:shade val="50000"/>
+                  </a:schemeClr>
+                </a:lnRef>
+                <a:fillRef idx="1">
+                  <a:schemeClr val="accent3"/>
+                </a:fillRef>
+                <a:effectRef idx="0">
+                  <a:schemeClr val="accent3"/>
+                </a:effectRef>
+                <a:fontRef idx="minor">
+                  <a:schemeClr val="lt1"/>
+                </a:fontRef>
+              </p:style>
+              <p:txBody>
+                <a:bodyPr rtlCol="0" anchor="ctr"/>
+                <a:lstStyle/>
+                <a:p>
+                  <a:pPr algn="ctr"/>
+                  <a:r>
+                    <a:rPr lang="ru-RU" sz="1200" dirty="0" smtClean="0"/>
+                    <a:t>((</a:t>
+                  </a:r>
+                  <a:r>
+                    <a:rPr lang="ru-RU" sz="1200" dirty="0"/>
+                    <a:t>0, </a:t>
+                  </a:r>
+                  <a:r>
+                    <a:rPr lang="en-US" sz="1200" dirty="0"/>
+                    <a:t>5</a:t>
+                  </a:r>
+                  <a:r>
+                    <a:rPr lang="ru-RU" sz="1200" dirty="0" smtClean="0"/>
+                    <a:t>), (</a:t>
+                  </a:r>
+                  <a:r>
+                    <a:rPr lang="en-US" sz="1200" dirty="0"/>
+                    <a:t>5</a:t>
+                  </a:r>
+                  <a:r>
+                    <a:rPr lang="ru-RU" sz="1200" dirty="0" smtClean="0"/>
+                    <a:t>, </a:t>
+                  </a:r>
+                  <a:r>
+                    <a:rPr lang="ru-RU" sz="1200" dirty="0"/>
+                    <a:t>0</a:t>
+                  </a:r>
+                  <a:r>
+                    <a:rPr lang="ru-RU" sz="1200" dirty="0" smtClean="0"/>
+                    <a:t>))</a:t>
+                  </a:r>
+                  <a:endParaRPr lang="en-US" sz="1200" dirty="0"/>
+                </a:p>
+              </p:txBody>
+            </p:sp>
+            <p:sp>
+              <p:nvSpPr>
+                <p:cNvPr id="332" name="Прямоугольник 331"/>
+                <p:cNvSpPr/>
+                <p:nvPr/>
+              </p:nvSpPr>
+              <p:spPr>
+                <a:xfrm>
+                  <a:off x="908444" y="2263044"/>
+                  <a:ext cx="640451" cy="367937"/>
+                </a:xfrm>
+                <a:prstGeom prst="rect">
+                  <a:avLst/>
+                </a:prstGeom>
+              </p:spPr>
+              <p:style>
+                <a:lnRef idx="2">
+                  <a:schemeClr val="accent1">
+                    <a:shade val="50000"/>
+                  </a:schemeClr>
+                </a:lnRef>
+                <a:fillRef idx="1">
+                  <a:schemeClr val="accent1"/>
+                </a:fillRef>
+                <a:effectRef idx="0">
+                  <a:schemeClr val="accent1"/>
+                </a:effectRef>
+                <a:fontRef idx="minor">
+                  <a:schemeClr val="lt1"/>
+                </a:fontRef>
+              </p:style>
+              <p:txBody>
+                <a:bodyPr rtlCol="0" anchor="ctr"/>
+                <a:lstStyle/>
+                <a:p>
+                  <a:pPr algn="ctr"/>
+                  <a:r>
+                    <a:rPr lang="en-US" sz="1200" dirty="0" smtClean="0"/>
+                    <a:t>NW</a:t>
+                  </a:r>
+                  <a:endParaRPr lang="ru-RU" sz="1200" dirty="0"/>
+                </a:p>
+              </p:txBody>
+            </p:sp>
+            <p:sp>
+              <p:nvSpPr>
+                <p:cNvPr id="333" name="Прямоугольник 332"/>
+                <p:cNvSpPr/>
+                <p:nvPr/>
+              </p:nvSpPr>
+              <p:spPr>
+                <a:xfrm>
+                  <a:off x="1548895" y="2268372"/>
+                  <a:ext cx="640452" cy="360608"/>
+                </a:xfrm>
+                <a:prstGeom prst="rect">
+                  <a:avLst/>
+                </a:prstGeom>
+              </p:spPr>
+              <p:style>
+                <a:lnRef idx="2">
+                  <a:schemeClr val="accent1">
+                    <a:shade val="50000"/>
+                  </a:schemeClr>
+                </a:lnRef>
+                <a:fillRef idx="1">
+                  <a:schemeClr val="accent1"/>
+                </a:fillRef>
+                <a:effectRef idx="0">
+                  <a:schemeClr val="accent1"/>
+                </a:effectRef>
+                <a:fontRef idx="minor">
+                  <a:schemeClr val="lt1"/>
+                </a:fontRef>
+              </p:style>
+              <p:txBody>
+                <a:bodyPr rtlCol="0" anchor="ctr"/>
+                <a:lstStyle/>
+                <a:p>
+                  <a:pPr algn="ctr"/>
+                  <a:r>
+                    <a:rPr lang="en-US" sz="1200" dirty="0" smtClean="0"/>
+                    <a:t>NE</a:t>
+                  </a:r>
+                  <a:endParaRPr lang="ru-RU" sz="1200" dirty="0"/>
+                </a:p>
+              </p:txBody>
+            </p:sp>
+            <p:sp>
+              <p:nvSpPr>
+                <p:cNvPr id="334" name="Прямоугольник 333"/>
+                <p:cNvSpPr/>
+                <p:nvPr/>
+              </p:nvSpPr>
+              <p:spPr>
+                <a:xfrm>
+                  <a:off x="2173261" y="2274361"/>
+                  <a:ext cx="640452" cy="354620"/>
+                </a:xfrm>
+                <a:prstGeom prst="rect">
+                  <a:avLst/>
+                </a:prstGeom>
+              </p:spPr>
+              <p:style>
+                <a:lnRef idx="2">
+                  <a:schemeClr val="accent1">
+                    <a:shade val="50000"/>
+                  </a:schemeClr>
+                </a:lnRef>
+                <a:fillRef idx="1">
+                  <a:schemeClr val="accent1"/>
+                </a:fillRef>
+                <a:effectRef idx="0">
+                  <a:schemeClr val="accent1"/>
+                </a:effectRef>
+                <a:fontRef idx="minor">
+                  <a:schemeClr val="lt1"/>
+                </a:fontRef>
+              </p:style>
+              <p:txBody>
+                <a:bodyPr rtlCol="0" anchor="ctr"/>
+                <a:lstStyle/>
+                <a:p>
+                  <a:pPr algn="ctr"/>
+                  <a:r>
+                    <a:rPr lang="en-US" sz="1200" dirty="0" smtClean="0"/>
+                    <a:t>SW</a:t>
+                  </a:r>
+                  <a:endParaRPr lang="ru-RU" sz="1200" dirty="0"/>
+                </a:p>
+              </p:txBody>
+            </p:sp>
+            <p:sp>
+              <p:nvSpPr>
+                <p:cNvPr id="335" name="Прямоугольник 334"/>
+                <p:cNvSpPr/>
+                <p:nvPr/>
+              </p:nvSpPr>
+              <p:spPr>
+                <a:xfrm>
+                  <a:off x="2813712" y="2274361"/>
+                  <a:ext cx="640452" cy="354619"/>
+                </a:xfrm>
+                <a:prstGeom prst="rect">
+                  <a:avLst/>
+                </a:prstGeom>
+              </p:spPr>
+              <p:style>
+                <a:lnRef idx="2">
+                  <a:schemeClr val="accent1">
+                    <a:shade val="50000"/>
+                  </a:schemeClr>
+                </a:lnRef>
+                <a:fillRef idx="1">
+                  <a:schemeClr val="accent1"/>
+                </a:fillRef>
+                <a:effectRef idx="0">
+                  <a:schemeClr val="accent1"/>
+                </a:effectRef>
+                <a:fontRef idx="minor">
+                  <a:schemeClr val="lt1"/>
+                </a:fontRef>
+              </p:style>
+              <p:txBody>
+                <a:bodyPr rtlCol="0" anchor="ctr"/>
+                <a:lstStyle/>
+                <a:p>
+                  <a:pPr algn="ctr"/>
+                  <a:r>
+                    <a:rPr lang="en-US" sz="1200" dirty="0" smtClean="0"/>
+                    <a:t>SE</a:t>
+                  </a:r>
+                </a:p>
+              </p:txBody>
+            </p:sp>
+            <p:sp>
+              <p:nvSpPr>
+                <p:cNvPr id="336" name="Прямоугольник 335"/>
+                <p:cNvSpPr/>
+                <p:nvPr/>
+              </p:nvSpPr>
+              <p:spPr>
+                <a:xfrm>
+                  <a:off x="908443" y="1997814"/>
+                  <a:ext cx="2545721" cy="270694"/>
+                </a:xfrm>
+                <a:prstGeom prst="rect">
+                  <a:avLst/>
+                </a:prstGeom>
+              </p:spPr>
+              <p:style>
+                <a:lnRef idx="2">
+                  <a:schemeClr val="accent1">
+                    <a:shade val="50000"/>
+                  </a:schemeClr>
+                </a:lnRef>
+                <a:fillRef idx="1">
+                  <a:schemeClr val="accent1"/>
+                </a:fillRef>
+                <a:effectRef idx="0">
+                  <a:schemeClr val="accent1"/>
+                </a:effectRef>
+                <a:fontRef idx="minor">
+                  <a:schemeClr val="lt1"/>
+                </a:fontRef>
+              </p:style>
+              <p:txBody>
+                <a:bodyPr rtlCol="0" anchor="ctr"/>
+                <a:lstStyle/>
+                <a:p>
+                  <a:pPr algn="ctr"/>
+                  <a:r>
+                    <a:rPr lang="en-US" sz="1200" dirty="0" smtClean="0"/>
+                    <a:t>NILL</a:t>
+                  </a:r>
+                  <a:endParaRPr lang="ru-RU" sz="1200" dirty="0"/>
+                </a:p>
+              </p:txBody>
+            </p:sp>
+          </p:grpSp>
+        </p:grpSp>
+        <p:sp>
+          <p:nvSpPr>
+            <p:cNvPr id="322" name="Скругленный прямоугольник 321"/>
+            <p:cNvSpPr/>
+            <p:nvPr/>
+          </p:nvSpPr>
+          <p:spPr>
+            <a:xfrm>
+              <a:off x="4393976" y="6194574"/>
+              <a:ext cx="490819" cy="182388"/>
+            </a:xfrm>
+            <a:prstGeom prst="roundRect">
+              <a:avLst/>
+            </a:prstGeom>
+          </p:spPr>
+          <p:style>
+            <a:lnRef idx="2">
+              <a:schemeClr val="accent3">
+                <a:shade val="50000"/>
+              </a:schemeClr>
+            </a:lnRef>
+            <a:fillRef idx="1">
+              <a:schemeClr val="accent3"/>
+            </a:fillRef>
+            <a:effectRef idx="0">
+              <a:schemeClr val="accent3"/>
+            </a:effectRef>
+            <a:fontRef idx="minor">
+              <a:schemeClr val="lt1"/>
+            </a:fontRef>
+          </p:style>
+          <p:txBody>
+            <a:bodyPr rtlCol="0" anchor="ctr"/>
+            <a:lstStyle/>
+            <a:p>
+              <a:pPr algn="ctr"/>
+              <a:r>
+                <a:rPr lang="en-US" sz="1200" dirty="0" smtClean="0"/>
+                <a:t>NILL</a:t>
+              </a:r>
+              <a:endParaRPr lang="ru-RU" sz="1200" dirty="0"/>
+            </a:p>
+          </p:txBody>
+        </p:sp>
+        <p:sp>
+          <p:nvSpPr>
+            <p:cNvPr id="323" name="Скругленный прямоугольник 322"/>
+            <p:cNvSpPr/>
+            <p:nvPr/>
+          </p:nvSpPr>
+          <p:spPr>
+            <a:xfrm>
+              <a:off x="4917477" y="6199497"/>
+              <a:ext cx="490819" cy="182388"/>
+            </a:xfrm>
+            <a:prstGeom prst="roundRect">
+              <a:avLst/>
+            </a:prstGeom>
+          </p:spPr>
+          <p:style>
+            <a:lnRef idx="2">
+              <a:schemeClr val="accent3">
+                <a:shade val="50000"/>
+              </a:schemeClr>
+            </a:lnRef>
+            <a:fillRef idx="1">
+              <a:schemeClr val="accent3"/>
+            </a:fillRef>
+            <a:effectRef idx="0">
+              <a:schemeClr val="accent3"/>
+            </a:effectRef>
+            <a:fontRef idx="minor">
+              <a:schemeClr val="lt1"/>
+            </a:fontRef>
+          </p:style>
+          <p:txBody>
+            <a:bodyPr rtlCol="0" anchor="ctr"/>
+            <a:lstStyle/>
+            <a:p>
+              <a:pPr algn="ctr"/>
+              <a:r>
+                <a:rPr lang="en-US" sz="1200" dirty="0" smtClean="0"/>
+                <a:t>NILL</a:t>
+              </a:r>
+              <a:endParaRPr lang="ru-RU" sz="1200" dirty="0"/>
+            </a:p>
+          </p:txBody>
+        </p:sp>
+        <p:sp>
+          <p:nvSpPr>
+            <p:cNvPr id="324" name="Скругленный прямоугольник 323"/>
+            <p:cNvSpPr/>
+            <p:nvPr/>
+          </p:nvSpPr>
+          <p:spPr>
+            <a:xfrm>
+              <a:off x="5445249" y="6199497"/>
+              <a:ext cx="490819" cy="182388"/>
+            </a:xfrm>
+            <a:prstGeom prst="roundRect">
+              <a:avLst/>
+            </a:prstGeom>
+          </p:spPr>
+          <p:style>
+            <a:lnRef idx="2">
+              <a:schemeClr val="accent3">
+                <a:shade val="50000"/>
+              </a:schemeClr>
+            </a:lnRef>
+            <a:fillRef idx="1">
+              <a:schemeClr val="accent3"/>
+            </a:fillRef>
+            <a:effectRef idx="0">
+              <a:schemeClr val="accent3"/>
+            </a:effectRef>
+            <a:fontRef idx="minor">
+              <a:schemeClr val="lt1"/>
+            </a:fontRef>
+          </p:style>
+          <p:txBody>
+            <a:bodyPr rtlCol="0" anchor="ctr"/>
+            <a:lstStyle/>
+            <a:p>
+              <a:pPr algn="ctr"/>
+              <a:r>
+                <a:rPr lang="en-US" sz="1200" dirty="0" smtClean="0"/>
+                <a:t>NILL</a:t>
+              </a:r>
+              <a:endParaRPr lang="ru-RU" sz="1200" dirty="0"/>
+            </a:p>
+          </p:txBody>
+        </p:sp>
+      </p:grpSp>
+      <p:grpSp>
+        <p:nvGrpSpPr>
+          <p:cNvPr id="337" name="Группа 336"/>
+          <p:cNvGrpSpPr/>
+          <p:nvPr/>
+        </p:nvGrpSpPr>
+        <p:grpSpPr>
+          <a:xfrm>
+            <a:off x="2514520" y="2472971"/>
+            <a:ext cx="2072136" cy="1104293"/>
+            <a:chOff x="3863932" y="5277592"/>
+            <a:chExt cx="2072136" cy="1104293"/>
+          </a:xfrm>
+        </p:grpSpPr>
+        <p:grpSp>
+          <p:nvGrpSpPr>
+            <p:cNvPr id="338" name="Группа 337"/>
+            <p:cNvGrpSpPr/>
+            <p:nvPr/>
+          </p:nvGrpSpPr>
+          <p:grpSpPr>
+            <a:xfrm>
+              <a:off x="3863932" y="5277592"/>
+              <a:ext cx="2020981" cy="1096513"/>
+              <a:chOff x="786175" y="1606302"/>
+              <a:chExt cx="2583732" cy="1617019"/>
+            </a:xfrm>
+          </p:grpSpPr>
+          <p:cxnSp>
+            <p:nvCxnSpPr>
+              <p:cNvPr id="342" name="Прямая со стрелкой 341"/>
+              <p:cNvCxnSpPr>
+                <a:stCxn id="349" idx="2"/>
+                <a:endCxn id="346" idx="0"/>
+              </p:cNvCxnSpPr>
+              <p:nvPr/>
+            </p:nvCxnSpPr>
+            <p:spPr>
+              <a:xfrm flipH="1">
+                <a:off x="1099920" y="2588019"/>
+                <a:ext cx="44493" cy="366336"/>
+              </a:xfrm>
+              <a:prstGeom prst="straightConnector1">
+                <a:avLst/>
+              </a:prstGeom>
+              <a:ln>
+                <a:tailEnd type="triangle"/>
+              </a:ln>
+            </p:spPr>
+            <p:style>
+              <a:lnRef idx="1">
+                <a:schemeClr val="accent1"/>
+              </a:lnRef>
+              <a:fillRef idx="0">
+                <a:schemeClr val="accent1"/>
+              </a:fillRef>
+              <a:effectRef idx="0">
+                <a:schemeClr val="accent1"/>
+              </a:effectRef>
+              <a:fontRef idx="minor">
+                <a:schemeClr val="tx1"/>
+              </a:fontRef>
+            </p:style>
+          </p:cxnSp>
+          <p:cxnSp>
+            <p:nvCxnSpPr>
+              <p:cNvPr id="343" name="Прямая со стрелкой 342"/>
+              <p:cNvCxnSpPr>
+                <a:endCxn id="339" idx="0"/>
+              </p:cNvCxnSpPr>
+              <p:nvPr/>
+            </p:nvCxnSpPr>
+            <p:spPr>
+              <a:xfrm>
+                <a:off x="1769191" y="2536497"/>
+                <a:ext cx="8366" cy="422070"/>
+              </a:xfrm>
+              <a:prstGeom prst="straightConnector1">
+                <a:avLst/>
+              </a:prstGeom>
+              <a:ln>
+                <a:tailEnd type="triangle"/>
+              </a:ln>
+            </p:spPr>
+            <p:style>
+              <a:lnRef idx="1">
+                <a:schemeClr val="accent1"/>
+              </a:lnRef>
+              <a:fillRef idx="0">
+                <a:schemeClr val="accent1"/>
+              </a:fillRef>
+              <a:effectRef idx="0">
+                <a:schemeClr val="accent1"/>
+              </a:effectRef>
+              <a:fontRef idx="minor">
+                <a:schemeClr val="tx1"/>
+              </a:fontRef>
+            </p:style>
+          </p:cxnSp>
+          <p:cxnSp>
+            <p:nvCxnSpPr>
+              <p:cNvPr id="344" name="Прямая со стрелкой 343"/>
+              <p:cNvCxnSpPr>
+                <a:endCxn id="340" idx="0"/>
+              </p:cNvCxnSpPr>
+              <p:nvPr/>
+            </p:nvCxnSpPr>
+            <p:spPr>
+              <a:xfrm>
+                <a:off x="2414167" y="2533863"/>
+                <a:ext cx="32662" cy="431964"/>
+              </a:xfrm>
+              <a:prstGeom prst="straightConnector1">
+                <a:avLst/>
+              </a:prstGeom>
+              <a:ln>
+                <a:tailEnd type="triangle"/>
+              </a:ln>
+            </p:spPr>
+            <p:style>
+              <a:lnRef idx="1">
+                <a:schemeClr val="accent1"/>
+              </a:lnRef>
+              <a:fillRef idx="0">
+                <a:schemeClr val="accent1"/>
+              </a:fillRef>
+              <a:effectRef idx="0">
+                <a:schemeClr val="accent1"/>
+              </a:effectRef>
+              <a:fontRef idx="minor">
+                <a:schemeClr val="tx1"/>
+              </a:fontRef>
+            </p:style>
+          </p:cxnSp>
+          <p:cxnSp>
+            <p:nvCxnSpPr>
+              <p:cNvPr id="345" name="Прямая со стрелкой 344"/>
+              <p:cNvCxnSpPr>
+                <a:endCxn id="341" idx="0"/>
+              </p:cNvCxnSpPr>
+              <p:nvPr/>
+            </p:nvCxnSpPr>
+            <p:spPr>
+              <a:xfrm>
+                <a:off x="3025901" y="2552841"/>
+                <a:ext cx="95660" cy="412986"/>
+              </a:xfrm>
+              <a:prstGeom prst="straightConnector1">
+                <a:avLst/>
+              </a:prstGeom>
+              <a:ln>
+                <a:tailEnd type="triangle"/>
+              </a:ln>
+            </p:spPr>
+            <p:style>
+              <a:lnRef idx="1">
+                <a:schemeClr val="accent1"/>
+              </a:lnRef>
+              <a:fillRef idx="0">
+                <a:schemeClr val="accent1"/>
+              </a:fillRef>
+              <a:effectRef idx="0">
+                <a:schemeClr val="accent1"/>
+              </a:effectRef>
+              <a:fontRef idx="minor">
+                <a:schemeClr val="tx1"/>
+              </a:fontRef>
+            </p:style>
+          </p:cxnSp>
+          <p:sp>
+            <p:nvSpPr>
+              <p:cNvPr id="346" name="Скругленный прямоугольник 345"/>
+              <p:cNvSpPr/>
+              <p:nvPr/>
+            </p:nvSpPr>
+            <p:spPr>
+              <a:xfrm>
+                <a:off x="786175" y="2954355"/>
+                <a:ext cx="627490" cy="268966"/>
+              </a:xfrm>
+              <a:prstGeom prst="roundRect">
+                <a:avLst/>
+              </a:prstGeom>
+            </p:spPr>
+            <p:style>
+              <a:lnRef idx="2">
+                <a:schemeClr val="accent3">
+                  <a:shade val="50000"/>
+                </a:schemeClr>
+              </a:lnRef>
+              <a:fillRef idx="1">
+                <a:schemeClr val="accent3"/>
+              </a:fillRef>
+              <a:effectRef idx="0">
+                <a:schemeClr val="accent3"/>
+              </a:effectRef>
+              <a:fontRef idx="minor">
+                <a:schemeClr val="lt1"/>
+              </a:fontRef>
+            </p:style>
+            <p:txBody>
+              <a:bodyPr rtlCol="0" anchor="ctr"/>
+              <a:lstStyle/>
+              <a:p>
+                <a:pPr algn="ctr"/>
+                <a:r>
+                  <a:rPr lang="en-US" sz="1200" dirty="0" smtClean="0"/>
+                  <a:t>NILL</a:t>
+                </a:r>
+                <a:endParaRPr lang="ru-RU" sz="1200" dirty="0"/>
+              </a:p>
+            </p:txBody>
+          </p:sp>
+          <p:grpSp>
+            <p:nvGrpSpPr>
+              <p:cNvPr id="347" name="Группа 346"/>
+              <p:cNvGrpSpPr/>
+              <p:nvPr/>
+            </p:nvGrpSpPr>
+            <p:grpSpPr>
+              <a:xfrm>
+                <a:off x="824186" y="1606302"/>
+                <a:ext cx="2545721" cy="981718"/>
+                <a:chOff x="908443" y="1649263"/>
+                <a:chExt cx="2545721" cy="981718"/>
+              </a:xfrm>
+            </p:grpSpPr>
+            <p:sp>
+              <p:nvSpPr>
+                <p:cNvPr id="348" name="Прямоугольник 347"/>
+                <p:cNvSpPr/>
+                <p:nvPr/>
+              </p:nvSpPr>
+              <p:spPr>
+                <a:xfrm>
+                  <a:off x="908443" y="1649263"/>
+                  <a:ext cx="2545720" cy="331409"/>
+                </a:xfrm>
+                <a:prstGeom prst="rect">
+                  <a:avLst/>
+                </a:prstGeom>
+              </p:spPr>
+              <p:style>
+                <a:lnRef idx="2">
+                  <a:schemeClr val="accent3">
+                    <a:shade val="50000"/>
+                  </a:schemeClr>
+                </a:lnRef>
+                <a:fillRef idx="1">
+                  <a:schemeClr val="accent3"/>
+                </a:fillRef>
+                <a:effectRef idx="0">
+                  <a:schemeClr val="accent3"/>
+                </a:effectRef>
+                <a:fontRef idx="minor">
+                  <a:schemeClr val="lt1"/>
+                </a:fontRef>
+              </p:style>
+              <p:txBody>
+                <a:bodyPr rtlCol="0" anchor="ctr"/>
+                <a:lstStyle/>
+                <a:p>
+                  <a:pPr algn="ctr"/>
+                  <a:r>
+                    <a:rPr lang="ru-RU" sz="1200" dirty="0" smtClean="0"/>
+                    <a:t>((</a:t>
+                  </a:r>
+                  <a:r>
+                    <a:rPr lang="en-US" sz="1200" dirty="0" smtClean="0"/>
+                    <a:t>5</a:t>
+                  </a:r>
+                  <a:r>
+                    <a:rPr lang="ru-RU" sz="1200" dirty="0" smtClean="0"/>
+                    <a:t>, </a:t>
+                  </a:r>
+                  <a:r>
+                    <a:rPr lang="ru-RU" sz="1200" dirty="0"/>
+                    <a:t>10), (10, </a:t>
+                  </a:r>
+                  <a:r>
+                    <a:rPr lang="en-US" sz="1200" dirty="0" smtClean="0"/>
+                    <a:t>5</a:t>
+                  </a:r>
+                  <a:r>
+                    <a:rPr lang="ru-RU" sz="1200" dirty="0" smtClean="0"/>
+                    <a:t>))</a:t>
+                  </a:r>
+                  <a:endParaRPr lang="en-US" sz="1200" dirty="0"/>
+                </a:p>
+              </p:txBody>
+            </p:sp>
+            <p:sp>
+              <p:nvSpPr>
+                <p:cNvPr id="349" name="Прямоугольник 348"/>
+                <p:cNvSpPr/>
+                <p:nvPr/>
+              </p:nvSpPr>
+              <p:spPr>
+                <a:xfrm>
+                  <a:off x="908444" y="2263044"/>
+                  <a:ext cx="640451" cy="367937"/>
+                </a:xfrm>
+                <a:prstGeom prst="rect">
+                  <a:avLst/>
+                </a:prstGeom>
+              </p:spPr>
+              <p:style>
+                <a:lnRef idx="2">
+                  <a:schemeClr val="accent1">
+                    <a:shade val="50000"/>
+                  </a:schemeClr>
+                </a:lnRef>
+                <a:fillRef idx="1">
+                  <a:schemeClr val="accent1"/>
+                </a:fillRef>
+                <a:effectRef idx="0">
+                  <a:schemeClr val="accent1"/>
+                </a:effectRef>
+                <a:fontRef idx="minor">
+                  <a:schemeClr val="lt1"/>
+                </a:fontRef>
+              </p:style>
+              <p:txBody>
+                <a:bodyPr rtlCol="0" anchor="ctr"/>
+                <a:lstStyle/>
+                <a:p>
+                  <a:pPr algn="ctr"/>
+                  <a:r>
+                    <a:rPr lang="en-US" sz="1200" dirty="0" smtClean="0"/>
+                    <a:t>NW</a:t>
+                  </a:r>
+                  <a:endParaRPr lang="ru-RU" sz="1200" dirty="0"/>
+                </a:p>
+              </p:txBody>
+            </p:sp>
+            <p:sp>
+              <p:nvSpPr>
+                <p:cNvPr id="350" name="Прямоугольник 349"/>
+                <p:cNvSpPr/>
+                <p:nvPr/>
+              </p:nvSpPr>
+              <p:spPr>
+                <a:xfrm>
+                  <a:off x="1548895" y="2268372"/>
+                  <a:ext cx="640452" cy="360608"/>
+                </a:xfrm>
+                <a:prstGeom prst="rect">
+                  <a:avLst/>
+                </a:prstGeom>
+              </p:spPr>
+              <p:style>
+                <a:lnRef idx="2">
+                  <a:schemeClr val="accent1">
+                    <a:shade val="50000"/>
+                  </a:schemeClr>
+                </a:lnRef>
+                <a:fillRef idx="1">
+                  <a:schemeClr val="accent1"/>
+                </a:fillRef>
+                <a:effectRef idx="0">
+                  <a:schemeClr val="accent1"/>
+                </a:effectRef>
+                <a:fontRef idx="minor">
+                  <a:schemeClr val="lt1"/>
+                </a:fontRef>
+              </p:style>
+              <p:txBody>
+                <a:bodyPr rtlCol="0" anchor="ctr"/>
+                <a:lstStyle/>
+                <a:p>
+                  <a:pPr algn="ctr"/>
+                  <a:r>
+                    <a:rPr lang="en-US" sz="1200" dirty="0" smtClean="0"/>
+                    <a:t>NE</a:t>
+                  </a:r>
+                  <a:endParaRPr lang="ru-RU" sz="1200" dirty="0"/>
+                </a:p>
+              </p:txBody>
+            </p:sp>
+            <p:sp>
+              <p:nvSpPr>
+                <p:cNvPr id="351" name="Прямоугольник 350"/>
+                <p:cNvSpPr/>
+                <p:nvPr/>
+              </p:nvSpPr>
+              <p:spPr>
+                <a:xfrm>
+                  <a:off x="2173261" y="2274361"/>
+                  <a:ext cx="640452" cy="354620"/>
+                </a:xfrm>
+                <a:prstGeom prst="rect">
+                  <a:avLst/>
+                </a:prstGeom>
+              </p:spPr>
+              <p:style>
+                <a:lnRef idx="2">
+                  <a:schemeClr val="accent1">
+                    <a:shade val="50000"/>
+                  </a:schemeClr>
+                </a:lnRef>
+                <a:fillRef idx="1">
+                  <a:schemeClr val="accent1"/>
+                </a:fillRef>
+                <a:effectRef idx="0">
+                  <a:schemeClr val="accent1"/>
+                </a:effectRef>
+                <a:fontRef idx="minor">
+                  <a:schemeClr val="lt1"/>
+                </a:fontRef>
+              </p:style>
+              <p:txBody>
+                <a:bodyPr rtlCol="0" anchor="ctr"/>
+                <a:lstStyle/>
+                <a:p>
+                  <a:pPr algn="ctr"/>
+                  <a:r>
+                    <a:rPr lang="en-US" sz="1200" dirty="0" smtClean="0"/>
+                    <a:t>SW</a:t>
+                  </a:r>
+                  <a:endParaRPr lang="ru-RU" sz="1200" dirty="0"/>
+                </a:p>
+              </p:txBody>
+            </p:sp>
+            <p:sp>
+              <p:nvSpPr>
+                <p:cNvPr id="352" name="Прямоугольник 351"/>
+                <p:cNvSpPr/>
+                <p:nvPr/>
+              </p:nvSpPr>
+              <p:spPr>
+                <a:xfrm>
+                  <a:off x="2813712" y="2274361"/>
+                  <a:ext cx="640452" cy="354619"/>
+                </a:xfrm>
+                <a:prstGeom prst="rect">
+                  <a:avLst/>
+                </a:prstGeom>
+              </p:spPr>
+              <p:style>
+                <a:lnRef idx="2">
+                  <a:schemeClr val="accent1">
+                    <a:shade val="50000"/>
+                  </a:schemeClr>
+                </a:lnRef>
+                <a:fillRef idx="1">
+                  <a:schemeClr val="accent1"/>
+                </a:fillRef>
+                <a:effectRef idx="0">
+                  <a:schemeClr val="accent1"/>
+                </a:effectRef>
+                <a:fontRef idx="minor">
+                  <a:schemeClr val="lt1"/>
+                </a:fontRef>
+              </p:style>
+              <p:txBody>
+                <a:bodyPr rtlCol="0" anchor="ctr"/>
+                <a:lstStyle/>
+                <a:p>
+                  <a:pPr algn="ctr"/>
+                  <a:r>
+                    <a:rPr lang="en-US" sz="1200" dirty="0" smtClean="0"/>
+                    <a:t>SE</a:t>
+                  </a:r>
+                </a:p>
+              </p:txBody>
+            </p:sp>
+            <p:sp>
+              <p:nvSpPr>
+                <p:cNvPr id="353" name="Прямоугольник 352"/>
+                <p:cNvSpPr/>
+                <p:nvPr/>
+              </p:nvSpPr>
+              <p:spPr>
+                <a:xfrm>
+                  <a:off x="908443" y="1997814"/>
+                  <a:ext cx="2545721" cy="270694"/>
+                </a:xfrm>
+                <a:prstGeom prst="rect">
+                  <a:avLst/>
+                </a:prstGeom>
+              </p:spPr>
+              <p:style>
+                <a:lnRef idx="2">
+                  <a:schemeClr val="accent1">
+                    <a:shade val="50000"/>
+                  </a:schemeClr>
+                </a:lnRef>
+                <a:fillRef idx="1">
+                  <a:schemeClr val="accent1"/>
+                </a:fillRef>
+                <a:effectRef idx="0">
+                  <a:schemeClr val="accent1"/>
+                </a:effectRef>
+                <a:fontRef idx="minor">
+                  <a:schemeClr val="lt1"/>
+                </a:fontRef>
+              </p:style>
+              <p:txBody>
+                <a:bodyPr rtlCol="0" anchor="ctr"/>
+                <a:lstStyle/>
+                <a:p>
+                  <a:pPr algn="ctr"/>
+                  <a:r>
+                    <a:rPr lang="en-US" sz="1200" dirty="0" smtClean="0"/>
+                    <a:t>NILL</a:t>
+                  </a:r>
+                  <a:endParaRPr lang="ru-RU" sz="1200" dirty="0"/>
+                </a:p>
+              </p:txBody>
+            </p:sp>
+          </p:grpSp>
+        </p:grpSp>
+        <p:sp>
+          <p:nvSpPr>
+            <p:cNvPr id="339" name="Скругленный прямоугольник 338"/>
+            <p:cNvSpPr/>
+            <p:nvPr/>
+          </p:nvSpPr>
+          <p:spPr>
+            <a:xfrm>
+              <a:off x="4393976" y="6194574"/>
+              <a:ext cx="490819" cy="182388"/>
+            </a:xfrm>
+            <a:prstGeom prst="roundRect">
+              <a:avLst/>
+            </a:prstGeom>
+          </p:spPr>
+          <p:style>
+            <a:lnRef idx="2">
+              <a:schemeClr val="accent3">
+                <a:shade val="50000"/>
+              </a:schemeClr>
+            </a:lnRef>
+            <a:fillRef idx="1">
+              <a:schemeClr val="accent3"/>
+            </a:fillRef>
+            <a:effectRef idx="0">
+              <a:schemeClr val="accent3"/>
+            </a:effectRef>
+            <a:fontRef idx="minor">
+              <a:schemeClr val="lt1"/>
+            </a:fontRef>
+          </p:style>
+          <p:txBody>
+            <a:bodyPr rtlCol="0" anchor="ctr"/>
+            <a:lstStyle/>
+            <a:p>
+              <a:pPr algn="ctr"/>
+              <a:r>
+                <a:rPr lang="en-US" sz="1200" dirty="0" smtClean="0"/>
+                <a:t>NILL</a:t>
+              </a:r>
+              <a:endParaRPr lang="ru-RU" sz="1200" dirty="0"/>
+            </a:p>
+          </p:txBody>
+        </p:sp>
+        <p:sp>
+          <p:nvSpPr>
+            <p:cNvPr id="340" name="Скругленный прямоугольник 339"/>
+            <p:cNvSpPr/>
+            <p:nvPr/>
+          </p:nvSpPr>
+          <p:spPr>
+            <a:xfrm>
+              <a:off x="4917477" y="6199497"/>
+              <a:ext cx="490819" cy="182388"/>
+            </a:xfrm>
+            <a:prstGeom prst="roundRect">
+              <a:avLst/>
+            </a:prstGeom>
+          </p:spPr>
+          <p:style>
+            <a:lnRef idx="2">
+              <a:schemeClr val="accent3">
+                <a:shade val="50000"/>
+              </a:schemeClr>
+            </a:lnRef>
+            <a:fillRef idx="1">
+              <a:schemeClr val="accent3"/>
+            </a:fillRef>
+            <a:effectRef idx="0">
+              <a:schemeClr val="accent3"/>
+            </a:effectRef>
+            <a:fontRef idx="minor">
+              <a:schemeClr val="lt1"/>
+            </a:fontRef>
+          </p:style>
+          <p:txBody>
+            <a:bodyPr rtlCol="0" anchor="ctr"/>
+            <a:lstStyle/>
+            <a:p>
+              <a:pPr algn="ctr"/>
+              <a:r>
+                <a:rPr lang="en-US" sz="1200" dirty="0" smtClean="0"/>
+                <a:t>NILL</a:t>
+              </a:r>
+              <a:endParaRPr lang="ru-RU" sz="1200" dirty="0"/>
+            </a:p>
+          </p:txBody>
+        </p:sp>
+        <p:sp>
+          <p:nvSpPr>
+            <p:cNvPr id="341" name="Скругленный прямоугольник 340"/>
+            <p:cNvSpPr/>
+            <p:nvPr/>
+          </p:nvSpPr>
+          <p:spPr>
+            <a:xfrm>
+              <a:off x="5445249" y="6199497"/>
+              <a:ext cx="490819" cy="182388"/>
+            </a:xfrm>
+            <a:prstGeom prst="roundRect">
+              <a:avLst/>
+            </a:prstGeom>
+          </p:spPr>
+          <p:style>
+            <a:lnRef idx="2">
+              <a:schemeClr val="accent3">
+                <a:shade val="50000"/>
+              </a:schemeClr>
+            </a:lnRef>
+            <a:fillRef idx="1">
+              <a:schemeClr val="accent3"/>
+            </a:fillRef>
+            <a:effectRef idx="0">
+              <a:schemeClr val="accent3"/>
+            </a:effectRef>
+            <a:fontRef idx="minor">
+              <a:schemeClr val="lt1"/>
+            </a:fontRef>
+          </p:style>
+          <p:txBody>
+            <a:bodyPr rtlCol="0" anchor="ctr"/>
+            <a:lstStyle/>
+            <a:p>
+              <a:pPr algn="ctr"/>
+              <a:r>
+                <a:rPr lang="en-US" sz="1200" dirty="0" smtClean="0"/>
+                <a:t>NILL</a:t>
+              </a:r>
+              <a:endParaRPr lang="ru-RU" sz="1200" dirty="0"/>
+            </a:p>
+          </p:txBody>
+        </p:sp>
+      </p:grpSp>
+      <p:grpSp>
+        <p:nvGrpSpPr>
+          <p:cNvPr id="354" name="Группа 353"/>
+          <p:cNvGrpSpPr/>
+          <p:nvPr/>
+        </p:nvGrpSpPr>
+        <p:grpSpPr>
+          <a:xfrm>
+            <a:off x="267931" y="2481408"/>
+            <a:ext cx="2072136" cy="1104293"/>
+            <a:chOff x="3863932" y="5277592"/>
+            <a:chExt cx="2072136" cy="1104293"/>
+          </a:xfrm>
+        </p:grpSpPr>
+        <p:grpSp>
+          <p:nvGrpSpPr>
+            <p:cNvPr id="355" name="Группа 354"/>
+            <p:cNvGrpSpPr/>
+            <p:nvPr/>
+          </p:nvGrpSpPr>
+          <p:grpSpPr>
+            <a:xfrm>
+              <a:off x="3863932" y="5277592"/>
+              <a:ext cx="2020981" cy="1096514"/>
+              <a:chOff x="786175" y="1606301"/>
+              <a:chExt cx="2583732" cy="1617020"/>
+            </a:xfrm>
+          </p:grpSpPr>
+          <p:cxnSp>
+            <p:nvCxnSpPr>
+              <p:cNvPr id="359" name="Прямая со стрелкой 358"/>
+              <p:cNvCxnSpPr>
+                <a:stCxn id="366" idx="2"/>
+                <a:endCxn id="363" idx="0"/>
+              </p:cNvCxnSpPr>
+              <p:nvPr/>
+            </p:nvCxnSpPr>
+            <p:spPr>
+              <a:xfrm flipH="1">
+                <a:off x="1099920" y="2588019"/>
+                <a:ext cx="44493" cy="366336"/>
+              </a:xfrm>
+              <a:prstGeom prst="straightConnector1">
+                <a:avLst/>
+              </a:prstGeom>
+              <a:ln>
+                <a:tailEnd type="triangle"/>
+              </a:ln>
+            </p:spPr>
+            <p:style>
+              <a:lnRef idx="1">
+                <a:schemeClr val="accent1"/>
+              </a:lnRef>
+              <a:fillRef idx="0">
+                <a:schemeClr val="accent1"/>
+              </a:fillRef>
+              <a:effectRef idx="0">
+                <a:schemeClr val="accent1"/>
+              </a:effectRef>
+              <a:fontRef idx="minor">
+                <a:schemeClr val="tx1"/>
+              </a:fontRef>
+            </p:style>
+          </p:cxnSp>
+          <p:cxnSp>
+            <p:nvCxnSpPr>
+              <p:cNvPr id="360" name="Прямая со стрелкой 359"/>
+              <p:cNvCxnSpPr>
+                <a:endCxn id="356" idx="0"/>
+              </p:cNvCxnSpPr>
+              <p:nvPr/>
+            </p:nvCxnSpPr>
+            <p:spPr>
+              <a:xfrm>
+                <a:off x="1769191" y="2536497"/>
+                <a:ext cx="8366" cy="422070"/>
+              </a:xfrm>
+              <a:prstGeom prst="straightConnector1">
+                <a:avLst/>
+              </a:prstGeom>
+              <a:ln>
+                <a:tailEnd type="triangle"/>
+              </a:ln>
+            </p:spPr>
+            <p:style>
+              <a:lnRef idx="1">
+                <a:schemeClr val="accent1"/>
+              </a:lnRef>
+              <a:fillRef idx="0">
+                <a:schemeClr val="accent1"/>
+              </a:fillRef>
+              <a:effectRef idx="0">
+                <a:schemeClr val="accent1"/>
+              </a:effectRef>
+              <a:fontRef idx="minor">
+                <a:schemeClr val="tx1"/>
+              </a:fontRef>
+            </p:style>
+          </p:cxnSp>
+          <p:cxnSp>
+            <p:nvCxnSpPr>
+              <p:cNvPr id="361" name="Прямая со стрелкой 360"/>
+              <p:cNvCxnSpPr>
+                <a:endCxn id="357" idx="0"/>
+              </p:cNvCxnSpPr>
+              <p:nvPr/>
+            </p:nvCxnSpPr>
+            <p:spPr>
+              <a:xfrm>
+                <a:off x="2414167" y="2533863"/>
+                <a:ext cx="32662" cy="431964"/>
+              </a:xfrm>
+              <a:prstGeom prst="straightConnector1">
+                <a:avLst/>
+              </a:prstGeom>
+              <a:ln>
+                <a:tailEnd type="triangle"/>
+              </a:ln>
+            </p:spPr>
+            <p:style>
+              <a:lnRef idx="1">
+                <a:schemeClr val="accent1"/>
+              </a:lnRef>
+              <a:fillRef idx="0">
+                <a:schemeClr val="accent1"/>
+              </a:fillRef>
+              <a:effectRef idx="0">
+                <a:schemeClr val="accent1"/>
+              </a:effectRef>
+              <a:fontRef idx="minor">
+                <a:schemeClr val="tx1"/>
+              </a:fontRef>
+            </p:style>
+          </p:cxnSp>
+          <p:cxnSp>
+            <p:nvCxnSpPr>
+              <p:cNvPr id="362" name="Прямая со стрелкой 361"/>
+              <p:cNvCxnSpPr>
+                <a:endCxn id="358" idx="0"/>
+              </p:cNvCxnSpPr>
+              <p:nvPr/>
+            </p:nvCxnSpPr>
+            <p:spPr>
+              <a:xfrm>
+                <a:off x="3025901" y="2552841"/>
+                <a:ext cx="95660" cy="412986"/>
+              </a:xfrm>
+              <a:prstGeom prst="straightConnector1">
+                <a:avLst/>
+              </a:prstGeom>
+              <a:ln>
+                <a:tailEnd type="triangle"/>
+              </a:ln>
+            </p:spPr>
+            <p:style>
+              <a:lnRef idx="1">
+                <a:schemeClr val="accent1"/>
+              </a:lnRef>
+              <a:fillRef idx="0">
+                <a:schemeClr val="accent1"/>
+              </a:fillRef>
+              <a:effectRef idx="0">
+                <a:schemeClr val="accent1"/>
+              </a:effectRef>
+              <a:fontRef idx="minor">
+                <a:schemeClr val="tx1"/>
+              </a:fontRef>
+            </p:style>
+          </p:cxnSp>
+          <p:sp>
+            <p:nvSpPr>
+              <p:cNvPr id="363" name="Скругленный прямоугольник 362"/>
+              <p:cNvSpPr/>
+              <p:nvPr/>
+            </p:nvSpPr>
+            <p:spPr>
+              <a:xfrm>
+                <a:off x="786175" y="2954355"/>
+                <a:ext cx="627490" cy="268966"/>
+              </a:xfrm>
+              <a:prstGeom prst="roundRect">
+                <a:avLst/>
+              </a:prstGeom>
+            </p:spPr>
+            <p:style>
+              <a:lnRef idx="2">
+                <a:schemeClr val="accent3">
+                  <a:shade val="50000"/>
+                </a:schemeClr>
+              </a:lnRef>
+              <a:fillRef idx="1">
+                <a:schemeClr val="accent3"/>
+              </a:fillRef>
+              <a:effectRef idx="0">
+                <a:schemeClr val="accent3"/>
+              </a:effectRef>
+              <a:fontRef idx="minor">
+                <a:schemeClr val="lt1"/>
+              </a:fontRef>
+            </p:style>
+            <p:txBody>
+              <a:bodyPr rtlCol="0" anchor="ctr"/>
+              <a:lstStyle/>
+              <a:p>
+                <a:pPr algn="ctr"/>
+                <a:r>
+                  <a:rPr lang="en-US" sz="1200" dirty="0" smtClean="0"/>
+                  <a:t>NILL</a:t>
+                </a:r>
+                <a:endParaRPr lang="ru-RU" sz="1200" dirty="0"/>
+              </a:p>
+            </p:txBody>
+          </p:sp>
+          <p:grpSp>
+            <p:nvGrpSpPr>
+              <p:cNvPr id="364" name="Группа 363"/>
+              <p:cNvGrpSpPr/>
+              <p:nvPr/>
+            </p:nvGrpSpPr>
+            <p:grpSpPr>
+              <a:xfrm>
+                <a:off x="824186" y="1606301"/>
+                <a:ext cx="2545721" cy="981719"/>
+                <a:chOff x="908443" y="1649262"/>
+                <a:chExt cx="2545721" cy="981719"/>
+              </a:xfrm>
+            </p:grpSpPr>
+            <p:sp>
+              <p:nvSpPr>
+                <p:cNvPr id="365" name="Прямоугольник 364"/>
+                <p:cNvSpPr/>
+                <p:nvPr/>
+              </p:nvSpPr>
+              <p:spPr>
+                <a:xfrm>
+                  <a:off x="908443" y="1649262"/>
+                  <a:ext cx="2545720" cy="331409"/>
+                </a:xfrm>
+                <a:prstGeom prst="rect">
+                  <a:avLst/>
+                </a:prstGeom>
+              </p:spPr>
+              <p:style>
+                <a:lnRef idx="2">
+                  <a:schemeClr val="accent3">
+                    <a:shade val="50000"/>
+                  </a:schemeClr>
+                </a:lnRef>
+                <a:fillRef idx="1">
+                  <a:schemeClr val="accent3"/>
+                </a:fillRef>
+                <a:effectRef idx="0">
+                  <a:schemeClr val="accent3"/>
+                </a:effectRef>
+                <a:fontRef idx="minor">
+                  <a:schemeClr val="lt1"/>
+                </a:fontRef>
+              </p:style>
+              <p:txBody>
+                <a:bodyPr rtlCol="0" anchor="ctr"/>
+                <a:lstStyle/>
+                <a:p>
+                  <a:pPr algn="ctr"/>
+                  <a:r>
+                    <a:rPr lang="ru-RU" sz="1200" dirty="0" smtClean="0"/>
+                    <a:t>((0, 10), (5, 5))</a:t>
+                  </a:r>
+                  <a:endParaRPr lang="en-US" sz="1200" dirty="0"/>
+                </a:p>
+              </p:txBody>
+            </p:sp>
+            <p:sp>
+              <p:nvSpPr>
+                <p:cNvPr id="366" name="Прямоугольник 365"/>
+                <p:cNvSpPr/>
+                <p:nvPr/>
+              </p:nvSpPr>
+              <p:spPr>
+                <a:xfrm>
+                  <a:off x="908444" y="2263044"/>
+                  <a:ext cx="640451" cy="367937"/>
+                </a:xfrm>
+                <a:prstGeom prst="rect">
+                  <a:avLst/>
+                </a:prstGeom>
+              </p:spPr>
+              <p:style>
+                <a:lnRef idx="2">
+                  <a:schemeClr val="accent1">
+                    <a:shade val="50000"/>
+                  </a:schemeClr>
+                </a:lnRef>
+                <a:fillRef idx="1">
+                  <a:schemeClr val="accent1"/>
+                </a:fillRef>
+                <a:effectRef idx="0">
+                  <a:schemeClr val="accent1"/>
+                </a:effectRef>
+                <a:fontRef idx="minor">
+                  <a:schemeClr val="lt1"/>
+                </a:fontRef>
+              </p:style>
+              <p:txBody>
+                <a:bodyPr rtlCol="0" anchor="ctr"/>
+                <a:lstStyle/>
+                <a:p>
+                  <a:pPr algn="ctr"/>
+                  <a:r>
+                    <a:rPr lang="en-US" sz="1200" dirty="0" smtClean="0"/>
+                    <a:t>NW</a:t>
+                  </a:r>
+                  <a:endParaRPr lang="ru-RU" sz="1200" dirty="0"/>
+                </a:p>
+              </p:txBody>
+            </p:sp>
+            <p:sp>
+              <p:nvSpPr>
+                <p:cNvPr id="367" name="Прямоугольник 366"/>
+                <p:cNvSpPr/>
+                <p:nvPr/>
+              </p:nvSpPr>
+              <p:spPr>
+                <a:xfrm>
+                  <a:off x="1548895" y="2268372"/>
+                  <a:ext cx="640452" cy="360608"/>
+                </a:xfrm>
+                <a:prstGeom prst="rect">
+                  <a:avLst/>
+                </a:prstGeom>
+              </p:spPr>
+              <p:style>
+                <a:lnRef idx="2">
+                  <a:schemeClr val="accent1">
+                    <a:shade val="50000"/>
+                  </a:schemeClr>
+                </a:lnRef>
+                <a:fillRef idx="1">
+                  <a:schemeClr val="accent1"/>
+                </a:fillRef>
+                <a:effectRef idx="0">
+                  <a:schemeClr val="accent1"/>
+                </a:effectRef>
+                <a:fontRef idx="minor">
+                  <a:schemeClr val="lt1"/>
+                </a:fontRef>
+              </p:style>
+              <p:txBody>
+                <a:bodyPr rtlCol="0" anchor="ctr"/>
+                <a:lstStyle/>
+                <a:p>
+                  <a:pPr algn="ctr"/>
+                  <a:r>
+                    <a:rPr lang="en-US" sz="1200" dirty="0" smtClean="0"/>
+                    <a:t>NE</a:t>
+                  </a:r>
+                  <a:endParaRPr lang="ru-RU" sz="1200" dirty="0"/>
+                </a:p>
+              </p:txBody>
+            </p:sp>
+            <p:sp>
+              <p:nvSpPr>
+                <p:cNvPr id="368" name="Прямоугольник 367"/>
+                <p:cNvSpPr/>
+                <p:nvPr/>
+              </p:nvSpPr>
+              <p:spPr>
+                <a:xfrm>
+                  <a:off x="2173261" y="2274361"/>
+                  <a:ext cx="640452" cy="354620"/>
+                </a:xfrm>
+                <a:prstGeom prst="rect">
+                  <a:avLst/>
+                </a:prstGeom>
+              </p:spPr>
+              <p:style>
+                <a:lnRef idx="2">
+                  <a:schemeClr val="accent1">
+                    <a:shade val="50000"/>
+                  </a:schemeClr>
+                </a:lnRef>
+                <a:fillRef idx="1">
+                  <a:schemeClr val="accent1"/>
+                </a:fillRef>
+                <a:effectRef idx="0">
+                  <a:schemeClr val="accent1"/>
+                </a:effectRef>
+                <a:fontRef idx="minor">
+                  <a:schemeClr val="lt1"/>
+                </a:fontRef>
+              </p:style>
+              <p:txBody>
+                <a:bodyPr rtlCol="0" anchor="ctr"/>
+                <a:lstStyle/>
+                <a:p>
+                  <a:pPr algn="ctr"/>
+                  <a:r>
+                    <a:rPr lang="en-US" sz="1200" dirty="0" smtClean="0"/>
+                    <a:t>SW</a:t>
+                  </a:r>
+                  <a:endParaRPr lang="ru-RU" sz="1200" dirty="0"/>
+                </a:p>
+              </p:txBody>
+            </p:sp>
+            <p:sp>
+              <p:nvSpPr>
+                <p:cNvPr id="369" name="Прямоугольник 368"/>
+                <p:cNvSpPr/>
+                <p:nvPr/>
+              </p:nvSpPr>
+              <p:spPr>
+                <a:xfrm>
+                  <a:off x="2813712" y="2274361"/>
+                  <a:ext cx="640452" cy="354619"/>
+                </a:xfrm>
+                <a:prstGeom prst="rect">
+                  <a:avLst/>
+                </a:prstGeom>
+              </p:spPr>
+              <p:style>
+                <a:lnRef idx="2">
+                  <a:schemeClr val="accent1">
+                    <a:shade val="50000"/>
+                  </a:schemeClr>
+                </a:lnRef>
+                <a:fillRef idx="1">
+                  <a:schemeClr val="accent1"/>
+                </a:fillRef>
+                <a:effectRef idx="0">
+                  <a:schemeClr val="accent1"/>
+                </a:effectRef>
+                <a:fontRef idx="minor">
+                  <a:schemeClr val="lt1"/>
+                </a:fontRef>
+              </p:style>
+              <p:txBody>
+                <a:bodyPr rtlCol="0" anchor="ctr"/>
+                <a:lstStyle/>
+                <a:p>
+                  <a:pPr algn="ctr"/>
+                  <a:r>
+                    <a:rPr lang="en-US" sz="1200" dirty="0" smtClean="0"/>
+                    <a:t>SE</a:t>
+                  </a:r>
+                </a:p>
+              </p:txBody>
+            </p:sp>
+            <p:sp>
+              <p:nvSpPr>
+                <p:cNvPr id="370" name="Прямоугольник 369"/>
+                <p:cNvSpPr/>
+                <p:nvPr/>
+              </p:nvSpPr>
+              <p:spPr>
+                <a:xfrm>
+                  <a:off x="908443" y="1997814"/>
+                  <a:ext cx="2545721" cy="270694"/>
+                </a:xfrm>
+                <a:prstGeom prst="rect">
+                  <a:avLst/>
+                </a:prstGeom>
+              </p:spPr>
+              <p:style>
+                <a:lnRef idx="2">
+                  <a:schemeClr val="accent1">
+                    <a:shade val="50000"/>
+                  </a:schemeClr>
+                </a:lnRef>
+                <a:fillRef idx="1">
+                  <a:schemeClr val="accent1"/>
+                </a:fillRef>
+                <a:effectRef idx="0">
+                  <a:schemeClr val="accent1"/>
+                </a:effectRef>
+                <a:fontRef idx="minor">
+                  <a:schemeClr val="lt1"/>
+                </a:fontRef>
+              </p:style>
+              <p:txBody>
+                <a:bodyPr rtlCol="0" anchor="ctr"/>
+                <a:lstStyle/>
+                <a:p>
+                  <a:pPr algn="ctr"/>
+                  <a:r>
+                    <a:rPr lang="en-US" sz="1200" dirty="0" smtClean="0"/>
+                    <a:t>NILL</a:t>
+                  </a:r>
+                  <a:endParaRPr lang="ru-RU" sz="1200" dirty="0"/>
+                </a:p>
+              </p:txBody>
+            </p:sp>
+          </p:grpSp>
+        </p:grpSp>
+        <p:sp>
+          <p:nvSpPr>
+            <p:cNvPr id="356" name="Скругленный прямоугольник 355"/>
+            <p:cNvSpPr/>
+            <p:nvPr/>
+          </p:nvSpPr>
+          <p:spPr>
+            <a:xfrm>
+              <a:off x="4393976" y="6194574"/>
+              <a:ext cx="490819" cy="182388"/>
+            </a:xfrm>
+            <a:prstGeom prst="roundRect">
+              <a:avLst/>
+            </a:prstGeom>
+          </p:spPr>
+          <p:style>
+            <a:lnRef idx="2">
+              <a:schemeClr val="accent3">
+                <a:shade val="50000"/>
+              </a:schemeClr>
+            </a:lnRef>
+            <a:fillRef idx="1">
+              <a:schemeClr val="accent3"/>
+            </a:fillRef>
+            <a:effectRef idx="0">
+              <a:schemeClr val="accent3"/>
+            </a:effectRef>
+            <a:fontRef idx="minor">
+              <a:schemeClr val="lt1"/>
+            </a:fontRef>
+          </p:style>
+          <p:txBody>
+            <a:bodyPr rtlCol="0" anchor="ctr"/>
+            <a:lstStyle/>
+            <a:p>
+              <a:pPr algn="ctr"/>
+              <a:r>
+                <a:rPr lang="en-US" sz="1200" dirty="0" smtClean="0"/>
+                <a:t>NILL</a:t>
+              </a:r>
+              <a:endParaRPr lang="ru-RU" sz="1200" dirty="0"/>
+            </a:p>
+          </p:txBody>
+        </p:sp>
+        <p:sp>
+          <p:nvSpPr>
+            <p:cNvPr id="357" name="Скругленный прямоугольник 356"/>
+            <p:cNvSpPr/>
+            <p:nvPr/>
+          </p:nvSpPr>
+          <p:spPr>
+            <a:xfrm>
+              <a:off x="4917477" y="6199497"/>
+              <a:ext cx="490819" cy="182388"/>
+            </a:xfrm>
+            <a:prstGeom prst="roundRect">
+              <a:avLst/>
+            </a:prstGeom>
+          </p:spPr>
+          <p:style>
+            <a:lnRef idx="2">
+              <a:schemeClr val="accent3">
+                <a:shade val="50000"/>
+              </a:schemeClr>
+            </a:lnRef>
+            <a:fillRef idx="1">
+              <a:schemeClr val="accent3"/>
+            </a:fillRef>
+            <a:effectRef idx="0">
+              <a:schemeClr val="accent3"/>
+            </a:effectRef>
+            <a:fontRef idx="minor">
+              <a:schemeClr val="lt1"/>
+            </a:fontRef>
+          </p:style>
+          <p:txBody>
+            <a:bodyPr rtlCol="0" anchor="ctr"/>
+            <a:lstStyle/>
+            <a:p>
+              <a:pPr algn="ctr"/>
+              <a:r>
+                <a:rPr lang="en-US" sz="1200" dirty="0" smtClean="0"/>
+                <a:t>NILL</a:t>
+              </a:r>
+              <a:endParaRPr lang="ru-RU" sz="1200" dirty="0"/>
+            </a:p>
+          </p:txBody>
+        </p:sp>
+        <p:sp>
+          <p:nvSpPr>
+            <p:cNvPr id="358" name="Скругленный прямоугольник 357"/>
+            <p:cNvSpPr/>
+            <p:nvPr/>
+          </p:nvSpPr>
+          <p:spPr>
+            <a:xfrm>
+              <a:off x="5445249" y="6199497"/>
+              <a:ext cx="490819" cy="182388"/>
+            </a:xfrm>
+            <a:prstGeom prst="roundRect">
+              <a:avLst/>
+            </a:prstGeom>
+          </p:spPr>
+          <p:style>
+            <a:lnRef idx="2">
+              <a:schemeClr val="accent3">
+                <a:shade val="50000"/>
+              </a:schemeClr>
+            </a:lnRef>
+            <a:fillRef idx="1">
+              <a:schemeClr val="accent3"/>
+            </a:fillRef>
+            <a:effectRef idx="0">
+              <a:schemeClr val="accent3"/>
+            </a:effectRef>
+            <a:fontRef idx="minor">
+              <a:schemeClr val="lt1"/>
+            </a:fontRef>
+          </p:style>
+          <p:txBody>
+            <a:bodyPr rtlCol="0" anchor="ctr"/>
+            <a:lstStyle/>
+            <a:p>
+              <a:pPr algn="ctr"/>
+              <a:r>
+                <a:rPr lang="en-US" sz="1200" dirty="0" smtClean="0"/>
+                <a:t>NILL</a:t>
+              </a:r>
+              <a:endParaRPr lang="ru-RU" sz="1200" dirty="0"/>
+            </a:p>
+          </p:txBody>
+        </p:sp>
+      </p:grpSp>
+      <p:grpSp>
+        <p:nvGrpSpPr>
+          <p:cNvPr id="371" name="Группа 370"/>
+          <p:cNvGrpSpPr/>
+          <p:nvPr/>
+        </p:nvGrpSpPr>
+        <p:grpSpPr>
+          <a:xfrm>
+            <a:off x="6871981" y="2481408"/>
+            <a:ext cx="2072136" cy="1104293"/>
+            <a:chOff x="3863932" y="5277592"/>
+            <a:chExt cx="2072136" cy="1104293"/>
+          </a:xfrm>
+        </p:grpSpPr>
+        <p:grpSp>
+          <p:nvGrpSpPr>
+            <p:cNvPr id="372" name="Группа 371"/>
+            <p:cNvGrpSpPr/>
+            <p:nvPr/>
+          </p:nvGrpSpPr>
+          <p:grpSpPr>
+            <a:xfrm>
+              <a:off x="3863932" y="5277592"/>
+              <a:ext cx="2020981" cy="1096514"/>
+              <a:chOff x="786175" y="1606301"/>
+              <a:chExt cx="2583732" cy="1617020"/>
+            </a:xfrm>
+          </p:grpSpPr>
+          <p:cxnSp>
+            <p:nvCxnSpPr>
+              <p:cNvPr id="376" name="Прямая со стрелкой 375"/>
+              <p:cNvCxnSpPr>
+                <a:stCxn id="383" idx="2"/>
+                <a:endCxn id="380" idx="0"/>
+              </p:cNvCxnSpPr>
+              <p:nvPr/>
+            </p:nvCxnSpPr>
+            <p:spPr>
+              <a:xfrm flipH="1">
+                <a:off x="1099920" y="2588019"/>
+                <a:ext cx="44493" cy="366336"/>
+              </a:xfrm>
+              <a:prstGeom prst="straightConnector1">
+                <a:avLst/>
+              </a:prstGeom>
+              <a:ln>
+                <a:tailEnd type="triangle"/>
+              </a:ln>
+            </p:spPr>
+            <p:style>
+              <a:lnRef idx="1">
+                <a:schemeClr val="accent1"/>
+              </a:lnRef>
+              <a:fillRef idx="0">
+                <a:schemeClr val="accent1"/>
+              </a:fillRef>
+              <a:effectRef idx="0">
+                <a:schemeClr val="accent1"/>
+              </a:effectRef>
+              <a:fontRef idx="minor">
+                <a:schemeClr val="tx1"/>
+              </a:fontRef>
+            </p:style>
+          </p:cxnSp>
+          <p:cxnSp>
+            <p:nvCxnSpPr>
+              <p:cNvPr id="377" name="Прямая со стрелкой 376"/>
+              <p:cNvCxnSpPr>
+                <a:endCxn id="373" idx="0"/>
+              </p:cNvCxnSpPr>
+              <p:nvPr/>
+            </p:nvCxnSpPr>
+            <p:spPr>
+              <a:xfrm>
+                <a:off x="1769191" y="2536497"/>
+                <a:ext cx="8366" cy="422070"/>
+              </a:xfrm>
+              <a:prstGeom prst="straightConnector1">
+                <a:avLst/>
+              </a:prstGeom>
+              <a:ln>
+                <a:tailEnd type="triangle"/>
+              </a:ln>
+            </p:spPr>
+            <p:style>
+              <a:lnRef idx="1">
+                <a:schemeClr val="accent1"/>
+              </a:lnRef>
+              <a:fillRef idx="0">
+                <a:schemeClr val="accent1"/>
+              </a:fillRef>
+              <a:effectRef idx="0">
+                <a:schemeClr val="accent1"/>
+              </a:effectRef>
+              <a:fontRef idx="minor">
+                <a:schemeClr val="tx1"/>
+              </a:fontRef>
+            </p:style>
+          </p:cxnSp>
+          <p:cxnSp>
+            <p:nvCxnSpPr>
+              <p:cNvPr id="378" name="Прямая со стрелкой 377"/>
+              <p:cNvCxnSpPr>
+                <a:endCxn id="374" idx="0"/>
+              </p:cNvCxnSpPr>
+              <p:nvPr/>
+            </p:nvCxnSpPr>
+            <p:spPr>
+              <a:xfrm>
+                <a:off x="2414167" y="2533863"/>
+                <a:ext cx="32662" cy="431964"/>
+              </a:xfrm>
+              <a:prstGeom prst="straightConnector1">
+                <a:avLst/>
+              </a:prstGeom>
+              <a:ln>
+                <a:tailEnd type="triangle"/>
+              </a:ln>
+            </p:spPr>
+            <p:style>
+              <a:lnRef idx="1">
+                <a:schemeClr val="accent1"/>
+              </a:lnRef>
+              <a:fillRef idx="0">
+                <a:schemeClr val="accent1"/>
+              </a:fillRef>
+              <a:effectRef idx="0">
+                <a:schemeClr val="accent1"/>
+              </a:effectRef>
+              <a:fontRef idx="minor">
+                <a:schemeClr val="tx1"/>
+              </a:fontRef>
+            </p:style>
+          </p:cxnSp>
+          <p:cxnSp>
+            <p:nvCxnSpPr>
+              <p:cNvPr id="379" name="Прямая со стрелкой 378"/>
+              <p:cNvCxnSpPr>
+                <a:endCxn id="375" idx="0"/>
+              </p:cNvCxnSpPr>
+              <p:nvPr/>
+            </p:nvCxnSpPr>
+            <p:spPr>
+              <a:xfrm>
+                <a:off x="3025901" y="2552841"/>
+                <a:ext cx="95660" cy="412986"/>
+              </a:xfrm>
+              <a:prstGeom prst="straightConnector1">
+                <a:avLst/>
+              </a:prstGeom>
+              <a:ln>
+                <a:tailEnd type="triangle"/>
+              </a:ln>
+            </p:spPr>
+            <p:style>
+              <a:lnRef idx="1">
+                <a:schemeClr val="accent1"/>
+              </a:lnRef>
+              <a:fillRef idx="0">
+                <a:schemeClr val="accent1"/>
+              </a:fillRef>
+              <a:effectRef idx="0">
+                <a:schemeClr val="accent1"/>
+              </a:effectRef>
+              <a:fontRef idx="minor">
+                <a:schemeClr val="tx1"/>
+              </a:fontRef>
+            </p:style>
+          </p:cxnSp>
+          <p:sp>
+            <p:nvSpPr>
+              <p:cNvPr id="380" name="Скругленный прямоугольник 379"/>
+              <p:cNvSpPr/>
+              <p:nvPr/>
+            </p:nvSpPr>
+            <p:spPr>
+              <a:xfrm>
+                <a:off x="786175" y="2954355"/>
+                <a:ext cx="627490" cy="268966"/>
+              </a:xfrm>
+              <a:prstGeom prst="roundRect">
+                <a:avLst/>
+              </a:prstGeom>
+            </p:spPr>
+            <p:style>
+              <a:lnRef idx="2">
+                <a:schemeClr val="accent3">
+                  <a:shade val="50000"/>
+                </a:schemeClr>
+              </a:lnRef>
+              <a:fillRef idx="1">
+                <a:schemeClr val="accent3"/>
+              </a:fillRef>
+              <a:effectRef idx="0">
+                <a:schemeClr val="accent3"/>
+              </a:effectRef>
+              <a:fontRef idx="minor">
+                <a:schemeClr val="lt1"/>
+              </a:fontRef>
+            </p:style>
+            <p:txBody>
+              <a:bodyPr rtlCol="0" anchor="ctr"/>
+              <a:lstStyle/>
+              <a:p>
+                <a:pPr algn="ctr"/>
+                <a:r>
+                  <a:rPr lang="en-US" sz="1200" dirty="0" smtClean="0"/>
+                  <a:t>NILL</a:t>
+                </a:r>
+                <a:endParaRPr lang="ru-RU" sz="1200" dirty="0"/>
+              </a:p>
+            </p:txBody>
+          </p:sp>
+          <p:grpSp>
+            <p:nvGrpSpPr>
+              <p:cNvPr id="381" name="Группа 380"/>
+              <p:cNvGrpSpPr/>
+              <p:nvPr/>
+            </p:nvGrpSpPr>
+            <p:grpSpPr>
+              <a:xfrm>
+                <a:off x="824186" y="1606301"/>
+                <a:ext cx="2545721" cy="981719"/>
+                <a:chOff x="908443" y="1649262"/>
+                <a:chExt cx="2545721" cy="981719"/>
+              </a:xfrm>
+            </p:grpSpPr>
+            <p:sp>
+              <p:nvSpPr>
+                <p:cNvPr id="382" name="Прямоугольник 381"/>
+                <p:cNvSpPr/>
+                <p:nvPr/>
+              </p:nvSpPr>
+              <p:spPr>
+                <a:xfrm>
+                  <a:off x="908443" y="1649262"/>
+                  <a:ext cx="2545720" cy="331409"/>
+                </a:xfrm>
+                <a:prstGeom prst="rect">
+                  <a:avLst/>
+                </a:prstGeom>
+              </p:spPr>
+              <p:style>
+                <a:lnRef idx="2">
+                  <a:schemeClr val="accent3">
+                    <a:shade val="50000"/>
+                  </a:schemeClr>
+                </a:lnRef>
+                <a:fillRef idx="1">
+                  <a:schemeClr val="accent3"/>
+                </a:fillRef>
+                <a:effectRef idx="0">
+                  <a:schemeClr val="accent3"/>
+                </a:effectRef>
+                <a:fontRef idx="minor">
+                  <a:schemeClr val="lt1"/>
+                </a:fontRef>
+              </p:style>
+              <p:txBody>
+                <a:bodyPr rtlCol="0" anchor="ctr"/>
+                <a:lstStyle/>
+                <a:p>
+                  <a:pPr algn="ctr"/>
+                  <a:r>
+                    <a:rPr lang="ru-RU" sz="1200" dirty="0" smtClean="0"/>
+                    <a:t>((</a:t>
+                  </a:r>
+                  <a:r>
+                    <a:rPr lang="en-US" sz="1200" dirty="0" smtClean="0"/>
+                    <a:t>5, 5</a:t>
+                  </a:r>
+                  <a:r>
+                    <a:rPr lang="ru-RU" sz="1200" dirty="0" smtClean="0"/>
+                    <a:t>), </a:t>
+                  </a:r>
+                  <a:r>
+                    <a:rPr lang="ru-RU" sz="1200" dirty="0"/>
+                    <a:t>(10, 0</a:t>
+                  </a:r>
+                  <a:r>
+                    <a:rPr lang="ru-RU" sz="1200" dirty="0" smtClean="0"/>
+                    <a:t>))</a:t>
+                  </a:r>
+                  <a:endParaRPr lang="en-US" sz="1200" dirty="0"/>
+                </a:p>
+              </p:txBody>
+            </p:sp>
+            <p:sp>
+              <p:nvSpPr>
+                <p:cNvPr id="383" name="Прямоугольник 382"/>
+                <p:cNvSpPr/>
+                <p:nvPr/>
+              </p:nvSpPr>
+              <p:spPr>
+                <a:xfrm>
+                  <a:off x="908444" y="2263044"/>
+                  <a:ext cx="640451" cy="367937"/>
+                </a:xfrm>
+                <a:prstGeom prst="rect">
+                  <a:avLst/>
+                </a:prstGeom>
+              </p:spPr>
+              <p:style>
+                <a:lnRef idx="2">
+                  <a:schemeClr val="accent1">
+                    <a:shade val="50000"/>
+                  </a:schemeClr>
+                </a:lnRef>
+                <a:fillRef idx="1">
+                  <a:schemeClr val="accent1"/>
+                </a:fillRef>
+                <a:effectRef idx="0">
+                  <a:schemeClr val="accent1"/>
+                </a:effectRef>
+                <a:fontRef idx="minor">
+                  <a:schemeClr val="lt1"/>
+                </a:fontRef>
+              </p:style>
+              <p:txBody>
+                <a:bodyPr rtlCol="0" anchor="ctr"/>
+                <a:lstStyle/>
+                <a:p>
+                  <a:pPr algn="ctr"/>
+                  <a:r>
+                    <a:rPr lang="en-US" sz="1200" dirty="0" smtClean="0"/>
+                    <a:t>NW</a:t>
+                  </a:r>
+                  <a:endParaRPr lang="ru-RU" sz="1200" dirty="0"/>
+                </a:p>
+              </p:txBody>
+            </p:sp>
+            <p:sp>
+              <p:nvSpPr>
+                <p:cNvPr id="384" name="Прямоугольник 383"/>
+                <p:cNvSpPr/>
+                <p:nvPr/>
+              </p:nvSpPr>
+              <p:spPr>
+                <a:xfrm>
+                  <a:off x="1548895" y="2268372"/>
+                  <a:ext cx="640452" cy="360608"/>
+                </a:xfrm>
+                <a:prstGeom prst="rect">
+                  <a:avLst/>
+                </a:prstGeom>
+              </p:spPr>
+              <p:style>
+                <a:lnRef idx="2">
+                  <a:schemeClr val="accent1">
+                    <a:shade val="50000"/>
+                  </a:schemeClr>
+                </a:lnRef>
+                <a:fillRef idx="1">
+                  <a:schemeClr val="accent1"/>
+                </a:fillRef>
+                <a:effectRef idx="0">
+                  <a:schemeClr val="accent1"/>
+                </a:effectRef>
+                <a:fontRef idx="minor">
+                  <a:schemeClr val="lt1"/>
+                </a:fontRef>
+              </p:style>
+              <p:txBody>
+                <a:bodyPr rtlCol="0" anchor="ctr"/>
+                <a:lstStyle/>
+                <a:p>
+                  <a:pPr algn="ctr"/>
+                  <a:r>
+                    <a:rPr lang="en-US" sz="1200" dirty="0" smtClean="0"/>
+                    <a:t>NE</a:t>
+                  </a:r>
+                  <a:endParaRPr lang="ru-RU" sz="1200" dirty="0"/>
+                </a:p>
+              </p:txBody>
+            </p:sp>
+            <p:sp>
+              <p:nvSpPr>
+                <p:cNvPr id="385" name="Прямоугольник 384"/>
+                <p:cNvSpPr/>
+                <p:nvPr/>
+              </p:nvSpPr>
+              <p:spPr>
+                <a:xfrm>
+                  <a:off x="2173261" y="2274361"/>
+                  <a:ext cx="640452" cy="354620"/>
+                </a:xfrm>
+                <a:prstGeom prst="rect">
+                  <a:avLst/>
+                </a:prstGeom>
+              </p:spPr>
+              <p:style>
+                <a:lnRef idx="2">
+                  <a:schemeClr val="accent1">
+                    <a:shade val="50000"/>
+                  </a:schemeClr>
+                </a:lnRef>
+                <a:fillRef idx="1">
+                  <a:schemeClr val="accent1"/>
+                </a:fillRef>
+                <a:effectRef idx="0">
+                  <a:schemeClr val="accent1"/>
+                </a:effectRef>
+                <a:fontRef idx="minor">
+                  <a:schemeClr val="lt1"/>
+                </a:fontRef>
+              </p:style>
+              <p:txBody>
+                <a:bodyPr rtlCol="0" anchor="ctr"/>
+                <a:lstStyle/>
+                <a:p>
+                  <a:pPr algn="ctr"/>
+                  <a:r>
+                    <a:rPr lang="en-US" sz="1200" dirty="0" smtClean="0"/>
+                    <a:t>SW</a:t>
+                  </a:r>
+                  <a:endParaRPr lang="ru-RU" sz="1200" dirty="0"/>
+                </a:p>
+              </p:txBody>
+            </p:sp>
+            <p:sp>
+              <p:nvSpPr>
+                <p:cNvPr id="386" name="Прямоугольник 385"/>
+                <p:cNvSpPr/>
+                <p:nvPr/>
+              </p:nvSpPr>
+              <p:spPr>
+                <a:xfrm>
+                  <a:off x="2813712" y="2274361"/>
+                  <a:ext cx="640452" cy="354619"/>
+                </a:xfrm>
+                <a:prstGeom prst="rect">
+                  <a:avLst/>
+                </a:prstGeom>
+              </p:spPr>
+              <p:style>
+                <a:lnRef idx="2">
+                  <a:schemeClr val="accent1">
+                    <a:shade val="50000"/>
+                  </a:schemeClr>
+                </a:lnRef>
+                <a:fillRef idx="1">
+                  <a:schemeClr val="accent1"/>
+                </a:fillRef>
+                <a:effectRef idx="0">
+                  <a:schemeClr val="accent1"/>
+                </a:effectRef>
+                <a:fontRef idx="minor">
+                  <a:schemeClr val="lt1"/>
+                </a:fontRef>
+              </p:style>
+              <p:txBody>
+                <a:bodyPr rtlCol="0" anchor="ctr"/>
+                <a:lstStyle/>
+                <a:p>
+                  <a:pPr algn="ctr"/>
+                  <a:r>
+                    <a:rPr lang="en-US" sz="1200" dirty="0" smtClean="0"/>
+                    <a:t>SE</a:t>
+                  </a:r>
+                </a:p>
+              </p:txBody>
+            </p:sp>
+            <p:sp>
+              <p:nvSpPr>
+                <p:cNvPr id="387" name="Прямоугольник 386"/>
+                <p:cNvSpPr/>
+                <p:nvPr/>
+              </p:nvSpPr>
+              <p:spPr>
+                <a:xfrm>
+                  <a:off x="908443" y="1997814"/>
+                  <a:ext cx="2545721" cy="270694"/>
+                </a:xfrm>
+                <a:prstGeom prst="rect">
+                  <a:avLst/>
+                </a:prstGeom>
+              </p:spPr>
+              <p:style>
+                <a:lnRef idx="2">
+                  <a:schemeClr val="accent1">
+                    <a:shade val="50000"/>
+                  </a:schemeClr>
+                </a:lnRef>
+                <a:fillRef idx="1">
+                  <a:schemeClr val="accent1"/>
+                </a:fillRef>
+                <a:effectRef idx="0">
+                  <a:schemeClr val="accent1"/>
+                </a:effectRef>
+                <a:fontRef idx="minor">
+                  <a:schemeClr val="lt1"/>
+                </a:fontRef>
+              </p:style>
+              <p:txBody>
+                <a:bodyPr rtlCol="0" anchor="ctr"/>
+                <a:lstStyle/>
+                <a:p>
+                  <a:pPr algn="ctr"/>
+                  <a:r>
+                    <a:rPr lang="en-US" sz="1200" dirty="0" smtClean="0"/>
+                    <a:t>NILL</a:t>
+                  </a:r>
+                  <a:endParaRPr lang="ru-RU" sz="1200" dirty="0"/>
+                </a:p>
+              </p:txBody>
+            </p:sp>
+          </p:grpSp>
+        </p:grpSp>
+        <p:sp>
+          <p:nvSpPr>
+            <p:cNvPr id="373" name="Скругленный прямоугольник 372"/>
+            <p:cNvSpPr/>
+            <p:nvPr/>
+          </p:nvSpPr>
+          <p:spPr>
+            <a:xfrm>
+              <a:off x="4393976" y="6194574"/>
+              <a:ext cx="490819" cy="182388"/>
+            </a:xfrm>
+            <a:prstGeom prst="roundRect">
+              <a:avLst/>
+            </a:prstGeom>
+          </p:spPr>
+          <p:style>
+            <a:lnRef idx="2">
+              <a:schemeClr val="accent3">
+                <a:shade val="50000"/>
+              </a:schemeClr>
+            </a:lnRef>
+            <a:fillRef idx="1">
+              <a:schemeClr val="accent3"/>
+            </a:fillRef>
+            <a:effectRef idx="0">
+              <a:schemeClr val="accent3"/>
+            </a:effectRef>
+            <a:fontRef idx="minor">
+              <a:schemeClr val="lt1"/>
+            </a:fontRef>
+          </p:style>
+          <p:txBody>
+            <a:bodyPr rtlCol="0" anchor="ctr"/>
+            <a:lstStyle/>
+            <a:p>
+              <a:pPr algn="ctr"/>
+              <a:r>
+                <a:rPr lang="en-US" sz="1200" dirty="0" smtClean="0"/>
+                <a:t>NILL</a:t>
+              </a:r>
+              <a:endParaRPr lang="ru-RU" sz="1200" dirty="0"/>
+            </a:p>
+          </p:txBody>
+        </p:sp>
+        <p:sp>
+          <p:nvSpPr>
+            <p:cNvPr id="374" name="Скругленный прямоугольник 373"/>
+            <p:cNvSpPr/>
+            <p:nvPr/>
+          </p:nvSpPr>
+          <p:spPr>
+            <a:xfrm>
+              <a:off x="4917477" y="6199497"/>
+              <a:ext cx="490819" cy="182388"/>
+            </a:xfrm>
+            <a:prstGeom prst="roundRect">
+              <a:avLst/>
+            </a:prstGeom>
+          </p:spPr>
+          <p:style>
+            <a:lnRef idx="2">
+              <a:schemeClr val="accent3">
+                <a:shade val="50000"/>
+              </a:schemeClr>
+            </a:lnRef>
+            <a:fillRef idx="1">
+              <a:schemeClr val="accent3"/>
+            </a:fillRef>
+            <a:effectRef idx="0">
+              <a:schemeClr val="accent3"/>
+            </a:effectRef>
+            <a:fontRef idx="minor">
+              <a:schemeClr val="lt1"/>
+            </a:fontRef>
+          </p:style>
+          <p:txBody>
+            <a:bodyPr rtlCol="0" anchor="ctr"/>
+            <a:lstStyle/>
+            <a:p>
+              <a:pPr algn="ctr"/>
+              <a:r>
+                <a:rPr lang="en-US" sz="1200" dirty="0" smtClean="0"/>
+                <a:t>NILL</a:t>
+              </a:r>
+              <a:endParaRPr lang="ru-RU" sz="1200" dirty="0"/>
+            </a:p>
+          </p:txBody>
+        </p:sp>
+        <p:sp>
+          <p:nvSpPr>
+            <p:cNvPr id="375" name="Скругленный прямоугольник 374"/>
+            <p:cNvSpPr/>
+            <p:nvPr/>
+          </p:nvSpPr>
+          <p:spPr>
+            <a:xfrm>
+              <a:off x="5445249" y="6199497"/>
+              <a:ext cx="490819" cy="182388"/>
+            </a:xfrm>
+            <a:prstGeom prst="roundRect">
+              <a:avLst/>
+            </a:prstGeom>
+          </p:spPr>
+          <p:style>
+            <a:lnRef idx="2">
+              <a:schemeClr val="accent3">
+                <a:shade val="50000"/>
+              </a:schemeClr>
+            </a:lnRef>
+            <a:fillRef idx="1">
+              <a:schemeClr val="accent3"/>
+            </a:fillRef>
+            <a:effectRef idx="0">
+              <a:schemeClr val="accent3"/>
+            </a:effectRef>
+            <a:fontRef idx="minor">
+              <a:schemeClr val="lt1"/>
+            </a:fontRef>
+          </p:style>
+          <p:txBody>
+            <a:bodyPr rtlCol="0" anchor="ctr"/>
+            <a:lstStyle/>
+            <a:p>
+              <a:pPr algn="ctr"/>
+              <a:r>
+                <a:rPr lang="en-US" sz="1200" dirty="0" smtClean="0"/>
+                <a:t>NILL</a:t>
+              </a:r>
+              <a:endParaRPr lang="ru-RU" sz="1200" dirty="0"/>
+            </a:p>
+          </p:txBody>
+        </p:sp>
+      </p:grpSp>
     </p:spTree>
     <p:extLst>
       <p:ext uri="{BB962C8B-B14F-4D97-AF65-F5344CB8AC3E}">
-        <p14:creationId xmlns:p14="http://schemas.microsoft.com/office/powerpoint/2010/main" val="431245777"/>
+        <p14:creationId xmlns:p14="http://schemas.microsoft.com/office/powerpoint/2010/main" val="2376818620"/>
       </p:ext>
     </p:extLst>
   </p:cSld>
   <p:clrMapOvr>
     <a:masterClrMapping/>
   </p:clrMapOvr>
-  <p:timing>
-    <p:tnLst>
-      <p:par>
-        <p:cTn id="1" dur="indefinite" restart="never" nodeType="tmRoot"/>
-      </p:par>
-    </p:tnLst>
-  </p:timing>
 </p:sld>
 </file>
 

--- a/reports/Презентация.pptx
+++ b/reports/Презентация.pptx
@@ -4,6 +4,9 @@
   <p:sldMasterIdLst>
     <p:sldMasterId id="2147483684" r:id="rId1"/>
   </p:sldMasterIdLst>
+  <p:notesMasterIdLst>
+    <p:notesMasterId r:id="rId13"/>
+  </p:notesMasterIdLst>
   <p:sldIdLst>
     <p:sldId id="256" r:id="rId2"/>
     <p:sldId id="257" r:id="rId3"/>
@@ -14,7 +17,7 @@
     <p:sldId id="266" r:id="rId8"/>
     <p:sldId id="269" r:id="rId9"/>
     <p:sldId id="270" r:id="rId10"/>
-    <p:sldId id="268" r:id="rId11"/>
+    <p:sldId id="271" r:id="rId11"/>
     <p:sldId id="265" r:id="rId12"/>
   </p:sldIdLst>
   <p:sldSz cx="12192000" cy="6858000"/>
@@ -120,6 +123,356 @@
     </p:ext>
   </p:extLst>
 </p:presentation>
+</file>
+
+<file path=ppt/notesMasters/notesMaster1.xml><?xml version="1.0" encoding="utf-8"?>
+<p:notesMaster xmlns:a="http://schemas.openxmlformats.org/drawingml/2006/main" xmlns:r="http://schemas.openxmlformats.org/officeDocument/2006/relationships" xmlns:p="http://schemas.openxmlformats.org/presentationml/2006/main">
+  <p:cSld>
+    <p:bg>
+      <p:bgRef idx="1001">
+        <a:schemeClr val="bg1"/>
+      </p:bgRef>
+    </p:bg>
+    <p:spTree>
+      <p:nvGrpSpPr>
+        <p:cNvPr id="1" name=""/>
+        <p:cNvGrpSpPr/>
+        <p:nvPr/>
+      </p:nvGrpSpPr>
+      <p:grpSpPr>
+        <a:xfrm>
+          <a:off x="0" y="0"/>
+          <a:ext cx="0" cy="0"/>
+          <a:chOff x="0" y="0"/>
+          <a:chExt cx="0" cy="0"/>
+        </a:xfrm>
+      </p:grpSpPr>
+      <p:sp>
+        <p:nvSpPr>
+          <p:cNvPr id="2" name="Верхний колонтитул 1"/>
+          <p:cNvSpPr>
+            <a:spLocks noGrp="1"/>
+          </p:cNvSpPr>
+          <p:nvPr>
+            <p:ph type="hdr" sz="quarter"/>
+          </p:nvPr>
+        </p:nvSpPr>
+        <p:spPr>
+          <a:xfrm>
+            <a:off x="0" y="0"/>
+            <a:ext cx="2971800" cy="458788"/>
+          </a:xfrm>
+          <a:prstGeom prst="rect">
+            <a:avLst/>
+          </a:prstGeom>
+        </p:spPr>
+        <p:txBody>
+          <a:bodyPr vert="horz" lIns="91440" tIns="45720" rIns="91440" bIns="45720" rtlCol="0"/>
+          <a:lstStyle>
+            <a:lvl1pPr algn="l">
+              <a:defRPr sz="1200"/>
+            </a:lvl1pPr>
+          </a:lstStyle>
+          <a:p>
+            <a:endParaRPr lang="ru-RU"/>
+          </a:p>
+        </p:txBody>
+      </p:sp>
+      <p:sp>
+        <p:nvSpPr>
+          <p:cNvPr id="3" name="Дата 2"/>
+          <p:cNvSpPr>
+            <a:spLocks noGrp="1"/>
+          </p:cNvSpPr>
+          <p:nvPr>
+            <p:ph type="dt" idx="1"/>
+          </p:nvPr>
+        </p:nvSpPr>
+        <p:spPr>
+          <a:xfrm>
+            <a:off x="3884613" y="0"/>
+            <a:ext cx="2971800" cy="458788"/>
+          </a:xfrm>
+          <a:prstGeom prst="rect">
+            <a:avLst/>
+          </a:prstGeom>
+        </p:spPr>
+        <p:txBody>
+          <a:bodyPr vert="horz" lIns="91440" tIns="45720" rIns="91440" bIns="45720" rtlCol="0"/>
+          <a:lstStyle>
+            <a:lvl1pPr algn="r">
+              <a:defRPr sz="1200"/>
+            </a:lvl1pPr>
+          </a:lstStyle>
+          <a:p>
+            <a:fld id="{6038AF30-F761-42E6-B21C-D3C11B7DA620}" type="datetimeFigureOut">
+              <a:rPr lang="ru-RU" smtClean="0"/>
+              <a:t>18.12.2017</a:t>
+            </a:fld>
+            <a:endParaRPr lang="ru-RU"/>
+          </a:p>
+        </p:txBody>
+      </p:sp>
+      <p:sp>
+        <p:nvSpPr>
+          <p:cNvPr id="4" name="Образ слайда 3"/>
+          <p:cNvSpPr>
+            <a:spLocks noGrp="1" noRot="1" noChangeAspect="1"/>
+          </p:cNvSpPr>
+          <p:nvPr>
+            <p:ph type="sldImg" idx="2"/>
+          </p:nvPr>
+        </p:nvSpPr>
+        <p:spPr>
+          <a:xfrm>
+            <a:off x="685800" y="1143000"/>
+            <a:ext cx="5486400" cy="3086100"/>
+          </a:xfrm>
+          <a:prstGeom prst="rect">
+            <a:avLst/>
+          </a:prstGeom>
+          <a:noFill/>
+          <a:ln w="12700">
+            <a:solidFill>
+              <a:prstClr val="black"/>
+            </a:solidFill>
+          </a:ln>
+        </p:spPr>
+        <p:txBody>
+          <a:bodyPr vert="horz" lIns="91440" tIns="45720" rIns="91440" bIns="45720" rtlCol="0" anchor="ctr"/>
+          <a:lstStyle/>
+          <a:p>
+            <a:endParaRPr lang="ru-RU"/>
+          </a:p>
+        </p:txBody>
+      </p:sp>
+      <p:sp>
+        <p:nvSpPr>
+          <p:cNvPr id="5" name="Заметки 4"/>
+          <p:cNvSpPr>
+            <a:spLocks noGrp="1"/>
+          </p:cNvSpPr>
+          <p:nvPr>
+            <p:ph type="body" sz="quarter" idx="3"/>
+          </p:nvPr>
+        </p:nvSpPr>
+        <p:spPr>
+          <a:xfrm>
+            <a:off x="685800" y="4400550"/>
+            <a:ext cx="5486400" cy="3600450"/>
+          </a:xfrm>
+          <a:prstGeom prst="rect">
+            <a:avLst/>
+          </a:prstGeom>
+        </p:spPr>
+        <p:txBody>
+          <a:bodyPr vert="horz" lIns="91440" tIns="45720" rIns="91440" bIns="45720" rtlCol="0"/>
+          <a:lstStyle/>
+          <a:p>
+            <a:pPr lvl="0"/>
+            <a:r>
+              <a:rPr lang="ru-RU" smtClean="0"/>
+              <a:t>Образец текста</a:t>
+            </a:r>
+          </a:p>
+          <a:p>
+            <a:pPr lvl="1"/>
+            <a:r>
+              <a:rPr lang="ru-RU" smtClean="0"/>
+              <a:t>Второй уровень</a:t>
+            </a:r>
+          </a:p>
+          <a:p>
+            <a:pPr lvl="2"/>
+            <a:r>
+              <a:rPr lang="ru-RU" smtClean="0"/>
+              <a:t>Третий уровень</a:t>
+            </a:r>
+          </a:p>
+          <a:p>
+            <a:pPr lvl="3"/>
+            <a:r>
+              <a:rPr lang="ru-RU" smtClean="0"/>
+              <a:t>Четвертый уровень</a:t>
+            </a:r>
+          </a:p>
+          <a:p>
+            <a:pPr lvl="4"/>
+            <a:r>
+              <a:rPr lang="ru-RU" smtClean="0"/>
+              <a:t>Пятый уровень</a:t>
+            </a:r>
+            <a:endParaRPr lang="ru-RU"/>
+          </a:p>
+        </p:txBody>
+      </p:sp>
+      <p:sp>
+        <p:nvSpPr>
+          <p:cNvPr id="6" name="Нижний колонтитул 5"/>
+          <p:cNvSpPr>
+            <a:spLocks noGrp="1"/>
+          </p:cNvSpPr>
+          <p:nvPr>
+            <p:ph type="ftr" sz="quarter" idx="4"/>
+          </p:nvPr>
+        </p:nvSpPr>
+        <p:spPr>
+          <a:xfrm>
+            <a:off x="0" y="8685213"/>
+            <a:ext cx="2971800" cy="458787"/>
+          </a:xfrm>
+          <a:prstGeom prst="rect">
+            <a:avLst/>
+          </a:prstGeom>
+        </p:spPr>
+        <p:txBody>
+          <a:bodyPr vert="horz" lIns="91440" tIns="45720" rIns="91440" bIns="45720" rtlCol="0" anchor="b"/>
+          <a:lstStyle>
+            <a:lvl1pPr algn="l">
+              <a:defRPr sz="1200"/>
+            </a:lvl1pPr>
+          </a:lstStyle>
+          <a:p>
+            <a:endParaRPr lang="ru-RU"/>
+          </a:p>
+        </p:txBody>
+      </p:sp>
+      <p:sp>
+        <p:nvSpPr>
+          <p:cNvPr id="7" name="Номер слайда 6"/>
+          <p:cNvSpPr>
+            <a:spLocks noGrp="1"/>
+          </p:cNvSpPr>
+          <p:nvPr>
+            <p:ph type="sldNum" sz="quarter" idx="5"/>
+          </p:nvPr>
+        </p:nvSpPr>
+        <p:spPr>
+          <a:xfrm>
+            <a:off x="3884613" y="8685213"/>
+            <a:ext cx="2971800" cy="458787"/>
+          </a:xfrm>
+          <a:prstGeom prst="rect">
+            <a:avLst/>
+          </a:prstGeom>
+        </p:spPr>
+        <p:txBody>
+          <a:bodyPr vert="horz" lIns="91440" tIns="45720" rIns="91440" bIns="45720" rtlCol="0" anchor="b"/>
+          <a:lstStyle>
+            <a:lvl1pPr algn="r">
+              <a:defRPr sz="1200"/>
+            </a:lvl1pPr>
+          </a:lstStyle>
+          <a:p>
+            <a:fld id="{2298779A-0995-44C8-8E39-28648787609B}" type="slidenum">
+              <a:rPr lang="ru-RU" smtClean="0"/>
+              <a:t>‹#›</a:t>
+            </a:fld>
+            <a:endParaRPr lang="ru-RU"/>
+          </a:p>
+        </p:txBody>
+      </p:sp>
+    </p:spTree>
+    <p:extLst>
+      <p:ext uri="{BB962C8B-B14F-4D97-AF65-F5344CB8AC3E}">
+        <p14:creationId xmlns:p14="http://schemas.microsoft.com/office/powerpoint/2010/main" val="1284214412"/>
+      </p:ext>
+    </p:extLst>
+  </p:cSld>
+  <p:clrMap bg1="lt1" tx1="dk1" bg2="lt2" tx2="dk2" accent1="accent1" accent2="accent2" accent3="accent3" accent4="accent4" accent5="accent5" accent6="accent6" hlink="hlink" folHlink="folHlink"/>
+  <p:notesStyle>
+    <a:lvl1pPr marL="0" algn="l" defTabSz="914400" rtl="0" eaLnBrk="1" latinLnBrk="0" hangingPunct="1">
+      <a:defRPr sz="1200" kern="1200">
+        <a:solidFill>
+          <a:schemeClr val="tx1"/>
+        </a:solidFill>
+        <a:latin typeface="+mn-lt"/>
+        <a:ea typeface="+mn-ea"/>
+        <a:cs typeface="+mn-cs"/>
+      </a:defRPr>
+    </a:lvl1pPr>
+    <a:lvl2pPr marL="457200" algn="l" defTabSz="914400" rtl="0" eaLnBrk="1" latinLnBrk="0" hangingPunct="1">
+      <a:defRPr sz="1200" kern="1200">
+        <a:solidFill>
+          <a:schemeClr val="tx1"/>
+        </a:solidFill>
+        <a:latin typeface="+mn-lt"/>
+        <a:ea typeface="+mn-ea"/>
+        <a:cs typeface="+mn-cs"/>
+      </a:defRPr>
+    </a:lvl2pPr>
+    <a:lvl3pPr marL="914400" algn="l" defTabSz="914400" rtl="0" eaLnBrk="1" latinLnBrk="0" hangingPunct="1">
+      <a:defRPr sz="1200" kern="1200">
+        <a:solidFill>
+          <a:schemeClr val="tx1"/>
+        </a:solidFill>
+        <a:latin typeface="+mn-lt"/>
+        <a:ea typeface="+mn-ea"/>
+        <a:cs typeface="+mn-cs"/>
+      </a:defRPr>
+    </a:lvl3pPr>
+    <a:lvl4pPr marL="1371600" algn="l" defTabSz="914400" rtl="0" eaLnBrk="1" latinLnBrk="0" hangingPunct="1">
+      <a:defRPr sz="1200" kern="1200">
+        <a:solidFill>
+          <a:schemeClr val="tx1"/>
+        </a:solidFill>
+        <a:latin typeface="+mn-lt"/>
+        <a:ea typeface="+mn-ea"/>
+        <a:cs typeface="+mn-cs"/>
+      </a:defRPr>
+    </a:lvl4pPr>
+    <a:lvl5pPr marL="1828800" algn="l" defTabSz="914400" rtl="0" eaLnBrk="1" latinLnBrk="0" hangingPunct="1">
+      <a:defRPr sz="1200" kern="1200">
+        <a:solidFill>
+          <a:schemeClr val="tx1"/>
+        </a:solidFill>
+        <a:latin typeface="+mn-lt"/>
+        <a:ea typeface="+mn-ea"/>
+        <a:cs typeface="+mn-cs"/>
+      </a:defRPr>
+    </a:lvl5pPr>
+    <a:lvl6pPr marL="2286000" algn="l" defTabSz="914400" rtl="0" eaLnBrk="1" latinLnBrk="0" hangingPunct="1">
+      <a:defRPr sz="1200" kern="1200">
+        <a:solidFill>
+          <a:schemeClr val="tx1"/>
+        </a:solidFill>
+        <a:latin typeface="+mn-lt"/>
+        <a:ea typeface="+mn-ea"/>
+        <a:cs typeface="+mn-cs"/>
+      </a:defRPr>
+    </a:lvl6pPr>
+    <a:lvl7pPr marL="2743200" algn="l" defTabSz="914400" rtl="0" eaLnBrk="1" latinLnBrk="0" hangingPunct="1">
+      <a:defRPr sz="1200" kern="1200">
+        <a:solidFill>
+          <a:schemeClr val="tx1"/>
+        </a:solidFill>
+        <a:latin typeface="+mn-lt"/>
+        <a:ea typeface="+mn-ea"/>
+        <a:cs typeface="+mn-cs"/>
+      </a:defRPr>
+    </a:lvl7pPr>
+    <a:lvl8pPr marL="3200400" algn="l" defTabSz="914400" rtl="0" eaLnBrk="1" latinLnBrk="0" hangingPunct="1">
+      <a:defRPr sz="1200" kern="1200">
+        <a:solidFill>
+          <a:schemeClr val="tx1"/>
+        </a:solidFill>
+        <a:latin typeface="+mn-lt"/>
+        <a:ea typeface="+mn-ea"/>
+        <a:cs typeface="+mn-cs"/>
+      </a:defRPr>
+    </a:lvl8pPr>
+    <a:lvl9pPr marL="3657600" algn="l" defTabSz="914400" rtl="0" eaLnBrk="1" latinLnBrk="0" hangingPunct="1">
+      <a:defRPr sz="1200" kern="1200">
+        <a:solidFill>
+          <a:schemeClr val="tx1"/>
+        </a:solidFill>
+        <a:latin typeface="+mn-lt"/>
+        <a:ea typeface="+mn-ea"/>
+        <a:cs typeface="+mn-cs"/>
+      </a:defRPr>
+    </a:lvl9pPr>
+  </p:notesStyle>
+</p:notesMaster>
 </file>
 
 <file path=ppt/slideLayouts/slideLayout1.xml><?xml version="1.0" encoding="utf-8"?>
@@ -3323,38 +3676,4045 @@
             <p:ph type="title"/>
           </p:nvPr>
         </p:nvSpPr>
-        <p:spPr/>
+        <p:spPr>
+          <a:xfrm>
+            <a:off x="837468" y="39789"/>
+            <a:ext cx="10370127" cy="986007"/>
+          </a:xfrm>
+        </p:spPr>
         <p:txBody>
-          <a:bodyPr/>
+          <a:bodyPr>
+            <a:normAutofit/>
+          </a:bodyPr>
           <a:lstStyle/>
           <a:p>
-            <a:endParaRPr lang="ru-RU"/>
+            <a:r>
+              <a:rPr lang="ru-RU" dirty="0" smtClean="0">
+                <a:latin typeface="Roboto" pitchFamily="2" charset="0"/>
+                <a:ea typeface="Roboto" pitchFamily="2" charset="0"/>
+              </a:rPr>
+              <a:t>Основные шаги добавление точки</a:t>
+            </a:r>
+            <a:endParaRPr lang="ru-RU" dirty="0">
+              <a:latin typeface="Roboto" pitchFamily="2" charset="0"/>
+              <a:ea typeface="Roboto" pitchFamily="2" charset="0"/>
+            </a:endParaRPr>
           </a:p>
         </p:txBody>
       </p:sp>
       <p:sp>
         <p:nvSpPr>
-          <p:cNvPr id="3" name="Объект 2"/>
-          <p:cNvSpPr>
-            <a:spLocks noGrp="1"/>
-          </p:cNvSpPr>
-          <p:nvPr>
-            <p:ph idx="1"/>
-          </p:nvPr>
+          <p:cNvPr id="95" name="TextBox 94"/>
+          <p:cNvSpPr txBox="1"/>
+          <p:nvPr/>
         </p:nvSpPr>
-        <p:spPr/>
+        <p:spPr>
+          <a:xfrm>
+            <a:off x="916463" y="1176170"/>
+            <a:ext cx="2807479" cy="369332"/>
+          </a:xfrm>
+          <a:prstGeom prst="rect">
+            <a:avLst/>
+          </a:prstGeom>
+          <a:noFill/>
+        </p:spPr>
         <p:txBody>
-          <a:bodyPr/>
+          <a:bodyPr wrap="square" rtlCol="0">
+            <a:spAutoFit/>
+          </a:bodyPr>
           <a:lstStyle/>
           <a:p>
+            <a:r>
+              <a:rPr lang="en-US" dirty="0" smtClean="0"/>
+              <a:t>2) </a:t>
+            </a:r>
+            <a:r>
+              <a:rPr lang="ru-RU" dirty="0" smtClean="0"/>
+              <a:t>Добавление точки (7, </a:t>
+            </a:r>
+            <a:r>
+              <a:rPr lang="en-US" dirty="0" smtClean="0"/>
+              <a:t>6</a:t>
+            </a:r>
+            <a:r>
+              <a:rPr lang="ru-RU" dirty="0" smtClean="0"/>
+              <a:t>)</a:t>
+            </a:r>
+            <a:endParaRPr lang="ru-RU" dirty="0"/>
+          </a:p>
+        </p:txBody>
+      </p:sp>
+      <p:grpSp>
+        <p:nvGrpSpPr>
+          <p:cNvPr id="285" name="Группа 284"/>
+          <p:cNvGrpSpPr/>
+          <p:nvPr/>
+        </p:nvGrpSpPr>
+        <p:grpSpPr>
+          <a:xfrm>
+            <a:off x="1293287" y="1545502"/>
+            <a:ext cx="6604050" cy="947917"/>
+            <a:chOff x="-2151819" y="1606301"/>
+            <a:chExt cx="8442977" cy="1397885"/>
+          </a:xfrm>
+        </p:grpSpPr>
+        <p:cxnSp>
+          <p:nvCxnSpPr>
+            <p:cNvPr id="286" name="Прямая со стрелкой 285"/>
+            <p:cNvCxnSpPr>
+              <a:stCxn id="296" idx="2"/>
+              <a:endCxn id="365" idx="0"/>
+            </p:cNvCxnSpPr>
+            <p:nvPr/>
+          </p:nvCxnSpPr>
+          <p:spPr>
+            <a:xfrm flipH="1">
+              <a:off x="-2151819" y="2588020"/>
+              <a:ext cx="3296233" cy="398454"/>
+            </a:xfrm>
+            <a:prstGeom prst="straightConnector1">
+              <a:avLst/>
+            </a:prstGeom>
+            <a:ln>
+              <a:tailEnd type="triangle"/>
+            </a:ln>
+          </p:spPr>
+          <p:style>
+            <a:lnRef idx="1">
+              <a:schemeClr val="accent1"/>
+            </a:lnRef>
+            <a:fillRef idx="0">
+              <a:schemeClr val="accent1"/>
+            </a:fillRef>
+            <a:effectRef idx="0">
+              <a:schemeClr val="accent1"/>
+            </a:effectRef>
+            <a:fontRef idx="minor">
+              <a:schemeClr val="tx1"/>
+            </a:fontRef>
+          </p:style>
+        </p:cxnSp>
+        <p:cxnSp>
+          <p:nvCxnSpPr>
+            <p:cNvPr id="287" name="Прямая со стрелкой 286"/>
+            <p:cNvCxnSpPr>
+              <a:endCxn id="348" idx="0"/>
+            </p:cNvCxnSpPr>
+            <p:nvPr/>
+          </p:nvCxnSpPr>
+          <p:spPr>
+            <a:xfrm flipH="1">
+              <a:off x="720342" y="2536497"/>
+              <a:ext cx="1048849" cy="437535"/>
+            </a:xfrm>
+            <a:prstGeom prst="straightConnector1">
+              <a:avLst/>
+            </a:prstGeom>
+            <a:ln>
+              <a:tailEnd type="triangle"/>
+            </a:ln>
+          </p:spPr>
+          <p:style>
+            <a:lnRef idx="1">
+              <a:schemeClr val="accent1"/>
+            </a:lnRef>
+            <a:fillRef idx="0">
+              <a:schemeClr val="accent1"/>
+            </a:fillRef>
+            <a:effectRef idx="0">
+              <a:schemeClr val="accent1"/>
+            </a:effectRef>
+            <a:fontRef idx="minor">
+              <a:schemeClr val="tx1"/>
+            </a:fontRef>
+          </p:style>
+        </p:cxnSp>
+        <p:cxnSp>
+          <p:nvCxnSpPr>
+            <p:cNvPr id="288" name="Прямая со стрелкой 287"/>
+            <p:cNvCxnSpPr>
+              <a:endCxn id="331" idx="0"/>
+            </p:cNvCxnSpPr>
+            <p:nvPr/>
+          </p:nvCxnSpPr>
+          <p:spPr>
+            <a:xfrm>
+              <a:off x="2414167" y="2533863"/>
+              <a:ext cx="1124413" cy="470323"/>
+            </a:xfrm>
+            <a:prstGeom prst="straightConnector1">
+              <a:avLst/>
+            </a:prstGeom>
+            <a:ln>
+              <a:tailEnd type="triangle"/>
+            </a:ln>
+          </p:spPr>
+          <p:style>
+            <a:lnRef idx="1">
+              <a:schemeClr val="accent1"/>
+            </a:lnRef>
+            <a:fillRef idx="0">
+              <a:schemeClr val="accent1"/>
+            </a:fillRef>
+            <a:effectRef idx="0">
+              <a:schemeClr val="accent1"/>
+            </a:effectRef>
+            <a:fontRef idx="minor">
+              <a:schemeClr val="tx1"/>
+            </a:fontRef>
+          </p:style>
+        </p:cxnSp>
+        <p:cxnSp>
+          <p:nvCxnSpPr>
+            <p:cNvPr id="289" name="Прямая со стрелкой 288"/>
+            <p:cNvCxnSpPr>
+              <a:endCxn id="382" idx="0"/>
+            </p:cNvCxnSpPr>
+            <p:nvPr/>
+          </p:nvCxnSpPr>
+          <p:spPr>
+            <a:xfrm>
+              <a:off x="3025901" y="2552840"/>
+              <a:ext cx="3265257" cy="433633"/>
+            </a:xfrm>
+            <a:prstGeom prst="straightConnector1">
+              <a:avLst/>
+            </a:prstGeom>
+            <a:ln>
+              <a:tailEnd type="triangle"/>
+            </a:ln>
+          </p:spPr>
+          <p:style>
+            <a:lnRef idx="1">
+              <a:schemeClr val="accent1"/>
+            </a:lnRef>
+            <a:fillRef idx="0">
+              <a:schemeClr val="accent1"/>
+            </a:fillRef>
+            <a:effectRef idx="0">
+              <a:schemeClr val="accent1"/>
+            </a:effectRef>
+            <a:fontRef idx="minor">
+              <a:schemeClr val="tx1"/>
+            </a:fontRef>
+          </p:style>
+        </p:cxnSp>
+        <p:grpSp>
+          <p:nvGrpSpPr>
+            <p:cNvPr id="291" name="Группа 290"/>
+            <p:cNvGrpSpPr/>
+            <p:nvPr/>
+          </p:nvGrpSpPr>
+          <p:grpSpPr>
+            <a:xfrm>
+              <a:off x="824186" y="1606301"/>
+              <a:ext cx="2545721" cy="981719"/>
+              <a:chOff x="908443" y="1649262"/>
+              <a:chExt cx="2545721" cy="981719"/>
+            </a:xfrm>
+          </p:grpSpPr>
+          <p:sp>
+            <p:nvSpPr>
+              <p:cNvPr id="295" name="Прямоугольник 294"/>
+              <p:cNvSpPr/>
+              <p:nvPr/>
+            </p:nvSpPr>
+            <p:spPr>
+              <a:xfrm>
+                <a:off x="908443" y="1649262"/>
+                <a:ext cx="2545720" cy="331409"/>
+              </a:xfrm>
+              <a:prstGeom prst="rect">
+                <a:avLst/>
+              </a:prstGeom>
+            </p:spPr>
+            <p:style>
+              <a:lnRef idx="2">
+                <a:schemeClr val="accent3">
+                  <a:shade val="50000"/>
+                </a:schemeClr>
+              </a:lnRef>
+              <a:fillRef idx="1">
+                <a:schemeClr val="accent3"/>
+              </a:fillRef>
+              <a:effectRef idx="0">
+                <a:schemeClr val="accent3"/>
+              </a:effectRef>
+              <a:fontRef idx="minor">
+                <a:schemeClr val="lt1"/>
+              </a:fontRef>
+            </p:style>
+            <p:txBody>
+              <a:bodyPr rtlCol="0" anchor="ctr"/>
+              <a:lstStyle/>
+              <a:p>
+                <a:pPr algn="ctr"/>
+                <a:r>
+                  <a:rPr lang="en-US" sz="1200" dirty="0"/>
+                  <a:t>r</a:t>
+                </a:r>
+                <a:r>
+                  <a:rPr lang="en-US" sz="1200" dirty="0" smtClean="0"/>
+                  <a:t>oot</a:t>
+                </a:r>
+                <a:r>
+                  <a:rPr lang="ru-RU" sz="1200" dirty="0" smtClean="0"/>
+                  <a:t> ((</a:t>
+                </a:r>
+                <a:r>
+                  <a:rPr lang="ru-RU" sz="1200" dirty="0"/>
+                  <a:t>0, 10), (10, 0</a:t>
+                </a:r>
+                <a:r>
+                  <a:rPr lang="ru-RU" sz="1200" dirty="0" smtClean="0"/>
+                  <a:t>))</a:t>
+                </a:r>
+                <a:endParaRPr lang="en-US" sz="1200" dirty="0"/>
+              </a:p>
+            </p:txBody>
+          </p:sp>
+          <p:sp>
+            <p:nvSpPr>
+              <p:cNvPr id="296" name="Прямоугольник 295"/>
+              <p:cNvSpPr/>
+              <p:nvPr/>
+            </p:nvSpPr>
+            <p:spPr>
+              <a:xfrm>
+                <a:off x="908444" y="2263044"/>
+                <a:ext cx="640451" cy="367937"/>
+              </a:xfrm>
+              <a:prstGeom prst="rect">
+                <a:avLst/>
+              </a:prstGeom>
+            </p:spPr>
+            <p:style>
+              <a:lnRef idx="2">
+                <a:schemeClr val="accent1">
+                  <a:shade val="50000"/>
+                </a:schemeClr>
+              </a:lnRef>
+              <a:fillRef idx="1">
+                <a:schemeClr val="accent1"/>
+              </a:fillRef>
+              <a:effectRef idx="0">
+                <a:schemeClr val="accent1"/>
+              </a:effectRef>
+              <a:fontRef idx="minor">
+                <a:schemeClr val="lt1"/>
+              </a:fontRef>
+            </p:style>
+            <p:txBody>
+              <a:bodyPr rtlCol="0" anchor="ctr"/>
+              <a:lstStyle/>
+              <a:p>
+                <a:pPr algn="ctr"/>
+                <a:r>
+                  <a:rPr lang="en-US" sz="1200" dirty="0" smtClean="0"/>
+                  <a:t>NW</a:t>
+                </a:r>
+                <a:endParaRPr lang="ru-RU" sz="1200" dirty="0"/>
+              </a:p>
+            </p:txBody>
+          </p:sp>
+          <p:sp>
+            <p:nvSpPr>
+              <p:cNvPr id="297" name="Прямоугольник 296"/>
+              <p:cNvSpPr/>
+              <p:nvPr/>
+            </p:nvSpPr>
+            <p:spPr>
+              <a:xfrm>
+                <a:off x="1548895" y="2268372"/>
+                <a:ext cx="640452" cy="360608"/>
+              </a:xfrm>
+              <a:prstGeom prst="rect">
+                <a:avLst/>
+              </a:prstGeom>
+            </p:spPr>
+            <p:style>
+              <a:lnRef idx="2">
+                <a:schemeClr val="accent1">
+                  <a:shade val="50000"/>
+                </a:schemeClr>
+              </a:lnRef>
+              <a:fillRef idx="1">
+                <a:schemeClr val="accent1"/>
+              </a:fillRef>
+              <a:effectRef idx="0">
+                <a:schemeClr val="accent1"/>
+              </a:effectRef>
+              <a:fontRef idx="minor">
+                <a:schemeClr val="lt1"/>
+              </a:fontRef>
+            </p:style>
+            <p:txBody>
+              <a:bodyPr rtlCol="0" anchor="ctr"/>
+              <a:lstStyle/>
+              <a:p>
+                <a:pPr algn="ctr"/>
+                <a:r>
+                  <a:rPr lang="en-US" sz="1200" dirty="0" smtClean="0"/>
+                  <a:t>NE</a:t>
+                </a:r>
+                <a:endParaRPr lang="ru-RU" sz="1200" dirty="0"/>
+              </a:p>
+            </p:txBody>
+          </p:sp>
+          <p:sp>
+            <p:nvSpPr>
+              <p:cNvPr id="298" name="Прямоугольник 297"/>
+              <p:cNvSpPr/>
+              <p:nvPr/>
+            </p:nvSpPr>
+            <p:spPr>
+              <a:xfrm>
+                <a:off x="2173261" y="2274361"/>
+                <a:ext cx="640452" cy="354620"/>
+              </a:xfrm>
+              <a:prstGeom prst="rect">
+                <a:avLst/>
+              </a:prstGeom>
+            </p:spPr>
+            <p:style>
+              <a:lnRef idx="2">
+                <a:schemeClr val="accent1">
+                  <a:shade val="50000"/>
+                </a:schemeClr>
+              </a:lnRef>
+              <a:fillRef idx="1">
+                <a:schemeClr val="accent1"/>
+              </a:fillRef>
+              <a:effectRef idx="0">
+                <a:schemeClr val="accent1"/>
+              </a:effectRef>
+              <a:fontRef idx="minor">
+                <a:schemeClr val="lt1"/>
+              </a:fontRef>
+            </p:style>
+            <p:txBody>
+              <a:bodyPr rtlCol="0" anchor="ctr"/>
+              <a:lstStyle/>
+              <a:p>
+                <a:pPr algn="ctr"/>
+                <a:r>
+                  <a:rPr lang="en-US" sz="1200" dirty="0" smtClean="0"/>
+                  <a:t>SW</a:t>
+                </a:r>
+                <a:endParaRPr lang="ru-RU" sz="1200" dirty="0"/>
+              </a:p>
+            </p:txBody>
+          </p:sp>
+          <p:sp>
+            <p:nvSpPr>
+              <p:cNvPr id="299" name="Прямоугольник 298"/>
+              <p:cNvSpPr/>
+              <p:nvPr/>
+            </p:nvSpPr>
+            <p:spPr>
+              <a:xfrm>
+                <a:off x="2813712" y="2274361"/>
+                <a:ext cx="640452" cy="354619"/>
+              </a:xfrm>
+              <a:prstGeom prst="rect">
+                <a:avLst/>
+              </a:prstGeom>
+            </p:spPr>
+            <p:style>
+              <a:lnRef idx="2">
+                <a:schemeClr val="accent1">
+                  <a:shade val="50000"/>
+                </a:schemeClr>
+              </a:lnRef>
+              <a:fillRef idx="1">
+                <a:schemeClr val="accent1"/>
+              </a:fillRef>
+              <a:effectRef idx="0">
+                <a:schemeClr val="accent1"/>
+              </a:effectRef>
+              <a:fontRef idx="minor">
+                <a:schemeClr val="lt1"/>
+              </a:fontRef>
+            </p:style>
+            <p:txBody>
+              <a:bodyPr rtlCol="0" anchor="ctr"/>
+              <a:lstStyle/>
+              <a:p>
+                <a:pPr algn="ctr"/>
+                <a:r>
+                  <a:rPr lang="en-US" sz="1200" dirty="0" smtClean="0"/>
+                  <a:t>SE</a:t>
+                </a:r>
+              </a:p>
+            </p:txBody>
+          </p:sp>
+          <p:sp>
+            <p:nvSpPr>
+              <p:cNvPr id="300" name="Прямоугольник 299"/>
+              <p:cNvSpPr/>
+              <p:nvPr/>
+            </p:nvSpPr>
+            <p:spPr>
+              <a:xfrm>
+                <a:off x="908443" y="1997814"/>
+                <a:ext cx="2545721" cy="270694"/>
+              </a:xfrm>
+              <a:prstGeom prst="rect">
+                <a:avLst/>
+              </a:prstGeom>
+            </p:spPr>
+            <p:style>
+              <a:lnRef idx="2">
+                <a:schemeClr val="accent1">
+                  <a:shade val="50000"/>
+                </a:schemeClr>
+              </a:lnRef>
+              <a:fillRef idx="1">
+                <a:schemeClr val="accent1"/>
+              </a:fillRef>
+              <a:effectRef idx="0">
+                <a:schemeClr val="accent1"/>
+              </a:effectRef>
+              <a:fontRef idx="minor">
+                <a:schemeClr val="lt1"/>
+              </a:fontRef>
+            </p:style>
+            <p:txBody>
+              <a:bodyPr rtlCol="0" anchor="ctr"/>
+              <a:lstStyle/>
+              <a:p>
+                <a:pPr algn="ctr"/>
+                <a:r>
+                  <a:rPr lang="en-US" sz="1200" dirty="0" smtClean="0"/>
+                  <a:t>NILL</a:t>
+                </a:r>
+                <a:endParaRPr lang="ru-RU" sz="1200" dirty="0"/>
+              </a:p>
+            </p:txBody>
+          </p:sp>
+        </p:grpSp>
+      </p:grpSp>
+      <p:grpSp>
+        <p:nvGrpSpPr>
+          <p:cNvPr id="320" name="Группа 319"/>
+          <p:cNvGrpSpPr/>
+          <p:nvPr/>
+        </p:nvGrpSpPr>
+        <p:grpSpPr>
+          <a:xfrm>
+            <a:off x="4718930" y="2493419"/>
+            <a:ext cx="2072136" cy="1104293"/>
+            <a:chOff x="3863932" y="5277592"/>
+            <a:chExt cx="2072136" cy="1104293"/>
+          </a:xfrm>
+        </p:grpSpPr>
+        <p:grpSp>
+          <p:nvGrpSpPr>
+            <p:cNvPr id="321" name="Группа 320"/>
+            <p:cNvGrpSpPr/>
+            <p:nvPr/>
+          </p:nvGrpSpPr>
+          <p:grpSpPr>
+            <a:xfrm>
+              <a:off x="3863932" y="5277592"/>
+              <a:ext cx="2020981" cy="1096514"/>
+              <a:chOff x="786175" y="1606301"/>
+              <a:chExt cx="2583732" cy="1617020"/>
+            </a:xfrm>
+          </p:grpSpPr>
+          <p:cxnSp>
+            <p:nvCxnSpPr>
+              <p:cNvPr id="325" name="Прямая со стрелкой 324"/>
+              <p:cNvCxnSpPr>
+                <a:stCxn id="332" idx="2"/>
+                <a:endCxn id="329" idx="0"/>
+              </p:cNvCxnSpPr>
+              <p:nvPr/>
+            </p:nvCxnSpPr>
+            <p:spPr>
+              <a:xfrm flipH="1">
+                <a:off x="1099920" y="2588019"/>
+                <a:ext cx="44493" cy="366336"/>
+              </a:xfrm>
+              <a:prstGeom prst="straightConnector1">
+                <a:avLst/>
+              </a:prstGeom>
+              <a:ln>
+                <a:tailEnd type="triangle"/>
+              </a:ln>
+            </p:spPr>
+            <p:style>
+              <a:lnRef idx="1">
+                <a:schemeClr val="accent1"/>
+              </a:lnRef>
+              <a:fillRef idx="0">
+                <a:schemeClr val="accent1"/>
+              </a:fillRef>
+              <a:effectRef idx="0">
+                <a:schemeClr val="accent1"/>
+              </a:effectRef>
+              <a:fontRef idx="minor">
+                <a:schemeClr val="tx1"/>
+              </a:fontRef>
+            </p:style>
+          </p:cxnSp>
+          <p:cxnSp>
+            <p:nvCxnSpPr>
+              <p:cNvPr id="326" name="Прямая со стрелкой 325"/>
+              <p:cNvCxnSpPr>
+                <a:endCxn id="322" idx="0"/>
+              </p:cNvCxnSpPr>
+              <p:nvPr/>
+            </p:nvCxnSpPr>
+            <p:spPr>
+              <a:xfrm>
+                <a:off x="1769191" y="2536497"/>
+                <a:ext cx="8366" cy="422070"/>
+              </a:xfrm>
+              <a:prstGeom prst="straightConnector1">
+                <a:avLst/>
+              </a:prstGeom>
+              <a:ln>
+                <a:tailEnd type="triangle"/>
+              </a:ln>
+            </p:spPr>
+            <p:style>
+              <a:lnRef idx="1">
+                <a:schemeClr val="accent1"/>
+              </a:lnRef>
+              <a:fillRef idx="0">
+                <a:schemeClr val="accent1"/>
+              </a:fillRef>
+              <a:effectRef idx="0">
+                <a:schemeClr val="accent1"/>
+              </a:effectRef>
+              <a:fontRef idx="minor">
+                <a:schemeClr val="tx1"/>
+              </a:fontRef>
+            </p:style>
+          </p:cxnSp>
+          <p:cxnSp>
+            <p:nvCxnSpPr>
+              <p:cNvPr id="327" name="Прямая со стрелкой 326"/>
+              <p:cNvCxnSpPr>
+                <a:endCxn id="323" idx="0"/>
+              </p:cNvCxnSpPr>
+              <p:nvPr/>
+            </p:nvCxnSpPr>
+            <p:spPr>
+              <a:xfrm>
+                <a:off x="2414167" y="2533863"/>
+                <a:ext cx="32662" cy="431964"/>
+              </a:xfrm>
+              <a:prstGeom prst="straightConnector1">
+                <a:avLst/>
+              </a:prstGeom>
+              <a:ln>
+                <a:tailEnd type="triangle"/>
+              </a:ln>
+            </p:spPr>
+            <p:style>
+              <a:lnRef idx="1">
+                <a:schemeClr val="accent1"/>
+              </a:lnRef>
+              <a:fillRef idx="0">
+                <a:schemeClr val="accent1"/>
+              </a:fillRef>
+              <a:effectRef idx="0">
+                <a:schemeClr val="accent1"/>
+              </a:effectRef>
+              <a:fontRef idx="minor">
+                <a:schemeClr val="tx1"/>
+              </a:fontRef>
+            </p:style>
+          </p:cxnSp>
+          <p:cxnSp>
+            <p:nvCxnSpPr>
+              <p:cNvPr id="328" name="Прямая со стрелкой 327"/>
+              <p:cNvCxnSpPr>
+                <a:endCxn id="324" idx="0"/>
+              </p:cNvCxnSpPr>
+              <p:nvPr/>
+            </p:nvCxnSpPr>
+            <p:spPr>
+              <a:xfrm>
+                <a:off x="3025901" y="2552841"/>
+                <a:ext cx="95660" cy="412986"/>
+              </a:xfrm>
+              <a:prstGeom prst="straightConnector1">
+                <a:avLst/>
+              </a:prstGeom>
+              <a:ln>
+                <a:tailEnd type="triangle"/>
+              </a:ln>
+            </p:spPr>
+            <p:style>
+              <a:lnRef idx="1">
+                <a:schemeClr val="accent1"/>
+              </a:lnRef>
+              <a:fillRef idx="0">
+                <a:schemeClr val="accent1"/>
+              </a:fillRef>
+              <a:effectRef idx="0">
+                <a:schemeClr val="accent1"/>
+              </a:effectRef>
+              <a:fontRef idx="minor">
+                <a:schemeClr val="tx1"/>
+              </a:fontRef>
+            </p:style>
+          </p:cxnSp>
+          <p:sp>
+            <p:nvSpPr>
+              <p:cNvPr id="329" name="Скругленный прямоугольник 328"/>
+              <p:cNvSpPr/>
+              <p:nvPr/>
+            </p:nvSpPr>
+            <p:spPr>
+              <a:xfrm>
+                <a:off x="786175" y="2954355"/>
+                <a:ext cx="627490" cy="268966"/>
+              </a:xfrm>
+              <a:prstGeom prst="roundRect">
+                <a:avLst/>
+              </a:prstGeom>
+            </p:spPr>
+            <p:style>
+              <a:lnRef idx="2">
+                <a:schemeClr val="accent3">
+                  <a:shade val="50000"/>
+                </a:schemeClr>
+              </a:lnRef>
+              <a:fillRef idx="1">
+                <a:schemeClr val="accent3"/>
+              </a:fillRef>
+              <a:effectRef idx="0">
+                <a:schemeClr val="accent3"/>
+              </a:effectRef>
+              <a:fontRef idx="minor">
+                <a:schemeClr val="lt1"/>
+              </a:fontRef>
+            </p:style>
+            <p:txBody>
+              <a:bodyPr rtlCol="0" anchor="ctr"/>
+              <a:lstStyle/>
+              <a:p>
+                <a:pPr algn="ctr"/>
+                <a:r>
+                  <a:rPr lang="en-US" sz="1200" dirty="0" smtClean="0"/>
+                  <a:t>NILL</a:t>
+                </a:r>
+                <a:endParaRPr lang="ru-RU" sz="1200" dirty="0"/>
+              </a:p>
+            </p:txBody>
+          </p:sp>
+          <p:grpSp>
+            <p:nvGrpSpPr>
+              <p:cNvPr id="330" name="Группа 329"/>
+              <p:cNvGrpSpPr/>
+              <p:nvPr/>
+            </p:nvGrpSpPr>
+            <p:grpSpPr>
+              <a:xfrm>
+                <a:off x="824186" y="1606301"/>
+                <a:ext cx="2545721" cy="981719"/>
+                <a:chOff x="908443" y="1649262"/>
+                <a:chExt cx="2545721" cy="981719"/>
+              </a:xfrm>
+            </p:grpSpPr>
+            <p:sp>
+              <p:nvSpPr>
+                <p:cNvPr id="331" name="Прямоугольник 330"/>
+                <p:cNvSpPr/>
+                <p:nvPr/>
+              </p:nvSpPr>
+              <p:spPr>
+                <a:xfrm>
+                  <a:off x="908443" y="1649262"/>
+                  <a:ext cx="2545720" cy="331409"/>
+                </a:xfrm>
+                <a:prstGeom prst="rect">
+                  <a:avLst/>
+                </a:prstGeom>
+              </p:spPr>
+              <p:style>
+                <a:lnRef idx="2">
+                  <a:schemeClr val="accent3">
+                    <a:shade val="50000"/>
+                  </a:schemeClr>
+                </a:lnRef>
+                <a:fillRef idx="1">
+                  <a:schemeClr val="accent3"/>
+                </a:fillRef>
+                <a:effectRef idx="0">
+                  <a:schemeClr val="accent3"/>
+                </a:effectRef>
+                <a:fontRef idx="minor">
+                  <a:schemeClr val="lt1"/>
+                </a:fontRef>
+              </p:style>
+              <p:txBody>
+                <a:bodyPr rtlCol="0" anchor="ctr"/>
+                <a:lstStyle/>
+                <a:p>
+                  <a:pPr algn="ctr"/>
+                  <a:r>
+                    <a:rPr lang="ru-RU" sz="1200" dirty="0" smtClean="0"/>
+                    <a:t>((</a:t>
+                  </a:r>
+                  <a:r>
+                    <a:rPr lang="ru-RU" sz="1200" dirty="0"/>
+                    <a:t>0, </a:t>
+                  </a:r>
+                  <a:r>
+                    <a:rPr lang="en-US" sz="1200" dirty="0"/>
+                    <a:t>5</a:t>
+                  </a:r>
+                  <a:r>
+                    <a:rPr lang="ru-RU" sz="1200" dirty="0" smtClean="0"/>
+                    <a:t>), (</a:t>
+                  </a:r>
+                  <a:r>
+                    <a:rPr lang="en-US" sz="1200" dirty="0"/>
+                    <a:t>5</a:t>
+                  </a:r>
+                  <a:r>
+                    <a:rPr lang="ru-RU" sz="1200" dirty="0" smtClean="0"/>
+                    <a:t>, </a:t>
+                  </a:r>
+                  <a:r>
+                    <a:rPr lang="ru-RU" sz="1200" dirty="0"/>
+                    <a:t>0</a:t>
+                  </a:r>
+                  <a:r>
+                    <a:rPr lang="ru-RU" sz="1200" dirty="0" smtClean="0"/>
+                    <a:t>))</a:t>
+                  </a:r>
+                  <a:endParaRPr lang="en-US" sz="1200" dirty="0"/>
+                </a:p>
+              </p:txBody>
+            </p:sp>
+            <p:sp>
+              <p:nvSpPr>
+                <p:cNvPr id="332" name="Прямоугольник 331"/>
+                <p:cNvSpPr/>
+                <p:nvPr/>
+              </p:nvSpPr>
+              <p:spPr>
+                <a:xfrm>
+                  <a:off x="908444" y="2263044"/>
+                  <a:ext cx="640451" cy="367937"/>
+                </a:xfrm>
+                <a:prstGeom prst="rect">
+                  <a:avLst/>
+                </a:prstGeom>
+              </p:spPr>
+              <p:style>
+                <a:lnRef idx="2">
+                  <a:schemeClr val="accent1">
+                    <a:shade val="50000"/>
+                  </a:schemeClr>
+                </a:lnRef>
+                <a:fillRef idx="1">
+                  <a:schemeClr val="accent1"/>
+                </a:fillRef>
+                <a:effectRef idx="0">
+                  <a:schemeClr val="accent1"/>
+                </a:effectRef>
+                <a:fontRef idx="minor">
+                  <a:schemeClr val="lt1"/>
+                </a:fontRef>
+              </p:style>
+              <p:txBody>
+                <a:bodyPr rtlCol="0" anchor="ctr"/>
+                <a:lstStyle/>
+                <a:p>
+                  <a:pPr algn="ctr"/>
+                  <a:r>
+                    <a:rPr lang="en-US" sz="1200" dirty="0" smtClean="0"/>
+                    <a:t>NW</a:t>
+                  </a:r>
+                  <a:endParaRPr lang="ru-RU" sz="1200" dirty="0"/>
+                </a:p>
+              </p:txBody>
+            </p:sp>
+            <p:sp>
+              <p:nvSpPr>
+                <p:cNvPr id="333" name="Прямоугольник 332"/>
+                <p:cNvSpPr/>
+                <p:nvPr/>
+              </p:nvSpPr>
+              <p:spPr>
+                <a:xfrm>
+                  <a:off x="1548895" y="2268372"/>
+                  <a:ext cx="640452" cy="360608"/>
+                </a:xfrm>
+                <a:prstGeom prst="rect">
+                  <a:avLst/>
+                </a:prstGeom>
+              </p:spPr>
+              <p:style>
+                <a:lnRef idx="2">
+                  <a:schemeClr val="accent1">
+                    <a:shade val="50000"/>
+                  </a:schemeClr>
+                </a:lnRef>
+                <a:fillRef idx="1">
+                  <a:schemeClr val="accent1"/>
+                </a:fillRef>
+                <a:effectRef idx="0">
+                  <a:schemeClr val="accent1"/>
+                </a:effectRef>
+                <a:fontRef idx="minor">
+                  <a:schemeClr val="lt1"/>
+                </a:fontRef>
+              </p:style>
+              <p:txBody>
+                <a:bodyPr rtlCol="0" anchor="ctr"/>
+                <a:lstStyle/>
+                <a:p>
+                  <a:pPr algn="ctr"/>
+                  <a:r>
+                    <a:rPr lang="en-US" sz="1200" dirty="0" smtClean="0"/>
+                    <a:t>NE</a:t>
+                  </a:r>
+                  <a:endParaRPr lang="ru-RU" sz="1200" dirty="0"/>
+                </a:p>
+              </p:txBody>
+            </p:sp>
+            <p:sp>
+              <p:nvSpPr>
+                <p:cNvPr id="334" name="Прямоугольник 333"/>
+                <p:cNvSpPr/>
+                <p:nvPr/>
+              </p:nvSpPr>
+              <p:spPr>
+                <a:xfrm>
+                  <a:off x="2173261" y="2274361"/>
+                  <a:ext cx="640452" cy="354620"/>
+                </a:xfrm>
+                <a:prstGeom prst="rect">
+                  <a:avLst/>
+                </a:prstGeom>
+              </p:spPr>
+              <p:style>
+                <a:lnRef idx="2">
+                  <a:schemeClr val="accent1">
+                    <a:shade val="50000"/>
+                  </a:schemeClr>
+                </a:lnRef>
+                <a:fillRef idx="1">
+                  <a:schemeClr val="accent1"/>
+                </a:fillRef>
+                <a:effectRef idx="0">
+                  <a:schemeClr val="accent1"/>
+                </a:effectRef>
+                <a:fontRef idx="minor">
+                  <a:schemeClr val="lt1"/>
+                </a:fontRef>
+              </p:style>
+              <p:txBody>
+                <a:bodyPr rtlCol="0" anchor="ctr"/>
+                <a:lstStyle/>
+                <a:p>
+                  <a:pPr algn="ctr"/>
+                  <a:r>
+                    <a:rPr lang="en-US" sz="1200" dirty="0" smtClean="0"/>
+                    <a:t>SW</a:t>
+                  </a:r>
+                  <a:endParaRPr lang="ru-RU" sz="1200" dirty="0"/>
+                </a:p>
+              </p:txBody>
+            </p:sp>
+            <p:sp>
+              <p:nvSpPr>
+                <p:cNvPr id="335" name="Прямоугольник 334"/>
+                <p:cNvSpPr/>
+                <p:nvPr/>
+              </p:nvSpPr>
+              <p:spPr>
+                <a:xfrm>
+                  <a:off x="2813712" y="2274361"/>
+                  <a:ext cx="640452" cy="354619"/>
+                </a:xfrm>
+                <a:prstGeom prst="rect">
+                  <a:avLst/>
+                </a:prstGeom>
+              </p:spPr>
+              <p:style>
+                <a:lnRef idx="2">
+                  <a:schemeClr val="accent1">
+                    <a:shade val="50000"/>
+                  </a:schemeClr>
+                </a:lnRef>
+                <a:fillRef idx="1">
+                  <a:schemeClr val="accent1"/>
+                </a:fillRef>
+                <a:effectRef idx="0">
+                  <a:schemeClr val="accent1"/>
+                </a:effectRef>
+                <a:fontRef idx="minor">
+                  <a:schemeClr val="lt1"/>
+                </a:fontRef>
+              </p:style>
+              <p:txBody>
+                <a:bodyPr rtlCol="0" anchor="ctr"/>
+                <a:lstStyle/>
+                <a:p>
+                  <a:pPr algn="ctr"/>
+                  <a:r>
+                    <a:rPr lang="en-US" sz="1200" dirty="0" smtClean="0"/>
+                    <a:t>SE</a:t>
+                  </a:r>
+                </a:p>
+              </p:txBody>
+            </p:sp>
+            <p:sp>
+              <p:nvSpPr>
+                <p:cNvPr id="336" name="Прямоугольник 335"/>
+                <p:cNvSpPr/>
+                <p:nvPr/>
+              </p:nvSpPr>
+              <p:spPr>
+                <a:xfrm>
+                  <a:off x="908443" y="1997814"/>
+                  <a:ext cx="2545721" cy="270694"/>
+                </a:xfrm>
+                <a:prstGeom prst="rect">
+                  <a:avLst/>
+                </a:prstGeom>
+              </p:spPr>
+              <p:style>
+                <a:lnRef idx="2">
+                  <a:schemeClr val="accent1">
+                    <a:shade val="50000"/>
+                  </a:schemeClr>
+                </a:lnRef>
+                <a:fillRef idx="1">
+                  <a:schemeClr val="accent1"/>
+                </a:fillRef>
+                <a:effectRef idx="0">
+                  <a:schemeClr val="accent1"/>
+                </a:effectRef>
+                <a:fontRef idx="minor">
+                  <a:schemeClr val="lt1"/>
+                </a:fontRef>
+              </p:style>
+              <p:txBody>
+                <a:bodyPr rtlCol="0" anchor="ctr"/>
+                <a:lstStyle/>
+                <a:p>
+                  <a:pPr algn="ctr"/>
+                  <a:r>
+                    <a:rPr lang="en-US" sz="1200" dirty="0" smtClean="0"/>
+                    <a:t>(4, 2)</a:t>
+                  </a:r>
+                  <a:endParaRPr lang="ru-RU" sz="1200" dirty="0"/>
+                </a:p>
+              </p:txBody>
+            </p:sp>
+          </p:grpSp>
+        </p:grpSp>
+        <p:sp>
+          <p:nvSpPr>
+            <p:cNvPr id="322" name="Скругленный прямоугольник 321"/>
+            <p:cNvSpPr/>
+            <p:nvPr/>
+          </p:nvSpPr>
+          <p:spPr>
+            <a:xfrm>
+              <a:off x="4393976" y="6194574"/>
+              <a:ext cx="490819" cy="182388"/>
+            </a:xfrm>
+            <a:prstGeom prst="roundRect">
+              <a:avLst/>
+            </a:prstGeom>
+          </p:spPr>
+          <p:style>
+            <a:lnRef idx="2">
+              <a:schemeClr val="accent3">
+                <a:shade val="50000"/>
+              </a:schemeClr>
+            </a:lnRef>
+            <a:fillRef idx="1">
+              <a:schemeClr val="accent3"/>
+            </a:fillRef>
+            <a:effectRef idx="0">
+              <a:schemeClr val="accent3"/>
+            </a:effectRef>
+            <a:fontRef idx="minor">
+              <a:schemeClr val="lt1"/>
+            </a:fontRef>
+          </p:style>
+          <p:txBody>
+            <a:bodyPr rtlCol="0" anchor="ctr"/>
+            <a:lstStyle/>
+            <a:p>
+              <a:pPr algn="ctr"/>
+              <a:r>
+                <a:rPr lang="en-US" sz="1200" dirty="0" smtClean="0"/>
+                <a:t>NILL</a:t>
+              </a:r>
+              <a:endParaRPr lang="ru-RU" sz="1200" dirty="0"/>
+            </a:p>
+          </p:txBody>
+        </p:sp>
+        <p:sp>
+          <p:nvSpPr>
+            <p:cNvPr id="323" name="Скругленный прямоугольник 322"/>
+            <p:cNvSpPr/>
+            <p:nvPr/>
+          </p:nvSpPr>
+          <p:spPr>
+            <a:xfrm>
+              <a:off x="4917477" y="6199497"/>
+              <a:ext cx="490819" cy="182388"/>
+            </a:xfrm>
+            <a:prstGeom prst="roundRect">
+              <a:avLst/>
+            </a:prstGeom>
+          </p:spPr>
+          <p:style>
+            <a:lnRef idx="2">
+              <a:schemeClr val="accent3">
+                <a:shade val="50000"/>
+              </a:schemeClr>
+            </a:lnRef>
+            <a:fillRef idx="1">
+              <a:schemeClr val="accent3"/>
+            </a:fillRef>
+            <a:effectRef idx="0">
+              <a:schemeClr val="accent3"/>
+            </a:effectRef>
+            <a:fontRef idx="minor">
+              <a:schemeClr val="lt1"/>
+            </a:fontRef>
+          </p:style>
+          <p:txBody>
+            <a:bodyPr rtlCol="0" anchor="ctr"/>
+            <a:lstStyle/>
+            <a:p>
+              <a:pPr algn="ctr"/>
+              <a:r>
+                <a:rPr lang="en-US" sz="1200" dirty="0" smtClean="0"/>
+                <a:t>NILL</a:t>
+              </a:r>
+              <a:endParaRPr lang="ru-RU" sz="1200" dirty="0"/>
+            </a:p>
+          </p:txBody>
+        </p:sp>
+        <p:sp>
+          <p:nvSpPr>
+            <p:cNvPr id="324" name="Скругленный прямоугольник 323"/>
+            <p:cNvSpPr/>
+            <p:nvPr/>
+          </p:nvSpPr>
+          <p:spPr>
+            <a:xfrm>
+              <a:off x="5445249" y="6199497"/>
+              <a:ext cx="490819" cy="182388"/>
+            </a:xfrm>
+            <a:prstGeom prst="roundRect">
+              <a:avLst/>
+            </a:prstGeom>
+          </p:spPr>
+          <p:style>
+            <a:lnRef idx="2">
+              <a:schemeClr val="accent3">
+                <a:shade val="50000"/>
+              </a:schemeClr>
+            </a:lnRef>
+            <a:fillRef idx="1">
+              <a:schemeClr val="accent3"/>
+            </a:fillRef>
+            <a:effectRef idx="0">
+              <a:schemeClr val="accent3"/>
+            </a:effectRef>
+            <a:fontRef idx="minor">
+              <a:schemeClr val="lt1"/>
+            </a:fontRef>
+          </p:style>
+          <p:txBody>
+            <a:bodyPr rtlCol="0" anchor="ctr"/>
+            <a:lstStyle/>
+            <a:p>
+              <a:pPr algn="ctr"/>
+              <a:r>
+                <a:rPr lang="en-US" sz="1200" dirty="0" smtClean="0"/>
+                <a:t>NILL</a:t>
+              </a:r>
+              <a:endParaRPr lang="ru-RU" sz="1200" dirty="0"/>
+            </a:p>
+          </p:txBody>
+        </p:sp>
+      </p:grpSp>
+      <p:grpSp>
+        <p:nvGrpSpPr>
+          <p:cNvPr id="337" name="Группа 336"/>
+          <p:cNvGrpSpPr/>
+          <p:nvPr/>
+        </p:nvGrpSpPr>
+        <p:grpSpPr>
+          <a:xfrm>
+            <a:off x="2514520" y="2472971"/>
+            <a:ext cx="2072136" cy="1104293"/>
+            <a:chOff x="3863932" y="5277592"/>
+            <a:chExt cx="2072136" cy="1104293"/>
+          </a:xfrm>
+        </p:grpSpPr>
+        <p:grpSp>
+          <p:nvGrpSpPr>
+            <p:cNvPr id="338" name="Группа 337"/>
+            <p:cNvGrpSpPr/>
+            <p:nvPr/>
+          </p:nvGrpSpPr>
+          <p:grpSpPr>
+            <a:xfrm>
+              <a:off x="3863932" y="5277592"/>
+              <a:ext cx="2020981" cy="1096513"/>
+              <a:chOff x="786175" y="1606302"/>
+              <a:chExt cx="2583732" cy="1617019"/>
+            </a:xfrm>
+          </p:grpSpPr>
+          <p:cxnSp>
+            <p:nvCxnSpPr>
+              <p:cNvPr id="342" name="Прямая со стрелкой 341"/>
+              <p:cNvCxnSpPr>
+                <a:stCxn id="349" idx="2"/>
+                <a:endCxn id="346" idx="0"/>
+              </p:cNvCxnSpPr>
+              <p:nvPr/>
+            </p:nvCxnSpPr>
+            <p:spPr>
+              <a:xfrm flipH="1">
+                <a:off x="1099920" y="2588019"/>
+                <a:ext cx="44493" cy="366336"/>
+              </a:xfrm>
+              <a:prstGeom prst="straightConnector1">
+                <a:avLst/>
+              </a:prstGeom>
+              <a:ln>
+                <a:tailEnd type="triangle"/>
+              </a:ln>
+            </p:spPr>
+            <p:style>
+              <a:lnRef idx="1">
+                <a:schemeClr val="accent1"/>
+              </a:lnRef>
+              <a:fillRef idx="0">
+                <a:schemeClr val="accent1"/>
+              </a:fillRef>
+              <a:effectRef idx="0">
+                <a:schemeClr val="accent1"/>
+              </a:effectRef>
+              <a:fontRef idx="minor">
+                <a:schemeClr val="tx1"/>
+              </a:fontRef>
+            </p:style>
+          </p:cxnSp>
+          <p:cxnSp>
+            <p:nvCxnSpPr>
+              <p:cNvPr id="343" name="Прямая со стрелкой 342"/>
+              <p:cNvCxnSpPr>
+                <a:endCxn id="339" idx="0"/>
+              </p:cNvCxnSpPr>
+              <p:nvPr/>
+            </p:nvCxnSpPr>
+            <p:spPr>
+              <a:xfrm>
+                <a:off x="1769191" y="2536497"/>
+                <a:ext cx="8366" cy="422070"/>
+              </a:xfrm>
+              <a:prstGeom prst="straightConnector1">
+                <a:avLst/>
+              </a:prstGeom>
+              <a:ln>
+                <a:tailEnd type="triangle"/>
+              </a:ln>
+            </p:spPr>
+            <p:style>
+              <a:lnRef idx="1">
+                <a:schemeClr val="accent1"/>
+              </a:lnRef>
+              <a:fillRef idx="0">
+                <a:schemeClr val="accent1"/>
+              </a:fillRef>
+              <a:effectRef idx="0">
+                <a:schemeClr val="accent1"/>
+              </a:effectRef>
+              <a:fontRef idx="minor">
+                <a:schemeClr val="tx1"/>
+              </a:fontRef>
+            </p:style>
+          </p:cxnSp>
+          <p:cxnSp>
+            <p:nvCxnSpPr>
+              <p:cNvPr id="344" name="Прямая со стрелкой 343"/>
+              <p:cNvCxnSpPr>
+                <a:endCxn id="340" idx="0"/>
+              </p:cNvCxnSpPr>
+              <p:nvPr/>
+            </p:nvCxnSpPr>
+            <p:spPr>
+              <a:xfrm>
+                <a:off x="2414167" y="2533863"/>
+                <a:ext cx="32662" cy="431964"/>
+              </a:xfrm>
+              <a:prstGeom prst="straightConnector1">
+                <a:avLst/>
+              </a:prstGeom>
+              <a:ln>
+                <a:tailEnd type="triangle"/>
+              </a:ln>
+            </p:spPr>
+            <p:style>
+              <a:lnRef idx="1">
+                <a:schemeClr val="accent1"/>
+              </a:lnRef>
+              <a:fillRef idx="0">
+                <a:schemeClr val="accent1"/>
+              </a:fillRef>
+              <a:effectRef idx="0">
+                <a:schemeClr val="accent1"/>
+              </a:effectRef>
+              <a:fontRef idx="minor">
+                <a:schemeClr val="tx1"/>
+              </a:fontRef>
+            </p:style>
+          </p:cxnSp>
+          <p:cxnSp>
+            <p:nvCxnSpPr>
+              <p:cNvPr id="345" name="Прямая со стрелкой 344"/>
+              <p:cNvCxnSpPr>
+                <a:endCxn id="341" idx="0"/>
+              </p:cNvCxnSpPr>
+              <p:nvPr/>
+            </p:nvCxnSpPr>
+            <p:spPr>
+              <a:xfrm>
+                <a:off x="3025901" y="2552841"/>
+                <a:ext cx="95660" cy="412986"/>
+              </a:xfrm>
+              <a:prstGeom prst="straightConnector1">
+                <a:avLst/>
+              </a:prstGeom>
+              <a:ln>
+                <a:tailEnd type="triangle"/>
+              </a:ln>
+            </p:spPr>
+            <p:style>
+              <a:lnRef idx="1">
+                <a:schemeClr val="accent1"/>
+              </a:lnRef>
+              <a:fillRef idx="0">
+                <a:schemeClr val="accent1"/>
+              </a:fillRef>
+              <a:effectRef idx="0">
+                <a:schemeClr val="accent1"/>
+              </a:effectRef>
+              <a:fontRef idx="minor">
+                <a:schemeClr val="tx1"/>
+              </a:fontRef>
+            </p:style>
+          </p:cxnSp>
+          <p:sp>
+            <p:nvSpPr>
+              <p:cNvPr id="346" name="Скругленный прямоугольник 345"/>
+              <p:cNvSpPr/>
+              <p:nvPr/>
+            </p:nvSpPr>
+            <p:spPr>
+              <a:xfrm>
+                <a:off x="786175" y="2954355"/>
+                <a:ext cx="627490" cy="268966"/>
+              </a:xfrm>
+              <a:prstGeom prst="roundRect">
+                <a:avLst/>
+              </a:prstGeom>
+            </p:spPr>
+            <p:style>
+              <a:lnRef idx="2">
+                <a:schemeClr val="accent3">
+                  <a:shade val="50000"/>
+                </a:schemeClr>
+              </a:lnRef>
+              <a:fillRef idx="1">
+                <a:schemeClr val="accent3"/>
+              </a:fillRef>
+              <a:effectRef idx="0">
+                <a:schemeClr val="accent3"/>
+              </a:effectRef>
+              <a:fontRef idx="minor">
+                <a:schemeClr val="lt1"/>
+              </a:fontRef>
+            </p:style>
+            <p:txBody>
+              <a:bodyPr rtlCol="0" anchor="ctr"/>
+              <a:lstStyle/>
+              <a:p>
+                <a:pPr algn="ctr"/>
+                <a:r>
+                  <a:rPr lang="en-US" sz="1200" dirty="0" smtClean="0"/>
+                  <a:t>NILL</a:t>
+                </a:r>
+                <a:endParaRPr lang="ru-RU" sz="1200" dirty="0"/>
+              </a:p>
+            </p:txBody>
+          </p:sp>
+          <p:grpSp>
+            <p:nvGrpSpPr>
+              <p:cNvPr id="347" name="Группа 346"/>
+              <p:cNvGrpSpPr/>
+              <p:nvPr/>
+            </p:nvGrpSpPr>
+            <p:grpSpPr>
+              <a:xfrm>
+                <a:off x="824186" y="1606302"/>
+                <a:ext cx="2545721" cy="981718"/>
+                <a:chOff x="908443" y="1649263"/>
+                <a:chExt cx="2545721" cy="981718"/>
+              </a:xfrm>
+            </p:grpSpPr>
+            <p:sp>
+              <p:nvSpPr>
+                <p:cNvPr id="348" name="Прямоугольник 347"/>
+                <p:cNvSpPr/>
+                <p:nvPr/>
+              </p:nvSpPr>
+              <p:spPr>
+                <a:xfrm>
+                  <a:off x="908443" y="1649263"/>
+                  <a:ext cx="2545720" cy="331409"/>
+                </a:xfrm>
+                <a:prstGeom prst="rect">
+                  <a:avLst/>
+                </a:prstGeom>
+              </p:spPr>
+              <p:style>
+                <a:lnRef idx="2">
+                  <a:schemeClr val="accent3">
+                    <a:shade val="50000"/>
+                  </a:schemeClr>
+                </a:lnRef>
+                <a:fillRef idx="1">
+                  <a:schemeClr val="accent3"/>
+                </a:fillRef>
+                <a:effectRef idx="0">
+                  <a:schemeClr val="accent3"/>
+                </a:effectRef>
+                <a:fontRef idx="minor">
+                  <a:schemeClr val="lt1"/>
+                </a:fontRef>
+              </p:style>
+              <p:txBody>
+                <a:bodyPr rtlCol="0" anchor="ctr"/>
+                <a:lstStyle/>
+                <a:p>
+                  <a:pPr algn="ctr"/>
+                  <a:r>
+                    <a:rPr lang="ru-RU" sz="1200" dirty="0" smtClean="0"/>
+                    <a:t>((</a:t>
+                  </a:r>
+                  <a:r>
+                    <a:rPr lang="en-US" sz="1200" dirty="0" smtClean="0"/>
+                    <a:t>5</a:t>
+                  </a:r>
+                  <a:r>
+                    <a:rPr lang="ru-RU" sz="1200" dirty="0" smtClean="0"/>
+                    <a:t>, </a:t>
+                  </a:r>
+                  <a:r>
+                    <a:rPr lang="ru-RU" sz="1200" dirty="0"/>
+                    <a:t>10), (10, </a:t>
+                  </a:r>
+                  <a:r>
+                    <a:rPr lang="en-US" sz="1200" dirty="0" smtClean="0"/>
+                    <a:t>5</a:t>
+                  </a:r>
+                  <a:r>
+                    <a:rPr lang="ru-RU" sz="1200" dirty="0" smtClean="0"/>
+                    <a:t>))</a:t>
+                  </a:r>
+                  <a:endParaRPr lang="en-US" sz="1200" dirty="0"/>
+                </a:p>
+              </p:txBody>
+            </p:sp>
+            <p:sp>
+              <p:nvSpPr>
+                <p:cNvPr id="349" name="Прямоугольник 348"/>
+                <p:cNvSpPr/>
+                <p:nvPr/>
+              </p:nvSpPr>
+              <p:spPr>
+                <a:xfrm>
+                  <a:off x="908444" y="2263044"/>
+                  <a:ext cx="640451" cy="367937"/>
+                </a:xfrm>
+                <a:prstGeom prst="rect">
+                  <a:avLst/>
+                </a:prstGeom>
+              </p:spPr>
+              <p:style>
+                <a:lnRef idx="2">
+                  <a:schemeClr val="accent1">
+                    <a:shade val="50000"/>
+                  </a:schemeClr>
+                </a:lnRef>
+                <a:fillRef idx="1">
+                  <a:schemeClr val="accent1"/>
+                </a:fillRef>
+                <a:effectRef idx="0">
+                  <a:schemeClr val="accent1"/>
+                </a:effectRef>
+                <a:fontRef idx="minor">
+                  <a:schemeClr val="lt1"/>
+                </a:fontRef>
+              </p:style>
+              <p:txBody>
+                <a:bodyPr rtlCol="0" anchor="ctr"/>
+                <a:lstStyle/>
+                <a:p>
+                  <a:pPr algn="ctr"/>
+                  <a:r>
+                    <a:rPr lang="en-US" sz="1200" dirty="0" smtClean="0"/>
+                    <a:t>NW</a:t>
+                  </a:r>
+                  <a:endParaRPr lang="ru-RU" sz="1200" dirty="0"/>
+                </a:p>
+              </p:txBody>
+            </p:sp>
+            <p:sp>
+              <p:nvSpPr>
+                <p:cNvPr id="350" name="Прямоугольник 349"/>
+                <p:cNvSpPr/>
+                <p:nvPr/>
+              </p:nvSpPr>
+              <p:spPr>
+                <a:xfrm>
+                  <a:off x="1548895" y="2268372"/>
+                  <a:ext cx="640452" cy="360608"/>
+                </a:xfrm>
+                <a:prstGeom prst="rect">
+                  <a:avLst/>
+                </a:prstGeom>
+              </p:spPr>
+              <p:style>
+                <a:lnRef idx="2">
+                  <a:schemeClr val="accent1">
+                    <a:shade val="50000"/>
+                  </a:schemeClr>
+                </a:lnRef>
+                <a:fillRef idx="1">
+                  <a:schemeClr val="accent1"/>
+                </a:fillRef>
+                <a:effectRef idx="0">
+                  <a:schemeClr val="accent1"/>
+                </a:effectRef>
+                <a:fontRef idx="minor">
+                  <a:schemeClr val="lt1"/>
+                </a:fontRef>
+              </p:style>
+              <p:txBody>
+                <a:bodyPr rtlCol="0" anchor="ctr"/>
+                <a:lstStyle/>
+                <a:p>
+                  <a:pPr algn="ctr"/>
+                  <a:r>
+                    <a:rPr lang="en-US" sz="1200" dirty="0" smtClean="0"/>
+                    <a:t>NE</a:t>
+                  </a:r>
+                  <a:endParaRPr lang="ru-RU" sz="1200" dirty="0"/>
+                </a:p>
+              </p:txBody>
+            </p:sp>
+            <p:sp>
+              <p:nvSpPr>
+                <p:cNvPr id="351" name="Прямоугольник 350"/>
+                <p:cNvSpPr/>
+                <p:nvPr/>
+              </p:nvSpPr>
+              <p:spPr>
+                <a:xfrm>
+                  <a:off x="2173261" y="2274361"/>
+                  <a:ext cx="640452" cy="354620"/>
+                </a:xfrm>
+                <a:prstGeom prst="rect">
+                  <a:avLst/>
+                </a:prstGeom>
+              </p:spPr>
+              <p:style>
+                <a:lnRef idx="2">
+                  <a:schemeClr val="accent1">
+                    <a:shade val="50000"/>
+                  </a:schemeClr>
+                </a:lnRef>
+                <a:fillRef idx="1">
+                  <a:schemeClr val="accent1"/>
+                </a:fillRef>
+                <a:effectRef idx="0">
+                  <a:schemeClr val="accent1"/>
+                </a:effectRef>
+                <a:fontRef idx="minor">
+                  <a:schemeClr val="lt1"/>
+                </a:fontRef>
+              </p:style>
+              <p:txBody>
+                <a:bodyPr rtlCol="0" anchor="ctr"/>
+                <a:lstStyle/>
+                <a:p>
+                  <a:pPr algn="ctr"/>
+                  <a:r>
+                    <a:rPr lang="en-US" sz="1200" dirty="0" smtClean="0"/>
+                    <a:t>SW</a:t>
+                  </a:r>
+                  <a:endParaRPr lang="ru-RU" sz="1200" dirty="0"/>
+                </a:p>
+              </p:txBody>
+            </p:sp>
+            <p:sp>
+              <p:nvSpPr>
+                <p:cNvPr id="352" name="Прямоугольник 351"/>
+                <p:cNvSpPr/>
+                <p:nvPr/>
+              </p:nvSpPr>
+              <p:spPr>
+                <a:xfrm>
+                  <a:off x="2813712" y="2274361"/>
+                  <a:ext cx="640452" cy="354619"/>
+                </a:xfrm>
+                <a:prstGeom prst="rect">
+                  <a:avLst/>
+                </a:prstGeom>
+              </p:spPr>
+              <p:style>
+                <a:lnRef idx="2">
+                  <a:schemeClr val="accent1">
+                    <a:shade val="50000"/>
+                  </a:schemeClr>
+                </a:lnRef>
+                <a:fillRef idx="1">
+                  <a:schemeClr val="accent1"/>
+                </a:fillRef>
+                <a:effectRef idx="0">
+                  <a:schemeClr val="accent1"/>
+                </a:effectRef>
+                <a:fontRef idx="minor">
+                  <a:schemeClr val="lt1"/>
+                </a:fontRef>
+              </p:style>
+              <p:txBody>
+                <a:bodyPr rtlCol="0" anchor="ctr"/>
+                <a:lstStyle/>
+                <a:p>
+                  <a:pPr algn="ctr"/>
+                  <a:r>
+                    <a:rPr lang="en-US" sz="1200" dirty="0" smtClean="0"/>
+                    <a:t>SE</a:t>
+                  </a:r>
+                </a:p>
+              </p:txBody>
+            </p:sp>
+            <p:sp>
+              <p:nvSpPr>
+                <p:cNvPr id="353" name="Прямоугольник 352"/>
+                <p:cNvSpPr/>
+                <p:nvPr/>
+              </p:nvSpPr>
+              <p:spPr>
+                <a:xfrm>
+                  <a:off x="908443" y="1997814"/>
+                  <a:ext cx="2545721" cy="270694"/>
+                </a:xfrm>
+                <a:prstGeom prst="rect">
+                  <a:avLst/>
+                </a:prstGeom>
+              </p:spPr>
+              <p:style>
+                <a:lnRef idx="2">
+                  <a:schemeClr val="accent1">
+                    <a:shade val="50000"/>
+                  </a:schemeClr>
+                </a:lnRef>
+                <a:fillRef idx="1">
+                  <a:schemeClr val="accent1"/>
+                </a:fillRef>
+                <a:effectRef idx="0">
+                  <a:schemeClr val="accent1"/>
+                </a:effectRef>
+                <a:fontRef idx="minor">
+                  <a:schemeClr val="lt1"/>
+                </a:fontRef>
+              </p:style>
+              <p:txBody>
+                <a:bodyPr rtlCol="0" anchor="ctr"/>
+                <a:lstStyle/>
+                <a:p>
+                  <a:pPr algn="ctr"/>
+                  <a:r>
+                    <a:rPr lang="en-US" sz="1200" dirty="0" smtClean="0"/>
+                    <a:t>(7, 6)</a:t>
+                  </a:r>
+                  <a:endParaRPr lang="ru-RU" sz="1200" dirty="0"/>
+                </a:p>
+              </p:txBody>
+            </p:sp>
+          </p:grpSp>
+        </p:grpSp>
+        <p:sp>
+          <p:nvSpPr>
+            <p:cNvPr id="339" name="Скругленный прямоугольник 338"/>
+            <p:cNvSpPr/>
+            <p:nvPr/>
+          </p:nvSpPr>
+          <p:spPr>
+            <a:xfrm>
+              <a:off x="4393976" y="6194574"/>
+              <a:ext cx="490819" cy="182388"/>
+            </a:xfrm>
+            <a:prstGeom prst="roundRect">
+              <a:avLst/>
+            </a:prstGeom>
+          </p:spPr>
+          <p:style>
+            <a:lnRef idx="2">
+              <a:schemeClr val="accent3">
+                <a:shade val="50000"/>
+              </a:schemeClr>
+            </a:lnRef>
+            <a:fillRef idx="1">
+              <a:schemeClr val="accent3"/>
+            </a:fillRef>
+            <a:effectRef idx="0">
+              <a:schemeClr val="accent3"/>
+            </a:effectRef>
+            <a:fontRef idx="minor">
+              <a:schemeClr val="lt1"/>
+            </a:fontRef>
+          </p:style>
+          <p:txBody>
+            <a:bodyPr rtlCol="0" anchor="ctr"/>
+            <a:lstStyle/>
+            <a:p>
+              <a:pPr algn="ctr"/>
+              <a:r>
+                <a:rPr lang="en-US" sz="1200" dirty="0" smtClean="0"/>
+                <a:t>NILL</a:t>
+              </a:r>
+              <a:endParaRPr lang="ru-RU" sz="1200" dirty="0"/>
+            </a:p>
+          </p:txBody>
+        </p:sp>
+        <p:sp>
+          <p:nvSpPr>
+            <p:cNvPr id="340" name="Скругленный прямоугольник 339"/>
+            <p:cNvSpPr/>
+            <p:nvPr/>
+          </p:nvSpPr>
+          <p:spPr>
+            <a:xfrm>
+              <a:off x="4917477" y="6199497"/>
+              <a:ext cx="490819" cy="182388"/>
+            </a:xfrm>
+            <a:prstGeom prst="roundRect">
+              <a:avLst/>
+            </a:prstGeom>
+          </p:spPr>
+          <p:style>
+            <a:lnRef idx="2">
+              <a:schemeClr val="accent3">
+                <a:shade val="50000"/>
+              </a:schemeClr>
+            </a:lnRef>
+            <a:fillRef idx="1">
+              <a:schemeClr val="accent3"/>
+            </a:fillRef>
+            <a:effectRef idx="0">
+              <a:schemeClr val="accent3"/>
+            </a:effectRef>
+            <a:fontRef idx="minor">
+              <a:schemeClr val="lt1"/>
+            </a:fontRef>
+          </p:style>
+          <p:txBody>
+            <a:bodyPr rtlCol="0" anchor="ctr"/>
+            <a:lstStyle/>
+            <a:p>
+              <a:pPr algn="ctr"/>
+              <a:r>
+                <a:rPr lang="en-US" sz="1200" dirty="0" smtClean="0"/>
+                <a:t>NILL</a:t>
+              </a:r>
+              <a:endParaRPr lang="ru-RU" sz="1200" dirty="0"/>
+            </a:p>
+          </p:txBody>
+        </p:sp>
+        <p:sp>
+          <p:nvSpPr>
+            <p:cNvPr id="341" name="Скругленный прямоугольник 340"/>
+            <p:cNvSpPr/>
+            <p:nvPr/>
+          </p:nvSpPr>
+          <p:spPr>
+            <a:xfrm>
+              <a:off x="5445249" y="6199497"/>
+              <a:ext cx="490819" cy="182388"/>
+            </a:xfrm>
+            <a:prstGeom prst="roundRect">
+              <a:avLst/>
+            </a:prstGeom>
+          </p:spPr>
+          <p:style>
+            <a:lnRef idx="2">
+              <a:schemeClr val="accent3">
+                <a:shade val="50000"/>
+              </a:schemeClr>
+            </a:lnRef>
+            <a:fillRef idx="1">
+              <a:schemeClr val="accent3"/>
+            </a:fillRef>
+            <a:effectRef idx="0">
+              <a:schemeClr val="accent3"/>
+            </a:effectRef>
+            <a:fontRef idx="minor">
+              <a:schemeClr val="lt1"/>
+            </a:fontRef>
+          </p:style>
+          <p:txBody>
+            <a:bodyPr rtlCol="0" anchor="ctr"/>
+            <a:lstStyle/>
+            <a:p>
+              <a:pPr algn="ctr"/>
+              <a:r>
+                <a:rPr lang="en-US" sz="1200" dirty="0" smtClean="0"/>
+                <a:t>NILL</a:t>
+              </a:r>
+              <a:endParaRPr lang="ru-RU" sz="1200" dirty="0"/>
+            </a:p>
+          </p:txBody>
+        </p:sp>
+      </p:grpSp>
+      <p:grpSp>
+        <p:nvGrpSpPr>
+          <p:cNvPr id="354" name="Группа 353"/>
+          <p:cNvGrpSpPr/>
+          <p:nvPr/>
+        </p:nvGrpSpPr>
+        <p:grpSpPr>
+          <a:xfrm>
+            <a:off x="267931" y="2481408"/>
+            <a:ext cx="2072136" cy="1104293"/>
+            <a:chOff x="3863932" y="5277592"/>
+            <a:chExt cx="2072136" cy="1104293"/>
+          </a:xfrm>
+        </p:grpSpPr>
+        <p:grpSp>
+          <p:nvGrpSpPr>
+            <p:cNvPr id="355" name="Группа 354"/>
+            <p:cNvGrpSpPr/>
+            <p:nvPr/>
+          </p:nvGrpSpPr>
+          <p:grpSpPr>
+            <a:xfrm>
+              <a:off x="3863932" y="5277592"/>
+              <a:ext cx="2020981" cy="1096514"/>
+              <a:chOff x="786175" y="1606301"/>
+              <a:chExt cx="2583732" cy="1617020"/>
+            </a:xfrm>
+          </p:grpSpPr>
+          <p:cxnSp>
+            <p:nvCxnSpPr>
+              <p:cNvPr id="359" name="Прямая со стрелкой 358"/>
+              <p:cNvCxnSpPr>
+                <a:stCxn id="366" idx="2"/>
+                <a:endCxn id="363" idx="0"/>
+              </p:cNvCxnSpPr>
+              <p:nvPr/>
+            </p:nvCxnSpPr>
+            <p:spPr>
+              <a:xfrm flipH="1">
+                <a:off x="1099920" y="2588019"/>
+                <a:ext cx="44493" cy="366336"/>
+              </a:xfrm>
+              <a:prstGeom prst="straightConnector1">
+                <a:avLst/>
+              </a:prstGeom>
+              <a:ln>
+                <a:tailEnd type="triangle"/>
+              </a:ln>
+            </p:spPr>
+            <p:style>
+              <a:lnRef idx="1">
+                <a:schemeClr val="accent1"/>
+              </a:lnRef>
+              <a:fillRef idx="0">
+                <a:schemeClr val="accent1"/>
+              </a:fillRef>
+              <a:effectRef idx="0">
+                <a:schemeClr val="accent1"/>
+              </a:effectRef>
+              <a:fontRef idx="minor">
+                <a:schemeClr val="tx1"/>
+              </a:fontRef>
+            </p:style>
+          </p:cxnSp>
+          <p:cxnSp>
+            <p:nvCxnSpPr>
+              <p:cNvPr id="360" name="Прямая со стрелкой 359"/>
+              <p:cNvCxnSpPr>
+                <a:endCxn id="356" idx="0"/>
+              </p:cNvCxnSpPr>
+              <p:nvPr/>
+            </p:nvCxnSpPr>
+            <p:spPr>
+              <a:xfrm>
+                <a:off x="1769191" y="2536497"/>
+                <a:ext cx="8366" cy="422070"/>
+              </a:xfrm>
+              <a:prstGeom prst="straightConnector1">
+                <a:avLst/>
+              </a:prstGeom>
+              <a:ln>
+                <a:tailEnd type="triangle"/>
+              </a:ln>
+            </p:spPr>
+            <p:style>
+              <a:lnRef idx="1">
+                <a:schemeClr val="accent1"/>
+              </a:lnRef>
+              <a:fillRef idx="0">
+                <a:schemeClr val="accent1"/>
+              </a:fillRef>
+              <a:effectRef idx="0">
+                <a:schemeClr val="accent1"/>
+              </a:effectRef>
+              <a:fontRef idx="minor">
+                <a:schemeClr val="tx1"/>
+              </a:fontRef>
+            </p:style>
+          </p:cxnSp>
+          <p:cxnSp>
+            <p:nvCxnSpPr>
+              <p:cNvPr id="361" name="Прямая со стрелкой 360"/>
+              <p:cNvCxnSpPr>
+                <a:endCxn id="357" idx="0"/>
+              </p:cNvCxnSpPr>
+              <p:nvPr/>
+            </p:nvCxnSpPr>
+            <p:spPr>
+              <a:xfrm>
+                <a:off x="2414167" y="2533863"/>
+                <a:ext cx="32662" cy="431964"/>
+              </a:xfrm>
+              <a:prstGeom prst="straightConnector1">
+                <a:avLst/>
+              </a:prstGeom>
+              <a:ln>
+                <a:tailEnd type="triangle"/>
+              </a:ln>
+            </p:spPr>
+            <p:style>
+              <a:lnRef idx="1">
+                <a:schemeClr val="accent1"/>
+              </a:lnRef>
+              <a:fillRef idx="0">
+                <a:schemeClr val="accent1"/>
+              </a:fillRef>
+              <a:effectRef idx="0">
+                <a:schemeClr val="accent1"/>
+              </a:effectRef>
+              <a:fontRef idx="minor">
+                <a:schemeClr val="tx1"/>
+              </a:fontRef>
+            </p:style>
+          </p:cxnSp>
+          <p:cxnSp>
+            <p:nvCxnSpPr>
+              <p:cNvPr id="362" name="Прямая со стрелкой 361"/>
+              <p:cNvCxnSpPr>
+                <a:endCxn id="358" idx="0"/>
+              </p:cNvCxnSpPr>
+              <p:nvPr/>
+            </p:nvCxnSpPr>
+            <p:spPr>
+              <a:xfrm>
+                <a:off x="3025901" y="2552841"/>
+                <a:ext cx="95660" cy="412986"/>
+              </a:xfrm>
+              <a:prstGeom prst="straightConnector1">
+                <a:avLst/>
+              </a:prstGeom>
+              <a:ln>
+                <a:tailEnd type="triangle"/>
+              </a:ln>
+            </p:spPr>
+            <p:style>
+              <a:lnRef idx="1">
+                <a:schemeClr val="accent1"/>
+              </a:lnRef>
+              <a:fillRef idx="0">
+                <a:schemeClr val="accent1"/>
+              </a:fillRef>
+              <a:effectRef idx="0">
+                <a:schemeClr val="accent1"/>
+              </a:effectRef>
+              <a:fontRef idx="minor">
+                <a:schemeClr val="tx1"/>
+              </a:fontRef>
+            </p:style>
+          </p:cxnSp>
+          <p:sp>
+            <p:nvSpPr>
+              <p:cNvPr id="363" name="Скругленный прямоугольник 362"/>
+              <p:cNvSpPr/>
+              <p:nvPr/>
+            </p:nvSpPr>
+            <p:spPr>
+              <a:xfrm>
+                <a:off x="786175" y="2954355"/>
+                <a:ext cx="627490" cy="268966"/>
+              </a:xfrm>
+              <a:prstGeom prst="roundRect">
+                <a:avLst/>
+              </a:prstGeom>
+            </p:spPr>
+            <p:style>
+              <a:lnRef idx="2">
+                <a:schemeClr val="accent3">
+                  <a:shade val="50000"/>
+                </a:schemeClr>
+              </a:lnRef>
+              <a:fillRef idx="1">
+                <a:schemeClr val="accent3"/>
+              </a:fillRef>
+              <a:effectRef idx="0">
+                <a:schemeClr val="accent3"/>
+              </a:effectRef>
+              <a:fontRef idx="minor">
+                <a:schemeClr val="lt1"/>
+              </a:fontRef>
+            </p:style>
+            <p:txBody>
+              <a:bodyPr rtlCol="0" anchor="ctr"/>
+              <a:lstStyle/>
+              <a:p>
+                <a:pPr algn="ctr"/>
+                <a:r>
+                  <a:rPr lang="en-US" sz="1200" dirty="0" smtClean="0"/>
+                  <a:t>NILL</a:t>
+                </a:r>
+                <a:endParaRPr lang="ru-RU" sz="1200" dirty="0"/>
+              </a:p>
+            </p:txBody>
+          </p:sp>
+          <p:grpSp>
+            <p:nvGrpSpPr>
+              <p:cNvPr id="364" name="Группа 363"/>
+              <p:cNvGrpSpPr/>
+              <p:nvPr/>
+            </p:nvGrpSpPr>
+            <p:grpSpPr>
+              <a:xfrm>
+                <a:off x="824186" y="1606301"/>
+                <a:ext cx="2545721" cy="981719"/>
+                <a:chOff x="908443" y="1649262"/>
+                <a:chExt cx="2545721" cy="981719"/>
+              </a:xfrm>
+            </p:grpSpPr>
+            <p:sp>
+              <p:nvSpPr>
+                <p:cNvPr id="365" name="Прямоугольник 364"/>
+                <p:cNvSpPr/>
+                <p:nvPr/>
+              </p:nvSpPr>
+              <p:spPr>
+                <a:xfrm>
+                  <a:off x="908443" y="1649262"/>
+                  <a:ext cx="2545720" cy="331409"/>
+                </a:xfrm>
+                <a:prstGeom prst="rect">
+                  <a:avLst/>
+                </a:prstGeom>
+              </p:spPr>
+              <p:style>
+                <a:lnRef idx="2">
+                  <a:schemeClr val="accent3">
+                    <a:shade val="50000"/>
+                  </a:schemeClr>
+                </a:lnRef>
+                <a:fillRef idx="1">
+                  <a:schemeClr val="accent3"/>
+                </a:fillRef>
+                <a:effectRef idx="0">
+                  <a:schemeClr val="accent3"/>
+                </a:effectRef>
+                <a:fontRef idx="minor">
+                  <a:schemeClr val="lt1"/>
+                </a:fontRef>
+              </p:style>
+              <p:txBody>
+                <a:bodyPr rtlCol="0" anchor="ctr"/>
+                <a:lstStyle/>
+                <a:p>
+                  <a:pPr algn="ctr"/>
+                  <a:r>
+                    <a:rPr lang="ru-RU" sz="1200" dirty="0" smtClean="0"/>
+                    <a:t>((0, 10), (5, 5))</a:t>
+                  </a:r>
+                  <a:endParaRPr lang="en-US" sz="1200" dirty="0"/>
+                </a:p>
+              </p:txBody>
+            </p:sp>
+            <p:sp>
+              <p:nvSpPr>
+                <p:cNvPr id="366" name="Прямоугольник 365"/>
+                <p:cNvSpPr/>
+                <p:nvPr/>
+              </p:nvSpPr>
+              <p:spPr>
+                <a:xfrm>
+                  <a:off x="908444" y="2263044"/>
+                  <a:ext cx="640451" cy="367937"/>
+                </a:xfrm>
+                <a:prstGeom prst="rect">
+                  <a:avLst/>
+                </a:prstGeom>
+              </p:spPr>
+              <p:style>
+                <a:lnRef idx="2">
+                  <a:schemeClr val="accent1">
+                    <a:shade val="50000"/>
+                  </a:schemeClr>
+                </a:lnRef>
+                <a:fillRef idx="1">
+                  <a:schemeClr val="accent1"/>
+                </a:fillRef>
+                <a:effectRef idx="0">
+                  <a:schemeClr val="accent1"/>
+                </a:effectRef>
+                <a:fontRef idx="minor">
+                  <a:schemeClr val="lt1"/>
+                </a:fontRef>
+              </p:style>
+              <p:txBody>
+                <a:bodyPr rtlCol="0" anchor="ctr"/>
+                <a:lstStyle/>
+                <a:p>
+                  <a:pPr algn="ctr"/>
+                  <a:r>
+                    <a:rPr lang="en-US" sz="1200" dirty="0" smtClean="0"/>
+                    <a:t>NW</a:t>
+                  </a:r>
+                  <a:endParaRPr lang="ru-RU" sz="1200" dirty="0"/>
+                </a:p>
+              </p:txBody>
+            </p:sp>
+            <p:sp>
+              <p:nvSpPr>
+                <p:cNvPr id="367" name="Прямоугольник 366"/>
+                <p:cNvSpPr/>
+                <p:nvPr/>
+              </p:nvSpPr>
+              <p:spPr>
+                <a:xfrm>
+                  <a:off x="1548895" y="2268372"/>
+                  <a:ext cx="640452" cy="360608"/>
+                </a:xfrm>
+                <a:prstGeom prst="rect">
+                  <a:avLst/>
+                </a:prstGeom>
+              </p:spPr>
+              <p:style>
+                <a:lnRef idx="2">
+                  <a:schemeClr val="accent1">
+                    <a:shade val="50000"/>
+                  </a:schemeClr>
+                </a:lnRef>
+                <a:fillRef idx="1">
+                  <a:schemeClr val="accent1"/>
+                </a:fillRef>
+                <a:effectRef idx="0">
+                  <a:schemeClr val="accent1"/>
+                </a:effectRef>
+                <a:fontRef idx="minor">
+                  <a:schemeClr val="lt1"/>
+                </a:fontRef>
+              </p:style>
+              <p:txBody>
+                <a:bodyPr rtlCol="0" anchor="ctr"/>
+                <a:lstStyle/>
+                <a:p>
+                  <a:pPr algn="ctr"/>
+                  <a:r>
+                    <a:rPr lang="en-US" sz="1200" dirty="0" smtClean="0"/>
+                    <a:t>NE</a:t>
+                  </a:r>
+                  <a:endParaRPr lang="ru-RU" sz="1200" dirty="0"/>
+                </a:p>
+              </p:txBody>
+            </p:sp>
+            <p:sp>
+              <p:nvSpPr>
+                <p:cNvPr id="368" name="Прямоугольник 367"/>
+                <p:cNvSpPr/>
+                <p:nvPr/>
+              </p:nvSpPr>
+              <p:spPr>
+                <a:xfrm>
+                  <a:off x="2173261" y="2274361"/>
+                  <a:ext cx="640452" cy="354620"/>
+                </a:xfrm>
+                <a:prstGeom prst="rect">
+                  <a:avLst/>
+                </a:prstGeom>
+              </p:spPr>
+              <p:style>
+                <a:lnRef idx="2">
+                  <a:schemeClr val="accent1">
+                    <a:shade val="50000"/>
+                  </a:schemeClr>
+                </a:lnRef>
+                <a:fillRef idx="1">
+                  <a:schemeClr val="accent1"/>
+                </a:fillRef>
+                <a:effectRef idx="0">
+                  <a:schemeClr val="accent1"/>
+                </a:effectRef>
+                <a:fontRef idx="minor">
+                  <a:schemeClr val="lt1"/>
+                </a:fontRef>
+              </p:style>
+              <p:txBody>
+                <a:bodyPr rtlCol="0" anchor="ctr"/>
+                <a:lstStyle/>
+                <a:p>
+                  <a:pPr algn="ctr"/>
+                  <a:r>
+                    <a:rPr lang="en-US" sz="1200" dirty="0" smtClean="0"/>
+                    <a:t>SW</a:t>
+                  </a:r>
+                  <a:endParaRPr lang="ru-RU" sz="1200" dirty="0"/>
+                </a:p>
+              </p:txBody>
+            </p:sp>
+            <p:sp>
+              <p:nvSpPr>
+                <p:cNvPr id="369" name="Прямоугольник 368"/>
+                <p:cNvSpPr/>
+                <p:nvPr/>
+              </p:nvSpPr>
+              <p:spPr>
+                <a:xfrm>
+                  <a:off x="2813712" y="2274361"/>
+                  <a:ext cx="640452" cy="354619"/>
+                </a:xfrm>
+                <a:prstGeom prst="rect">
+                  <a:avLst/>
+                </a:prstGeom>
+              </p:spPr>
+              <p:style>
+                <a:lnRef idx="2">
+                  <a:schemeClr val="accent1">
+                    <a:shade val="50000"/>
+                  </a:schemeClr>
+                </a:lnRef>
+                <a:fillRef idx="1">
+                  <a:schemeClr val="accent1"/>
+                </a:fillRef>
+                <a:effectRef idx="0">
+                  <a:schemeClr val="accent1"/>
+                </a:effectRef>
+                <a:fontRef idx="minor">
+                  <a:schemeClr val="lt1"/>
+                </a:fontRef>
+              </p:style>
+              <p:txBody>
+                <a:bodyPr rtlCol="0" anchor="ctr"/>
+                <a:lstStyle/>
+                <a:p>
+                  <a:pPr algn="ctr"/>
+                  <a:r>
+                    <a:rPr lang="en-US" sz="1200" dirty="0" smtClean="0"/>
+                    <a:t>SE</a:t>
+                  </a:r>
+                </a:p>
+              </p:txBody>
+            </p:sp>
+            <p:sp>
+              <p:nvSpPr>
+                <p:cNvPr id="370" name="Прямоугольник 369"/>
+                <p:cNvSpPr/>
+                <p:nvPr/>
+              </p:nvSpPr>
+              <p:spPr>
+                <a:xfrm>
+                  <a:off x="908443" y="1997814"/>
+                  <a:ext cx="2545721" cy="270694"/>
+                </a:xfrm>
+                <a:prstGeom prst="rect">
+                  <a:avLst/>
+                </a:prstGeom>
+              </p:spPr>
+              <p:style>
+                <a:lnRef idx="2">
+                  <a:schemeClr val="accent1">
+                    <a:shade val="50000"/>
+                  </a:schemeClr>
+                </a:lnRef>
+                <a:fillRef idx="1">
+                  <a:schemeClr val="accent1"/>
+                </a:fillRef>
+                <a:effectRef idx="0">
+                  <a:schemeClr val="accent1"/>
+                </a:effectRef>
+                <a:fontRef idx="minor">
+                  <a:schemeClr val="lt1"/>
+                </a:fontRef>
+              </p:style>
+              <p:txBody>
+                <a:bodyPr rtlCol="0" anchor="ctr"/>
+                <a:lstStyle/>
+                <a:p>
+                  <a:pPr algn="ctr"/>
+                  <a:r>
+                    <a:rPr lang="en-US" sz="1200" dirty="0" smtClean="0"/>
+                    <a:t>NILL</a:t>
+                  </a:r>
+                  <a:endParaRPr lang="ru-RU" sz="1200" dirty="0"/>
+                </a:p>
+              </p:txBody>
+            </p:sp>
+          </p:grpSp>
+        </p:grpSp>
+        <p:sp>
+          <p:nvSpPr>
+            <p:cNvPr id="356" name="Скругленный прямоугольник 355"/>
+            <p:cNvSpPr/>
+            <p:nvPr/>
+          </p:nvSpPr>
+          <p:spPr>
+            <a:xfrm>
+              <a:off x="4393976" y="6194574"/>
+              <a:ext cx="490819" cy="182388"/>
+            </a:xfrm>
+            <a:prstGeom prst="roundRect">
+              <a:avLst/>
+            </a:prstGeom>
+          </p:spPr>
+          <p:style>
+            <a:lnRef idx="2">
+              <a:schemeClr val="accent3">
+                <a:shade val="50000"/>
+              </a:schemeClr>
+            </a:lnRef>
+            <a:fillRef idx="1">
+              <a:schemeClr val="accent3"/>
+            </a:fillRef>
+            <a:effectRef idx="0">
+              <a:schemeClr val="accent3"/>
+            </a:effectRef>
+            <a:fontRef idx="minor">
+              <a:schemeClr val="lt1"/>
+            </a:fontRef>
+          </p:style>
+          <p:txBody>
+            <a:bodyPr rtlCol="0" anchor="ctr"/>
+            <a:lstStyle/>
+            <a:p>
+              <a:pPr algn="ctr"/>
+              <a:r>
+                <a:rPr lang="en-US" sz="1200" dirty="0" smtClean="0"/>
+                <a:t>NILL</a:t>
+              </a:r>
+              <a:endParaRPr lang="ru-RU" sz="1200" dirty="0"/>
+            </a:p>
+          </p:txBody>
+        </p:sp>
+        <p:sp>
+          <p:nvSpPr>
+            <p:cNvPr id="357" name="Скругленный прямоугольник 356"/>
+            <p:cNvSpPr/>
+            <p:nvPr/>
+          </p:nvSpPr>
+          <p:spPr>
+            <a:xfrm>
+              <a:off x="4917477" y="6199497"/>
+              <a:ext cx="490819" cy="182388"/>
+            </a:xfrm>
+            <a:prstGeom prst="roundRect">
+              <a:avLst/>
+            </a:prstGeom>
+          </p:spPr>
+          <p:style>
+            <a:lnRef idx="2">
+              <a:schemeClr val="accent3">
+                <a:shade val="50000"/>
+              </a:schemeClr>
+            </a:lnRef>
+            <a:fillRef idx="1">
+              <a:schemeClr val="accent3"/>
+            </a:fillRef>
+            <a:effectRef idx="0">
+              <a:schemeClr val="accent3"/>
+            </a:effectRef>
+            <a:fontRef idx="minor">
+              <a:schemeClr val="lt1"/>
+            </a:fontRef>
+          </p:style>
+          <p:txBody>
+            <a:bodyPr rtlCol="0" anchor="ctr"/>
+            <a:lstStyle/>
+            <a:p>
+              <a:pPr algn="ctr"/>
+              <a:r>
+                <a:rPr lang="en-US" sz="1200" dirty="0" smtClean="0"/>
+                <a:t>NILL</a:t>
+              </a:r>
+              <a:endParaRPr lang="ru-RU" sz="1200" dirty="0"/>
+            </a:p>
+          </p:txBody>
+        </p:sp>
+        <p:sp>
+          <p:nvSpPr>
+            <p:cNvPr id="358" name="Скругленный прямоугольник 357"/>
+            <p:cNvSpPr/>
+            <p:nvPr/>
+          </p:nvSpPr>
+          <p:spPr>
+            <a:xfrm>
+              <a:off x="5445249" y="6199497"/>
+              <a:ext cx="490819" cy="182388"/>
+            </a:xfrm>
+            <a:prstGeom prst="roundRect">
+              <a:avLst/>
+            </a:prstGeom>
+          </p:spPr>
+          <p:style>
+            <a:lnRef idx="2">
+              <a:schemeClr val="accent3">
+                <a:shade val="50000"/>
+              </a:schemeClr>
+            </a:lnRef>
+            <a:fillRef idx="1">
+              <a:schemeClr val="accent3"/>
+            </a:fillRef>
+            <a:effectRef idx="0">
+              <a:schemeClr val="accent3"/>
+            </a:effectRef>
+            <a:fontRef idx="minor">
+              <a:schemeClr val="lt1"/>
+            </a:fontRef>
+          </p:style>
+          <p:txBody>
+            <a:bodyPr rtlCol="0" anchor="ctr"/>
+            <a:lstStyle/>
+            <a:p>
+              <a:pPr algn="ctr"/>
+              <a:r>
+                <a:rPr lang="en-US" sz="1200" dirty="0" smtClean="0"/>
+                <a:t>NILL</a:t>
+              </a:r>
+              <a:endParaRPr lang="ru-RU" sz="1200" dirty="0"/>
+            </a:p>
+          </p:txBody>
+        </p:sp>
+      </p:grpSp>
+      <p:grpSp>
+        <p:nvGrpSpPr>
+          <p:cNvPr id="371" name="Группа 370"/>
+          <p:cNvGrpSpPr/>
+          <p:nvPr/>
+        </p:nvGrpSpPr>
+        <p:grpSpPr>
+          <a:xfrm>
+            <a:off x="6871981" y="2481408"/>
+            <a:ext cx="2072136" cy="1104293"/>
+            <a:chOff x="3863932" y="5277592"/>
+            <a:chExt cx="2072136" cy="1104293"/>
+          </a:xfrm>
+        </p:grpSpPr>
+        <p:grpSp>
+          <p:nvGrpSpPr>
+            <p:cNvPr id="372" name="Группа 371"/>
+            <p:cNvGrpSpPr/>
+            <p:nvPr/>
+          </p:nvGrpSpPr>
+          <p:grpSpPr>
+            <a:xfrm>
+              <a:off x="3863932" y="5277592"/>
+              <a:ext cx="2020981" cy="1096514"/>
+              <a:chOff x="786175" y="1606301"/>
+              <a:chExt cx="2583732" cy="1617020"/>
+            </a:xfrm>
+          </p:grpSpPr>
+          <p:cxnSp>
+            <p:nvCxnSpPr>
+              <p:cNvPr id="376" name="Прямая со стрелкой 375"/>
+              <p:cNvCxnSpPr>
+                <a:stCxn id="383" idx="2"/>
+                <a:endCxn id="380" idx="0"/>
+              </p:cNvCxnSpPr>
+              <p:nvPr/>
+            </p:nvCxnSpPr>
+            <p:spPr>
+              <a:xfrm flipH="1">
+                <a:off x="1099920" y="2588019"/>
+                <a:ext cx="44493" cy="366336"/>
+              </a:xfrm>
+              <a:prstGeom prst="straightConnector1">
+                <a:avLst/>
+              </a:prstGeom>
+              <a:ln>
+                <a:tailEnd type="triangle"/>
+              </a:ln>
+            </p:spPr>
+            <p:style>
+              <a:lnRef idx="1">
+                <a:schemeClr val="accent1"/>
+              </a:lnRef>
+              <a:fillRef idx="0">
+                <a:schemeClr val="accent1"/>
+              </a:fillRef>
+              <a:effectRef idx="0">
+                <a:schemeClr val="accent1"/>
+              </a:effectRef>
+              <a:fontRef idx="minor">
+                <a:schemeClr val="tx1"/>
+              </a:fontRef>
+            </p:style>
+          </p:cxnSp>
+          <p:cxnSp>
+            <p:nvCxnSpPr>
+              <p:cNvPr id="377" name="Прямая со стрелкой 376"/>
+              <p:cNvCxnSpPr>
+                <a:endCxn id="373" idx="0"/>
+              </p:cNvCxnSpPr>
+              <p:nvPr/>
+            </p:nvCxnSpPr>
+            <p:spPr>
+              <a:xfrm>
+                <a:off x="1769191" y="2536497"/>
+                <a:ext cx="8366" cy="422070"/>
+              </a:xfrm>
+              <a:prstGeom prst="straightConnector1">
+                <a:avLst/>
+              </a:prstGeom>
+              <a:ln>
+                <a:tailEnd type="triangle"/>
+              </a:ln>
+            </p:spPr>
+            <p:style>
+              <a:lnRef idx="1">
+                <a:schemeClr val="accent1"/>
+              </a:lnRef>
+              <a:fillRef idx="0">
+                <a:schemeClr val="accent1"/>
+              </a:fillRef>
+              <a:effectRef idx="0">
+                <a:schemeClr val="accent1"/>
+              </a:effectRef>
+              <a:fontRef idx="minor">
+                <a:schemeClr val="tx1"/>
+              </a:fontRef>
+            </p:style>
+          </p:cxnSp>
+          <p:cxnSp>
+            <p:nvCxnSpPr>
+              <p:cNvPr id="378" name="Прямая со стрелкой 377"/>
+              <p:cNvCxnSpPr>
+                <a:endCxn id="374" idx="0"/>
+              </p:cNvCxnSpPr>
+              <p:nvPr/>
+            </p:nvCxnSpPr>
+            <p:spPr>
+              <a:xfrm>
+                <a:off x="2414167" y="2533863"/>
+                <a:ext cx="32662" cy="431964"/>
+              </a:xfrm>
+              <a:prstGeom prst="straightConnector1">
+                <a:avLst/>
+              </a:prstGeom>
+              <a:ln>
+                <a:tailEnd type="triangle"/>
+              </a:ln>
+            </p:spPr>
+            <p:style>
+              <a:lnRef idx="1">
+                <a:schemeClr val="accent1"/>
+              </a:lnRef>
+              <a:fillRef idx="0">
+                <a:schemeClr val="accent1"/>
+              </a:fillRef>
+              <a:effectRef idx="0">
+                <a:schemeClr val="accent1"/>
+              </a:effectRef>
+              <a:fontRef idx="minor">
+                <a:schemeClr val="tx1"/>
+              </a:fontRef>
+            </p:style>
+          </p:cxnSp>
+          <p:cxnSp>
+            <p:nvCxnSpPr>
+              <p:cNvPr id="379" name="Прямая со стрелкой 378"/>
+              <p:cNvCxnSpPr>
+                <a:endCxn id="375" idx="0"/>
+              </p:cNvCxnSpPr>
+              <p:nvPr/>
+            </p:nvCxnSpPr>
+            <p:spPr>
+              <a:xfrm>
+                <a:off x="3025901" y="2552841"/>
+                <a:ext cx="95660" cy="412986"/>
+              </a:xfrm>
+              <a:prstGeom prst="straightConnector1">
+                <a:avLst/>
+              </a:prstGeom>
+              <a:ln>
+                <a:tailEnd type="triangle"/>
+              </a:ln>
+            </p:spPr>
+            <p:style>
+              <a:lnRef idx="1">
+                <a:schemeClr val="accent1"/>
+              </a:lnRef>
+              <a:fillRef idx="0">
+                <a:schemeClr val="accent1"/>
+              </a:fillRef>
+              <a:effectRef idx="0">
+                <a:schemeClr val="accent1"/>
+              </a:effectRef>
+              <a:fontRef idx="minor">
+                <a:schemeClr val="tx1"/>
+              </a:fontRef>
+            </p:style>
+          </p:cxnSp>
+          <p:sp>
+            <p:nvSpPr>
+              <p:cNvPr id="380" name="Скругленный прямоугольник 379"/>
+              <p:cNvSpPr/>
+              <p:nvPr/>
+            </p:nvSpPr>
+            <p:spPr>
+              <a:xfrm>
+                <a:off x="786175" y="2954355"/>
+                <a:ext cx="627490" cy="268966"/>
+              </a:xfrm>
+              <a:prstGeom prst="roundRect">
+                <a:avLst/>
+              </a:prstGeom>
+            </p:spPr>
+            <p:style>
+              <a:lnRef idx="2">
+                <a:schemeClr val="accent3">
+                  <a:shade val="50000"/>
+                </a:schemeClr>
+              </a:lnRef>
+              <a:fillRef idx="1">
+                <a:schemeClr val="accent3"/>
+              </a:fillRef>
+              <a:effectRef idx="0">
+                <a:schemeClr val="accent3"/>
+              </a:effectRef>
+              <a:fontRef idx="minor">
+                <a:schemeClr val="lt1"/>
+              </a:fontRef>
+            </p:style>
+            <p:txBody>
+              <a:bodyPr rtlCol="0" anchor="ctr"/>
+              <a:lstStyle/>
+              <a:p>
+                <a:pPr algn="ctr"/>
+                <a:r>
+                  <a:rPr lang="en-US" sz="1200" dirty="0" smtClean="0"/>
+                  <a:t>NILL</a:t>
+                </a:r>
+                <a:endParaRPr lang="ru-RU" sz="1200" dirty="0"/>
+              </a:p>
+            </p:txBody>
+          </p:sp>
+          <p:grpSp>
+            <p:nvGrpSpPr>
+              <p:cNvPr id="381" name="Группа 380"/>
+              <p:cNvGrpSpPr/>
+              <p:nvPr/>
+            </p:nvGrpSpPr>
+            <p:grpSpPr>
+              <a:xfrm>
+                <a:off x="824186" y="1606301"/>
+                <a:ext cx="2545721" cy="981719"/>
+                <a:chOff x="908443" y="1649262"/>
+                <a:chExt cx="2545721" cy="981719"/>
+              </a:xfrm>
+            </p:grpSpPr>
+            <p:sp>
+              <p:nvSpPr>
+                <p:cNvPr id="382" name="Прямоугольник 381"/>
+                <p:cNvSpPr/>
+                <p:nvPr/>
+              </p:nvSpPr>
+              <p:spPr>
+                <a:xfrm>
+                  <a:off x="908443" y="1649262"/>
+                  <a:ext cx="2545720" cy="331409"/>
+                </a:xfrm>
+                <a:prstGeom prst="rect">
+                  <a:avLst/>
+                </a:prstGeom>
+              </p:spPr>
+              <p:style>
+                <a:lnRef idx="2">
+                  <a:schemeClr val="accent3">
+                    <a:shade val="50000"/>
+                  </a:schemeClr>
+                </a:lnRef>
+                <a:fillRef idx="1">
+                  <a:schemeClr val="accent3"/>
+                </a:fillRef>
+                <a:effectRef idx="0">
+                  <a:schemeClr val="accent3"/>
+                </a:effectRef>
+                <a:fontRef idx="minor">
+                  <a:schemeClr val="lt1"/>
+                </a:fontRef>
+              </p:style>
+              <p:txBody>
+                <a:bodyPr rtlCol="0" anchor="ctr"/>
+                <a:lstStyle/>
+                <a:p>
+                  <a:pPr algn="ctr"/>
+                  <a:r>
+                    <a:rPr lang="ru-RU" sz="1200" dirty="0" smtClean="0"/>
+                    <a:t>((</a:t>
+                  </a:r>
+                  <a:r>
+                    <a:rPr lang="en-US" sz="1200" dirty="0" smtClean="0"/>
+                    <a:t>5, 5</a:t>
+                  </a:r>
+                  <a:r>
+                    <a:rPr lang="ru-RU" sz="1200" dirty="0" smtClean="0"/>
+                    <a:t>), </a:t>
+                  </a:r>
+                  <a:r>
+                    <a:rPr lang="ru-RU" sz="1200" dirty="0"/>
+                    <a:t>(10, 0</a:t>
+                  </a:r>
+                  <a:r>
+                    <a:rPr lang="ru-RU" sz="1200" dirty="0" smtClean="0"/>
+                    <a:t>))</a:t>
+                  </a:r>
+                  <a:endParaRPr lang="en-US" sz="1200" dirty="0"/>
+                </a:p>
+              </p:txBody>
+            </p:sp>
+            <p:sp>
+              <p:nvSpPr>
+                <p:cNvPr id="383" name="Прямоугольник 382"/>
+                <p:cNvSpPr/>
+                <p:nvPr/>
+              </p:nvSpPr>
+              <p:spPr>
+                <a:xfrm>
+                  <a:off x="908444" y="2263044"/>
+                  <a:ext cx="640451" cy="367937"/>
+                </a:xfrm>
+                <a:prstGeom prst="rect">
+                  <a:avLst/>
+                </a:prstGeom>
+              </p:spPr>
+              <p:style>
+                <a:lnRef idx="2">
+                  <a:schemeClr val="accent1">
+                    <a:shade val="50000"/>
+                  </a:schemeClr>
+                </a:lnRef>
+                <a:fillRef idx="1">
+                  <a:schemeClr val="accent1"/>
+                </a:fillRef>
+                <a:effectRef idx="0">
+                  <a:schemeClr val="accent1"/>
+                </a:effectRef>
+                <a:fontRef idx="minor">
+                  <a:schemeClr val="lt1"/>
+                </a:fontRef>
+              </p:style>
+              <p:txBody>
+                <a:bodyPr rtlCol="0" anchor="ctr"/>
+                <a:lstStyle/>
+                <a:p>
+                  <a:pPr algn="ctr"/>
+                  <a:r>
+                    <a:rPr lang="en-US" sz="1200" dirty="0" smtClean="0"/>
+                    <a:t>NW</a:t>
+                  </a:r>
+                  <a:endParaRPr lang="ru-RU" sz="1200" dirty="0"/>
+                </a:p>
+              </p:txBody>
+            </p:sp>
+            <p:sp>
+              <p:nvSpPr>
+                <p:cNvPr id="384" name="Прямоугольник 383"/>
+                <p:cNvSpPr/>
+                <p:nvPr/>
+              </p:nvSpPr>
+              <p:spPr>
+                <a:xfrm>
+                  <a:off x="1548895" y="2268372"/>
+                  <a:ext cx="640452" cy="360608"/>
+                </a:xfrm>
+                <a:prstGeom prst="rect">
+                  <a:avLst/>
+                </a:prstGeom>
+              </p:spPr>
+              <p:style>
+                <a:lnRef idx="2">
+                  <a:schemeClr val="accent1">
+                    <a:shade val="50000"/>
+                  </a:schemeClr>
+                </a:lnRef>
+                <a:fillRef idx="1">
+                  <a:schemeClr val="accent1"/>
+                </a:fillRef>
+                <a:effectRef idx="0">
+                  <a:schemeClr val="accent1"/>
+                </a:effectRef>
+                <a:fontRef idx="minor">
+                  <a:schemeClr val="lt1"/>
+                </a:fontRef>
+              </p:style>
+              <p:txBody>
+                <a:bodyPr rtlCol="0" anchor="ctr"/>
+                <a:lstStyle/>
+                <a:p>
+                  <a:pPr algn="ctr"/>
+                  <a:r>
+                    <a:rPr lang="en-US" sz="1200" dirty="0" smtClean="0"/>
+                    <a:t>NE</a:t>
+                  </a:r>
+                  <a:endParaRPr lang="ru-RU" sz="1200" dirty="0"/>
+                </a:p>
+              </p:txBody>
+            </p:sp>
+            <p:sp>
+              <p:nvSpPr>
+                <p:cNvPr id="385" name="Прямоугольник 384"/>
+                <p:cNvSpPr/>
+                <p:nvPr/>
+              </p:nvSpPr>
+              <p:spPr>
+                <a:xfrm>
+                  <a:off x="2173261" y="2274361"/>
+                  <a:ext cx="640452" cy="354620"/>
+                </a:xfrm>
+                <a:prstGeom prst="rect">
+                  <a:avLst/>
+                </a:prstGeom>
+              </p:spPr>
+              <p:style>
+                <a:lnRef idx="2">
+                  <a:schemeClr val="accent1">
+                    <a:shade val="50000"/>
+                  </a:schemeClr>
+                </a:lnRef>
+                <a:fillRef idx="1">
+                  <a:schemeClr val="accent1"/>
+                </a:fillRef>
+                <a:effectRef idx="0">
+                  <a:schemeClr val="accent1"/>
+                </a:effectRef>
+                <a:fontRef idx="minor">
+                  <a:schemeClr val="lt1"/>
+                </a:fontRef>
+              </p:style>
+              <p:txBody>
+                <a:bodyPr rtlCol="0" anchor="ctr"/>
+                <a:lstStyle/>
+                <a:p>
+                  <a:pPr algn="ctr"/>
+                  <a:r>
+                    <a:rPr lang="en-US" sz="1200" dirty="0" smtClean="0"/>
+                    <a:t>SW</a:t>
+                  </a:r>
+                  <a:endParaRPr lang="ru-RU" sz="1200" dirty="0"/>
+                </a:p>
+              </p:txBody>
+            </p:sp>
+            <p:sp>
+              <p:nvSpPr>
+                <p:cNvPr id="386" name="Прямоугольник 385"/>
+                <p:cNvSpPr/>
+                <p:nvPr/>
+              </p:nvSpPr>
+              <p:spPr>
+                <a:xfrm>
+                  <a:off x="2813712" y="2274361"/>
+                  <a:ext cx="640452" cy="354619"/>
+                </a:xfrm>
+                <a:prstGeom prst="rect">
+                  <a:avLst/>
+                </a:prstGeom>
+              </p:spPr>
+              <p:style>
+                <a:lnRef idx="2">
+                  <a:schemeClr val="accent1">
+                    <a:shade val="50000"/>
+                  </a:schemeClr>
+                </a:lnRef>
+                <a:fillRef idx="1">
+                  <a:schemeClr val="accent1"/>
+                </a:fillRef>
+                <a:effectRef idx="0">
+                  <a:schemeClr val="accent1"/>
+                </a:effectRef>
+                <a:fontRef idx="minor">
+                  <a:schemeClr val="lt1"/>
+                </a:fontRef>
+              </p:style>
+              <p:txBody>
+                <a:bodyPr rtlCol="0" anchor="ctr"/>
+                <a:lstStyle/>
+                <a:p>
+                  <a:pPr algn="ctr"/>
+                  <a:r>
+                    <a:rPr lang="en-US" sz="1200" dirty="0" smtClean="0"/>
+                    <a:t>SE</a:t>
+                  </a:r>
+                </a:p>
+              </p:txBody>
+            </p:sp>
+            <p:sp>
+              <p:nvSpPr>
+                <p:cNvPr id="387" name="Прямоугольник 386"/>
+                <p:cNvSpPr/>
+                <p:nvPr/>
+              </p:nvSpPr>
+              <p:spPr>
+                <a:xfrm>
+                  <a:off x="908443" y="1997814"/>
+                  <a:ext cx="2545721" cy="270694"/>
+                </a:xfrm>
+                <a:prstGeom prst="rect">
+                  <a:avLst/>
+                </a:prstGeom>
+              </p:spPr>
+              <p:style>
+                <a:lnRef idx="2">
+                  <a:schemeClr val="accent1">
+                    <a:shade val="50000"/>
+                  </a:schemeClr>
+                </a:lnRef>
+                <a:fillRef idx="1">
+                  <a:schemeClr val="accent1"/>
+                </a:fillRef>
+                <a:effectRef idx="0">
+                  <a:schemeClr val="accent1"/>
+                </a:effectRef>
+                <a:fontRef idx="minor">
+                  <a:schemeClr val="lt1"/>
+                </a:fontRef>
+              </p:style>
+              <p:txBody>
+                <a:bodyPr rtlCol="0" anchor="ctr"/>
+                <a:lstStyle/>
+                <a:p>
+                  <a:pPr algn="ctr"/>
+                  <a:r>
+                    <a:rPr lang="en-US" sz="1200" dirty="0" smtClean="0"/>
+                    <a:t>NILL</a:t>
+                  </a:r>
+                  <a:endParaRPr lang="ru-RU" sz="1200" dirty="0"/>
+                </a:p>
+              </p:txBody>
+            </p:sp>
+          </p:grpSp>
+        </p:grpSp>
+        <p:sp>
+          <p:nvSpPr>
+            <p:cNvPr id="373" name="Скругленный прямоугольник 372"/>
+            <p:cNvSpPr/>
+            <p:nvPr/>
+          </p:nvSpPr>
+          <p:spPr>
+            <a:xfrm>
+              <a:off x="4393976" y="6194574"/>
+              <a:ext cx="490819" cy="182388"/>
+            </a:xfrm>
+            <a:prstGeom prst="roundRect">
+              <a:avLst/>
+            </a:prstGeom>
+          </p:spPr>
+          <p:style>
+            <a:lnRef idx="2">
+              <a:schemeClr val="accent3">
+                <a:shade val="50000"/>
+              </a:schemeClr>
+            </a:lnRef>
+            <a:fillRef idx="1">
+              <a:schemeClr val="accent3"/>
+            </a:fillRef>
+            <a:effectRef idx="0">
+              <a:schemeClr val="accent3"/>
+            </a:effectRef>
+            <a:fontRef idx="minor">
+              <a:schemeClr val="lt1"/>
+            </a:fontRef>
+          </p:style>
+          <p:txBody>
+            <a:bodyPr rtlCol="0" anchor="ctr"/>
+            <a:lstStyle/>
+            <a:p>
+              <a:pPr algn="ctr"/>
+              <a:r>
+                <a:rPr lang="en-US" sz="1200" dirty="0" smtClean="0"/>
+                <a:t>NILL</a:t>
+              </a:r>
+              <a:endParaRPr lang="ru-RU" sz="1200" dirty="0"/>
+            </a:p>
+          </p:txBody>
+        </p:sp>
+        <p:sp>
+          <p:nvSpPr>
+            <p:cNvPr id="374" name="Скругленный прямоугольник 373"/>
+            <p:cNvSpPr/>
+            <p:nvPr/>
+          </p:nvSpPr>
+          <p:spPr>
+            <a:xfrm>
+              <a:off x="4917477" y="6199497"/>
+              <a:ext cx="490819" cy="182388"/>
+            </a:xfrm>
+            <a:prstGeom prst="roundRect">
+              <a:avLst/>
+            </a:prstGeom>
+          </p:spPr>
+          <p:style>
+            <a:lnRef idx="2">
+              <a:schemeClr val="accent3">
+                <a:shade val="50000"/>
+              </a:schemeClr>
+            </a:lnRef>
+            <a:fillRef idx="1">
+              <a:schemeClr val="accent3"/>
+            </a:fillRef>
+            <a:effectRef idx="0">
+              <a:schemeClr val="accent3"/>
+            </a:effectRef>
+            <a:fontRef idx="minor">
+              <a:schemeClr val="lt1"/>
+            </a:fontRef>
+          </p:style>
+          <p:txBody>
+            <a:bodyPr rtlCol="0" anchor="ctr"/>
+            <a:lstStyle/>
+            <a:p>
+              <a:pPr algn="ctr"/>
+              <a:r>
+                <a:rPr lang="en-US" sz="1200" dirty="0" smtClean="0"/>
+                <a:t>NILL</a:t>
+              </a:r>
+              <a:endParaRPr lang="ru-RU" sz="1200" dirty="0"/>
+            </a:p>
+          </p:txBody>
+        </p:sp>
+        <p:sp>
+          <p:nvSpPr>
+            <p:cNvPr id="375" name="Скругленный прямоугольник 374"/>
+            <p:cNvSpPr/>
+            <p:nvPr/>
+          </p:nvSpPr>
+          <p:spPr>
+            <a:xfrm>
+              <a:off x="5445249" y="6199497"/>
+              <a:ext cx="490819" cy="182388"/>
+            </a:xfrm>
+            <a:prstGeom prst="roundRect">
+              <a:avLst/>
+            </a:prstGeom>
+          </p:spPr>
+          <p:style>
+            <a:lnRef idx="2">
+              <a:schemeClr val="accent3">
+                <a:shade val="50000"/>
+              </a:schemeClr>
+            </a:lnRef>
+            <a:fillRef idx="1">
+              <a:schemeClr val="accent3"/>
+            </a:fillRef>
+            <a:effectRef idx="0">
+              <a:schemeClr val="accent3"/>
+            </a:effectRef>
+            <a:fontRef idx="minor">
+              <a:schemeClr val="lt1"/>
+            </a:fontRef>
+          </p:style>
+          <p:txBody>
+            <a:bodyPr rtlCol="0" anchor="ctr"/>
+            <a:lstStyle/>
+            <a:p>
+              <a:pPr algn="ctr"/>
+              <a:r>
+                <a:rPr lang="en-US" sz="1200" dirty="0" smtClean="0"/>
+                <a:t>NILL</a:t>
+              </a:r>
+              <a:endParaRPr lang="ru-RU" sz="1200" dirty="0"/>
+            </a:p>
+          </p:txBody>
+        </p:sp>
+      </p:grpSp>
+      <p:sp>
+        <p:nvSpPr>
+          <p:cNvPr id="390" name="TextBox 389"/>
+          <p:cNvSpPr txBox="1"/>
+          <p:nvPr/>
+        </p:nvSpPr>
+        <p:spPr>
+          <a:xfrm>
+            <a:off x="488450" y="4258878"/>
+            <a:ext cx="5081608" cy="2585323"/>
+          </a:xfrm>
+          <a:prstGeom prst="rect">
+            <a:avLst/>
+          </a:prstGeom>
+          <a:noFill/>
+        </p:spPr>
+        <p:txBody>
+          <a:bodyPr wrap="square" rtlCol="0">
+            <a:spAutoFit/>
+          </a:bodyPr>
+          <a:lstStyle/>
+          <a:p>
+            <a:pPr marL="285750" indent="-285750">
+              <a:buFont typeface="Arial" panose="020B0604020202020204" pitchFamily="34" charset="0"/>
+              <a:buChar char="•"/>
+            </a:pPr>
+            <a:r>
+              <a:rPr lang="ru-RU" dirty="0" smtClean="0"/>
+              <a:t>Далее:</a:t>
+            </a:r>
+            <a:endParaRPr lang="en-US" dirty="0" smtClean="0"/>
+          </a:p>
+          <a:p>
+            <a:pPr marL="285750" indent="-285750">
+              <a:buFont typeface="Arial" panose="020B0604020202020204" pitchFamily="34" charset="0"/>
+              <a:buChar char="•"/>
+            </a:pPr>
+            <a:r>
+              <a:rPr lang="ru-RU" dirty="0" smtClean="0"/>
+              <a:t>Находится квадрант, в границы которого входит точка (7, 6), и вставляется. Искомый квадрант </a:t>
+            </a:r>
+            <a:r>
+              <a:rPr lang="en-US" dirty="0" smtClean="0"/>
+              <a:t>NE</a:t>
+            </a:r>
+            <a:r>
+              <a:rPr lang="ru-RU" dirty="0" smtClean="0"/>
+              <a:t>.</a:t>
+            </a:r>
+          </a:p>
+          <a:p>
+            <a:pPr marL="285750" indent="-285750">
+              <a:buFont typeface="Arial" panose="020B0604020202020204" pitchFamily="34" charset="0"/>
+              <a:buChar char="•"/>
+            </a:pPr>
+            <a:r>
+              <a:rPr lang="ru-RU" dirty="0" smtClean="0"/>
+              <a:t>Находится квадрант, в границы которого входит точка из квадранта выше, то есть из </a:t>
+            </a:r>
+            <a:r>
+              <a:rPr lang="en-US" dirty="0" smtClean="0"/>
+              <a:t>root</a:t>
+            </a:r>
+            <a:r>
+              <a:rPr lang="ru-RU" dirty="0" smtClean="0"/>
+              <a:t>, и вставляется. А из </a:t>
+            </a:r>
+            <a:r>
+              <a:rPr lang="en-US" dirty="0" smtClean="0"/>
+              <a:t>root</a:t>
+            </a:r>
+            <a:r>
+              <a:rPr lang="ru-RU" dirty="0" smtClean="0"/>
+              <a:t> удаляется точка.</a:t>
+            </a:r>
+            <a:r>
+              <a:rPr lang="en-US" dirty="0" smtClean="0"/>
+              <a:t> </a:t>
+            </a:r>
+            <a:r>
+              <a:rPr lang="ru-RU" dirty="0" smtClean="0"/>
+              <a:t>Искомый квадрант </a:t>
+            </a:r>
+            <a:r>
+              <a:rPr lang="en-US" dirty="0" smtClean="0"/>
+              <a:t>SW.</a:t>
+            </a:r>
+            <a:endParaRPr lang="ru-RU" dirty="0" smtClean="0"/>
+          </a:p>
+          <a:p>
+            <a:endParaRPr lang="ru-RU" dirty="0"/>
+          </a:p>
+        </p:txBody>
+      </p:sp>
+      <p:grpSp>
+        <p:nvGrpSpPr>
+          <p:cNvPr id="122" name="Группа 121"/>
+          <p:cNvGrpSpPr/>
+          <p:nvPr/>
+        </p:nvGrpSpPr>
+        <p:grpSpPr>
+          <a:xfrm>
+            <a:off x="8589710" y="818633"/>
+            <a:ext cx="3586062" cy="3216973"/>
+            <a:chOff x="8489905" y="789099"/>
+            <a:chExt cx="3586062" cy="3216973"/>
+          </a:xfrm>
+        </p:grpSpPr>
+        <p:sp>
+          <p:nvSpPr>
+            <p:cNvPr id="123" name="Прямоугольник 122"/>
+            <p:cNvSpPr/>
+            <p:nvPr/>
+          </p:nvSpPr>
+          <p:spPr>
+            <a:xfrm>
+              <a:off x="9110203" y="1257516"/>
+              <a:ext cx="2420289" cy="2311397"/>
+            </a:xfrm>
+            <a:prstGeom prst="rect">
+              <a:avLst/>
+            </a:prstGeom>
+          </p:spPr>
+          <p:style>
+            <a:lnRef idx="2">
+              <a:schemeClr val="accent3">
+                <a:shade val="50000"/>
+              </a:schemeClr>
+            </a:lnRef>
+            <a:fillRef idx="1">
+              <a:schemeClr val="accent3"/>
+            </a:fillRef>
+            <a:effectRef idx="0">
+              <a:schemeClr val="accent3"/>
+            </a:effectRef>
+            <a:fontRef idx="minor">
+              <a:schemeClr val="lt1"/>
+            </a:fontRef>
+          </p:style>
+          <p:txBody>
+            <a:bodyPr rtlCol="0" anchor="ctr"/>
+            <a:lstStyle/>
+            <a:p>
+              <a:pPr algn="ctr"/>
+              <a:endParaRPr lang="ru-RU"/>
+            </a:p>
+          </p:txBody>
+        </p:sp>
+        <p:cxnSp>
+          <p:nvCxnSpPr>
+            <p:cNvPr id="141" name="Прямая со стрелкой 140"/>
+            <p:cNvCxnSpPr/>
+            <p:nvPr/>
+          </p:nvCxnSpPr>
+          <p:spPr>
+            <a:xfrm>
+              <a:off x="8901004" y="3568912"/>
+              <a:ext cx="3087266" cy="0"/>
+            </a:xfrm>
+            <a:prstGeom prst="straightConnector1">
+              <a:avLst/>
+            </a:prstGeom>
+            <a:ln>
+              <a:tailEnd type="triangle"/>
+            </a:ln>
+          </p:spPr>
+          <p:style>
+            <a:lnRef idx="3">
+              <a:schemeClr val="dk1"/>
+            </a:lnRef>
+            <a:fillRef idx="0">
+              <a:schemeClr val="dk1"/>
+            </a:fillRef>
+            <a:effectRef idx="2">
+              <a:schemeClr val="dk1"/>
+            </a:effectRef>
+            <a:fontRef idx="minor">
+              <a:schemeClr val="tx1"/>
+            </a:fontRef>
+          </p:style>
+        </p:cxnSp>
+        <p:cxnSp>
+          <p:nvCxnSpPr>
+            <p:cNvPr id="142" name="Прямая со стрелкой 141"/>
+            <p:cNvCxnSpPr/>
+            <p:nvPr/>
+          </p:nvCxnSpPr>
+          <p:spPr>
+            <a:xfrm flipV="1">
+              <a:off x="9110201" y="890192"/>
+              <a:ext cx="1" cy="2909365"/>
+            </a:xfrm>
+            <a:prstGeom prst="straightConnector1">
+              <a:avLst/>
+            </a:prstGeom>
+            <a:ln>
+              <a:tailEnd type="triangle"/>
+            </a:ln>
+          </p:spPr>
+          <p:style>
+            <a:lnRef idx="3">
+              <a:schemeClr val="dk1"/>
+            </a:lnRef>
+            <a:fillRef idx="0">
+              <a:schemeClr val="dk1"/>
+            </a:fillRef>
+            <a:effectRef idx="2">
+              <a:schemeClr val="dk1"/>
+            </a:effectRef>
+            <a:fontRef idx="minor">
+              <a:schemeClr val="tx1"/>
+            </a:fontRef>
+          </p:style>
+        </p:cxnSp>
+        <p:sp>
+          <p:nvSpPr>
+            <p:cNvPr id="143" name="TextBox 142"/>
+            <p:cNvSpPr txBox="1"/>
+            <p:nvPr/>
+          </p:nvSpPr>
+          <p:spPr>
+            <a:xfrm>
+              <a:off x="8896249" y="789099"/>
+              <a:ext cx="152144" cy="269126"/>
+            </a:xfrm>
+            <a:prstGeom prst="rect">
+              <a:avLst/>
+            </a:prstGeom>
+            <a:noFill/>
+          </p:spPr>
+          <p:txBody>
+            <a:bodyPr wrap="square" rtlCol="0">
+              <a:spAutoFit/>
+            </a:bodyPr>
+            <a:lstStyle/>
+            <a:p>
+              <a:r>
+                <a:rPr lang="en-US" dirty="0" smtClean="0"/>
+                <a:t>y</a:t>
+              </a:r>
+              <a:endParaRPr lang="ru-RU" dirty="0"/>
+            </a:p>
+          </p:txBody>
+        </p:sp>
+        <p:sp>
+          <p:nvSpPr>
+            <p:cNvPr id="144" name="TextBox 143"/>
+            <p:cNvSpPr txBox="1"/>
+            <p:nvPr/>
+          </p:nvSpPr>
+          <p:spPr>
+            <a:xfrm>
+              <a:off x="11866768" y="3602383"/>
+              <a:ext cx="209199" cy="269126"/>
+            </a:xfrm>
+            <a:prstGeom prst="rect">
+              <a:avLst/>
+            </a:prstGeom>
+            <a:noFill/>
+          </p:spPr>
+          <p:txBody>
+            <a:bodyPr wrap="square" rtlCol="0">
+              <a:spAutoFit/>
+            </a:bodyPr>
+            <a:lstStyle/>
+            <a:p>
+              <a:r>
+                <a:rPr lang="en-US" dirty="0" smtClean="0"/>
+                <a:t>x</a:t>
+              </a:r>
+              <a:endParaRPr lang="ru-RU" dirty="0"/>
+            </a:p>
+          </p:txBody>
+        </p:sp>
+        <p:cxnSp>
+          <p:nvCxnSpPr>
+            <p:cNvPr id="145" name="Прямая соединительная линия 144"/>
+            <p:cNvCxnSpPr/>
+            <p:nvPr/>
+          </p:nvCxnSpPr>
+          <p:spPr>
+            <a:xfrm flipV="1">
+              <a:off x="8986585" y="1256117"/>
+              <a:ext cx="247234" cy="1398"/>
+            </a:xfrm>
+            <a:prstGeom prst="line">
+              <a:avLst/>
+            </a:prstGeom>
+          </p:spPr>
+          <p:style>
+            <a:lnRef idx="3">
+              <a:schemeClr val="accent2"/>
+            </a:lnRef>
+            <a:fillRef idx="0">
+              <a:schemeClr val="accent2"/>
+            </a:fillRef>
+            <a:effectRef idx="2">
+              <a:schemeClr val="accent2"/>
+            </a:effectRef>
+            <a:fontRef idx="minor">
+              <a:schemeClr val="tx1"/>
+            </a:fontRef>
+          </p:style>
+        </p:cxnSp>
+        <p:cxnSp>
+          <p:nvCxnSpPr>
+            <p:cNvPr id="146" name="Прямая соединительная линия 145"/>
+            <p:cNvCxnSpPr/>
+            <p:nvPr/>
+          </p:nvCxnSpPr>
+          <p:spPr>
+            <a:xfrm flipV="1">
+              <a:off x="11529964" y="3399841"/>
+              <a:ext cx="1057" cy="289763"/>
+            </a:xfrm>
+            <a:prstGeom prst="line">
+              <a:avLst/>
+            </a:prstGeom>
+          </p:spPr>
+          <p:style>
+            <a:lnRef idx="3">
+              <a:schemeClr val="accent2"/>
+            </a:lnRef>
+            <a:fillRef idx="0">
+              <a:schemeClr val="accent2"/>
+            </a:fillRef>
+            <a:effectRef idx="2">
+              <a:schemeClr val="accent2"/>
+            </a:effectRef>
+            <a:fontRef idx="minor">
+              <a:schemeClr val="tx1"/>
+            </a:fontRef>
+          </p:style>
+        </p:cxnSp>
+        <p:sp>
+          <p:nvSpPr>
+            <p:cNvPr id="147" name="TextBox 146"/>
+            <p:cNvSpPr txBox="1"/>
+            <p:nvPr/>
+          </p:nvSpPr>
+          <p:spPr>
+            <a:xfrm>
+              <a:off x="8912890" y="3544723"/>
+              <a:ext cx="147389" cy="269126"/>
+            </a:xfrm>
+            <a:prstGeom prst="rect">
+              <a:avLst/>
+            </a:prstGeom>
+            <a:noFill/>
+          </p:spPr>
+          <p:txBody>
+            <a:bodyPr wrap="square" rtlCol="0">
+              <a:spAutoFit/>
+            </a:bodyPr>
+            <a:lstStyle/>
+            <a:p>
+              <a:r>
+                <a:rPr lang="ru-RU" dirty="0" smtClean="0"/>
+                <a:t>0</a:t>
+              </a:r>
+              <a:endParaRPr lang="ru-RU" dirty="0"/>
+            </a:p>
+          </p:txBody>
+        </p:sp>
+        <p:sp>
+          <p:nvSpPr>
+            <p:cNvPr id="148" name="TextBox 147"/>
+            <p:cNvSpPr txBox="1"/>
+            <p:nvPr/>
+          </p:nvSpPr>
+          <p:spPr>
+            <a:xfrm>
+              <a:off x="8489905" y="1088290"/>
+              <a:ext cx="434608" cy="369332"/>
+            </a:xfrm>
+            <a:prstGeom prst="rect">
+              <a:avLst/>
+            </a:prstGeom>
+            <a:noFill/>
+          </p:spPr>
+          <p:txBody>
+            <a:bodyPr wrap="square" rtlCol="0">
+              <a:spAutoFit/>
+            </a:bodyPr>
+            <a:lstStyle/>
+            <a:p>
+              <a:r>
+                <a:rPr lang="ru-RU" dirty="0" smtClean="0"/>
+                <a:t>10</a:t>
+              </a:r>
+              <a:endParaRPr lang="ru-RU" dirty="0"/>
+            </a:p>
+          </p:txBody>
+        </p:sp>
+        <p:sp>
+          <p:nvSpPr>
+            <p:cNvPr id="149" name="TextBox 148"/>
+            <p:cNvSpPr txBox="1"/>
+            <p:nvPr/>
+          </p:nvSpPr>
+          <p:spPr>
+            <a:xfrm>
+              <a:off x="11318695" y="3620260"/>
+              <a:ext cx="468701" cy="369332"/>
+            </a:xfrm>
+            <a:prstGeom prst="rect">
+              <a:avLst/>
+            </a:prstGeom>
+            <a:noFill/>
+          </p:spPr>
+          <p:txBody>
+            <a:bodyPr wrap="square" rtlCol="0">
+              <a:spAutoFit/>
+            </a:bodyPr>
+            <a:lstStyle/>
+            <a:p>
+              <a:r>
+                <a:rPr lang="ru-RU" dirty="0" smtClean="0"/>
+                <a:t>10</a:t>
+              </a:r>
+              <a:endParaRPr lang="ru-RU" dirty="0"/>
+            </a:p>
+          </p:txBody>
+        </p:sp>
+        <p:sp>
+          <p:nvSpPr>
+            <p:cNvPr id="150" name="Блок-схема: узел 149"/>
+            <p:cNvSpPr/>
+            <p:nvPr/>
+          </p:nvSpPr>
+          <p:spPr>
+            <a:xfrm>
+              <a:off x="9972258" y="3168117"/>
+              <a:ext cx="76745" cy="73522"/>
+            </a:xfrm>
+            <a:prstGeom prst="flowChartConnector">
+              <a:avLst/>
+            </a:prstGeom>
+          </p:spPr>
+          <p:style>
+            <a:lnRef idx="2">
+              <a:schemeClr val="accent1">
+                <a:shade val="50000"/>
+              </a:schemeClr>
+            </a:lnRef>
+            <a:fillRef idx="1">
+              <a:schemeClr val="accent1"/>
+            </a:fillRef>
+            <a:effectRef idx="0">
+              <a:schemeClr val="accent1"/>
+            </a:effectRef>
+            <a:fontRef idx="minor">
+              <a:schemeClr val="lt1"/>
+            </a:fontRef>
+          </p:style>
+          <p:txBody>
+            <a:bodyPr rtlCol="0" anchor="ctr"/>
+            <a:lstStyle/>
+            <a:p>
+              <a:pPr algn="ctr"/>
+              <a:endParaRPr lang="ru-RU"/>
+            </a:p>
+          </p:txBody>
+        </p:sp>
+        <p:cxnSp>
+          <p:nvCxnSpPr>
+            <p:cNvPr id="151" name="Прямая соединительная линия 150"/>
+            <p:cNvCxnSpPr/>
+            <p:nvPr/>
+          </p:nvCxnSpPr>
+          <p:spPr>
+            <a:xfrm flipV="1">
+              <a:off x="8986056" y="3168117"/>
+              <a:ext cx="247234" cy="1398"/>
+            </a:xfrm>
+            <a:prstGeom prst="line">
+              <a:avLst/>
+            </a:prstGeom>
+          </p:spPr>
+          <p:style>
+            <a:lnRef idx="3">
+              <a:schemeClr val="accent2"/>
+            </a:lnRef>
+            <a:fillRef idx="0">
+              <a:schemeClr val="accent2"/>
+            </a:fillRef>
+            <a:effectRef idx="2">
+              <a:schemeClr val="accent2"/>
+            </a:effectRef>
+            <a:fontRef idx="minor">
+              <a:schemeClr val="tx1"/>
+            </a:fontRef>
+          </p:style>
+        </p:cxnSp>
+        <p:cxnSp>
+          <p:nvCxnSpPr>
+            <p:cNvPr id="152" name="Прямая соединительная линия 151"/>
+            <p:cNvCxnSpPr/>
+            <p:nvPr/>
+          </p:nvCxnSpPr>
+          <p:spPr>
+            <a:xfrm flipV="1">
+              <a:off x="10010631" y="3457502"/>
+              <a:ext cx="1057" cy="289763"/>
+            </a:xfrm>
+            <a:prstGeom prst="line">
+              <a:avLst/>
+            </a:prstGeom>
+          </p:spPr>
+          <p:style>
+            <a:lnRef idx="3">
+              <a:schemeClr val="accent2"/>
+            </a:lnRef>
+            <a:fillRef idx="0">
+              <a:schemeClr val="accent2"/>
+            </a:fillRef>
+            <a:effectRef idx="2">
+              <a:schemeClr val="accent2"/>
+            </a:effectRef>
+            <a:fontRef idx="minor">
+              <a:schemeClr val="tx1"/>
+            </a:fontRef>
+          </p:style>
+        </p:cxnSp>
+        <p:sp>
+          <p:nvSpPr>
+            <p:cNvPr id="153" name="TextBox 152"/>
+            <p:cNvSpPr txBox="1"/>
+            <p:nvPr/>
+          </p:nvSpPr>
+          <p:spPr>
+            <a:xfrm>
+              <a:off x="8800630" y="3033555"/>
+              <a:ext cx="154521" cy="269126"/>
+            </a:xfrm>
+            <a:prstGeom prst="rect">
+              <a:avLst/>
+            </a:prstGeom>
+            <a:noFill/>
+          </p:spPr>
+          <p:txBody>
+            <a:bodyPr wrap="square" rtlCol="0">
+              <a:spAutoFit/>
+            </a:bodyPr>
+            <a:lstStyle/>
+            <a:p>
+              <a:r>
+                <a:rPr lang="en-US" dirty="0" smtClean="0"/>
+                <a:t>2</a:t>
+              </a:r>
+              <a:endParaRPr lang="ru-RU" dirty="0"/>
+            </a:p>
+          </p:txBody>
+        </p:sp>
+        <p:sp>
+          <p:nvSpPr>
+            <p:cNvPr id="154" name="TextBox 153"/>
+            <p:cNvSpPr txBox="1"/>
+            <p:nvPr/>
+          </p:nvSpPr>
+          <p:spPr>
+            <a:xfrm>
+              <a:off x="9904964" y="3736946"/>
+              <a:ext cx="211335" cy="269126"/>
+            </a:xfrm>
+            <a:prstGeom prst="rect">
+              <a:avLst/>
+            </a:prstGeom>
+            <a:noFill/>
+          </p:spPr>
+          <p:txBody>
+            <a:bodyPr wrap="square" rtlCol="0">
+              <a:spAutoFit/>
+            </a:bodyPr>
+            <a:lstStyle/>
+            <a:p>
+              <a:r>
+                <a:rPr lang="en-US" dirty="0" smtClean="0"/>
+                <a:t>4</a:t>
+              </a:r>
+              <a:endParaRPr lang="ru-RU" dirty="0"/>
+            </a:p>
+          </p:txBody>
+        </p:sp>
+        <p:cxnSp>
+          <p:nvCxnSpPr>
+            <p:cNvPr id="155" name="Прямая соединительная линия 154"/>
+            <p:cNvCxnSpPr>
+              <a:stCxn id="123" idx="1"/>
+              <a:endCxn id="123" idx="3"/>
+            </p:cNvCxnSpPr>
+            <p:nvPr/>
+          </p:nvCxnSpPr>
+          <p:spPr>
+            <a:xfrm>
+              <a:off x="9110203" y="2413215"/>
+              <a:ext cx="2420289" cy="0"/>
+            </a:xfrm>
+            <a:prstGeom prst="line">
+              <a:avLst/>
+            </a:prstGeom>
+            <a:ln w="9525" cap="flat" cmpd="sng" algn="ctr">
+              <a:solidFill>
+                <a:schemeClr val="dk1"/>
+              </a:solidFill>
+              <a:prstDash val="dash"/>
+              <a:round/>
+              <a:headEnd type="none" w="med" len="med"/>
+              <a:tailEnd type="none" w="med" len="med"/>
+            </a:ln>
+          </p:spPr>
+          <p:style>
+            <a:lnRef idx="0">
+              <a:scrgbClr r="0" g="0" b="0"/>
+            </a:lnRef>
+            <a:fillRef idx="0">
+              <a:scrgbClr r="0" g="0" b="0"/>
+            </a:fillRef>
+            <a:effectRef idx="0">
+              <a:scrgbClr r="0" g="0" b="0"/>
+            </a:effectRef>
+            <a:fontRef idx="minor">
+              <a:schemeClr val="tx1"/>
+            </a:fontRef>
+          </p:style>
+        </p:cxnSp>
+        <p:cxnSp>
+          <p:nvCxnSpPr>
+            <p:cNvPr id="156" name="Прямая соединительная линия 155"/>
+            <p:cNvCxnSpPr>
+              <a:stCxn id="123" idx="2"/>
+              <a:endCxn id="123" idx="0"/>
+            </p:cNvCxnSpPr>
+            <p:nvPr/>
+          </p:nvCxnSpPr>
+          <p:spPr>
+            <a:xfrm flipV="1">
+              <a:off x="10320348" y="1257516"/>
+              <a:ext cx="0" cy="2311397"/>
+            </a:xfrm>
+            <a:prstGeom prst="line">
+              <a:avLst/>
+            </a:prstGeom>
+            <a:ln w="9525" cap="flat" cmpd="sng" algn="ctr">
+              <a:solidFill>
+                <a:schemeClr val="dk1"/>
+              </a:solidFill>
+              <a:prstDash val="dash"/>
+              <a:round/>
+              <a:headEnd type="none" w="med" len="med"/>
+              <a:tailEnd type="none" w="med" len="med"/>
+            </a:ln>
+          </p:spPr>
+          <p:style>
+            <a:lnRef idx="0">
+              <a:scrgbClr r="0" g="0" b="0"/>
+            </a:lnRef>
+            <a:fillRef idx="0">
+              <a:scrgbClr r="0" g="0" b="0"/>
+            </a:fillRef>
+            <a:effectRef idx="0">
+              <a:scrgbClr r="0" g="0" b="0"/>
+            </a:effectRef>
+            <a:fontRef idx="minor">
+              <a:schemeClr val="tx1"/>
+            </a:fontRef>
+          </p:style>
+        </p:cxnSp>
+        <p:sp>
+          <p:nvSpPr>
+            <p:cNvPr id="157" name="TextBox 156"/>
+            <p:cNvSpPr txBox="1"/>
+            <p:nvPr/>
+          </p:nvSpPr>
+          <p:spPr>
+            <a:xfrm>
+              <a:off x="9758181" y="1258193"/>
+              <a:ext cx="598975" cy="369332"/>
+            </a:xfrm>
+            <a:prstGeom prst="rect">
+              <a:avLst/>
+            </a:prstGeom>
+            <a:noFill/>
+          </p:spPr>
+          <p:txBody>
+            <a:bodyPr wrap="square" rtlCol="0">
+              <a:spAutoFit/>
+            </a:bodyPr>
+            <a:lstStyle/>
+            <a:p>
+              <a:r>
+                <a:rPr lang="en-US" dirty="0" smtClean="0"/>
+                <a:t>NW</a:t>
+              </a:r>
+              <a:endParaRPr lang="ru-RU" dirty="0"/>
+            </a:p>
+          </p:txBody>
+        </p:sp>
+        <p:sp>
+          <p:nvSpPr>
+            <p:cNvPr id="158" name="TextBox 157"/>
+            <p:cNvSpPr txBox="1"/>
+            <p:nvPr/>
+          </p:nvSpPr>
+          <p:spPr>
+            <a:xfrm>
+              <a:off x="11095699" y="2406880"/>
+              <a:ext cx="598975" cy="369332"/>
+            </a:xfrm>
+            <a:prstGeom prst="rect">
+              <a:avLst/>
+            </a:prstGeom>
+            <a:noFill/>
+          </p:spPr>
+          <p:txBody>
+            <a:bodyPr wrap="square" rtlCol="0">
+              <a:spAutoFit/>
+            </a:bodyPr>
+            <a:lstStyle/>
+            <a:p>
+              <a:r>
+                <a:rPr lang="en-US" dirty="0" smtClean="0"/>
+                <a:t>SE</a:t>
+              </a:r>
+              <a:endParaRPr lang="ru-RU" dirty="0"/>
+            </a:p>
+          </p:txBody>
+        </p:sp>
+        <p:sp>
+          <p:nvSpPr>
+            <p:cNvPr id="159" name="TextBox 158"/>
+            <p:cNvSpPr txBox="1"/>
+            <p:nvPr/>
+          </p:nvSpPr>
+          <p:spPr>
+            <a:xfrm>
+              <a:off x="11005135" y="1260192"/>
+              <a:ext cx="598975" cy="369332"/>
+            </a:xfrm>
+            <a:prstGeom prst="rect">
+              <a:avLst/>
+            </a:prstGeom>
+            <a:noFill/>
+          </p:spPr>
+          <p:txBody>
+            <a:bodyPr wrap="square" rtlCol="0">
+              <a:spAutoFit/>
+            </a:bodyPr>
+            <a:lstStyle/>
+            <a:p>
+              <a:r>
+                <a:rPr lang="en-US" dirty="0" smtClean="0"/>
+                <a:t>NE</a:t>
+              </a:r>
+              <a:endParaRPr lang="ru-RU" dirty="0"/>
+            </a:p>
+          </p:txBody>
+        </p:sp>
+        <p:sp>
+          <p:nvSpPr>
+            <p:cNvPr id="160" name="TextBox 159"/>
+            <p:cNvSpPr txBox="1"/>
+            <p:nvPr/>
+          </p:nvSpPr>
+          <p:spPr>
+            <a:xfrm>
+              <a:off x="9768410" y="2421118"/>
+              <a:ext cx="598975" cy="369332"/>
+            </a:xfrm>
+            <a:prstGeom prst="rect">
+              <a:avLst/>
+            </a:prstGeom>
+            <a:noFill/>
+          </p:spPr>
+          <p:txBody>
+            <a:bodyPr wrap="square" rtlCol="0">
+              <a:spAutoFit/>
+            </a:bodyPr>
+            <a:lstStyle/>
+            <a:p>
+              <a:r>
+                <a:rPr lang="en-US" dirty="0"/>
+                <a:t>S</a:t>
+              </a:r>
+              <a:r>
+                <a:rPr lang="en-US" dirty="0" smtClean="0"/>
+                <a:t>W</a:t>
+              </a:r>
+              <a:endParaRPr lang="ru-RU" dirty="0"/>
+            </a:p>
+          </p:txBody>
+        </p:sp>
+      </p:grpSp>
+      <p:sp>
+        <p:nvSpPr>
+          <p:cNvPr id="161" name="Блок-схема: узел 160"/>
+          <p:cNvSpPr/>
+          <p:nvPr/>
+        </p:nvSpPr>
+        <p:spPr>
+          <a:xfrm>
+            <a:off x="10861761" y="2256253"/>
+            <a:ext cx="60192" cy="45719"/>
+          </a:xfrm>
+          <a:prstGeom prst="flowChartConnector">
+            <a:avLst/>
+          </a:prstGeom>
+        </p:spPr>
+        <p:style>
+          <a:lnRef idx="2">
+            <a:schemeClr val="accent1">
+              <a:shade val="50000"/>
+            </a:schemeClr>
+          </a:lnRef>
+          <a:fillRef idx="1">
+            <a:schemeClr val="accent1"/>
+          </a:fillRef>
+          <a:effectRef idx="0">
+            <a:schemeClr val="accent1"/>
+          </a:effectRef>
+          <a:fontRef idx="minor">
+            <a:schemeClr val="lt1"/>
+          </a:fontRef>
+        </p:style>
+        <p:txBody>
+          <a:bodyPr rtlCol="0" anchor="ctr"/>
+          <a:lstStyle/>
+          <a:p>
+            <a:pPr algn="ctr"/>
             <a:endParaRPr lang="ru-RU"/>
+          </a:p>
+        </p:txBody>
+      </p:sp>
+      <p:cxnSp>
+        <p:nvCxnSpPr>
+          <p:cNvPr id="162" name="Прямая соединительная линия 161"/>
+          <p:cNvCxnSpPr/>
+          <p:nvPr/>
+        </p:nvCxnSpPr>
+        <p:spPr>
+          <a:xfrm flipV="1">
+            <a:off x="10886441" y="3449461"/>
+            <a:ext cx="1057" cy="289763"/>
+          </a:xfrm>
+          <a:prstGeom prst="line">
+            <a:avLst/>
+          </a:prstGeom>
+        </p:spPr>
+        <p:style>
+          <a:lnRef idx="3">
+            <a:schemeClr val="accent2"/>
+          </a:lnRef>
+          <a:fillRef idx="0">
+            <a:schemeClr val="accent2"/>
+          </a:fillRef>
+          <a:effectRef idx="2">
+            <a:schemeClr val="accent2"/>
+          </a:effectRef>
+          <a:fontRef idx="minor">
+            <a:schemeClr val="tx1"/>
+          </a:fontRef>
+        </p:style>
+      </p:cxnSp>
+      <p:cxnSp>
+        <p:nvCxnSpPr>
+          <p:cNvPr id="163" name="Прямая соединительная линия 162"/>
+          <p:cNvCxnSpPr/>
+          <p:nvPr/>
+        </p:nvCxnSpPr>
+        <p:spPr>
+          <a:xfrm flipV="1">
+            <a:off x="9056938" y="2274017"/>
+            <a:ext cx="247234" cy="1398"/>
+          </a:xfrm>
+          <a:prstGeom prst="line">
+            <a:avLst/>
+          </a:prstGeom>
+        </p:spPr>
+        <p:style>
+          <a:lnRef idx="3">
+            <a:schemeClr val="accent2"/>
+          </a:lnRef>
+          <a:fillRef idx="0">
+            <a:schemeClr val="accent2"/>
+          </a:fillRef>
+          <a:effectRef idx="2">
+            <a:schemeClr val="accent2"/>
+          </a:effectRef>
+          <a:fontRef idx="minor">
+            <a:schemeClr val="tx1"/>
+          </a:fontRef>
+        </p:style>
+      </p:cxnSp>
+      <p:sp>
+        <p:nvSpPr>
+          <p:cNvPr id="164" name="TextBox 163"/>
+          <p:cNvSpPr txBox="1"/>
+          <p:nvPr/>
+        </p:nvSpPr>
+        <p:spPr>
+          <a:xfrm>
+            <a:off x="8823174" y="2095851"/>
+            <a:ext cx="154521" cy="369332"/>
+          </a:xfrm>
+          <a:prstGeom prst="rect">
+            <a:avLst/>
+          </a:prstGeom>
+          <a:noFill/>
+        </p:spPr>
+        <p:txBody>
+          <a:bodyPr wrap="square" rtlCol="0">
+            <a:spAutoFit/>
+          </a:bodyPr>
+          <a:lstStyle/>
+          <a:p>
+            <a:r>
+              <a:rPr lang="ru-RU" dirty="0" smtClean="0"/>
+              <a:t>6</a:t>
+            </a:r>
+            <a:endParaRPr lang="ru-RU" dirty="0"/>
+          </a:p>
+        </p:txBody>
+      </p:sp>
+      <p:sp>
+        <p:nvSpPr>
+          <p:cNvPr id="165" name="TextBox 164"/>
+          <p:cNvSpPr txBox="1"/>
+          <p:nvPr/>
+        </p:nvSpPr>
+        <p:spPr>
+          <a:xfrm>
+            <a:off x="10748430" y="3736329"/>
+            <a:ext cx="154521" cy="369332"/>
+          </a:xfrm>
+          <a:prstGeom prst="rect">
+            <a:avLst/>
+          </a:prstGeom>
+          <a:noFill/>
+        </p:spPr>
+        <p:txBody>
+          <a:bodyPr wrap="square" rtlCol="0">
+            <a:spAutoFit/>
+          </a:bodyPr>
+          <a:lstStyle/>
+          <a:p>
+            <a:r>
+              <a:rPr lang="ru-RU" dirty="0" smtClean="0"/>
+              <a:t>7</a:t>
+            </a:r>
+            <a:endParaRPr lang="ru-RU" dirty="0"/>
           </a:p>
         </p:txBody>
       </p:sp>
     </p:spTree>
     <p:extLst>
       <p:ext uri="{BB962C8B-B14F-4D97-AF65-F5344CB8AC3E}">
-        <p14:creationId xmlns:p14="http://schemas.microsoft.com/office/powerpoint/2010/main" val="3440510381"/>
+        <p14:creationId xmlns:p14="http://schemas.microsoft.com/office/powerpoint/2010/main" val="3957010525"/>
       </p:ext>
     </p:extLst>
   </p:cSld>
@@ -4725,48 +9085,6 @@
           </a:p>
         </p:txBody>
       </p:sp>
-      <p:sp>
-        <p:nvSpPr>
-          <p:cNvPr id="122" name="TextBox 121"/>
-          <p:cNvSpPr txBox="1"/>
-          <p:nvPr/>
-        </p:nvSpPr>
-        <p:spPr>
-          <a:xfrm>
-            <a:off x="427404" y="4353894"/>
-            <a:ext cx="6166827" cy="646331"/>
-          </a:xfrm>
-          <a:prstGeom prst="rect">
-            <a:avLst/>
-          </a:prstGeom>
-          <a:noFill/>
-        </p:spPr>
-        <p:txBody>
-          <a:bodyPr wrap="square" rtlCol="0">
-            <a:spAutoFit/>
-          </a:bodyPr>
-          <a:lstStyle/>
-          <a:p>
-            <a:pPr marL="285750" indent="-285750">
-              <a:buFont typeface="Arial" panose="020B0604020202020204" pitchFamily="34" charset="0"/>
-              <a:buChar char="•"/>
-            </a:pPr>
-            <a:r>
-              <a:rPr lang="ru-RU" dirty="0" smtClean="0"/>
-              <a:t>Изначально </a:t>
-            </a:r>
-            <a:r>
-              <a:rPr lang="en-US" dirty="0" smtClean="0"/>
-              <a:t>root</a:t>
-            </a:r>
-            <a:r>
-              <a:rPr lang="ru-RU" dirty="0" smtClean="0"/>
-              <a:t> не хранит точку. Следовательно надо вставить в этот узел добавляемую точку.</a:t>
-            </a:r>
-            <a:endParaRPr lang="ru-RU" dirty="0"/>
-          </a:p>
-        </p:txBody>
-      </p:sp>
       <p:grpSp>
         <p:nvGrpSpPr>
           <p:cNvPr id="125" name="Группа 124"/>
@@ -5556,6 +9874,44 @@
           </p:sp>
         </p:grpSp>
       </p:grpSp>
+      <p:sp>
+        <p:nvSpPr>
+          <p:cNvPr id="170" name="TextBox 169"/>
+          <p:cNvSpPr txBox="1"/>
+          <p:nvPr/>
+        </p:nvSpPr>
+        <p:spPr>
+          <a:xfrm>
+            <a:off x="837467" y="4158762"/>
+            <a:ext cx="5070963" cy="646331"/>
+          </a:xfrm>
+          <a:prstGeom prst="rect">
+            <a:avLst/>
+          </a:prstGeom>
+          <a:noFill/>
+        </p:spPr>
+        <p:txBody>
+          <a:bodyPr wrap="square" rtlCol="0">
+            <a:spAutoFit/>
+          </a:bodyPr>
+          <a:lstStyle/>
+          <a:p>
+            <a:r>
+              <a:rPr lang="ru-RU" dirty="0" smtClean="0"/>
+              <a:t>Изначально создается корень </a:t>
+            </a:r>
+            <a:r>
+              <a:rPr lang="en-US" dirty="0" smtClean="0"/>
+              <a:t>(root) </a:t>
+            </a:r>
+            <a:r>
+              <a:rPr lang="ru-RU" dirty="0" smtClean="0"/>
+              <a:t>с границами. К примеру, ((0, 10), (10, 0))</a:t>
+            </a:r>
+            <a:endParaRPr lang="ru-RU" dirty="0"/>
+          </a:p>
+        </p:txBody>
+      </p:sp>
     </p:spTree>
     <p:extLst>
       <p:ext uri="{BB962C8B-B14F-4D97-AF65-F5344CB8AC3E}">
@@ -5650,57 +10006,15 @@
             </a:r>
             <a:r>
               <a:rPr lang="ru-RU" dirty="0" smtClean="0"/>
-              <a:t>Добавление точки (7, 5)</a:t>
-            </a:r>
-            <a:endParaRPr lang="ru-RU" dirty="0"/>
-          </a:p>
-        </p:txBody>
-      </p:sp>
-      <p:sp>
-        <p:nvSpPr>
-          <p:cNvPr id="122" name="TextBox 121"/>
-          <p:cNvSpPr txBox="1"/>
-          <p:nvPr/>
-        </p:nvSpPr>
-        <p:spPr>
-          <a:xfrm>
-            <a:off x="627561" y="3762267"/>
-            <a:ext cx="5280870" cy="1200329"/>
-          </a:xfrm>
-          <a:prstGeom prst="rect">
-            <a:avLst/>
-          </a:prstGeom>
-          <a:noFill/>
-        </p:spPr>
-        <p:txBody>
-          <a:bodyPr wrap="square" rtlCol="0">
-            <a:spAutoFit/>
-          </a:bodyPr>
-          <a:lstStyle/>
-          <a:p>
-            <a:pPr marL="285750" indent="-285750">
-              <a:buFont typeface="Arial" panose="020B0604020202020204" pitchFamily="34" charset="0"/>
-              <a:buChar char="•"/>
-            </a:pPr>
-            <a:r>
-              <a:rPr lang="ru-RU" dirty="0" smtClean="0"/>
-              <a:t>Так как </a:t>
+              <a:t>Добавление точки (7, </a:t>
             </a:r>
             <a:r>
               <a:rPr lang="en-US" dirty="0" smtClean="0"/>
-              <a:t>root </a:t>
+              <a:t>6</a:t>
             </a:r>
             <a:r>
               <a:rPr lang="ru-RU" dirty="0" smtClean="0"/>
-              <a:t>содержит точку и дочерние узлы равны </a:t>
-            </a:r>
-            <a:r>
-              <a:rPr lang="en-US" dirty="0" smtClean="0"/>
-              <a:t>NULL</a:t>
-            </a:r>
-            <a:r>
-              <a:rPr lang="ru-RU" dirty="0" smtClean="0"/>
-              <a:t>, требуется разбить пространство, то есть выделить память для потомков и присвоить им границы.</a:t>
+              <a:t>)</a:t>
             </a:r>
             <a:endParaRPr lang="ru-RU" dirty="0"/>
           </a:p>
@@ -6655,6 +10969,48 @@
           </p:sp>
         </p:grpSp>
       </p:grpSp>
+      <p:sp>
+        <p:nvSpPr>
+          <p:cNvPr id="56" name="TextBox 55"/>
+          <p:cNvSpPr txBox="1"/>
+          <p:nvPr/>
+        </p:nvSpPr>
+        <p:spPr>
+          <a:xfrm>
+            <a:off x="685377" y="4048496"/>
+            <a:ext cx="6166827" cy="646331"/>
+          </a:xfrm>
+          <a:prstGeom prst="rect">
+            <a:avLst/>
+          </a:prstGeom>
+          <a:noFill/>
+        </p:spPr>
+        <p:txBody>
+          <a:bodyPr wrap="square" rtlCol="0">
+            <a:spAutoFit/>
+          </a:bodyPr>
+          <a:lstStyle/>
+          <a:p>
+            <a:pPr marL="285750" indent="-285750">
+              <a:buFont typeface="Arial" panose="020B0604020202020204" pitchFamily="34" charset="0"/>
+              <a:buChar char="•"/>
+            </a:pPr>
+            <a:r>
+              <a:rPr lang="ru-RU" dirty="0" smtClean="0"/>
+              <a:t>Изначально </a:t>
+            </a:r>
+            <a:r>
+              <a:rPr lang="en-US" dirty="0" smtClean="0"/>
+              <a:t>root</a:t>
+            </a:r>
+            <a:r>
+              <a:rPr lang="ru-RU" dirty="0" smtClean="0"/>
+              <a:t> не хранит точку. Следовательно надо вставить в этот узел добавляемую точку.</a:t>
+            </a:r>
+            <a:endParaRPr lang="ru-RU" dirty="0"/>
+          </a:p>
+        </p:txBody>
+      </p:sp>
     </p:spTree>
     <p:extLst>
       <p:ext uri="{BB962C8B-B14F-4D97-AF65-F5344CB8AC3E}">
@@ -6698,7 +11054,7 @@
         <p:spPr>
           <a:xfrm>
             <a:off x="837468" y="39789"/>
-            <a:ext cx="10370127" cy="986007"/>
+            <a:ext cx="9311340" cy="986007"/>
           </a:xfrm>
         </p:spPr>
         <p:txBody>
@@ -6749,518 +11105,20 @@
             </a:r>
             <a:r>
               <a:rPr lang="ru-RU" dirty="0" smtClean="0"/>
-              <a:t>Добавление точки (7, 5)</a:t>
+              <a:t>Добавление точки (7, </a:t>
+            </a:r>
+            <a:r>
+              <a:rPr lang="en-US" dirty="0" smtClean="0"/>
+              <a:t>6</a:t>
+            </a:r>
+            <a:r>
+              <a:rPr lang="ru-RU" dirty="0" smtClean="0"/>
+              <a:t>)</a:t>
             </a:r>
             <a:endParaRPr lang="ru-RU" dirty="0"/>
           </a:p>
         </p:txBody>
       </p:sp>
-      <p:grpSp>
-        <p:nvGrpSpPr>
-          <p:cNvPr id="124" name="Группа 123"/>
-          <p:cNvGrpSpPr/>
-          <p:nvPr/>
-        </p:nvGrpSpPr>
-        <p:grpSpPr>
-          <a:xfrm>
-            <a:off x="8489905" y="789099"/>
-            <a:ext cx="3586062" cy="3216973"/>
-            <a:chOff x="6991216" y="932996"/>
-            <a:chExt cx="4973652" cy="4414782"/>
-          </a:xfrm>
-        </p:grpSpPr>
-        <p:grpSp>
-          <p:nvGrpSpPr>
-            <p:cNvPr id="125" name="Группа 124"/>
-            <p:cNvGrpSpPr/>
-            <p:nvPr/>
-          </p:nvGrpSpPr>
-          <p:grpSpPr>
-            <a:xfrm>
-              <a:off x="7554790" y="932996"/>
-              <a:ext cx="4410078" cy="4230116"/>
-              <a:chOff x="7554790" y="932996"/>
-              <a:chExt cx="4410078" cy="4230116"/>
-            </a:xfrm>
-          </p:grpSpPr>
-          <p:sp>
-            <p:nvSpPr>
-              <p:cNvPr id="133" name="Прямоугольник 132"/>
-              <p:cNvSpPr/>
-              <p:nvPr/>
-            </p:nvSpPr>
-            <p:spPr>
-              <a:xfrm>
-                <a:off x="7851531" y="1575823"/>
-                <a:ext cx="3356796" cy="3172023"/>
-              </a:xfrm>
-              <a:prstGeom prst="rect">
-                <a:avLst/>
-              </a:prstGeom>
-            </p:spPr>
-            <p:style>
-              <a:lnRef idx="2">
-                <a:schemeClr val="accent3">
-                  <a:shade val="50000"/>
-                </a:schemeClr>
-              </a:lnRef>
-              <a:fillRef idx="1">
-                <a:schemeClr val="accent3"/>
-              </a:fillRef>
-              <a:effectRef idx="0">
-                <a:schemeClr val="accent3"/>
-              </a:effectRef>
-              <a:fontRef idx="minor">
-                <a:schemeClr val="lt1"/>
-              </a:fontRef>
-            </p:style>
-            <p:txBody>
-              <a:bodyPr rtlCol="0" anchor="ctr"/>
-              <a:lstStyle/>
-              <a:p>
-                <a:pPr algn="ctr"/>
-                <a:endParaRPr lang="ru-RU"/>
-              </a:p>
-            </p:txBody>
-          </p:sp>
-          <p:cxnSp>
-            <p:nvCxnSpPr>
-              <p:cNvPr id="134" name="Прямая со стрелкой 133"/>
-              <p:cNvCxnSpPr/>
-              <p:nvPr/>
-            </p:nvCxnSpPr>
-            <p:spPr>
-              <a:xfrm>
-                <a:off x="7561385" y="4747846"/>
-                <a:ext cx="4281853" cy="0"/>
-              </a:xfrm>
-              <a:prstGeom prst="straightConnector1">
-                <a:avLst/>
-              </a:prstGeom>
-              <a:ln>
-                <a:tailEnd type="triangle"/>
-              </a:ln>
-            </p:spPr>
-            <p:style>
-              <a:lnRef idx="3">
-                <a:schemeClr val="dk1"/>
-              </a:lnRef>
-              <a:fillRef idx="0">
-                <a:schemeClr val="dk1"/>
-              </a:fillRef>
-              <a:effectRef idx="2">
-                <a:schemeClr val="dk1"/>
-              </a:effectRef>
-              <a:fontRef idx="minor">
-                <a:schemeClr val="tx1"/>
-              </a:fontRef>
-            </p:style>
-          </p:cxnSp>
-          <p:cxnSp>
-            <p:nvCxnSpPr>
-              <p:cNvPr id="135" name="Прямая со стрелкой 134"/>
-              <p:cNvCxnSpPr/>
-              <p:nvPr/>
-            </p:nvCxnSpPr>
-            <p:spPr>
-              <a:xfrm flipV="1">
-                <a:off x="7851529" y="1071730"/>
-                <a:ext cx="2" cy="3992639"/>
-              </a:xfrm>
-              <a:prstGeom prst="straightConnector1">
-                <a:avLst/>
-              </a:prstGeom>
-              <a:ln>
-                <a:tailEnd type="triangle"/>
-              </a:ln>
-            </p:spPr>
-            <p:style>
-              <a:lnRef idx="3">
-                <a:schemeClr val="dk1"/>
-              </a:lnRef>
-              <a:fillRef idx="0">
-                <a:schemeClr val="dk1"/>
-              </a:fillRef>
-              <a:effectRef idx="2">
-                <a:schemeClr val="dk1"/>
-              </a:effectRef>
-              <a:fontRef idx="minor">
-                <a:schemeClr val="tx1"/>
-              </a:fontRef>
-            </p:style>
-          </p:cxnSp>
-          <p:sp>
-            <p:nvSpPr>
-              <p:cNvPr id="136" name="TextBox 135"/>
-              <p:cNvSpPr txBox="1"/>
-              <p:nvPr/>
-            </p:nvSpPr>
-            <p:spPr>
-              <a:xfrm>
-                <a:off x="7554790" y="932996"/>
-                <a:ext cx="211015" cy="369332"/>
-              </a:xfrm>
-              <a:prstGeom prst="rect">
-                <a:avLst/>
-              </a:prstGeom>
-              <a:noFill/>
-            </p:spPr>
-            <p:txBody>
-              <a:bodyPr wrap="square" rtlCol="0">
-                <a:spAutoFit/>
-              </a:bodyPr>
-              <a:lstStyle/>
-              <a:p>
-                <a:r>
-                  <a:rPr lang="en-US" dirty="0" smtClean="0"/>
-                  <a:t>y</a:t>
-                </a:r>
-                <a:endParaRPr lang="ru-RU" dirty="0"/>
-              </a:p>
-            </p:txBody>
-          </p:sp>
-          <p:sp>
-            <p:nvSpPr>
-              <p:cNvPr id="137" name="TextBox 136"/>
-              <p:cNvSpPr txBox="1"/>
-              <p:nvPr/>
-            </p:nvSpPr>
-            <p:spPr>
-              <a:xfrm>
-                <a:off x="11674722" y="4793780"/>
-                <a:ext cx="290146" cy="369332"/>
-              </a:xfrm>
-              <a:prstGeom prst="rect">
-                <a:avLst/>
-              </a:prstGeom>
-              <a:noFill/>
-            </p:spPr>
-            <p:txBody>
-              <a:bodyPr wrap="square" rtlCol="0">
-                <a:spAutoFit/>
-              </a:bodyPr>
-              <a:lstStyle/>
-              <a:p>
-                <a:r>
-                  <a:rPr lang="en-US" dirty="0" smtClean="0"/>
-                  <a:t>x</a:t>
-                </a:r>
-                <a:endParaRPr lang="ru-RU" dirty="0"/>
-              </a:p>
-            </p:txBody>
-          </p:sp>
-          <p:cxnSp>
-            <p:nvCxnSpPr>
-              <p:cNvPr id="138" name="Прямая соединительная линия 137"/>
-              <p:cNvCxnSpPr/>
-              <p:nvPr/>
-            </p:nvCxnSpPr>
-            <p:spPr>
-              <a:xfrm flipV="1">
-                <a:off x="7680080" y="1573904"/>
-                <a:ext cx="342899" cy="1918"/>
-              </a:xfrm>
-              <a:prstGeom prst="line">
-                <a:avLst/>
-              </a:prstGeom>
-            </p:spPr>
-            <p:style>
-              <a:lnRef idx="3">
-                <a:schemeClr val="accent2"/>
-              </a:lnRef>
-              <a:fillRef idx="0">
-                <a:schemeClr val="accent2"/>
-              </a:fillRef>
-              <a:effectRef idx="2">
-                <a:schemeClr val="accent2"/>
-              </a:effectRef>
-              <a:fontRef idx="minor">
-                <a:schemeClr val="tx1"/>
-              </a:fontRef>
-            </p:style>
-          </p:cxnSp>
-          <p:cxnSp>
-            <p:nvCxnSpPr>
-              <p:cNvPr id="139" name="Прямая соединительная линия 138"/>
-              <p:cNvCxnSpPr/>
-              <p:nvPr/>
-            </p:nvCxnSpPr>
-            <p:spPr>
-              <a:xfrm flipV="1">
-                <a:off x="11207595" y="4515823"/>
-                <a:ext cx="1466" cy="397654"/>
-              </a:xfrm>
-              <a:prstGeom prst="line">
-                <a:avLst/>
-              </a:prstGeom>
-            </p:spPr>
-            <p:style>
-              <a:lnRef idx="3">
-                <a:schemeClr val="accent2"/>
-              </a:lnRef>
-              <a:fillRef idx="0">
-                <a:schemeClr val="accent2"/>
-              </a:fillRef>
-              <a:effectRef idx="2">
-                <a:schemeClr val="accent2"/>
-              </a:effectRef>
-              <a:fontRef idx="minor">
-                <a:schemeClr val="tx1"/>
-              </a:fontRef>
-            </p:style>
-          </p:cxnSp>
-          <p:sp>
-            <p:nvSpPr>
-              <p:cNvPr id="140" name="TextBox 139"/>
-              <p:cNvSpPr txBox="1"/>
-              <p:nvPr/>
-            </p:nvSpPr>
-            <p:spPr>
-              <a:xfrm>
-                <a:off x="7577870" y="4714650"/>
-                <a:ext cx="204420" cy="369332"/>
-              </a:xfrm>
-              <a:prstGeom prst="rect">
-                <a:avLst/>
-              </a:prstGeom>
-              <a:noFill/>
-            </p:spPr>
-            <p:txBody>
-              <a:bodyPr wrap="square" rtlCol="0">
-                <a:spAutoFit/>
-              </a:bodyPr>
-              <a:lstStyle/>
-              <a:p>
-                <a:r>
-                  <a:rPr lang="ru-RU" dirty="0" smtClean="0"/>
-                  <a:t>0</a:t>
-                </a:r>
-                <a:endParaRPr lang="ru-RU" dirty="0"/>
-              </a:p>
-            </p:txBody>
-          </p:sp>
-        </p:grpSp>
-        <p:sp>
-          <p:nvSpPr>
-            <p:cNvPr id="126" name="TextBox 125"/>
-            <p:cNvSpPr txBox="1"/>
-            <p:nvPr/>
-          </p:nvSpPr>
-          <p:spPr>
-            <a:xfrm>
-              <a:off x="6991216" y="1343588"/>
-              <a:ext cx="602775" cy="506849"/>
-            </a:xfrm>
-            <a:prstGeom prst="rect">
-              <a:avLst/>
-            </a:prstGeom>
-            <a:noFill/>
-          </p:spPr>
-          <p:txBody>
-            <a:bodyPr wrap="square" rtlCol="0">
-              <a:spAutoFit/>
-            </a:bodyPr>
-            <a:lstStyle/>
-            <a:p>
-              <a:r>
-                <a:rPr lang="ru-RU" dirty="0" smtClean="0"/>
-                <a:t>10</a:t>
-              </a:r>
-              <a:endParaRPr lang="ru-RU" dirty="0"/>
-            </a:p>
-          </p:txBody>
-        </p:sp>
-        <p:sp>
-          <p:nvSpPr>
-            <p:cNvPr id="127" name="TextBox 126"/>
-            <p:cNvSpPr txBox="1"/>
-            <p:nvPr/>
-          </p:nvSpPr>
-          <p:spPr>
-            <a:xfrm>
-              <a:off x="10914577" y="4818313"/>
-              <a:ext cx="650060" cy="506849"/>
-            </a:xfrm>
-            <a:prstGeom prst="rect">
-              <a:avLst/>
-            </a:prstGeom>
-            <a:noFill/>
-          </p:spPr>
-          <p:txBody>
-            <a:bodyPr wrap="square" rtlCol="0">
-              <a:spAutoFit/>
-            </a:bodyPr>
-            <a:lstStyle/>
-            <a:p>
-              <a:r>
-                <a:rPr lang="ru-RU" dirty="0" smtClean="0"/>
-                <a:t>10</a:t>
-              </a:r>
-              <a:endParaRPr lang="ru-RU" dirty="0"/>
-            </a:p>
-          </p:txBody>
-        </p:sp>
-        <p:sp>
-          <p:nvSpPr>
-            <p:cNvPr id="128" name="Блок-схема: узел 127"/>
-            <p:cNvSpPr/>
-            <p:nvPr/>
-          </p:nvSpPr>
-          <p:spPr>
-            <a:xfrm>
-              <a:off x="9047150" y="4197819"/>
-              <a:ext cx="106441" cy="100897"/>
-            </a:xfrm>
-            <a:prstGeom prst="flowChartConnector">
-              <a:avLst/>
-            </a:prstGeom>
-          </p:spPr>
-          <p:style>
-            <a:lnRef idx="2">
-              <a:schemeClr val="accent1">
-                <a:shade val="50000"/>
-              </a:schemeClr>
-            </a:lnRef>
-            <a:fillRef idx="1">
-              <a:schemeClr val="accent1"/>
-            </a:fillRef>
-            <a:effectRef idx="0">
-              <a:schemeClr val="accent1"/>
-            </a:effectRef>
-            <a:fontRef idx="minor">
-              <a:schemeClr val="lt1"/>
-            </a:fontRef>
-          </p:style>
-          <p:txBody>
-            <a:bodyPr rtlCol="0" anchor="ctr"/>
-            <a:lstStyle/>
-            <a:p>
-              <a:pPr algn="ctr"/>
-              <a:endParaRPr lang="ru-RU"/>
-            </a:p>
-          </p:txBody>
-        </p:sp>
-        <p:cxnSp>
-          <p:nvCxnSpPr>
-            <p:cNvPr id="129" name="Прямая соединительная линия 128"/>
-            <p:cNvCxnSpPr/>
-            <p:nvPr/>
-          </p:nvCxnSpPr>
-          <p:spPr>
-            <a:xfrm flipV="1">
-              <a:off x="7679347" y="4197819"/>
-              <a:ext cx="342899" cy="1918"/>
-            </a:xfrm>
-            <a:prstGeom prst="line">
-              <a:avLst/>
-            </a:prstGeom>
-          </p:spPr>
-          <p:style>
-            <a:lnRef idx="3">
-              <a:schemeClr val="accent2"/>
-            </a:lnRef>
-            <a:fillRef idx="0">
-              <a:schemeClr val="accent2"/>
-            </a:fillRef>
-            <a:effectRef idx="2">
-              <a:schemeClr val="accent2"/>
-            </a:effectRef>
-            <a:fontRef idx="minor">
-              <a:schemeClr val="tx1"/>
-            </a:fontRef>
-          </p:style>
-        </p:cxnSp>
-        <p:cxnSp>
-          <p:nvCxnSpPr>
-            <p:cNvPr id="130" name="Прямая соединительная линия 129"/>
-            <p:cNvCxnSpPr/>
-            <p:nvPr/>
-          </p:nvCxnSpPr>
-          <p:spPr>
-            <a:xfrm flipV="1">
-              <a:off x="9100372" y="4594953"/>
-              <a:ext cx="1466" cy="397654"/>
-            </a:xfrm>
-            <a:prstGeom prst="line">
-              <a:avLst/>
-            </a:prstGeom>
-          </p:spPr>
-          <p:style>
-            <a:lnRef idx="3">
-              <a:schemeClr val="accent2"/>
-            </a:lnRef>
-            <a:fillRef idx="0">
-              <a:schemeClr val="accent2"/>
-            </a:fillRef>
-            <a:effectRef idx="2">
-              <a:schemeClr val="accent2"/>
-            </a:effectRef>
-            <a:fontRef idx="minor">
-              <a:schemeClr val="tx1"/>
-            </a:fontRef>
-          </p:style>
-        </p:cxnSp>
-        <p:sp>
-          <p:nvSpPr>
-            <p:cNvPr id="131" name="TextBox 130"/>
-            <p:cNvSpPr txBox="1"/>
-            <p:nvPr/>
-          </p:nvSpPr>
-          <p:spPr>
-            <a:xfrm>
-              <a:off x="7422173" y="4013153"/>
-              <a:ext cx="214312" cy="369332"/>
-            </a:xfrm>
-            <a:prstGeom prst="rect">
-              <a:avLst/>
-            </a:prstGeom>
-            <a:noFill/>
-          </p:spPr>
-          <p:txBody>
-            <a:bodyPr wrap="square" rtlCol="0">
-              <a:spAutoFit/>
-            </a:bodyPr>
-            <a:lstStyle/>
-            <a:p>
-              <a:r>
-                <a:rPr lang="en-US" dirty="0" smtClean="0"/>
-                <a:t>2</a:t>
-              </a:r>
-              <a:endParaRPr lang="ru-RU" dirty="0"/>
-            </a:p>
-          </p:txBody>
-        </p:sp>
-        <p:sp>
-          <p:nvSpPr>
-            <p:cNvPr id="132" name="TextBox 131"/>
-            <p:cNvSpPr txBox="1"/>
-            <p:nvPr/>
-          </p:nvSpPr>
-          <p:spPr>
-            <a:xfrm>
-              <a:off x="8953817" y="4978446"/>
-              <a:ext cx="293109" cy="369332"/>
-            </a:xfrm>
-            <a:prstGeom prst="rect">
-              <a:avLst/>
-            </a:prstGeom>
-            <a:noFill/>
-          </p:spPr>
-          <p:txBody>
-            <a:bodyPr wrap="square" rtlCol="0">
-              <a:spAutoFit/>
-            </a:bodyPr>
-            <a:lstStyle/>
-            <a:p>
-              <a:r>
-                <a:rPr lang="en-US" dirty="0" smtClean="0"/>
-                <a:t>4</a:t>
-              </a:r>
-              <a:endParaRPr lang="ru-RU" dirty="0"/>
-            </a:p>
-          </p:txBody>
-        </p:sp>
-      </p:grpSp>
       <p:grpSp>
         <p:nvGrpSpPr>
           <p:cNvPr id="285" name="Группа 284"/>
@@ -7270,9 +11128,9 @@
         <p:grpSpPr>
           <a:xfrm>
             <a:off x="1293287" y="1545502"/>
-            <a:ext cx="6604050" cy="947917"/>
+            <a:ext cx="6552836" cy="970465"/>
             <a:chOff x="-2151819" y="1606301"/>
-            <a:chExt cx="8442977" cy="1397885"/>
+            <a:chExt cx="8377502" cy="1431136"/>
           </a:xfrm>
         </p:grpSpPr>
         <p:cxnSp>
@@ -7391,7 +11249,7 @@
           </p:nvCxnSpPr>
           <p:spPr>
             <a:xfrm>
-              <a:off x="3025901" y="2552840"/>
+              <a:off x="2960426" y="2603804"/>
               <a:ext cx="3265257" cy="433633"/>
             </a:xfrm>
             <a:prstGeom prst="straightConnector1">
@@ -9642,7 +13500,7 @@
         </p:nvGrpSpPr>
         <p:grpSpPr>
           <a:xfrm>
-            <a:off x="6871981" y="2481408"/>
+            <a:off x="6820767" y="2515967"/>
             <a:ext cx="2072136" cy="1104293"/>
             <a:chOff x="3863932" y="5277592"/>
             <a:chExt cx="2072136" cy="1104293"/>
@@ -10275,6 +14133,755 @@
           </p:txBody>
         </p:sp>
       </p:grpSp>
+      <p:sp>
+        <p:nvSpPr>
+          <p:cNvPr id="389" name="TextBox 388"/>
+          <p:cNvSpPr txBox="1"/>
+          <p:nvPr/>
+        </p:nvSpPr>
+        <p:spPr>
+          <a:xfrm>
+            <a:off x="498416" y="4035606"/>
+            <a:ext cx="5280870" cy="1200329"/>
+          </a:xfrm>
+          <a:prstGeom prst="rect">
+            <a:avLst/>
+          </a:prstGeom>
+          <a:noFill/>
+        </p:spPr>
+        <p:txBody>
+          <a:bodyPr wrap="square" rtlCol="0">
+            <a:spAutoFit/>
+          </a:bodyPr>
+          <a:lstStyle/>
+          <a:p>
+            <a:pPr marL="285750" indent="-285750">
+              <a:buFont typeface="Arial" panose="020B0604020202020204" pitchFamily="34" charset="0"/>
+              <a:buChar char="•"/>
+            </a:pPr>
+            <a:r>
+              <a:rPr lang="ru-RU" dirty="0" smtClean="0"/>
+              <a:t>Так как </a:t>
+            </a:r>
+            <a:r>
+              <a:rPr lang="en-US" dirty="0" smtClean="0"/>
+              <a:t>root </a:t>
+            </a:r>
+            <a:r>
+              <a:rPr lang="ru-RU" dirty="0" smtClean="0"/>
+              <a:t>содержит точку и дочерние узлы равны </a:t>
+            </a:r>
+            <a:r>
+              <a:rPr lang="en-US" dirty="0" smtClean="0"/>
+              <a:t>NULL</a:t>
+            </a:r>
+            <a:r>
+              <a:rPr lang="ru-RU" dirty="0" smtClean="0"/>
+              <a:t>, требуется разбить пространство, то есть выделить память для потомков и присвоить им границы.</a:t>
+            </a:r>
+            <a:endParaRPr lang="ru-RU" dirty="0"/>
+          </a:p>
+        </p:txBody>
+      </p:sp>
+      <p:grpSp>
+        <p:nvGrpSpPr>
+          <p:cNvPr id="395" name="Группа 394"/>
+          <p:cNvGrpSpPr/>
+          <p:nvPr/>
+        </p:nvGrpSpPr>
+        <p:grpSpPr>
+          <a:xfrm>
+            <a:off x="8589710" y="818633"/>
+            <a:ext cx="3586062" cy="3216973"/>
+            <a:chOff x="8489905" y="789099"/>
+            <a:chExt cx="3586062" cy="3216973"/>
+          </a:xfrm>
+        </p:grpSpPr>
+        <p:sp>
+          <p:nvSpPr>
+            <p:cNvPr id="133" name="Прямоугольник 132"/>
+            <p:cNvSpPr/>
+            <p:nvPr/>
+          </p:nvSpPr>
+          <p:spPr>
+            <a:xfrm>
+              <a:off x="9110203" y="1257516"/>
+              <a:ext cx="2420289" cy="2311397"/>
+            </a:xfrm>
+            <a:prstGeom prst="rect">
+              <a:avLst/>
+            </a:prstGeom>
+          </p:spPr>
+          <p:style>
+            <a:lnRef idx="2">
+              <a:schemeClr val="accent3">
+                <a:shade val="50000"/>
+              </a:schemeClr>
+            </a:lnRef>
+            <a:fillRef idx="1">
+              <a:schemeClr val="accent3"/>
+            </a:fillRef>
+            <a:effectRef idx="0">
+              <a:schemeClr val="accent3"/>
+            </a:effectRef>
+            <a:fontRef idx="minor">
+              <a:schemeClr val="lt1"/>
+            </a:fontRef>
+          </p:style>
+          <p:txBody>
+            <a:bodyPr rtlCol="0" anchor="ctr"/>
+            <a:lstStyle/>
+            <a:p>
+              <a:pPr algn="ctr"/>
+              <a:endParaRPr lang="ru-RU"/>
+            </a:p>
+          </p:txBody>
+        </p:sp>
+        <p:cxnSp>
+          <p:nvCxnSpPr>
+            <p:cNvPr id="134" name="Прямая со стрелкой 133"/>
+            <p:cNvCxnSpPr/>
+            <p:nvPr/>
+          </p:nvCxnSpPr>
+          <p:spPr>
+            <a:xfrm>
+              <a:off x="8901004" y="3568912"/>
+              <a:ext cx="3087266" cy="0"/>
+            </a:xfrm>
+            <a:prstGeom prst="straightConnector1">
+              <a:avLst/>
+            </a:prstGeom>
+            <a:ln>
+              <a:tailEnd type="triangle"/>
+            </a:ln>
+          </p:spPr>
+          <p:style>
+            <a:lnRef idx="3">
+              <a:schemeClr val="dk1"/>
+            </a:lnRef>
+            <a:fillRef idx="0">
+              <a:schemeClr val="dk1"/>
+            </a:fillRef>
+            <a:effectRef idx="2">
+              <a:schemeClr val="dk1"/>
+            </a:effectRef>
+            <a:fontRef idx="minor">
+              <a:schemeClr val="tx1"/>
+            </a:fontRef>
+          </p:style>
+        </p:cxnSp>
+        <p:cxnSp>
+          <p:nvCxnSpPr>
+            <p:cNvPr id="135" name="Прямая со стрелкой 134"/>
+            <p:cNvCxnSpPr/>
+            <p:nvPr/>
+          </p:nvCxnSpPr>
+          <p:spPr>
+            <a:xfrm flipV="1">
+              <a:off x="9110201" y="890192"/>
+              <a:ext cx="1" cy="2909365"/>
+            </a:xfrm>
+            <a:prstGeom prst="straightConnector1">
+              <a:avLst/>
+            </a:prstGeom>
+            <a:ln>
+              <a:tailEnd type="triangle"/>
+            </a:ln>
+          </p:spPr>
+          <p:style>
+            <a:lnRef idx="3">
+              <a:schemeClr val="dk1"/>
+            </a:lnRef>
+            <a:fillRef idx="0">
+              <a:schemeClr val="dk1"/>
+            </a:fillRef>
+            <a:effectRef idx="2">
+              <a:schemeClr val="dk1"/>
+            </a:effectRef>
+            <a:fontRef idx="minor">
+              <a:schemeClr val="tx1"/>
+            </a:fontRef>
+          </p:style>
+        </p:cxnSp>
+        <p:sp>
+          <p:nvSpPr>
+            <p:cNvPr id="136" name="TextBox 135"/>
+            <p:cNvSpPr txBox="1"/>
+            <p:nvPr/>
+          </p:nvSpPr>
+          <p:spPr>
+            <a:xfrm>
+              <a:off x="8896249" y="789099"/>
+              <a:ext cx="152144" cy="269126"/>
+            </a:xfrm>
+            <a:prstGeom prst="rect">
+              <a:avLst/>
+            </a:prstGeom>
+            <a:noFill/>
+          </p:spPr>
+          <p:txBody>
+            <a:bodyPr wrap="square" rtlCol="0">
+              <a:spAutoFit/>
+            </a:bodyPr>
+            <a:lstStyle/>
+            <a:p>
+              <a:r>
+                <a:rPr lang="en-US" dirty="0" smtClean="0"/>
+                <a:t>y</a:t>
+              </a:r>
+              <a:endParaRPr lang="ru-RU" dirty="0"/>
+            </a:p>
+          </p:txBody>
+        </p:sp>
+        <p:sp>
+          <p:nvSpPr>
+            <p:cNvPr id="137" name="TextBox 136"/>
+            <p:cNvSpPr txBox="1"/>
+            <p:nvPr/>
+          </p:nvSpPr>
+          <p:spPr>
+            <a:xfrm>
+              <a:off x="11866768" y="3602383"/>
+              <a:ext cx="209199" cy="269126"/>
+            </a:xfrm>
+            <a:prstGeom prst="rect">
+              <a:avLst/>
+            </a:prstGeom>
+            <a:noFill/>
+          </p:spPr>
+          <p:txBody>
+            <a:bodyPr wrap="square" rtlCol="0">
+              <a:spAutoFit/>
+            </a:bodyPr>
+            <a:lstStyle/>
+            <a:p>
+              <a:r>
+                <a:rPr lang="en-US" dirty="0" smtClean="0"/>
+                <a:t>x</a:t>
+              </a:r>
+              <a:endParaRPr lang="ru-RU" dirty="0"/>
+            </a:p>
+          </p:txBody>
+        </p:sp>
+        <p:cxnSp>
+          <p:nvCxnSpPr>
+            <p:cNvPr id="138" name="Прямая соединительная линия 137"/>
+            <p:cNvCxnSpPr/>
+            <p:nvPr/>
+          </p:nvCxnSpPr>
+          <p:spPr>
+            <a:xfrm flipV="1">
+              <a:off x="8986585" y="1256117"/>
+              <a:ext cx="247234" cy="1398"/>
+            </a:xfrm>
+            <a:prstGeom prst="line">
+              <a:avLst/>
+            </a:prstGeom>
+          </p:spPr>
+          <p:style>
+            <a:lnRef idx="3">
+              <a:schemeClr val="accent2"/>
+            </a:lnRef>
+            <a:fillRef idx="0">
+              <a:schemeClr val="accent2"/>
+            </a:fillRef>
+            <a:effectRef idx="2">
+              <a:schemeClr val="accent2"/>
+            </a:effectRef>
+            <a:fontRef idx="minor">
+              <a:schemeClr val="tx1"/>
+            </a:fontRef>
+          </p:style>
+        </p:cxnSp>
+        <p:cxnSp>
+          <p:nvCxnSpPr>
+            <p:cNvPr id="139" name="Прямая соединительная линия 138"/>
+            <p:cNvCxnSpPr/>
+            <p:nvPr/>
+          </p:nvCxnSpPr>
+          <p:spPr>
+            <a:xfrm flipV="1">
+              <a:off x="11529964" y="3399841"/>
+              <a:ext cx="1057" cy="289763"/>
+            </a:xfrm>
+            <a:prstGeom prst="line">
+              <a:avLst/>
+            </a:prstGeom>
+          </p:spPr>
+          <p:style>
+            <a:lnRef idx="3">
+              <a:schemeClr val="accent2"/>
+            </a:lnRef>
+            <a:fillRef idx="0">
+              <a:schemeClr val="accent2"/>
+            </a:fillRef>
+            <a:effectRef idx="2">
+              <a:schemeClr val="accent2"/>
+            </a:effectRef>
+            <a:fontRef idx="minor">
+              <a:schemeClr val="tx1"/>
+            </a:fontRef>
+          </p:style>
+        </p:cxnSp>
+        <p:sp>
+          <p:nvSpPr>
+            <p:cNvPr id="140" name="TextBox 139"/>
+            <p:cNvSpPr txBox="1"/>
+            <p:nvPr/>
+          </p:nvSpPr>
+          <p:spPr>
+            <a:xfrm>
+              <a:off x="8912890" y="3544723"/>
+              <a:ext cx="147389" cy="269126"/>
+            </a:xfrm>
+            <a:prstGeom prst="rect">
+              <a:avLst/>
+            </a:prstGeom>
+            <a:noFill/>
+          </p:spPr>
+          <p:txBody>
+            <a:bodyPr wrap="square" rtlCol="0">
+              <a:spAutoFit/>
+            </a:bodyPr>
+            <a:lstStyle/>
+            <a:p>
+              <a:r>
+                <a:rPr lang="ru-RU" dirty="0" smtClean="0"/>
+                <a:t>0</a:t>
+              </a:r>
+              <a:endParaRPr lang="ru-RU" dirty="0"/>
+            </a:p>
+          </p:txBody>
+        </p:sp>
+        <p:sp>
+          <p:nvSpPr>
+            <p:cNvPr id="126" name="TextBox 125"/>
+            <p:cNvSpPr txBox="1"/>
+            <p:nvPr/>
+          </p:nvSpPr>
+          <p:spPr>
+            <a:xfrm>
+              <a:off x="8489905" y="1088290"/>
+              <a:ext cx="434608" cy="369332"/>
+            </a:xfrm>
+            <a:prstGeom prst="rect">
+              <a:avLst/>
+            </a:prstGeom>
+            <a:noFill/>
+          </p:spPr>
+          <p:txBody>
+            <a:bodyPr wrap="square" rtlCol="0">
+              <a:spAutoFit/>
+            </a:bodyPr>
+            <a:lstStyle/>
+            <a:p>
+              <a:r>
+                <a:rPr lang="ru-RU" dirty="0" smtClean="0"/>
+                <a:t>10</a:t>
+              </a:r>
+              <a:endParaRPr lang="ru-RU" dirty="0"/>
+            </a:p>
+          </p:txBody>
+        </p:sp>
+        <p:sp>
+          <p:nvSpPr>
+            <p:cNvPr id="127" name="TextBox 126"/>
+            <p:cNvSpPr txBox="1"/>
+            <p:nvPr/>
+          </p:nvSpPr>
+          <p:spPr>
+            <a:xfrm>
+              <a:off x="11318695" y="3620260"/>
+              <a:ext cx="468701" cy="369332"/>
+            </a:xfrm>
+            <a:prstGeom prst="rect">
+              <a:avLst/>
+            </a:prstGeom>
+            <a:noFill/>
+          </p:spPr>
+          <p:txBody>
+            <a:bodyPr wrap="square" rtlCol="0">
+              <a:spAutoFit/>
+            </a:bodyPr>
+            <a:lstStyle/>
+            <a:p>
+              <a:r>
+                <a:rPr lang="ru-RU" dirty="0" smtClean="0"/>
+                <a:t>10</a:t>
+              </a:r>
+              <a:endParaRPr lang="ru-RU" dirty="0"/>
+            </a:p>
+          </p:txBody>
+        </p:sp>
+        <p:sp>
+          <p:nvSpPr>
+            <p:cNvPr id="128" name="Блок-схема: узел 127"/>
+            <p:cNvSpPr/>
+            <p:nvPr/>
+          </p:nvSpPr>
+          <p:spPr>
+            <a:xfrm>
+              <a:off x="9972258" y="3168117"/>
+              <a:ext cx="76745" cy="73522"/>
+            </a:xfrm>
+            <a:prstGeom prst="flowChartConnector">
+              <a:avLst/>
+            </a:prstGeom>
+          </p:spPr>
+          <p:style>
+            <a:lnRef idx="2">
+              <a:schemeClr val="accent1">
+                <a:shade val="50000"/>
+              </a:schemeClr>
+            </a:lnRef>
+            <a:fillRef idx="1">
+              <a:schemeClr val="accent1"/>
+            </a:fillRef>
+            <a:effectRef idx="0">
+              <a:schemeClr val="accent1"/>
+            </a:effectRef>
+            <a:fontRef idx="minor">
+              <a:schemeClr val="lt1"/>
+            </a:fontRef>
+          </p:style>
+          <p:txBody>
+            <a:bodyPr rtlCol="0" anchor="ctr"/>
+            <a:lstStyle/>
+            <a:p>
+              <a:pPr algn="ctr"/>
+              <a:endParaRPr lang="ru-RU"/>
+            </a:p>
+          </p:txBody>
+        </p:sp>
+        <p:cxnSp>
+          <p:nvCxnSpPr>
+            <p:cNvPr id="129" name="Прямая соединительная линия 128"/>
+            <p:cNvCxnSpPr/>
+            <p:nvPr/>
+          </p:nvCxnSpPr>
+          <p:spPr>
+            <a:xfrm flipV="1">
+              <a:off x="8986056" y="3168117"/>
+              <a:ext cx="247234" cy="1398"/>
+            </a:xfrm>
+            <a:prstGeom prst="line">
+              <a:avLst/>
+            </a:prstGeom>
+          </p:spPr>
+          <p:style>
+            <a:lnRef idx="3">
+              <a:schemeClr val="accent2"/>
+            </a:lnRef>
+            <a:fillRef idx="0">
+              <a:schemeClr val="accent2"/>
+            </a:fillRef>
+            <a:effectRef idx="2">
+              <a:schemeClr val="accent2"/>
+            </a:effectRef>
+            <a:fontRef idx="minor">
+              <a:schemeClr val="tx1"/>
+            </a:fontRef>
+          </p:style>
+        </p:cxnSp>
+        <p:cxnSp>
+          <p:nvCxnSpPr>
+            <p:cNvPr id="130" name="Прямая соединительная линия 129"/>
+            <p:cNvCxnSpPr/>
+            <p:nvPr/>
+          </p:nvCxnSpPr>
+          <p:spPr>
+            <a:xfrm flipV="1">
+              <a:off x="10010631" y="3457502"/>
+              <a:ext cx="1057" cy="289763"/>
+            </a:xfrm>
+            <a:prstGeom prst="line">
+              <a:avLst/>
+            </a:prstGeom>
+          </p:spPr>
+          <p:style>
+            <a:lnRef idx="3">
+              <a:schemeClr val="accent2"/>
+            </a:lnRef>
+            <a:fillRef idx="0">
+              <a:schemeClr val="accent2"/>
+            </a:fillRef>
+            <a:effectRef idx="2">
+              <a:schemeClr val="accent2"/>
+            </a:effectRef>
+            <a:fontRef idx="minor">
+              <a:schemeClr val="tx1"/>
+            </a:fontRef>
+          </p:style>
+        </p:cxnSp>
+        <p:sp>
+          <p:nvSpPr>
+            <p:cNvPr id="131" name="TextBox 130"/>
+            <p:cNvSpPr txBox="1"/>
+            <p:nvPr/>
+          </p:nvSpPr>
+          <p:spPr>
+            <a:xfrm>
+              <a:off x="8800630" y="3033555"/>
+              <a:ext cx="154521" cy="269126"/>
+            </a:xfrm>
+            <a:prstGeom prst="rect">
+              <a:avLst/>
+            </a:prstGeom>
+            <a:noFill/>
+          </p:spPr>
+          <p:txBody>
+            <a:bodyPr wrap="square" rtlCol="0">
+              <a:spAutoFit/>
+            </a:bodyPr>
+            <a:lstStyle/>
+            <a:p>
+              <a:r>
+                <a:rPr lang="en-US" dirty="0" smtClean="0"/>
+                <a:t>2</a:t>
+              </a:r>
+              <a:endParaRPr lang="ru-RU" dirty="0"/>
+            </a:p>
+          </p:txBody>
+        </p:sp>
+        <p:sp>
+          <p:nvSpPr>
+            <p:cNvPr id="132" name="TextBox 131"/>
+            <p:cNvSpPr txBox="1"/>
+            <p:nvPr/>
+          </p:nvSpPr>
+          <p:spPr>
+            <a:xfrm>
+              <a:off x="9904964" y="3736946"/>
+              <a:ext cx="211335" cy="269126"/>
+            </a:xfrm>
+            <a:prstGeom prst="rect">
+              <a:avLst/>
+            </a:prstGeom>
+            <a:noFill/>
+          </p:spPr>
+          <p:txBody>
+            <a:bodyPr wrap="square" rtlCol="0">
+              <a:spAutoFit/>
+            </a:bodyPr>
+            <a:lstStyle/>
+            <a:p>
+              <a:r>
+                <a:rPr lang="en-US" dirty="0" smtClean="0"/>
+                <a:t>4</a:t>
+              </a:r>
+              <a:endParaRPr lang="ru-RU" dirty="0"/>
+            </a:p>
+          </p:txBody>
+        </p:sp>
+        <p:cxnSp>
+          <p:nvCxnSpPr>
+            <p:cNvPr id="28" name="Прямая соединительная линия 27"/>
+            <p:cNvCxnSpPr>
+              <a:stCxn id="133" idx="1"/>
+              <a:endCxn id="133" idx="3"/>
+            </p:cNvCxnSpPr>
+            <p:nvPr/>
+          </p:nvCxnSpPr>
+          <p:spPr>
+            <a:xfrm>
+              <a:off x="9110203" y="2413215"/>
+              <a:ext cx="2420289" cy="0"/>
+            </a:xfrm>
+            <a:prstGeom prst="line">
+              <a:avLst/>
+            </a:prstGeom>
+            <a:ln w="9525" cap="flat" cmpd="sng" algn="ctr">
+              <a:solidFill>
+                <a:schemeClr val="dk1"/>
+              </a:solidFill>
+              <a:prstDash val="dash"/>
+              <a:round/>
+              <a:headEnd type="none" w="med" len="med"/>
+              <a:tailEnd type="none" w="med" len="med"/>
+            </a:ln>
+          </p:spPr>
+          <p:style>
+            <a:lnRef idx="0">
+              <a:scrgbClr r="0" g="0" b="0"/>
+            </a:lnRef>
+            <a:fillRef idx="0">
+              <a:scrgbClr r="0" g="0" b="0"/>
+            </a:fillRef>
+            <a:effectRef idx="0">
+              <a:scrgbClr r="0" g="0" b="0"/>
+            </a:effectRef>
+            <a:fontRef idx="minor">
+              <a:schemeClr val="tx1"/>
+            </a:fontRef>
+          </p:style>
+        </p:cxnSp>
+        <p:cxnSp>
+          <p:nvCxnSpPr>
+            <p:cNvPr id="388" name="Прямая соединительная линия 387"/>
+            <p:cNvCxnSpPr>
+              <a:stCxn id="133" idx="2"/>
+              <a:endCxn id="133" idx="0"/>
+            </p:cNvCxnSpPr>
+            <p:nvPr/>
+          </p:nvCxnSpPr>
+          <p:spPr>
+            <a:xfrm flipV="1">
+              <a:off x="10320348" y="1257516"/>
+              <a:ext cx="0" cy="2311397"/>
+            </a:xfrm>
+            <a:prstGeom prst="line">
+              <a:avLst/>
+            </a:prstGeom>
+            <a:ln w="9525" cap="flat" cmpd="sng" algn="ctr">
+              <a:solidFill>
+                <a:schemeClr val="dk1"/>
+              </a:solidFill>
+              <a:prstDash val="dash"/>
+              <a:round/>
+              <a:headEnd type="none" w="med" len="med"/>
+              <a:tailEnd type="none" w="med" len="med"/>
+            </a:ln>
+          </p:spPr>
+          <p:style>
+            <a:lnRef idx="0">
+              <a:scrgbClr r="0" g="0" b="0"/>
+            </a:lnRef>
+            <a:fillRef idx="0">
+              <a:scrgbClr r="0" g="0" b="0"/>
+            </a:fillRef>
+            <a:effectRef idx="0">
+              <a:scrgbClr r="0" g="0" b="0"/>
+            </a:effectRef>
+            <a:fontRef idx="minor">
+              <a:schemeClr val="tx1"/>
+            </a:fontRef>
+          </p:style>
+        </p:cxnSp>
+        <p:sp>
+          <p:nvSpPr>
+            <p:cNvPr id="31" name="TextBox 30"/>
+            <p:cNvSpPr txBox="1"/>
+            <p:nvPr/>
+          </p:nvSpPr>
+          <p:spPr>
+            <a:xfrm>
+              <a:off x="9758181" y="1258193"/>
+              <a:ext cx="598975" cy="369332"/>
+            </a:xfrm>
+            <a:prstGeom prst="rect">
+              <a:avLst/>
+            </a:prstGeom>
+            <a:noFill/>
+          </p:spPr>
+          <p:txBody>
+            <a:bodyPr wrap="square" rtlCol="0">
+              <a:spAutoFit/>
+            </a:bodyPr>
+            <a:lstStyle/>
+            <a:p>
+              <a:r>
+                <a:rPr lang="en-US" dirty="0" smtClean="0"/>
+                <a:t>NW</a:t>
+              </a:r>
+              <a:endParaRPr lang="ru-RU" dirty="0"/>
+            </a:p>
+          </p:txBody>
+        </p:sp>
+        <p:sp>
+          <p:nvSpPr>
+            <p:cNvPr id="392" name="TextBox 391"/>
+            <p:cNvSpPr txBox="1"/>
+            <p:nvPr/>
+          </p:nvSpPr>
+          <p:spPr>
+            <a:xfrm>
+              <a:off x="11095699" y="2406880"/>
+              <a:ext cx="598975" cy="369332"/>
+            </a:xfrm>
+            <a:prstGeom prst="rect">
+              <a:avLst/>
+            </a:prstGeom>
+            <a:noFill/>
+          </p:spPr>
+          <p:txBody>
+            <a:bodyPr wrap="square" rtlCol="0">
+              <a:spAutoFit/>
+            </a:bodyPr>
+            <a:lstStyle/>
+            <a:p>
+              <a:r>
+                <a:rPr lang="en-US" dirty="0" smtClean="0"/>
+                <a:t>SE</a:t>
+              </a:r>
+              <a:endParaRPr lang="ru-RU" dirty="0"/>
+            </a:p>
+          </p:txBody>
+        </p:sp>
+        <p:sp>
+          <p:nvSpPr>
+            <p:cNvPr id="393" name="TextBox 392"/>
+            <p:cNvSpPr txBox="1"/>
+            <p:nvPr/>
+          </p:nvSpPr>
+          <p:spPr>
+            <a:xfrm>
+              <a:off x="11005135" y="1260192"/>
+              <a:ext cx="598975" cy="369332"/>
+            </a:xfrm>
+            <a:prstGeom prst="rect">
+              <a:avLst/>
+            </a:prstGeom>
+            <a:noFill/>
+          </p:spPr>
+          <p:txBody>
+            <a:bodyPr wrap="square" rtlCol="0">
+              <a:spAutoFit/>
+            </a:bodyPr>
+            <a:lstStyle/>
+            <a:p>
+              <a:r>
+                <a:rPr lang="en-US" dirty="0" smtClean="0"/>
+                <a:t>NE</a:t>
+              </a:r>
+              <a:endParaRPr lang="ru-RU" dirty="0"/>
+            </a:p>
+          </p:txBody>
+        </p:sp>
+        <p:sp>
+          <p:nvSpPr>
+            <p:cNvPr id="394" name="TextBox 393"/>
+            <p:cNvSpPr txBox="1"/>
+            <p:nvPr/>
+          </p:nvSpPr>
+          <p:spPr>
+            <a:xfrm>
+              <a:off x="9768410" y="2421118"/>
+              <a:ext cx="598975" cy="369332"/>
+            </a:xfrm>
+            <a:prstGeom prst="rect">
+              <a:avLst/>
+            </a:prstGeom>
+            <a:noFill/>
+          </p:spPr>
+          <p:txBody>
+            <a:bodyPr wrap="square" rtlCol="0">
+              <a:spAutoFit/>
+            </a:bodyPr>
+            <a:lstStyle/>
+            <a:p>
+              <a:r>
+                <a:rPr lang="en-US" dirty="0"/>
+                <a:t>S</a:t>
+              </a:r>
+              <a:r>
+                <a:rPr lang="en-US" dirty="0" smtClean="0"/>
+                <a:t>W</a:t>
+              </a:r>
+              <a:endParaRPr lang="ru-RU" dirty="0"/>
+            </a:p>
+          </p:txBody>
+        </p:sp>
+      </p:grpSp>
     </p:spTree>
     <p:extLst>
       <p:ext uri="{BB962C8B-B14F-4D97-AF65-F5344CB8AC3E}">
@@ -10547,4 +15154,265 @@
     </a:ext>
   </a:extLst>
 </a:theme>
+</file>
+
+<file path=ppt/theme/theme2.xml><?xml version="1.0" encoding="utf-8"?>
+<a:theme xmlns:a="http://schemas.openxmlformats.org/drawingml/2006/main" name="Тема Office">
+  <a:themeElements>
+    <a:clrScheme name="Стандартная">
+      <a:dk1>
+        <a:sysClr val="windowText" lastClr="000000"/>
+      </a:dk1>
+      <a:lt1>
+        <a:sysClr val="window" lastClr="FFFFFF"/>
+      </a:lt1>
+      <a:dk2>
+        <a:srgbClr val="44546A"/>
+      </a:dk2>
+      <a:lt2>
+        <a:srgbClr val="E7E6E6"/>
+      </a:lt2>
+      <a:accent1>
+        <a:srgbClr val="5B9BD5"/>
+      </a:accent1>
+      <a:accent2>
+        <a:srgbClr val="ED7D31"/>
+      </a:accent2>
+      <a:accent3>
+        <a:srgbClr val="A5A5A5"/>
+      </a:accent3>
+      <a:accent4>
+        <a:srgbClr val="FFC000"/>
+      </a:accent4>
+      <a:accent5>
+        <a:srgbClr val="4472C4"/>
+      </a:accent5>
+      <a:accent6>
+        <a:srgbClr val="70AD47"/>
+      </a:accent6>
+      <a:hlink>
+        <a:srgbClr val="0563C1"/>
+      </a:hlink>
+      <a:folHlink>
+        <a:srgbClr val="954F72"/>
+      </a:folHlink>
+    </a:clrScheme>
+    <a:fontScheme name="Стандартная">
+      <a:majorFont>
+        <a:latin typeface="Calibri Light" panose="020F0302020204030204"/>
+        <a:ea typeface=""/>
+        <a:cs typeface=""/>
+        <a:font script="Jpan" typeface="游ゴシック Light"/>
+        <a:font script="Hang" typeface="맑은 고딕"/>
+        <a:font script="Hans" typeface="等线 Light"/>
+        <a:font script="Hant" typeface="新細明體"/>
+        <a:font script="Arab" typeface="Times New Roman"/>
+        <a:font script="Hebr" typeface="Times New Roman"/>
+        <a:font script="Thai" typeface="Angsana New"/>
+        <a:font script="Ethi" typeface="Nyala"/>
+        <a:font script="Beng" typeface="Vrinda"/>
+        <a:font script="Gujr" typeface="Shruti"/>
+        <a:font script="Khmr" typeface="MoolBoran"/>
+        <a:font script="Knda" typeface="Tunga"/>
+        <a:font script="Guru" typeface="Raavi"/>
+        <a:font script="Cans" typeface="Euphemia"/>
+        <a:font script="Cher" typeface="Plantagenet Cherokee"/>
+        <a:font script="Yiii" typeface="Microsoft Yi Baiti"/>
+        <a:font script="Tibt" typeface="Microsoft Himalaya"/>
+        <a:font script="Thaa" typeface="MV Boli"/>
+        <a:font script="Deva" typeface="Mangal"/>
+        <a:font script="Telu" typeface="Gautami"/>
+        <a:font script="Taml" typeface="Latha"/>
+        <a:font script="Syrc" typeface="Estrangelo Edessa"/>
+        <a:font script="Orya" typeface="Kalinga"/>
+        <a:font script="Mlym" typeface="Kartika"/>
+        <a:font script="Laoo" typeface="DokChampa"/>
+        <a:font script="Sinh" typeface="Iskoola Pota"/>
+        <a:font script="Mong" typeface="Mongolian Baiti"/>
+        <a:font script="Viet" typeface="Times New Roman"/>
+        <a:font script="Uigh" typeface="Microsoft Uighur"/>
+        <a:font script="Geor" typeface="Sylfaen"/>
+      </a:majorFont>
+      <a:minorFont>
+        <a:latin typeface="Calibri" panose="020F0502020204030204"/>
+        <a:ea typeface=""/>
+        <a:cs typeface=""/>
+        <a:font script="Jpan" typeface="游ゴシック"/>
+        <a:font script="Hang" typeface="맑은 고딕"/>
+        <a:font script="Hans" typeface="等线"/>
+        <a:font script="Hant" typeface="新細明體"/>
+        <a:font script="Arab" typeface="Arial"/>
+        <a:font script="Hebr" typeface="Arial"/>
+        <a:font script="Thai" typeface="Cordia New"/>
+        <a:font script="Ethi" typeface="Nyala"/>
+        <a:font script="Beng" typeface="Vrinda"/>
+        <a:font script="Gujr" typeface="Shruti"/>
+        <a:font script="Khmr" typeface="DaunPenh"/>
+        <a:font script="Knda" typeface="Tunga"/>
+        <a:font script="Guru" typeface="Raavi"/>
+        <a:font script="Cans" typeface="Euphemia"/>
+        <a:font script="Cher" typeface="Plantagenet Cherokee"/>
+        <a:font script="Yiii" typeface="Microsoft Yi Baiti"/>
+        <a:font script="Tibt" typeface="Microsoft Himalaya"/>
+        <a:font script="Thaa" typeface="MV Boli"/>
+        <a:font script="Deva" typeface="Mangal"/>
+        <a:font script="Telu" typeface="Gautami"/>
+        <a:font script="Taml" typeface="Latha"/>
+        <a:font script="Syrc" typeface="Estrangelo Edessa"/>
+        <a:font script="Orya" typeface="Kalinga"/>
+        <a:font script="Mlym" typeface="Kartika"/>
+        <a:font script="Laoo" typeface="DokChampa"/>
+        <a:font script="Sinh" typeface="Iskoola Pota"/>
+        <a:font script="Mong" typeface="Mongolian Baiti"/>
+        <a:font script="Viet" typeface="Arial"/>
+        <a:font script="Uigh" typeface="Microsoft Uighur"/>
+        <a:font script="Geor" typeface="Sylfaen"/>
+      </a:minorFont>
+    </a:fontScheme>
+    <a:fmtScheme name="Стандартная">
+      <a:fillStyleLst>
+        <a:solidFill>
+          <a:schemeClr val="phClr"/>
+        </a:solidFill>
+        <a:gradFill rotWithShape="1">
+          <a:gsLst>
+            <a:gs pos="0">
+              <a:schemeClr val="phClr">
+                <a:lumMod val="110000"/>
+                <a:satMod val="105000"/>
+                <a:tint val="67000"/>
+              </a:schemeClr>
+            </a:gs>
+            <a:gs pos="50000">
+              <a:schemeClr val="phClr">
+                <a:lumMod val="105000"/>
+                <a:satMod val="103000"/>
+                <a:tint val="73000"/>
+              </a:schemeClr>
+            </a:gs>
+            <a:gs pos="100000">
+              <a:schemeClr val="phClr">
+                <a:lumMod val="105000"/>
+                <a:satMod val="109000"/>
+                <a:tint val="81000"/>
+              </a:schemeClr>
+            </a:gs>
+          </a:gsLst>
+          <a:lin ang="5400000" scaled="0"/>
+        </a:gradFill>
+        <a:gradFill rotWithShape="1">
+          <a:gsLst>
+            <a:gs pos="0">
+              <a:schemeClr val="phClr">
+                <a:satMod val="103000"/>
+                <a:lumMod val="102000"/>
+                <a:tint val="94000"/>
+              </a:schemeClr>
+            </a:gs>
+            <a:gs pos="50000">
+              <a:schemeClr val="phClr">
+                <a:satMod val="110000"/>
+                <a:lumMod val="100000"/>
+                <a:shade val="100000"/>
+              </a:schemeClr>
+            </a:gs>
+            <a:gs pos="100000">
+              <a:schemeClr val="phClr">
+                <a:lumMod val="99000"/>
+                <a:satMod val="120000"/>
+                <a:shade val="78000"/>
+              </a:schemeClr>
+            </a:gs>
+          </a:gsLst>
+          <a:lin ang="5400000" scaled="0"/>
+        </a:gradFill>
+      </a:fillStyleLst>
+      <a:lnStyleLst>
+        <a:ln w="6350" cap="flat" cmpd="sng" algn="ctr">
+          <a:solidFill>
+            <a:schemeClr val="phClr"/>
+          </a:solidFill>
+          <a:prstDash val="solid"/>
+          <a:miter lim="800000"/>
+        </a:ln>
+        <a:ln w="12700" cap="flat" cmpd="sng" algn="ctr">
+          <a:solidFill>
+            <a:schemeClr val="phClr"/>
+          </a:solidFill>
+          <a:prstDash val="solid"/>
+          <a:miter lim="800000"/>
+        </a:ln>
+        <a:ln w="19050" cap="flat" cmpd="sng" algn="ctr">
+          <a:solidFill>
+            <a:schemeClr val="phClr"/>
+          </a:solidFill>
+          <a:prstDash val="solid"/>
+          <a:miter lim="800000"/>
+        </a:ln>
+      </a:lnStyleLst>
+      <a:effectStyleLst>
+        <a:effectStyle>
+          <a:effectLst/>
+        </a:effectStyle>
+        <a:effectStyle>
+          <a:effectLst/>
+        </a:effectStyle>
+        <a:effectStyle>
+          <a:effectLst>
+            <a:outerShdw blurRad="57150" dist="19050" dir="5400000" algn="ctr" rotWithShape="0">
+              <a:srgbClr val="000000">
+                <a:alpha val="63000"/>
+              </a:srgbClr>
+            </a:outerShdw>
+          </a:effectLst>
+        </a:effectStyle>
+      </a:effectStyleLst>
+      <a:bgFillStyleLst>
+        <a:solidFill>
+          <a:schemeClr val="phClr"/>
+        </a:solidFill>
+        <a:solidFill>
+          <a:schemeClr val="phClr">
+            <a:tint val="95000"/>
+            <a:satMod val="170000"/>
+          </a:schemeClr>
+        </a:solidFill>
+        <a:gradFill rotWithShape="1">
+          <a:gsLst>
+            <a:gs pos="0">
+              <a:schemeClr val="phClr">
+                <a:tint val="93000"/>
+                <a:satMod val="150000"/>
+                <a:shade val="98000"/>
+                <a:lumMod val="102000"/>
+              </a:schemeClr>
+            </a:gs>
+            <a:gs pos="50000">
+              <a:schemeClr val="phClr">
+                <a:tint val="98000"/>
+                <a:satMod val="130000"/>
+                <a:shade val="90000"/>
+                <a:lumMod val="103000"/>
+              </a:schemeClr>
+            </a:gs>
+            <a:gs pos="100000">
+              <a:schemeClr val="phClr">
+                <a:shade val="63000"/>
+                <a:satMod val="120000"/>
+              </a:schemeClr>
+            </a:gs>
+          </a:gsLst>
+          <a:lin ang="5400000" scaled="0"/>
+        </a:gradFill>
+      </a:bgFillStyleLst>
+    </a:fmtScheme>
+  </a:themeElements>
+  <a:objectDefaults/>
+  <a:extraClrSchemeLst/>
+  <a:extLst>
+    <a:ext uri="{05A4C25C-085E-4340-85A3-A5531E510DB2}">
+      <thm15:themeFamily xmlns:thm15="http://schemas.microsoft.com/office/thememl/2012/main" name="Office Theme" id="{62F939B6-93AF-4DB8-9C6B-D6C7DFDC589F}" vid="{4A3C46E8-61CC-4603-A589-7422A47A8E4A}"/>
+    </a:ext>
+  </a:extLst>
+</a:theme>
 </file>